--- a/translations/en-us/beginner/Ultrasonic.pptx
+++ b/translations/en-us/beginner/Ultrasonic.pptx
@@ -221,7 +221,7 @@
           <a:p>
             <a:fld id="{F8D9B3D7-15CB-9343-AA49-EFB5A8F33F18}" type="datetimeFigureOut">
               <a:rPr lang="en-US" smtClean="0"/>
-              <a:t>3/1/2015</a:t>
+              <a:t>11/14/15</a:t>
             </a:fld>
             <a:endParaRPr lang="en-US"/>
           </a:p>
@@ -387,7 +387,7 @@
           <a:p>
             <a:fld id="{FD3EFF1E-85A1-6640-AFB9-C38833E80A84}" type="datetimeFigureOut">
               <a:rPr lang="en-US" smtClean="0"/>
-              <a:t>3/1/2015</a:t>
+              <a:t>11/14/15</a:t>
             </a:fld>
             <a:endParaRPr lang="en-US"/>
           </a:p>
@@ -1101,7 +1101,7 @@
           <a:p>
             <a:fld id="{617F5DA4-857E-48D4-B925-A292507E194D}" type="datetime1">
               <a:rPr lang="en-US" smtClean="0"/>
-              <a:t>3/1/2015</a:t>
+              <a:t>11/14/15</a:t>
             </a:fld>
             <a:endParaRPr lang="en-US"/>
           </a:p>
@@ -1695,7 +1695,7 @@
           <a:p>
             <a:fld id="{22CE9C43-4233-4E6F-901C-53B1AC243578}" type="datetime1">
               <a:rPr lang="en-US" smtClean="0"/>
-              <a:t>3/1/2015</a:t>
+              <a:t>11/14/15</a:t>
             </a:fld>
             <a:endParaRPr lang="en-US"/>
           </a:p>
@@ -1874,7 +1874,7 @@
           <a:p>
             <a:fld id="{0EBB0A0A-CD50-4073-9819-783B87EA2A07}" type="datetime1">
               <a:rPr lang="en-US" smtClean="0"/>
-              <a:t>3/1/2015</a:t>
+              <a:t>11/14/15</a:t>
             </a:fld>
             <a:endParaRPr lang="en-US"/>
           </a:p>
@@ -2053,7 +2053,7 @@
           <a:p>
             <a:fld id="{54FA91B0-9793-4E20-B1C0-05789E599AFE}" type="datetime1">
               <a:rPr lang="en-US" smtClean="0"/>
-              <a:t>3/1/2015</a:t>
+              <a:t>11/14/15</a:t>
             </a:fld>
             <a:endParaRPr lang="en-US"/>
           </a:p>
@@ -2311,7 +2311,7 @@
           <a:p>
             <a:fld id="{BFD493C8-A4B5-475B-8881-1E3A68C59707}" type="datetime1">
               <a:rPr lang="en-US" smtClean="0"/>
-              <a:t>3/1/2015</a:t>
+              <a:t>11/14/15</a:t>
             </a:fld>
             <a:endParaRPr lang="en-US"/>
           </a:p>
@@ -2603,7 +2603,7 @@
           <a:p>
             <a:fld id="{4543750E-5C4C-42C0-BB41-1E8AFB62005E}" type="datetime1">
               <a:rPr lang="en-US" smtClean="0"/>
-              <a:t>3/1/2015</a:t>
+              <a:t>11/14/15</a:t>
             </a:fld>
             <a:endParaRPr lang="en-US"/>
           </a:p>
@@ -3046,7 +3046,7 @@
           <a:p>
             <a:fld id="{963DF936-BE64-42E5-A746-CD4F311B44B0}" type="datetime1">
               <a:rPr lang="en-US" smtClean="0"/>
-              <a:t>3/1/2015</a:t>
+              <a:t>11/14/15</a:t>
             </a:fld>
             <a:endParaRPr lang="en-US"/>
           </a:p>
@@ -3163,7 +3163,7 @@
           <a:p>
             <a:fld id="{974A051B-BC27-47B3-A137-F829C092ABC6}" type="datetime1">
               <a:rPr lang="en-US" smtClean="0"/>
-              <a:t>3/1/2015</a:t>
+              <a:t>11/14/15</a:t>
             </a:fld>
             <a:endParaRPr lang="en-US"/>
           </a:p>
@@ -3257,7 +3257,7 @@
           <a:p>
             <a:fld id="{3B523CFA-57C3-499D-97FD-9ECE987B201A}" type="datetime1">
               <a:rPr lang="en-US" smtClean="0"/>
-              <a:t>3/1/2015</a:t>
+              <a:t>11/14/15</a:t>
             </a:fld>
             <a:endParaRPr lang="en-US"/>
           </a:p>
@@ -3503,7 +3503,7 @@
           <a:p>
             <a:fld id="{17F64356-E203-47A5-8401-17C16F6227B8}" type="datetime1">
               <a:rPr lang="en-US" smtClean="0"/>
-              <a:t>3/1/2015</a:t>
+              <a:t>11/14/15</a:t>
             </a:fld>
             <a:endParaRPr lang="en-US"/>
           </a:p>
@@ -3801,7 +3801,7 @@
           <a:p>
             <a:fld id="{89326484-11F7-4A3C-BD01-B3BC579D5E9D}" type="datetime1">
               <a:rPr lang="en-US" smtClean="0"/>
-              <a:t>3/1/2015</a:t>
+              <a:t>11/14/15</a:t>
             </a:fld>
             <a:endParaRPr lang="en-US"/>
           </a:p>
@@ -4099,7 +4099,7 @@
           <a:p>
             <a:fld id="{260A6EEC-1BFA-41E7-A0C8-1B652F0E4665}" type="datetime1">
               <a:rPr lang="en-US" smtClean="0"/>
-              <a:t>3/1/2015</a:t>
+              <a:t>11/14/15</a:t>
             </a:fld>
             <a:endParaRPr lang="en-US"/>
           </a:p>
@@ -4983,36 +4983,6 @@
           </a:p>
         </p:txBody>
       </p:sp>
-      <p:pic>
-        <p:nvPicPr>
-          <p:cNvPr id="3" name="Picture 2" descr="Droidslogo2.png"/>
-          <p:cNvPicPr>
-            <a:picLocks noChangeAspect="1"/>
-          </p:cNvPicPr>
-          <p:nvPr/>
-        </p:nvPicPr>
-        <p:blipFill>
-          <a:blip r:embed="rId3">
-            <a:extLst>
-              <a:ext uri="{28A0092B-C50C-407E-A947-70E740481C1C}">
-                <a14:useLocalDpi xmlns:a14="http://schemas.microsoft.com/office/drawing/2010/main" val="0"/>
-              </a:ext>
-            </a:extLst>
-          </a:blip>
-          <a:stretch>
-            <a:fillRect/>
-          </a:stretch>
-        </p:blipFill>
-        <p:spPr>
-          <a:xfrm>
-            <a:off x="402306" y="5456830"/>
-            <a:ext cx="1085195" cy="1085195"/>
-          </a:xfrm>
-          <a:prstGeom prst="rect">
-            <a:avLst/>
-          </a:prstGeom>
-        </p:spPr>
-      </p:pic>
       <p:sp>
         <p:nvSpPr>
           <p:cNvPr id="4" name="TextBox 3"/>
@@ -5066,7 +5036,7 @@
           <p:nvPr/>
         </p:nvPicPr>
         <p:blipFill>
-          <a:blip r:embed="rId4">
+          <a:blip r:embed="rId3">
             <a:extLst>
               <a:ext uri="{28A0092B-C50C-407E-A947-70E740481C1C}">
                 <a14:useLocalDpi xmlns:a14="http://schemas.microsoft.com/office/drawing/2010/main" val="0"/>
@@ -5089,13 +5059,43 @@
           <a:noFill/>
           <a:extLst>
             <a:ext uri="{909E8E84-426E-40dd-AFC4-6F175D3DCCD1}">
-              <a14:hiddenFill xmlns:a14="http://schemas.microsoft.com/office/drawing/2010/main" xmlns="">
+              <a14:hiddenFill xmlns="" xmlns:a14="http://schemas.microsoft.com/office/drawing/2010/main">
                 <a:solidFill>
                   <a:srgbClr val="FFFFFF"/>
                 </a:solidFill>
               </a14:hiddenFill>
             </a:ext>
           </a:extLst>
+        </p:spPr>
+      </p:pic>
+      <p:pic>
+        <p:nvPicPr>
+          <p:cNvPr id="5" name="Picture 4"/>
+          <p:cNvPicPr>
+            <a:picLocks noChangeAspect="1"/>
+          </p:cNvPicPr>
+          <p:nvPr/>
+        </p:nvPicPr>
+        <p:blipFill>
+          <a:blip r:embed="rId4">
+            <a:extLst>
+              <a:ext uri="{28A0092B-C50C-407E-A947-70E740481C1C}">
+                <a14:useLocalDpi xmlns:a14="http://schemas.microsoft.com/office/drawing/2010/main" val="0"/>
+              </a:ext>
+            </a:extLst>
+          </a:blip>
+          <a:stretch>
+            <a:fillRect/>
+          </a:stretch>
+        </p:blipFill>
+        <p:spPr>
+          <a:xfrm>
+            <a:off x="214653" y="5255172"/>
+            <a:ext cx="1272848" cy="1217691"/>
+          </a:xfrm>
+          <a:prstGeom prst="rect">
+            <a:avLst/>
+          </a:prstGeom>
         </p:spPr>
       </p:pic>
     </p:spTree>
@@ -5454,7 +5454,7 @@
           <a:effectLst/>
           <a:extLst>
             <a:ext uri="{91240B29-F687-4f45-9708-019B960494DF}">
-              <a14:hiddenLine xmlns:a14="http://schemas.microsoft.com/office/drawing/2010/main" xmlns="" w="9525">
+              <a14:hiddenLine xmlns="" xmlns:a14="http://schemas.microsoft.com/office/drawing/2010/main" w="9525">
                 <a:solidFill>
                   <a:schemeClr val="tx1"/>
                 </a:solidFill>
@@ -5464,7 +5464,7 @@
               </a14:hiddenLine>
             </a:ext>
             <a:ext uri="{AF507438-7753-43e0-B8FC-AC1667EBCBE1}">
-              <a14:hiddenEffects xmlns:a14="http://schemas.microsoft.com/office/drawing/2010/main" xmlns="">
+              <a14:hiddenEffects xmlns="" xmlns:a14="http://schemas.microsoft.com/office/drawing/2010/main">
                 <a:effectLst>
                   <a:outerShdw dist="35921" dir="2700000" algn="ctr" rotWithShape="0">
                     <a:schemeClr val="bg2"/>
@@ -5817,7 +5817,7 @@
           <a:noFill/>
           <a:extLst>
             <a:ext uri="{909E8E84-426E-40dd-AFC4-6F175D3DCCD1}">
-              <a14:hiddenFill xmlns:a14="http://schemas.microsoft.com/office/drawing/2010/main" xmlns="">
+              <a14:hiddenFill xmlns="" xmlns:a14="http://schemas.microsoft.com/office/drawing/2010/main">
                 <a:solidFill>
                   <a:srgbClr val="FFFFFF"/>
                 </a:solidFill>
@@ -6213,7 +6213,7 @@
           <a:noFill/>
           <a:extLst>
             <a:ext uri="{909E8E84-426E-40dd-AFC4-6F175D3DCCD1}">
-              <a14:hiddenFill xmlns:a14="http://schemas.microsoft.com/office/drawing/2010/main" xmlns="">
+              <a14:hiddenFill xmlns="" xmlns:a14="http://schemas.microsoft.com/office/drawing/2010/main">
                 <a:solidFill>
                   <a:srgbClr val="FFFFFF"/>
                 </a:solidFill>

--- a/translations/en-us/beginner/Ultrasonic.pptx
+++ b/translations/en-us/beginner/Ultrasonic.pptx
@@ -17,9 +17,9 @@
     <p:sldId id="410" r:id="rId5"/>
     <p:sldId id="368" r:id="rId6"/>
     <p:sldId id="369" r:id="rId7"/>
-    <p:sldId id="370" r:id="rId8"/>
-    <p:sldId id="371" r:id="rId9"/>
-    <p:sldId id="413" r:id="rId10"/>
+    <p:sldId id="413" r:id="rId8"/>
+    <p:sldId id="370" r:id="rId9"/>
+    <p:sldId id="371" r:id="rId10"/>
     <p:sldId id="372" r:id="rId11"/>
     <p:sldId id="409" r:id="rId12"/>
   </p:sldIdLst>
@@ -221,7 +221,7 @@
           <a:p>
             <a:fld id="{F8D9B3D7-15CB-9343-AA49-EFB5A8F33F18}" type="datetimeFigureOut">
               <a:rPr lang="en-US" smtClean="0"/>
-              <a:t>11/14/15</a:t>
+              <a:t>4/9/2016</a:t>
             </a:fld>
             <a:endParaRPr lang="en-US"/>
           </a:p>
@@ -387,7 +387,7 @@
           <a:p>
             <a:fld id="{FD3EFF1E-85A1-6640-AFB9-C38833E80A84}" type="datetimeFigureOut">
               <a:rPr lang="en-US" smtClean="0"/>
-              <a:t>11/14/15</a:t>
+              <a:t>4/9/2016</a:t>
             </a:fld>
             <a:endParaRPr lang="en-US"/>
           </a:p>
@@ -451,38 +451,37 @@
           <a:p>
             <a:pPr lvl="0"/>
             <a:r>
-              <a:rPr lang="en-US" smtClean="0"/>
+              <a:rPr lang="en-US"/>
               <a:t>Click to edit Master text styles</a:t>
             </a:r>
           </a:p>
           <a:p>
             <a:pPr lvl="1"/>
             <a:r>
-              <a:rPr lang="en-US" smtClean="0"/>
+              <a:rPr lang="en-US"/>
               <a:t>Second level</a:t>
             </a:r>
           </a:p>
           <a:p>
             <a:pPr lvl="2"/>
             <a:r>
-              <a:rPr lang="en-US" smtClean="0"/>
+              <a:rPr lang="en-US"/>
               <a:t>Third level</a:t>
             </a:r>
           </a:p>
           <a:p>
             <a:pPr lvl="3"/>
             <a:r>
-              <a:rPr lang="en-US" smtClean="0"/>
+              <a:rPr lang="en-US"/>
               <a:t>Fourth level</a:t>
             </a:r>
           </a:p>
           <a:p>
             <a:pPr lvl="4"/>
             <a:r>
-              <a:rPr lang="en-US" smtClean="0"/>
+              <a:rPr lang="en-US"/>
               <a:t>Fifth level</a:t>
             </a:r>
-            <a:endParaRPr lang="en-US"/>
           </a:p>
         </p:txBody>
       </p:sp>
@@ -959,7 +958,7 @@
           </a:lstStyle>
           <a:p>
             <a:r>
-              <a:rPr lang="en-US" smtClean="0"/>
+              <a:rPr lang="en-US"/>
               <a:t>Click to edit Master title style</a:t>
             </a:r>
             <a:endParaRPr lang="en-US" dirty="0"/>
@@ -1077,31 +1076,31 @@
           </a:lstStyle>
           <a:p>
             <a:r>
+              <a:rPr lang="en-US"/>
+              <a:t>Click to edit Master subtitle style</a:t>
+            </a:r>
+            <a:endParaRPr lang="en-US" dirty="0"/>
+          </a:p>
+        </p:txBody>
+      </p:sp>
+      <p:sp>
+        <p:nvSpPr>
+          <p:cNvPr id="4" name="Date Placeholder 3"/>
+          <p:cNvSpPr>
+            <a:spLocks noGrp="1"/>
+          </p:cNvSpPr>
+          <p:nvPr>
+            <p:ph type="dt" sz="half" idx="10"/>
+          </p:nvPr>
+        </p:nvSpPr>
+        <p:spPr/>
+        <p:txBody>
+          <a:bodyPr/>
+          <a:lstStyle/>
+          <a:p>
+            <a:fld id="{3B491744-F677-48B8-BBAF-F522A64CCED7}" type="datetime1">
               <a:rPr lang="en-US" smtClean="0"/>
-              <a:t>Click to edit Master subtitle style</a:t>
-            </a:r>
-            <a:endParaRPr lang="en-US" dirty="0"/>
-          </a:p>
-        </p:txBody>
-      </p:sp>
-      <p:sp>
-        <p:nvSpPr>
-          <p:cNvPr id="4" name="Date Placeholder 3"/>
-          <p:cNvSpPr>
-            <a:spLocks noGrp="1"/>
-          </p:cNvSpPr>
-          <p:nvPr>
-            <p:ph type="dt" sz="half" idx="10"/>
-          </p:nvPr>
-        </p:nvSpPr>
-        <p:spPr/>
-        <p:txBody>
-          <a:bodyPr/>
-          <a:lstStyle/>
-          <a:p>
-            <a:fld id="{617F5DA4-857E-48D4-B925-A292507E194D}" type="datetime1">
-              <a:rPr lang="en-US" smtClean="0"/>
-              <a:t>11/14/15</a:t>
+              <a:t>4/9/2016</a:t>
             </a:fld>
             <a:endParaRPr lang="en-US"/>
           </a:p>
@@ -1123,10 +1122,9 @@
           <a:lstStyle/>
           <a:p>
             <a:r>
-              <a:rPr lang="en-US" smtClean="0"/>
-              <a:t>© EV3Lessons.com, 2015, (Last edit: 2/26/2015)</a:t>
-            </a:r>
-            <a:endParaRPr lang="en-US"/>
+              <a:rPr lang="en-US"/>
+              <a:t>© EV3Lessons.com, 2015, (Last edit: 4/9/2016)</a:t>
+            </a:r>
           </a:p>
         </p:txBody>
       </p:sp>
@@ -1619,83 +1617,81 @@
           <a:lstStyle/>
           <a:p>
             <a:r>
+              <a:rPr lang="en-US"/>
+              <a:t>Click to edit Master title style</a:t>
+            </a:r>
+          </a:p>
+        </p:txBody>
+      </p:sp>
+      <p:sp>
+        <p:nvSpPr>
+          <p:cNvPr id="3" name="Vertical Text Placeholder 2"/>
+          <p:cNvSpPr>
+            <a:spLocks noGrp="1"/>
+          </p:cNvSpPr>
+          <p:nvPr>
+            <p:ph type="body" orient="vert" idx="1"/>
+          </p:nvPr>
+        </p:nvSpPr>
+        <p:spPr/>
+        <p:txBody>
+          <a:bodyPr vert="eaVert"/>
+          <a:lstStyle/>
+          <a:p>
+            <a:pPr lvl="0"/>
+            <a:r>
+              <a:rPr lang="en-US"/>
+              <a:t>Click to edit Master text styles</a:t>
+            </a:r>
+          </a:p>
+          <a:p>
+            <a:pPr lvl="1"/>
+            <a:r>
+              <a:rPr lang="en-US"/>
+              <a:t>Second level</a:t>
+            </a:r>
+          </a:p>
+          <a:p>
+            <a:pPr lvl="2"/>
+            <a:r>
+              <a:rPr lang="en-US"/>
+              <a:t>Third level</a:t>
+            </a:r>
+          </a:p>
+          <a:p>
+            <a:pPr lvl="3"/>
+            <a:r>
+              <a:rPr lang="en-US"/>
+              <a:t>Fourth level</a:t>
+            </a:r>
+          </a:p>
+          <a:p>
+            <a:pPr lvl="4"/>
+            <a:r>
+              <a:rPr lang="en-US"/>
+              <a:t>Fifth level</a:t>
+            </a:r>
+          </a:p>
+        </p:txBody>
+      </p:sp>
+      <p:sp>
+        <p:nvSpPr>
+          <p:cNvPr id="4" name="Date Placeholder 3"/>
+          <p:cNvSpPr>
+            <a:spLocks noGrp="1"/>
+          </p:cNvSpPr>
+          <p:nvPr>
+            <p:ph type="dt" sz="half" idx="10"/>
+          </p:nvPr>
+        </p:nvSpPr>
+        <p:spPr/>
+        <p:txBody>
+          <a:bodyPr/>
+          <a:lstStyle/>
+          <a:p>
+            <a:fld id="{3EF1F4DC-AD38-4A1E-9A29-37ACDE762472}" type="datetime1">
               <a:rPr lang="en-US" smtClean="0"/>
-              <a:t>Click to edit Master title style</a:t>
-            </a:r>
-            <a:endParaRPr lang="en-US"/>
-          </a:p>
-        </p:txBody>
-      </p:sp>
-      <p:sp>
-        <p:nvSpPr>
-          <p:cNvPr id="3" name="Vertical Text Placeholder 2"/>
-          <p:cNvSpPr>
-            <a:spLocks noGrp="1"/>
-          </p:cNvSpPr>
-          <p:nvPr>
-            <p:ph type="body" orient="vert" idx="1"/>
-          </p:nvPr>
-        </p:nvSpPr>
-        <p:spPr/>
-        <p:txBody>
-          <a:bodyPr vert="eaVert"/>
-          <a:lstStyle/>
-          <a:p>
-            <a:pPr lvl="0"/>
-            <a:r>
-              <a:rPr lang="en-US" smtClean="0"/>
-              <a:t>Click to edit Master text styles</a:t>
-            </a:r>
-          </a:p>
-          <a:p>
-            <a:pPr lvl="1"/>
-            <a:r>
-              <a:rPr lang="en-US" smtClean="0"/>
-              <a:t>Second level</a:t>
-            </a:r>
-          </a:p>
-          <a:p>
-            <a:pPr lvl="2"/>
-            <a:r>
-              <a:rPr lang="en-US" smtClean="0"/>
-              <a:t>Third level</a:t>
-            </a:r>
-          </a:p>
-          <a:p>
-            <a:pPr lvl="3"/>
-            <a:r>
-              <a:rPr lang="en-US" smtClean="0"/>
-              <a:t>Fourth level</a:t>
-            </a:r>
-          </a:p>
-          <a:p>
-            <a:pPr lvl="4"/>
-            <a:r>
-              <a:rPr lang="en-US" smtClean="0"/>
-              <a:t>Fifth level</a:t>
-            </a:r>
-            <a:endParaRPr lang="en-US"/>
-          </a:p>
-        </p:txBody>
-      </p:sp>
-      <p:sp>
-        <p:nvSpPr>
-          <p:cNvPr id="4" name="Date Placeholder 3"/>
-          <p:cNvSpPr>
-            <a:spLocks noGrp="1"/>
-          </p:cNvSpPr>
-          <p:nvPr>
-            <p:ph type="dt" sz="half" idx="10"/>
-          </p:nvPr>
-        </p:nvSpPr>
-        <p:spPr/>
-        <p:txBody>
-          <a:bodyPr/>
-          <a:lstStyle/>
-          <a:p>
-            <a:fld id="{22CE9C43-4233-4E6F-901C-53B1AC243578}" type="datetime1">
-              <a:rPr lang="en-US" smtClean="0"/>
-              <a:t>11/14/15</a:t>
+              <a:t>4/9/2016</a:t>
             </a:fld>
             <a:endParaRPr lang="en-US"/>
           </a:p>
@@ -1717,10 +1713,9 @@
           <a:lstStyle/>
           <a:p>
             <a:r>
-              <a:rPr lang="en-US" smtClean="0"/>
-              <a:t>© EV3Lessons.com, 2015, (Last edit: 2/26/2015)</a:t>
-            </a:r>
-            <a:endParaRPr lang="en-US"/>
+              <a:rPr lang="en-US"/>
+              <a:t>© EV3Lessons.com, 2015, (Last edit: 4/9/2016)</a:t>
+            </a:r>
           </a:p>
         </p:txBody>
       </p:sp>
@@ -1793,10 +1788,9 @@
           <a:lstStyle/>
           <a:p>
             <a:r>
-              <a:rPr lang="en-US" smtClean="0"/>
+              <a:rPr lang="en-US"/>
               <a:t>Click to edit Master title style</a:t>
             </a:r>
-            <a:endParaRPr lang="en-US"/>
           </a:p>
         </p:txBody>
       </p:sp>
@@ -1822,59 +1816,58 @@
           <a:p>
             <a:pPr lvl="0"/>
             <a:r>
+              <a:rPr lang="en-US"/>
+              <a:t>Click to edit Master text styles</a:t>
+            </a:r>
+          </a:p>
+          <a:p>
+            <a:pPr lvl="1"/>
+            <a:r>
+              <a:rPr lang="en-US"/>
+              <a:t>Second level</a:t>
+            </a:r>
+          </a:p>
+          <a:p>
+            <a:pPr lvl="2"/>
+            <a:r>
+              <a:rPr lang="en-US"/>
+              <a:t>Third level</a:t>
+            </a:r>
+          </a:p>
+          <a:p>
+            <a:pPr lvl="3"/>
+            <a:r>
+              <a:rPr lang="en-US"/>
+              <a:t>Fourth level</a:t>
+            </a:r>
+          </a:p>
+          <a:p>
+            <a:pPr lvl="4"/>
+            <a:r>
+              <a:rPr lang="en-US"/>
+              <a:t>Fifth level</a:t>
+            </a:r>
+          </a:p>
+        </p:txBody>
+      </p:sp>
+      <p:sp>
+        <p:nvSpPr>
+          <p:cNvPr id="4" name="Date Placeholder 3"/>
+          <p:cNvSpPr>
+            <a:spLocks noGrp="1"/>
+          </p:cNvSpPr>
+          <p:nvPr>
+            <p:ph type="dt" sz="half" idx="10"/>
+          </p:nvPr>
+        </p:nvSpPr>
+        <p:spPr/>
+        <p:txBody>
+          <a:bodyPr/>
+          <a:lstStyle/>
+          <a:p>
+            <a:fld id="{86CBB32D-E3BC-4159-8930-DAE8C5FEA7D7}" type="datetime1">
               <a:rPr lang="en-US" smtClean="0"/>
-              <a:t>Click to edit Master text styles</a:t>
-            </a:r>
-          </a:p>
-          <a:p>
-            <a:pPr lvl="1"/>
-            <a:r>
-              <a:rPr lang="en-US" smtClean="0"/>
-              <a:t>Second level</a:t>
-            </a:r>
-          </a:p>
-          <a:p>
-            <a:pPr lvl="2"/>
-            <a:r>
-              <a:rPr lang="en-US" smtClean="0"/>
-              <a:t>Third level</a:t>
-            </a:r>
-          </a:p>
-          <a:p>
-            <a:pPr lvl="3"/>
-            <a:r>
-              <a:rPr lang="en-US" smtClean="0"/>
-              <a:t>Fourth level</a:t>
-            </a:r>
-          </a:p>
-          <a:p>
-            <a:pPr lvl="4"/>
-            <a:r>
-              <a:rPr lang="en-US" smtClean="0"/>
-              <a:t>Fifth level</a:t>
-            </a:r>
-            <a:endParaRPr lang="en-US"/>
-          </a:p>
-        </p:txBody>
-      </p:sp>
-      <p:sp>
-        <p:nvSpPr>
-          <p:cNvPr id="4" name="Date Placeholder 3"/>
-          <p:cNvSpPr>
-            <a:spLocks noGrp="1"/>
-          </p:cNvSpPr>
-          <p:nvPr>
-            <p:ph type="dt" sz="half" idx="10"/>
-          </p:nvPr>
-        </p:nvSpPr>
-        <p:spPr/>
-        <p:txBody>
-          <a:bodyPr/>
-          <a:lstStyle/>
-          <a:p>
-            <a:fld id="{0EBB0A0A-CD50-4073-9819-783B87EA2A07}" type="datetime1">
-              <a:rPr lang="en-US" smtClean="0"/>
-              <a:t>11/14/15</a:t>
+              <a:t>4/9/2016</a:t>
             </a:fld>
             <a:endParaRPr lang="en-US"/>
           </a:p>
@@ -1896,10 +1889,9 @@
           <a:lstStyle/>
           <a:p>
             <a:r>
-              <a:rPr lang="en-US" smtClean="0"/>
-              <a:t>© EV3Lessons.com, 2015, (Last edit: 2/26/2015)</a:t>
-            </a:r>
-            <a:endParaRPr lang="en-US"/>
+              <a:rPr lang="en-US"/>
+              <a:t>© EV3Lessons.com, 2015, (Last edit: 4/9/2016)</a:t>
+            </a:r>
           </a:p>
         </p:txBody>
       </p:sp>
@@ -1972,10 +1964,9 @@
           <a:lstStyle/>
           <a:p>
             <a:r>
-              <a:rPr lang="en-US" smtClean="0"/>
+              <a:rPr lang="en-US"/>
               <a:t>Click to edit Master title style</a:t>
             </a:r>
-            <a:endParaRPr lang="en-US"/>
           </a:p>
         </p:txBody>
       </p:sp>
@@ -2001,59 +1992,59 @@
           <a:p>
             <a:pPr lvl="0"/>
             <a:r>
+              <a:rPr lang="en-US"/>
+              <a:t>Click to edit Master text styles</a:t>
+            </a:r>
+          </a:p>
+          <a:p>
+            <a:pPr lvl="1"/>
+            <a:r>
+              <a:rPr lang="en-US"/>
+              <a:t>Second level</a:t>
+            </a:r>
+          </a:p>
+          <a:p>
+            <a:pPr lvl="2"/>
+            <a:r>
+              <a:rPr lang="en-US"/>
+              <a:t>Third level</a:t>
+            </a:r>
+          </a:p>
+          <a:p>
+            <a:pPr lvl="3"/>
+            <a:r>
+              <a:rPr lang="en-US"/>
+              <a:t>Fourth level</a:t>
+            </a:r>
+          </a:p>
+          <a:p>
+            <a:pPr lvl="4"/>
+            <a:r>
+              <a:rPr lang="en-US"/>
+              <a:t>Fifth level</a:t>
+            </a:r>
+            <a:endParaRPr lang="en-US" dirty="0"/>
+          </a:p>
+        </p:txBody>
+      </p:sp>
+      <p:sp>
+        <p:nvSpPr>
+          <p:cNvPr id="4" name="Date Placeholder 3"/>
+          <p:cNvSpPr>
+            <a:spLocks noGrp="1"/>
+          </p:cNvSpPr>
+          <p:nvPr>
+            <p:ph type="dt" sz="half" idx="10"/>
+          </p:nvPr>
+        </p:nvSpPr>
+        <p:spPr/>
+        <p:txBody>
+          <a:bodyPr/>
+          <a:lstStyle/>
+          <a:p>
+            <a:fld id="{DE61801D-AD31-4005-9300-97B6765202EE}" type="datetime1">
               <a:rPr lang="en-US" smtClean="0"/>
-              <a:t>Click to edit Master text styles</a:t>
-            </a:r>
-          </a:p>
-          <a:p>
-            <a:pPr lvl="1"/>
-            <a:r>
-              <a:rPr lang="en-US" smtClean="0"/>
-              <a:t>Second level</a:t>
-            </a:r>
-          </a:p>
-          <a:p>
-            <a:pPr lvl="2"/>
-            <a:r>
-              <a:rPr lang="en-US" smtClean="0"/>
-              <a:t>Third level</a:t>
-            </a:r>
-          </a:p>
-          <a:p>
-            <a:pPr lvl="3"/>
-            <a:r>
-              <a:rPr lang="en-US" smtClean="0"/>
-              <a:t>Fourth level</a:t>
-            </a:r>
-          </a:p>
-          <a:p>
-            <a:pPr lvl="4"/>
-            <a:r>
-              <a:rPr lang="en-US" smtClean="0"/>
-              <a:t>Fifth level</a:t>
-            </a:r>
-            <a:endParaRPr lang="en-US" dirty="0"/>
-          </a:p>
-        </p:txBody>
-      </p:sp>
-      <p:sp>
-        <p:nvSpPr>
-          <p:cNvPr id="4" name="Date Placeholder 3"/>
-          <p:cNvSpPr>
-            <a:spLocks noGrp="1"/>
-          </p:cNvSpPr>
-          <p:nvPr>
-            <p:ph type="dt" sz="half" idx="10"/>
-          </p:nvPr>
-        </p:nvSpPr>
-        <p:spPr/>
-        <p:txBody>
-          <a:bodyPr/>
-          <a:lstStyle/>
-          <a:p>
-            <a:fld id="{54FA91B0-9793-4E20-B1C0-05789E599AFE}" type="datetime1">
-              <a:rPr lang="en-US" smtClean="0"/>
-              <a:t>11/14/15</a:t>
+              <a:t>4/9/2016</a:t>
             </a:fld>
             <a:endParaRPr lang="en-US"/>
           </a:p>
@@ -2075,10 +2066,9 @@
           <a:lstStyle/>
           <a:p>
             <a:r>
-              <a:rPr lang="en-US" smtClean="0"/>
-              <a:t>© EV3Lessons.com, 2015, (Last edit: 2/26/2015)</a:t>
-            </a:r>
-            <a:endParaRPr lang="en-US"/>
+              <a:rPr lang="en-US"/>
+              <a:t>© EV3Lessons.com, 2015, (Last edit: 4/9/2016)</a:t>
+            </a:r>
           </a:p>
         </p:txBody>
       </p:sp>
@@ -2169,7 +2159,7 @@
           </a:lstStyle>
           <a:p>
             <a:r>
-              <a:rPr lang="en-US" smtClean="0"/>
+              <a:rPr lang="en-US"/>
               <a:t>Click to edit Master title style</a:t>
             </a:r>
             <a:endParaRPr lang="en-US" dirty="0"/>
@@ -2288,30 +2278,30 @@
           <a:p>
             <a:pPr lvl="0"/>
             <a:r>
+              <a:rPr lang="en-US"/>
+              <a:t>Click to edit Master text styles</a:t>
+            </a:r>
+          </a:p>
+        </p:txBody>
+      </p:sp>
+      <p:sp>
+        <p:nvSpPr>
+          <p:cNvPr id="7" name="Date Placeholder 6"/>
+          <p:cNvSpPr>
+            <a:spLocks noGrp="1"/>
+          </p:cNvSpPr>
+          <p:nvPr>
+            <p:ph type="dt" sz="half" idx="10"/>
+          </p:nvPr>
+        </p:nvSpPr>
+        <p:spPr/>
+        <p:txBody>
+          <a:bodyPr/>
+          <a:lstStyle/>
+          <a:p>
+            <a:fld id="{436F8834-EFE0-47DF-B443-8C74E4F04ACC}" type="datetime1">
               <a:rPr lang="en-US" smtClean="0"/>
-              <a:t>Click to edit Master text styles</a:t>
-            </a:r>
-          </a:p>
-        </p:txBody>
-      </p:sp>
-      <p:sp>
-        <p:nvSpPr>
-          <p:cNvPr id="7" name="Date Placeholder 6"/>
-          <p:cNvSpPr>
-            <a:spLocks noGrp="1"/>
-          </p:cNvSpPr>
-          <p:nvPr>
-            <p:ph type="dt" sz="half" idx="10"/>
-          </p:nvPr>
-        </p:nvSpPr>
-        <p:spPr/>
-        <p:txBody>
-          <a:bodyPr/>
-          <a:lstStyle/>
-          <a:p>
-            <a:fld id="{BFD493C8-A4B5-475B-8881-1E3A68C59707}" type="datetime1">
-              <a:rPr lang="en-US" smtClean="0"/>
-              <a:t>11/14/15</a:t>
+              <a:t>4/9/2016</a:t>
             </a:fld>
             <a:endParaRPr lang="en-US"/>
           </a:p>
@@ -2356,10 +2346,9 @@
           <a:lstStyle/>
           <a:p>
             <a:r>
-              <a:rPr lang="en-US" smtClean="0"/>
-              <a:t>© EV3Lessons.com, 2015, (Last edit: 2/26/2015)</a:t>
-            </a:r>
-            <a:endParaRPr lang="en-US"/>
+              <a:rPr lang="en-US"/>
+              <a:t>© EV3Lessons.com, 2015, (Last edit: 4/9/2016)</a:t>
+            </a:r>
           </a:p>
         </p:txBody>
       </p:sp>
@@ -2409,10 +2398,9 @@
           <a:lstStyle/>
           <a:p>
             <a:r>
-              <a:rPr lang="en-US" smtClean="0"/>
+              <a:rPr lang="en-US"/>
               <a:t>Click to edit Master title style</a:t>
             </a:r>
-            <a:endParaRPr lang="en-US"/>
           </a:p>
         </p:txBody>
       </p:sp>
@@ -2466,35 +2454,35 @@
           <a:p>
             <a:pPr lvl="0"/>
             <a:r>
-              <a:rPr lang="en-US" smtClean="0"/>
+              <a:rPr lang="en-US"/>
               <a:t>Click to edit Master text styles</a:t>
             </a:r>
           </a:p>
           <a:p>
             <a:pPr lvl="1"/>
             <a:r>
-              <a:rPr lang="en-US" smtClean="0"/>
+              <a:rPr lang="en-US"/>
               <a:t>Second level</a:t>
             </a:r>
           </a:p>
           <a:p>
             <a:pPr lvl="2"/>
             <a:r>
-              <a:rPr lang="en-US" smtClean="0"/>
+              <a:rPr lang="en-US"/>
               <a:t>Third level</a:t>
             </a:r>
           </a:p>
           <a:p>
             <a:pPr lvl="3"/>
             <a:r>
-              <a:rPr lang="en-US" smtClean="0"/>
+              <a:rPr lang="en-US"/>
               <a:t>Fourth level</a:t>
             </a:r>
           </a:p>
           <a:p>
             <a:pPr lvl="4"/>
             <a:r>
-              <a:rPr lang="en-US" smtClean="0"/>
+              <a:rPr lang="en-US"/>
               <a:t>Fifth level</a:t>
             </a:r>
             <a:endParaRPr lang="en-US" dirty="0"/>
@@ -2551,38 +2539,37 @@
           <a:p>
             <a:pPr lvl="0"/>
             <a:r>
-              <a:rPr lang="en-US" dirty="0" smtClean="0"/>
+              <a:rPr lang="en-US" dirty="0"/>
               <a:t>Click to edit Master text styles</a:t>
             </a:r>
           </a:p>
           <a:p>
             <a:pPr lvl="1"/>
             <a:r>
-              <a:rPr lang="en-US" dirty="0" smtClean="0"/>
+              <a:rPr lang="en-US" dirty="0"/>
               <a:t>Second level</a:t>
             </a:r>
           </a:p>
           <a:p>
             <a:pPr lvl="2"/>
             <a:r>
-              <a:rPr lang="en-US" dirty="0" smtClean="0"/>
+              <a:rPr lang="en-US" dirty="0"/>
               <a:t>Third level</a:t>
             </a:r>
           </a:p>
           <a:p>
             <a:pPr lvl="3"/>
             <a:r>
-              <a:rPr lang="en-US" dirty="0" smtClean="0"/>
+              <a:rPr lang="en-US" dirty="0"/>
               <a:t>Fourth level</a:t>
             </a:r>
           </a:p>
           <a:p>
             <a:pPr lvl="4"/>
             <a:r>
-              <a:rPr lang="en-US" dirty="0" smtClean="0"/>
+              <a:rPr lang="en-US" dirty="0"/>
               <a:t>Fifth level</a:t>
             </a:r>
-            <a:endParaRPr lang="en-US" dirty="0"/>
           </a:p>
         </p:txBody>
       </p:sp>
@@ -2601,9 +2588,9 @@
           <a:bodyPr/>
           <a:lstStyle/>
           <a:p>
-            <a:fld id="{4543750E-5C4C-42C0-BB41-1E8AFB62005E}" type="datetime1">
+            <a:fld id="{4D0503C8-6BDB-454F-9BA5-15748C268EF9}" type="datetime1">
               <a:rPr lang="en-US" smtClean="0"/>
-              <a:t>11/14/15</a:t>
+              <a:t>4/9/2016</a:t>
             </a:fld>
             <a:endParaRPr lang="en-US"/>
           </a:p>
@@ -2625,10 +2612,9 @@
           <a:lstStyle/>
           <a:p>
             <a:r>
-              <a:rPr lang="en-US" smtClean="0"/>
-              <a:t>© EV3Lessons.com, 2015, (Last edit: 2/26/2015)</a:t>
-            </a:r>
-            <a:endParaRPr lang="en-US"/>
+              <a:rPr lang="en-US"/>
+              <a:t>© EV3Lessons.com, 2015, (Last edit: 4/9/2016)</a:t>
+            </a:r>
           </a:p>
         </p:txBody>
       </p:sp>
@@ -2700,10 +2686,9 @@
           </a:lstStyle>
           <a:p>
             <a:r>
-              <a:rPr lang="en-US" smtClean="0"/>
+              <a:rPr lang="en-US"/>
               <a:t>Click to edit Master title style</a:t>
             </a:r>
-            <a:endParaRPr lang="en-US"/>
           </a:p>
         </p:txBody>
       </p:sp>
@@ -2773,7 +2758,7 @@
           <a:p>
             <a:pPr lvl="0"/>
             <a:r>
-              <a:rPr lang="en-US" smtClean="0"/>
+              <a:rPr lang="en-US"/>
               <a:t>Click to edit Master text styles</a:t>
             </a:r>
           </a:p>
@@ -2829,35 +2814,35 @@
           <a:p>
             <a:pPr lvl="0"/>
             <a:r>
-              <a:rPr lang="en-US" smtClean="0"/>
+              <a:rPr lang="en-US"/>
               <a:t>Click to edit Master text styles</a:t>
             </a:r>
           </a:p>
           <a:p>
             <a:pPr lvl="1"/>
             <a:r>
-              <a:rPr lang="en-US" smtClean="0"/>
+              <a:rPr lang="en-US"/>
               <a:t>Second level</a:t>
             </a:r>
           </a:p>
           <a:p>
             <a:pPr lvl="2"/>
             <a:r>
-              <a:rPr lang="en-US" smtClean="0"/>
+              <a:rPr lang="en-US"/>
               <a:t>Third level</a:t>
             </a:r>
           </a:p>
           <a:p>
             <a:pPr lvl="3"/>
             <a:r>
-              <a:rPr lang="en-US" smtClean="0"/>
+              <a:rPr lang="en-US"/>
               <a:t>Fourth level</a:t>
             </a:r>
           </a:p>
           <a:p>
             <a:pPr lvl="4"/>
             <a:r>
-              <a:rPr lang="en-US" smtClean="0"/>
+              <a:rPr lang="en-US"/>
               <a:t>Fifth level</a:t>
             </a:r>
             <a:endParaRPr lang="en-US" dirty="0"/>
@@ -2938,7 +2923,7 @@
               <a:buNone/>
             </a:pPr>
             <a:r>
-              <a:rPr lang="en-US" smtClean="0"/>
+              <a:rPr lang="en-US"/>
               <a:t>Click to edit Master text styles</a:t>
             </a:r>
           </a:p>
@@ -2994,59 +2979,59 @@
           <a:p>
             <a:pPr lvl="0"/>
             <a:r>
+              <a:rPr lang="en-US"/>
+              <a:t>Click to edit Master text styles</a:t>
+            </a:r>
+          </a:p>
+          <a:p>
+            <a:pPr lvl="1"/>
+            <a:r>
+              <a:rPr lang="en-US"/>
+              <a:t>Second level</a:t>
+            </a:r>
+          </a:p>
+          <a:p>
+            <a:pPr lvl="2"/>
+            <a:r>
+              <a:rPr lang="en-US"/>
+              <a:t>Third level</a:t>
+            </a:r>
+          </a:p>
+          <a:p>
+            <a:pPr lvl="3"/>
+            <a:r>
+              <a:rPr lang="en-US"/>
+              <a:t>Fourth level</a:t>
+            </a:r>
+          </a:p>
+          <a:p>
+            <a:pPr lvl="4"/>
+            <a:r>
+              <a:rPr lang="en-US"/>
+              <a:t>Fifth level</a:t>
+            </a:r>
+            <a:endParaRPr lang="en-US" dirty="0"/>
+          </a:p>
+        </p:txBody>
+      </p:sp>
+      <p:sp>
+        <p:nvSpPr>
+          <p:cNvPr id="7" name="Date Placeholder 6"/>
+          <p:cNvSpPr>
+            <a:spLocks noGrp="1"/>
+          </p:cNvSpPr>
+          <p:nvPr>
+            <p:ph type="dt" sz="half" idx="10"/>
+          </p:nvPr>
+        </p:nvSpPr>
+        <p:spPr/>
+        <p:txBody>
+          <a:bodyPr/>
+          <a:lstStyle/>
+          <a:p>
+            <a:fld id="{870552AE-7B7B-4CED-A9E6-D50C84754D3F}" type="datetime1">
               <a:rPr lang="en-US" smtClean="0"/>
-              <a:t>Click to edit Master text styles</a:t>
-            </a:r>
-          </a:p>
-          <a:p>
-            <a:pPr lvl="1"/>
-            <a:r>
-              <a:rPr lang="en-US" smtClean="0"/>
-              <a:t>Second level</a:t>
-            </a:r>
-          </a:p>
-          <a:p>
-            <a:pPr lvl="2"/>
-            <a:r>
-              <a:rPr lang="en-US" smtClean="0"/>
-              <a:t>Third level</a:t>
-            </a:r>
-          </a:p>
-          <a:p>
-            <a:pPr lvl="3"/>
-            <a:r>
-              <a:rPr lang="en-US" smtClean="0"/>
-              <a:t>Fourth level</a:t>
-            </a:r>
-          </a:p>
-          <a:p>
-            <a:pPr lvl="4"/>
-            <a:r>
-              <a:rPr lang="en-US" smtClean="0"/>
-              <a:t>Fifth level</a:t>
-            </a:r>
-            <a:endParaRPr lang="en-US" dirty="0"/>
-          </a:p>
-        </p:txBody>
-      </p:sp>
-      <p:sp>
-        <p:nvSpPr>
-          <p:cNvPr id="7" name="Date Placeholder 6"/>
-          <p:cNvSpPr>
-            <a:spLocks noGrp="1"/>
-          </p:cNvSpPr>
-          <p:nvPr>
-            <p:ph type="dt" sz="half" idx="10"/>
-          </p:nvPr>
-        </p:nvSpPr>
-        <p:spPr/>
-        <p:txBody>
-          <a:bodyPr/>
-          <a:lstStyle/>
-          <a:p>
-            <a:fld id="{963DF936-BE64-42E5-A746-CD4F311B44B0}" type="datetime1">
-              <a:rPr lang="en-US" smtClean="0"/>
-              <a:t>11/14/15</a:t>
+              <a:t>4/9/2016</a:t>
             </a:fld>
             <a:endParaRPr lang="en-US"/>
           </a:p>
@@ -3068,10 +3053,9 @@
           <a:lstStyle/>
           <a:p>
             <a:r>
-              <a:rPr lang="en-US" smtClean="0"/>
-              <a:t>© EV3Lessons.com, 2015, (Last edit: 2/26/2015)</a:t>
-            </a:r>
-            <a:endParaRPr lang="en-US"/>
+              <a:rPr lang="en-US"/>
+              <a:t>© EV3Lessons.com, 2015, (Last edit: 4/9/2016)</a:t>
+            </a:r>
           </a:p>
         </p:txBody>
       </p:sp>
@@ -3139,31 +3123,30 @@
           <a:lstStyle/>
           <a:p>
             <a:r>
+              <a:rPr lang="en-US"/>
+              <a:t>Click to edit Master title style</a:t>
+            </a:r>
+          </a:p>
+        </p:txBody>
+      </p:sp>
+      <p:sp>
+        <p:nvSpPr>
+          <p:cNvPr id="3" name="Date Placeholder 2"/>
+          <p:cNvSpPr>
+            <a:spLocks noGrp="1"/>
+          </p:cNvSpPr>
+          <p:nvPr>
+            <p:ph type="dt" sz="half" idx="10"/>
+          </p:nvPr>
+        </p:nvSpPr>
+        <p:spPr/>
+        <p:txBody>
+          <a:bodyPr/>
+          <a:lstStyle/>
+          <a:p>
+            <a:fld id="{1E9B3BE9-6EBA-434D-AA71-76163990784E}" type="datetime1">
               <a:rPr lang="en-US" smtClean="0"/>
-              <a:t>Click to edit Master title style</a:t>
-            </a:r>
-            <a:endParaRPr lang="en-US"/>
-          </a:p>
-        </p:txBody>
-      </p:sp>
-      <p:sp>
-        <p:nvSpPr>
-          <p:cNvPr id="3" name="Date Placeholder 2"/>
-          <p:cNvSpPr>
-            <a:spLocks noGrp="1"/>
-          </p:cNvSpPr>
-          <p:nvPr>
-            <p:ph type="dt" sz="half" idx="10"/>
-          </p:nvPr>
-        </p:nvSpPr>
-        <p:spPr/>
-        <p:txBody>
-          <a:bodyPr/>
-          <a:lstStyle/>
-          <a:p>
-            <a:fld id="{974A051B-BC27-47B3-A137-F829C092ABC6}" type="datetime1">
-              <a:rPr lang="en-US" smtClean="0"/>
-              <a:t>11/14/15</a:t>
+              <a:t>4/9/2016</a:t>
             </a:fld>
             <a:endParaRPr lang="en-US"/>
           </a:p>
@@ -3185,10 +3168,9 @@
           <a:lstStyle/>
           <a:p>
             <a:r>
-              <a:rPr lang="en-US" smtClean="0"/>
-              <a:t>© EV3Lessons.com, 2015, (Last edit: 2/26/2015)</a:t>
-            </a:r>
-            <a:endParaRPr lang="en-US"/>
+              <a:rPr lang="en-US"/>
+              <a:t>© EV3Lessons.com, 2015, (Last edit: 4/9/2016)</a:t>
+            </a:r>
           </a:p>
         </p:txBody>
       </p:sp>
@@ -3255,9 +3237,9 @@
           <a:bodyPr/>
           <a:lstStyle/>
           <a:p>
-            <a:fld id="{3B523CFA-57C3-499D-97FD-9ECE987B201A}" type="datetime1">
+            <a:fld id="{4E01F53E-AE0D-4082-A51C-1CE1CFDA429E}" type="datetime1">
               <a:rPr lang="en-US" smtClean="0"/>
-              <a:t>11/14/15</a:t>
+              <a:t>4/9/2016</a:t>
             </a:fld>
             <a:endParaRPr lang="en-US"/>
           </a:p>
@@ -3279,10 +3261,9 @@
           <a:lstStyle/>
           <a:p>
             <a:r>
-              <a:rPr lang="en-US" smtClean="0"/>
-              <a:t>© EV3Lessons.com, 2015, (Last edit: 2/26/2015)</a:t>
-            </a:r>
-            <a:endParaRPr lang="en-US"/>
+              <a:rPr lang="en-US"/>
+              <a:t>© EV3Lessons.com, 2015, (Last edit: 4/9/2016)</a:t>
+            </a:r>
           </a:p>
         </p:txBody>
       </p:sp>
@@ -3384,35 +3365,35 @@
           <a:p>
             <a:pPr lvl="0"/>
             <a:r>
-              <a:rPr lang="en-US" smtClean="0"/>
+              <a:rPr lang="en-US"/>
               <a:t>Click to edit Master text styles</a:t>
             </a:r>
           </a:p>
           <a:p>
             <a:pPr lvl="1"/>
             <a:r>
-              <a:rPr lang="en-US" smtClean="0"/>
+              <a:rPr lang="en-US"/>
               <a:t>Second level</a:t>
             </a:r>
           </a:p>
           <a:p>
             <a:pPr lvl="2"/>
             <a:r>
-              <a:rPr lang="en-US" smtClean="0"/>
+              <a:rPr lang="en-US"/>
               <a:t>Third level</a:t>
             </a:r>
           </a:p>
           <a:p>
             <a:pPr lvl="3"/>
             <a:r>
-              <a:rPr lang="en-US" smtClean="0"/>
+              <a:rPr lang="en-US"/>
               <a:t>Fourth level</a:t>
             </a:r>
           </a:p>
           <a:p>
             <a:pPr lvl="4"/>
             <a:r>
-              <a:rPr lang="en-US" smtClean="0"/>
+              <a:rPr lang="en-US"/>
               <a:t>Fifth level</a:t>
             </a:r>
             <a:endParaRPr lang="en-US" dirty="0"/>
@@ -3480,30 +3461,30 @@
           <a:p>
             <a:pPr lvl="0"/>
             <a:r>
+              <a:rPr lang="en-US"/>
+              <a:t>Click to edit Master text styles</a:t>
+            </a:r>
+          </a:p>
+        </p:txBody>
+      </p:sp>
+      <p:sp>
+        <p:nvSpPr>
+          <p:cNvPr id="5" name="Date Placeholder 4"/>
+          <p:cNvSpPr>
+            <a:spLocks noGrp="1"/>
+          </p:cNvSpPr>
+          <p:nvPr>
+            <p:ph type="dt" sz="half" idx="10"/>
+          </p:nvPr>
+        </p:nvSpPr>
+        <p:spPr/>
+        <p:txBody>
+          <a:bodyPr/>
+          <a:lstStyle/>
+          <a:p>
+            <a:fld id="{D296865C-AAE9-4D2C-950D-776CE2C78266}" type="datetime1">
               <a:rPr lang="en-US" smtClean="0"/>
-              <a:t>Click to edit Master text styles</a:t>
-            </a:r>
-          </a:p>
-        </p:txBody>
-      </p:sp>
-      <p:sp>
-        <p:nvSpPr>
-          <p:cNvPr id="5" name="Date Placeholder 4"/>
-          <p:cNvSpPr>
-            <a:spLocks noGrp="1"/>
-          </p:cNvSpPr>
-          <p:nvPr>
-            <p:ph type="dt" sz="half" idx="10"/>
-          </p:nvPr>
-        </p:nvSpPr>
-        <p:spPr/>
-        <p:txBody>
-          <a:bodyPr/>
-          <a:lstStyle/>
-          <a:p>
-            <a:fld id="{17F64356-E203-47A5-8401-17C16F6227B8}" type="datetime1">
-              <a:rPr lang="en-US" smtClean="0"/>
-              <a:t>11/14/15</a:t>
+              <a:t>4/9/2016</a:t>
             </a:fld>
             <a:endParaRPr lang="en-US"/>
           </a:p>
@@ -3525,10 +3506,9 @@
           <a:lstStyle/>
           <a:p>
             <a:r>
-              <a:rPr lang="en-US" smtClean="0"/>
-              <a:t>© EV3Lessons.com, 2015, (Last edit: 2/26/2015)</a:t>
-            </a:r>
-            <a:endParaRPr lang="en-US"/>
+              <a:rPr lang="en-US"/>
+              <a:t>© EV3Lessons.com, 2015, (Last edit: 4/9/2016)</a:t>
+            </a:r>
           </a:p>
         </p:txBody>
       </p:sp>
@@ -3571,10 +3551,9 @@
           <a:lstStyle/>
           <a:p>
             <a:r>
-              <a:rPr lang="en-US" smtClean="0"/>
+              <a:rPr lang="en-US"/>
               <a:t>Click to edit Master title style</a:t>
             </a:r>
-            <a:endParaRPr lang="en-US"/>
           </a:p>
         </p:txBody>
       </p:sp>
@@ -3712,10 +3691,9 @@
           </a:lstStyle>
           <a:p>
             <a:r>
-              <a:rPr lang="en-US" smtClean="0"/>
+              <a:rPr lang="en-US"/>
               <a:t>Drag picture to placeholder or click icon to add</a:t>
             </a:r>
-            <a:endParaRPr lang="en-US"/>
           </a:p>
         </p:txBody>
       </p:sp>
@@ -3778,30 +3756,30 @@
           <a:p>
             <a:pPr lvl="0"/>
             <a:r>
+              <a:rPr lang="en-US"/>
+              <a:t>Click to edit Master text styles</a:t>
+            </a:r>
+          </a:p>
+        </p:txBody>
+      </p:sp>
+      <p:sp>
+        <p:nvSpPr>
+          <p:cNvPr id="5" name="Date Placeholder 4"/>
+          <p:cNvSpPr>
+            <a:spLocks noGrp="1"/>
+          </p:cNvSpPr>
+          <p:nvPr>
+            <p:ph type="dt" sz="half" idx="10"/>
+          </p:nvPr>
+        </p:nvSpPr>
+        <p:spPr/>
+        <p:txBody>
+          <a:bodyPr/>
+          <a:lstStyle/>
+          <a:p>
+            <a:fld id="{23E84F85-14ED-4B43-9063-A37A989DD030}" type="datetime1">
               <a:rPr lang="en-US" smtClean="0"/>
-              <a:t>Click to edit Master text styles</a:t>
-            </a:r>
-          </a:p>
-        </p:txBody>
-      </p:sp>
-      <p:sp>
-        <p:nvSpPr>
-          <p:cNvPr id="5" name="Date Placeholder 4"/>
-          <p:cNvSpPr>
-            <a:spLocks noGrp="1"/>
-          </p:cNvSpPr>
-          <p:nvPr>
-            <p:ph type="dt" sz="half" idx="10"/>
-          </p:nvPr>
-        </p:nvSpPr>
-        <p:spPr/>
-        <p:txBody>
-          <a:bodyPr/>
-          <a:lstStyle/>
-          <a:p>
-            <a:fld id="{89326484-11F7-4A3C-BD01-B3BC579D5E9D}" type="datetime1">
-              <a:rPr lang="en-US" smtClean="0"/>
-              <a:t>11/14/15</a:t>
+              <a:t>4/9/2016</a:t>
             </a:fld>
             <a:endParaRPr lang="en-US"/>
           </a:p>
@@ -3823,10 +3801,9 @@
           <a:lstStyle/>
           <a:p>
             <a:r>
-              <a:rPr lang="en-US" smtClean="0"/>
-              <a:t>© EV3Lessons.com, 2015, (Last edit: 2/26/2015)</a:t>
-            </a:r>
-            <a:endParaRPr lang="en-US"/>
+              <a:rPr lang="en-US"/>
+              <a:t>© EV3Lessons.com, 2015, (Last edit: 4/9/2016)</a:t>
+            </a:r>
           </a:p>
         </p:txBody>
       </p:sp>
@@ -3888,7 +3865,7 @@
           </a:lstStyle>
           <a:p>
             <a:r>
-              <a:rPr lang="en-US" smtClean="0"/>
+              <a:rPr lang="en-US"/>
               <a:t>Click to edit Master title style</a:t>
             </a:r>
             <a:endParaRPr lang="en-US" dirty="0"/>
@@ -3997,10 +3974,9 @@
           <a:lstStyle/>
           <a:p>
             <a:r>
-              <a:rPr lang="en-US" dirty="0" smtClean="0"/>
+              <a:rPr lang="en-US" dirty="0"/>
               <a:t>Click to edit Master title style</a:t>
             </a:r>
-            <a:endParaRPr lang="en-US" dirty="0"/>
           </a:p>
         </p:txBody>
       </p:sp>
@@ -4031,35 +4007,35 @@
           <a:p>
             <a:pPr lvl="0"/>
             <a:r>
-              <a:rPr lang="en-US" smtClean="0"/>
+              <a:rPr lang="en-US"/>
               <a:t>Click to edit Master text styles</a:t>
             </a:r>
           </a:p>
           <a:p>
             <a:pPr lvl="1"/>
             <a:r>
-              <a:rPr lang="en-US" smtClean="0"/>
+              <a:rPr lang="en-US"/>
               <a:t>Second level</a:t>
             </a:r>
           </a:p>
           <a:p>
             <a:pPr lvl="2"/>
             <a:r>
-              <a:rPr lang="en-US" smtClean="0"/>
+              <a:rPr lang="en-US"/>
               <a:t>Third level</a:t>
             </a:r>
           </a:p>
           <a:p>
             <a:pPr lvl="3"/>
             <a:r>
-              <a:rPr lang="en-US" smtClean="0"/>
+              <a:rPr lang="en-US"/>
               <a:t>Fourth level</a:t>
             </a:r>
           </a:p>
           <a:p>
             <a:pPr lvl="4"/>
             <a:r>
-              <a:rPr lang="en-US" smtClean="0"/>
+              <a:rPr lang="en-US"/>
               <a:t>Fifth level</a:t>
             </a:r>
             <a:endParaRPr lang="en-US" dirty="0"/>
@@ -4097,9 +4073,9 @@
             </a:lvl1pPr>
           </a:lstStyle>
           <a:p>
-            <a:fld id="{260A6EEC-1BFA-41E7-A0C8-1B652F0E4665}" type="datetime1">
+            <a:fld id="{575B3C55-AACA-4383-897D-583BDBF3F984}" type="datetime1">
               <a:rPr lang="en-US" smtClean="0"/>
-              <a:t>11/14/15</a:t>
+              <a:t>4/9/2016</a:t>
             </a:fld>
             <a:endParaRPr lang="en-US"/>
           </a:p>
@@ -4137,10 +4113,9 @@
           </a:lstStyle>
           <a:p>
             <a:r>
-              <a:rPr lang="en-US" smtClean="0"/>
-              <a:t>© EV3Lessons.com, 2015, (Last edit: 2/26/2015)</a:t>
-            </a:r>
-            <a:endParaRPr lang="en-US"/>
+              <a:rPr lang="en-US"/>
+              <a:t>© EV3Lessons.com, 2015, (Last edit: 4/9/2016)</a:t>
+            </a:r>
           </a:p>
         </p:txBody>
       </p:sp>
@@ -4936,21 +4911,16 @@
           <a:p>
             <a:pPr algn="ctr"/>
             <a:r>
-              <a:rPr lang="en-US" sz="3200" dirty="0" smtClean="0"/>
+              <a:rPr lang="en-US" sz="3200" dirty="0"/>
               <a:t>BEGINNER EV3 PROGRAMMING</a:t>
             </a:r>
-            <a:r>
-              <a:rPr lang="en-US" sz="4000" dirty="0" smtClean="0"/>
-              <a:t/>
-            </a:r>
             <a:br>
-              <a:rPr lang="en-US" sz="4000" dirty="0" smtClean="0"/>
+              <a:rPr lang="en-US" sz="4000" dirty="0"/>
             </a:br>
             <a:r>
-              <a:rPr lang="en-US" sz="3200" dirty="0" smtClean="0"/>
+              <a:rPr lang="en-US" sz="3200" dirty="0"/>
               <a:t>Lesson</a:t>
             </a:r>
-            <a:endParaRPr lang="en-US" sz="3200" dirty="0"/>
           </a:p>
         </p:txBody>
       </p:sp>
@@ -4977,7 +4947,7 @@
           <a:lstStyle/>
           <a:p>
             <a:r>
-              <a:rPr lang="en-US" sz="2800" dirty="0" smtClean="0"/>
+              <a:rPr lang="en-US" sz="2800" dirty="0"/>
               <a:t>By: Droids Robotics</a:t>
             </a:r>
           </a:p>
@@ -5006,7 +4976,7 @@
           <a:lstStyle/>
           <a:p>
             <a:r>
-              <a:rPr lang="en-US" sz="2800" dirty="0" smtClean="0">
+              <a:rPr lang="en-US" sz="2800" dirty="0">
                 <a:solidFill>
                   <a:srgbClr val="FF0000"/>
                 </a:solidFill>
@@ -5016,7 +4986,7 @@
           </a:p>
           <a:p>
             <a:r>
-              <a:rPr lang="en-US" sz="2800" dirty="0" smtClean="0">
+              <a:rPr lang="en-US" sz="2800" dirty="0">
                 <a:solidFill>
                   <a:srgbClr val="FF0000"/>
                 </a:solidFill>
@@ -5108,13 +5078,6 @@
   <p:clrMapOvr>
     <a:masterClrMapping/>
   </p:clrMapOvr>
-  <p:timing>
-    <p:tnLst>
-      <p:par>
-        <p:cTn id="1" dur="indefinite" restart="never" nodeType="tmRoot"/>
-      </p:par>
-    </p:tnLst>
-  </p:timing>
 </p:sld>
 </file>
 
@@ -5152,37 +5115,38 @@
           </a:xfrm>
         </p:spPr>
         <p:txBody>
-          <a:bodyPr/>
-          <a:lstStyle/>
-          <a:p>
-            <a:r>
-              <a:rPr lang="en-US" dirty="0" smtClean="0"/>
-              <a:t>Better Dog follower:</a:t>
+          <a:bodyPr>
+            <a:normAutofit fontScale="90000"/>
+          </a:bodyPr>
+          <a:lstStyle/>
+          <a:p>
+            <a:r>
+              <a:rPr lang="en-US" dirty="0"/>
+              <a:t>Learning To Master Your Force</a:t>
+            </a:r>
+          </a:p>
+        </p:txBody>
+      </p:sp>
+      <p:sp>
+        <p:nvSpPr>
+          <p:cNvPr id="3" name="Footer Placeholder 2"/>
+          <p:cNvSpPr>
+            <a:spLocks noGrp="1"/>
+          </p:cNvSpPr>
+          <p:nvPr>
+            <p:ph type="ftr" sz="quarter" idx="11"/>
+          </p:nvPr>
+        </p:nvSpPr>
+        <p:spPr/>
+        <p:txBody>
+          <a:bodyPr/>
+          <a:lstStyle/>
+          <a:p>
+            <a:r>
+              <a:rPr lang="en-US"/>
+              <a:t>© EV3Lessons.com, 2015, (Last edit: 4/9/2016)</a:t>
             </a:r>
             <a:endParaRPr lang="en-US" dirty="0"/>
-          </a:p>
-        </p:txBody>
-      </p:sp>
-      <p:sp>
-        <p:nvSpPr>
-          <p:cNvPr id="3" name="Footer Placeholder 2"/>
-          <p:cNvSpPr>
-            <a:spLocks noGrp="1"/>
-          </p:cNvSpPr>
-          <p:nvPr>
-            <p:ph type="ftr" sz="quarter" idx="11"/>
-          </p:nvPr>
-        </p:nvSpPr>
-        <p:spPr/>
-        <p:txBody>
-          <a:bodyPr/>
-          <a:lstStyle/>
-          <a:p>
-            <a:r>
-              <a:rPr lang="en-US" smtClean="0"/>
-              <a:t>© EV3Lessons.com, 2015, (Last edit: 2/26/2015)</a:t>
-            </a:r>
-            <a:endParaRPr lang="en-US"/>
           </a:p>
         </p:txBody>
       </p:sp>
@@ -5221,7 +5185,7 @@
         </p:nvSpPr>
         <p:spPr>
           <a:xfrm>
-            <a:off x="457200" y="991810"/>
+            <a:off x="457200" y="1119826"/>
             <a:ext cx="8245474" cy="5134353"/>
           </a:xfrm>
         </p:spPr>
@@ -5230,10 +5194,9 @@
           <a:lstStyle/>
           <a:p>
             <a:r>
-              <a:rPr lang="en-US" dirty="0" smtClean="0"/>
-              <a:t>The previous dog follower kept the robot moving always. This version lets the “dog” rest if it is between 4-6 inches.</a:t>
-            </a:r>
-            <a:endParaRPr lang="en-US" dirty="0"/>
+              <a:rPr lang="en-US" dirty="0"/>
+              <a:t>The previous code kept the robot moving always. This version lets the robot rest if it is between 4-6 inches.</a:t>
+            </a:r>
           </a:p>
         </p:txBody>
       </p:sp>
@@ -5258,7 +5221,7 @@
         </p:blipFill>
         <p:spPr>
           <a:xfrm>
-            <a:off x="1911109" y="1959429"/>
+            <a:off x="1911109" y="1867989"/>
             <a:ext cx="6219203" cy="4658641"/>
           </a:xfrm>
           <a:prstGeom prst="rect">
@@ -5276,21 +5239,6 @@
   <p:clrMapOvr>
     <a:masterClrMapping/>
   </p:clrMapOvr>
-  <mc:AlternateContent xmlns:mc="http://schemas.openxmlformats.org/markup-compatibility/2006" xmlns:p14="http://schemas.microsoft.com/office/powerpoint/2010/main">
-    <mc:Choice Requires="p14">
-      <p:transition spd="slow" p14:dur="2000"/>
-    </mc:Choice>
-    <mc:Fallback xmlns="">
-      <p:transition spd="slow"/>
-    </mc:Fallback>
-  </mc:AlternateContent>
-  <p:timing>
-    <p:tnLst>
-      <p:par>
-        <p:cTn id="1" dur="indefinite" restart="never" nodeType="tmRoot"/>
-      </p:par>
-    </p:tnLst>
-  </p:timing>
 </p:sld>
 </file>
 
@@ -5332,10 +5280,9 @@
           <a:lstStyle/>
           <a:p>
             <a:r>
-              <a:rPr lang="en-US" dirty="0" smtClean="0"/>
+              <a:rPr lang="en-US" dirty="0"/>
               <a:t>CREDITS</a:t>
             </a:r>
-            <a:endParaRPr lang="en-US" dirty="0"/>
           </a:p>
         </p:txBody>
       </p:sp>
@@ -5366,7 +5313,7 @@
               <a:buChar char="•"/>
             </a:pPr>
             <a:r>
-              <a:rPr lang="en-US" sz="1800" dirty="0" smtClean="0"/>
+              <a:rPr lang="en-US" sz="1800" dirty="0"/>
               <a:t>This tutorial was created by Sanjay Seshan and Arvind Seshan from Droids Robotics.</a:t>
             </a:r>
           </a:p>
@@ -5376,7 +5323,7 @@
               <a:buChar char="•"/>
             </a:pPr>
             <a:r>
-              <a:rPr lang="en-US" sz="1800" dirty="0" smtClean="0"/>
+              <a:rPr lang="en-US" sz="1800" dirty="0"/>
               <a:t>More lessons are available at www.ev3lessons.com</a:t>
             </a:r>
           </a:p>
@@ -5386,23 +5333,19 @@
               <a:buChar char="•"/>
             </a:pPr>
             <a:r>
-              <a:rPr lang="en-US" sz="1800" dirty="0" smtClean="0"/>
+              <a:rPr lang="en-US" sz="1800" dirty="0"/>
               <a:t>Author’s Email: </a:t>
             </a:r>
             <a:r>
-              <a:rPr lang="en-US" sz="1800" dirty="0" smtClean="0">
+              <a:rPr lang="en-US" sz="1800" dirty="0">
                 <a:hlinkClick r:id="rId2"/>
               </a:rPr>
               <a:t>team@droidsrobotics.org</a:t>
             </a:r>
-            <a:r>
-              <a:rPr lang="en-US" sz="1800" b="0" dirty="0"/>
-              <a:t/>
-            </a:r>
             <a:br>
               <a:rPr lang="en-US" sz="1800" b="0" dirty="0"/>
             </a:br>
-            <a:endParaRPr lang="en-US" sz="1800" dirty="0" smtClean="0"/>
+            <a:endParaRPr lang="en-US" sz="1800" dirty="0"/>
           </a:p>
         </p:txBody>
       </p:sp>
@@ -5422,8 +5365,8 @@
           <a:lstStyle/>
           <a:p>
             <a:r>
-              <a:rPr lang="en-US" smtClean="0"/>
-              <a:t>© EV3Lessons.com, 2015, (Last edit: 2/26/2015)</a:t>
+              <a:rPr lang="en-US"/>
+              <a:t>© EV3Lessons.com, 2015, (Last edit: 4/9/2016)</a:t>
             </a:r>
             <a:endParaRPr lang="en-US" dirty="0"/>
           </a:p>
@@ -5627,7 +5570,7 @@
               <a:tabLst/>
             </a:pPr>
             <a:r>
-              <a:rPr kumimoji="0" lang="en-US" altLang="en-US" sz="2000" b="0" i="0" u="none" strike="noStrike" cap="none" normalizeH="0" baseline="0" dirty="0" smtClean="0">
+              <a:rPr kumimoji="0" lang="en-US" altLang="en-US" sz="2000" b="0" i="0" u="none" strike="noStrike" cap="none" normalizeH="0" baseline="0" dirty="0">
                 <a:ln>
                   <a:noFill/>
                 </a:ln>
@@ -5639,8 +5582,8 @@
               </a:rPr>
               <a:t>                         </a:t>
             </a:r>
-            <a:r>
-              <a:rPr kumimoji="0" lang="en-US" altLang="en-US" sz="1600" b="0" i="0" u="none" strike="noStrike" cap="none" normalizeH="0" baseline="0" dirty="0" smtClean="0">
+            <a:br>
+              <a:rPr kumimoji="0" lang="en-US" altLang="en-US" sz="1600" b="0" i="0" u="none" strike="noStrike" cap="none" normalizeH="0" baseline="0" dirty="0">
                 <a:ln>
                   <a:noFill/>
                 </a:ln>
@@ -5649,21 +5592,9 @@
                 </a:solidFill>
                 <a:effectLst/>
               </a:rPr>
-              <a:t/>
-            </a:r>
-            <a:br>
-              <a:rPr kumimoji="0" lang="en-US" altLang="en-US" sz="1600" b="0" i="0" u="none" strike="noStrike" cap="none" normalizeH="0" baseline="0" dirty="0" smtClean="0">
-                <a:ln>
-                  <a:noFill/>
-                </a:ln>
-                <a:solidFill>
-                  <a:schemeClr val="tx1"/>
-                </a:solidFill>
-                <a:effectLst/>
-              </a:rPr>
             </a:br>
             <a:r>
-              <a:rPr kumimoji="0" lang="en-US" altLang="en-US" sz="2000" b="0" i="0" u="none" strike="noStrike" cap="none" normalizeH="0" baseline="0" dirty="0" smtClean="0">
+              <a:rPr kumimoji="0" lang="en-US" altLang="en-US" sz="2000" b="0" i="0" u="none" strike="noStrike" cap="none" normalizeH="0" baseline="0" dirty="0">
                 <a:ln>
                   <a:noFill/>
                 </a:ln>
@@ -5676,7 +5607,7 @@
               <a:t>This work is licensed under a </a:t>
             </a:r>
             <a:r>
-              <a:rPr kumimoji="0" lang="en-US" altLang="en-US" sz="2000" b="0" i="0" u="none" strike="noStrike" cap="none" normalizeH="0" baseline="0" dirty="0" smtClean="0">
+              <a:rPr kumimoji="0" lang="en-US" altLang="en-US" sz="2000" b="0" i="0" u="none" strike="noStrike" cap="none" normalizeH="0" baseline="0" dirty="0">
                 <a:ln>
                   <a:noFill/>
                 </a:ln>
@@ -5690,7 +5621,7 @@
               <a:t>Creative Commons Attribution-</a:t>
             </a:r>
             <a:r>
-              <a:rPr kumimoji="0" lang="en-US" altLang="en-US" sz="2000" b="0" i="0" u="none" strike="noStrike" cap="none" normalizeH="0" baseline="0" dirty="0" err="1" smtClean="0">
+              <a:rPr kumimoji="0" lang="en-US" altLang="en-US" sz="2000" b="0" i="0" u="none" strike="noStrike" cap="none" normalizeH="0" baseline="0" dirty="0" err="1">
                 <a:ln>
                   <a:noFill/>
                 </a:ln>
@@ -5704,7 +5635,7 @@
               <a:t>NonCommercial</a:t>
             </a:r>
             <a:r>
-              <a:rPr kumimoji="0" lang="en-US" altLang="en-US" sz="2000" b="0" i="0" u="none" strike="noStrike" cap="none" normalizeH="0" baseline="0" dirty="0" smtClean="0">
+              <a:rPr kumimoji="0" lang="en-US" altLang="en-US" sz="2000" b="0" i="0" u="none" strike="noStrike" cap="none" normalizeH="0" baseline="0" dirty="0">
                 <a:ln>
                   <a:noFill/>
                 </a:ln>
@@ -5718,7 +5649,7 @@
               <a:t>-</a:t>
             </a:r>
             <a:r>
-              <a:rPr kumimoji="0" lang="en-US" altLang="en-US" sz="2000" b="0" i="0" u="none" strike="noStrike" cap="none" normalizeH="0" baseline="0" dirty="0" err="1" smtClean="0">
+              <a:rPr kumimoji="0" lang="en-US" altLang="en-US" sz="2000" b="0" i="0" u="none" strike="noStrike" cap="none" normalizeH="0" baseline="0" dirty="0" err="1">
                 <a:ln>
                   <a:noFill/>
                 </a:ln>
@@ -5732,7 +5663,7 @@
               <a:t>ShareAlike</a:t>
             </a:r>
             <a:r>
-              <a:rPr kumimoji="0" lang="en-US" altLang="en-US" sz="2000" b="0" i="0" u="none" strike="noStrike" cap="none" normalizeH="0" baseline="0" dirty="0" smtClean="0">
+              <a:rPr kumimoji="0" lang="en-US" altLang="en-US" sz="2000" b="0" i="0" u="none" strike="noStrike" cap="none" normalizeH="0" baseline="0" dirty="0">
                 <a:ln>
                   <a:noFill/>
                 </a:ln>
@@ -5746,7 +5677,7 @@
               <a:t> 4.0 International License</a:t>
             </a:r>
             <a:r>
-              <a:rPr kumimoji="0" lang="en-US" altLang="en-US" sz="2000" b="0" i="0" u="none" strike="noStrike" cap="none" normalizeH="0" baseline="0" dirty="0" smtClean="0">
+              <a:rPr kumimoji="0" lang="en-US" altLang="en-US" sz="2000" b="0" i="0" u="none" strike="noStrike" cap="none" normalizeH="0" baseline="0" dirty="0">
                 <a:ln>
                   <a:noFill/>
                 </a:ln>
@@ -5759,7 +5690,7 @@
               <a:t>.</a:t>
             </a:r>
             <a:r>
-              <a:rPr kumimoji="0" lang="en-US" altLang="en-US" sz="1600" b="0" i="0" u="none" strike="noStrike" cap="none" normalizeH="0" baseline="0" dirty="0" smtClean="0">
+              <a:rPr kumimoji="0" lang="en-US" altLang="en-US" sz="1600" b="0" i="0" u="none" strike="noStrike" cap="none" normalizeH="0" baseline="0" dirty="0">
                 <a:ln>
                   <a:noFill/>
                 </a:ln>
@@ -5770,7 +5701,7 @@
               </a:rPr>
               <a:t> </a:t>
             </a:r>
-            <a:endParaRPr kumimoji="0" lang="en-US" altLang="en-US" sz="2000" b="0" i="0" u="none" strike="noStrike" cap="none" normalizeH="0" baseline="0" dirty="0" smtClean="0">
+            <a:endParaRPr kumimoji="0" lang="en-US" altLang="en-US" sz="2000" b="0" i="0" u="none" strike="noStrike" cap="none" normalizeH="0" baseline="0" dirty="0">
               <a:ln>
                 <a:noFill/>
               </a:ln>
@@ -5859,13 +5790,6 @@
   <p:clrMapOvr>
     <a:masterClrMapping/>
   </p:clrMapOvr>
-  <p:timing>
-    <p:tnLst>
-      <p:par>
-        <p:cTn id="1" dur="indefinite" restart="never" nodeType="tmRoot"/>
-      </p:par>
-    </p:tnLst>
-  </p:timing>
 </p:sld>
 </file>
 
@@ -5902,10 +5826,9 @@
           <a:lstStyle/>
           <a:p>
             <a:r>
-              <a:rPr lang="en-US" dirty="0" smtClean="0"/>
+              <a:rPr lang="en-US" dirty="0"/>
               <a:t>LESSON OBJECTIVES</a:t>
             </a:r>
-            <a:endParaRPr lang="en-US" dirty="0"/>
           </a:p>
         </p:txBody>
       </p:sp>
@@ -5931,7 +5854,7 @@
               <a:buAutoNum type="arabicPeriod"/>
             </a:pPr>
             <a:r>
-              <a:rPr lang="en-US" dirty="0" smtClean="0"/>
+              <a:rPr lang="en-US" dirty="0"/>
               <a:t>Learn about the Ultrasonic Sensor</a:t>
             </a:r>
           </a:p>
@@ -5941,7 +5864,7 @@
               <a:buAutoNum type="arabicPeriod"/>
             </a:pPr>
             <a:r>
-              <a:rPr lang="en-US" dirty="0" smtClean="0"/>
+              <a:rPr lang="en-US" dirty="0"/>
               <a:t>Learn how to use Wait Until Ultrasonic Block</a:t>
             </a:r>
           </a:p>
@@ -5951,14 +5874,14 @@
               <a:buAutoNum type="arabicPeriod"/>
             </a:pPr>
             <a:r>
-              <a:rPr lang="en-US" dirty="0" smtClean="0"/>
+              <a:rPr lang="en-US" dirty="0"/>
               <a:t>Learn the difference between the Wait Until Ultrasonic Block and the </a:t>
             </a:r>
             <a:r>
-              <a:rPr lang="en-US" smtClean="0"/>
+              <a:rPr lang="en-US"/>
               <a:t>Ultrasonic Block</a:t>
             </a:r>
-            <a:endParaRPr lang="en-US" dirty="0" smtClean="0"/>
+            <a:endParaRPr lang="en-US" dirty="0"/>
           </a:p>
         </p:txBody>
       </p:sp>
@@ -5978,10 +5901,9 @@
           <a:lstStyle/>
           <a:p>
             <a:r>
-              <a:rPr lang="en-US" smtClean="0"/>
-              <a:t>© EV3Lessons.com, 2015, (Last edit: 2/26/2015)</a:t>
-            </a:r>
-            <a:endParaRPr lang="en-US"/>
+              <a:rPr lang="en-US"/>
+              <a:t>© EV3Lessons.com, 2015, (Last edit: 4/9/2016)</a:t>
+            </a:r>
           </a:p>
         </p:txBody>
       </p:sp>
@@ -6054,7 +5976,7 @@
           <a:lstStyle/>
           <a:p>
             <a:r>
-              <a:rPr lang="en-US" smtClean="0"/>
+              <a:rPr lang="en-US"/>
               <a:t>What is a sensor?</a:t>
             </a:r>
             <a:endParaRPr lang="en-US" dirty="0"/>
@@ -6086,7 +6008,7 @@
               <a:buChar char="•"/>
             </a:pPr>
             <a:r>
-              <a:rPr lang="en-US" dirty="0" smtClean="0"/>
+              <a:rPr lang="en-US" dirty="0"/>
               <a:t>A sensor lets an EV3 program measure and collect data about is surroundings</a:t>
             </a:r>
           </a:p>
@@ -6096,64 +6018,48 @@
               <a:buChar char="•"/>
             </a:pPr>
             <a:r>
-              <a:rPr lang="en-US" dirty="0" smtClean="0"/>
+              <a:rPr lang="en-US" dirty="0"/>
               <a:t>The EV3 sensors include:</a:t>
             </a:r>
           </a:p>
           <a:p>
             <a:pPr marL="800100" lvl="1" indent="-342900"/>
             <a:r>
-              <a:rPr lang="en-US" dirty="0" smtClean="0">
-                <a:solidFill>
-                  <a:srgbClr val="00B050"/>
-                </a:solidFill>
-              </a:rPr>
+              <a:rPr lang="en-US" dirty="0"/>
               <a:t>Color – measures color and darkness</a:t>
             </a:r>
           </a:p>
           <a:p>
             <a:pPr marL="800100" lvl="1" indent="-342900"/>
             <a:r>
-              <a:rPr lang="en-US" dirty="0" smtClean="0">
-                <a:solidFill>
-                  <a:srgbClr val="00B050"/>
-                </a:solidFill>
-              </a:rPr>
+              <a:rPr lang="en-US" dirty="0"/>
               <a:t>Gyro – measures rotation of robot </a:t>
             </a:r>
           </a:p>
           <a:p>
             <a:pPr marL="800100" lvl="1" indent="-342900"/>
             <a:r>
-              <a:rPr lang="en-US" dirty="0" smtClean="0">
-                <a:solidFill>
-                  <a:srgbClr val="00B050"/>
-                </a:solidFill>
-              </a:rPr>
+              <a:rPr lang="en-US" dirty="0"/>
               <a:t>Ultrasonic – measures distance to nearby surfaces</a:t>
             </a:r>
           </a:p>
           <a:p>
             <a:pPr marL="800100" lvl="1" indent="-342900"/>
             <a:r>
-              <a:rPr lang="en-US" dirty="0" smtClean="0">
-                <a:solidFill>
-                  <a:srgbClr val="00B050"/>
-                </a:solidFill>
-              </a:rPr>
+              <a:rPr lang="en-US" dirty="0"/>
               <a:t>Touch – measures contact with surface</a:t>
             </a:r>
           </a:p>
           <a:p>
             <a:pPr marL="800100" lvl="1" indent="-342900"/>
             <a:r>
-              <a:rPr lang="en-US" dirty="0" smtClean="0"/>
+              <a:rPr lang="en-US" dirty="0"/>
               <a:t>Infrared – measures IR remote’s signals</a:t>
             </a:r>
           </a:p>
           <a:p>
             <a:pPr marL="800100" lvl="1" indent="-342900"/>
-            <a:endParaRPr lang="en-US" dirty="0" smtClean="0"/>
+            <a:endParaRPr lang="en-US" dirty="0"/>
           </a:p>
         </p:txBody>
       </p:sp>
@@ -6252,19 +6158,12 @@
               <a:rPr lang="en-US" sz="1100" dirty="0">
                 <a:hlinkClick r:id="rId4"/>
               </a:rPr>
-              <a:t>http://</a:t>
-            </a:r>
-            <a:r>
-              <a:rPr lang="en-US" sz="1100" dirty="0" smtClean="0">
-                <a:hlinkClick r:id="rId4"/>
-              </a:rPr>
-              <a:t>www.ucalgary.ca/IOSTEM/files/IOSTEM/media_crop/44/public/sensors.jpg</a:t>
-            </a:r>
-            <a:r>
-              <a:rPr lang="en-US" sz="1100" dirty="0" smtClean="0"/>
+              <a:t>http://www.ucalgary.ca/IOSTEM/files/IOSTEM/media_crop/44/public/sensors.jpg</a:t>
+            </a:r>
+            <a:r>
+              <a:rPr lang="en-US" sz="1100" dirty="0"/>
               <a:t>  </a:t>
             </a:r>
-            <a:endParaRPr lang="en-US" sz="1100" dirty="0"/>
           </a:p>
         </p:txBody>
       </p:sp>
@@ -6284,45 +6183,9 @@
           <a:lstStyle/>
           <a:p>
             <a:r>
-              <a:rPr lang="en-US" smtClean="0"/>
-              <a:t>© EV3Lessons.com, 2015, (Last edit: 2/26/15)</a:t>
-            </a:r>
-            <a:endParaRPr lang="en-US"/>
-          </a:p>
-        </p:txBody>
-      </p:sp>
-      <p:sp>
-        <p:nvSpPr>
-          <p:cNvPr id="7" name="TextBox 6"/>
-          <p:cNvSpPr txBox="1"/>
-          <p:nvPr/>
-        </p:nvSpPr>
-        <p:spPr>
-          <a:xfrm>
-            <a:off x="6616095" y="1630255"/>
-            <a:ext cx="2046283" cy="923330"/>
-          </a:xfrm>
-          <a:prstGeom prst="rect">
-            <a:avLst/>
-          </a:prstGeom>
-          <a:noFill/>
-          <a:ln>
-            <a:solidFill>
-              <a:schemeClr val="tx1"/>
-            </a:solidFill>
-          </a:ln>
-        </p:spPr>
-        <p:txBody>
-          <a:bodyPr wrap="square" rtlCol="0">
-            <a:spAutoFit/>
-          </a:bodyPr>
-          <a:lstStyle/>
-          <a:p>
-            <a:r>
-              <a:rPr lang="en-US" i="1" dirty="0" smtClean="0"/>
-              <a:t>Our lessons will cover the 4 sensors in green.</a:t>
-            </a:r>
-            <a:endParaRPr lang="en-US" i="1" dirty="0"/>
+              <a:rPr lang="en-US"/>
+              <a:t>© EV3Lessons.com, 2015, (Last edit: 4/9/2016)</a:t>
+            </a:r>
           </a:p>
         </p:txBody>
       </p:sp>
@@ -6377,10 +6240,9 @@
           <a:lstStyle/>
           <a:p>
             <a:r>
-              <a:rPr lang="en-US" dirty="0" smtClean="0"/>
+              <a:rPr lang="en-US" dirty="0"/>
               <a:t>ULTRASONIC</a:t>
             </a:r>
-            <a:endParaRPr lang="en-US" dirty="0"/>
           </a:p>
         </p:txBody>
       </p:sp>
@@ -6409,7 +6271,7 @@
               <a:buChar char="•"/>
             </a:pPr>
             <a:r>
-              <a:rPr lang="en-US" b="0" dirty="0" smtClean="0"/>
+              <a:rPr lang="en-US" b="0" dirty="0"/>
               <a:t>An ultrasonic sensor measures distance.</a:t>
             </a:r>
           </a:p>
@@ -6419,7 +6281,7 @@
               <a:buChar char="•"/>
             </a:pPr>
             <a:r>
-              <a:rPr lang="en-US" b="0" dirty="0" smtClean="0"/>
+              <a:rPr lang="en-US" b="0" dirty="0"/>
               <a:t>You use it when you need to make sure you are a certain distance away from a target.</a:t>
             </a:r>
           </a:p>
@@ -6429,7 +6291,7 @@
               <a:buChar char="•"/>
             </a:pPr>
             <a:r>
-              <a:rPr lang="en-US" b="0" dirty="0" smtClean="0"/>
+              <a:rPr lang="en-US" b="0" dirty="0"/>
               <a:t>The distance can be measured in inches or centimeters.</a:t>
             </a:r>
           </a:p>
@@ -6439,11 +6301,11 @@
               <a:buChar char="•"/>
             </a:pPr>
             <a:r>
-              <a:rPr lang="en-US" b="0" dirty="0" smtClean="0"/>
+              <a:rPr lang="en-US" b="0" dirty="0"/>
               <a:t>To read the ultrasonic sensor, you use the Ultrasonic Block.  To use the ultrasonic to do an action until a distance, you use “Wait Until”</a:t>
             </a:r>
             <a:br>
-              <a:rPr lang="en-US" b="0" dirty="0" smtClean="0"/>
+              <a:rPr lang="en-US" b="0" dirty="0"/>
             </a:br>
             <a:endParaRPr lang="en-US" b="0" dirty="0"/>
           </a:p>
@@ -6465,10 +6327,9 @@
           <a:lstStyle/>
           <a:p>
             <a:r>
-              <a:rPr lang="en-US" smtClean="0"/>
-              <a:t>© EV3Lessons.com, 2015, (Last edit: 2/26/2015)</a:t>
-            </a:r>
-            <a:endParaRPr lang="en-US"/>
+              <a:rPr lang="en-US"/>
+              <a:t>© EV3Lessons.com, 2015, (Last edit: 4/9/2016)</a:t>
+            </a:r>
           </a:p>
         </p:txBody>
       </p:sp>
@@ -6504,7 +6365,13 @@
           <p:nvPr/>
         </p:nvPicPr>
         <p:blipFill>
-          <a:blip r:embed="rId2"/>
+          <a:blip r:embed="rId2">
+            <a:extLst>
+              <a:ext uri="{28A0092B-C50C-407E-A947-70E740481C1C}">
+                <a14:useLocalDpi xmlns:a14="http://schemas.microsoft.com/office/drawing/2010/main" val="0"/>
+              </a:ext>
+            </a:extLst>
+          </a:blip>
           <a:stretch>
             <a:fillRect/>
           </a:stretch>
@@ -6528,7 +6395,13 @@
           <p:nvPr/>
         </p:nvPicPr>
         <p:blipFill>
-          <a:blip r:embed="rId3"/>
+          <a:blip r:embed="rId3">
+            <a:extLst>
+              <a:ext uri="{28A0092B-C50C-407E-A947-70E740481C1C}">
+                <a14:useLocalDpi xmlns:a14="http://schemas.microsoft.com/office/drawing/2010/main" val="0"/>
+              </a:ext>
+            </a:extLst>
+          </a:blip>
           <a:stretch>
             <a:fillRect/>
           </a:stretch>
@@ -6552,7 +6425,13 @@
           <p:nvPr/>
         </p:nvPicPr>
         <p:blipFill>
-          <a:blip r:embed="rId4"/>
+          <a:blip r:embed="rId4">
+            <a:extLst>
+              <a:ext uri="{28A0092B-C50C-407E-A947-70E740481C1C}">
+                <a14:useLocalDpi xmlns:a14="http://schemas.microsoft.com/office/drawing/2010/main" val="0"/>
+              </a:ext>
+            </a:extLst>
+          </a:blip>
           <a:stretch>
             <a:fillRect/>
           </a:stretch>
@@ -6607,18 +6486,13 @@
           <a:p>
             <a:pPr algn="ctr"/>
             <a:r>
-              <a:rPr lang="en-US" dirty="0" smtClean="0">
+              <a:rPr lang="en-US" dirty="0">
                 <a:solidFill>
                   <a:srgbClr val="FF0000"/>
                 </a:solidFill>
               </a:rPr>
               <a:t>Wait for Ultrasonic</a:t>
             </a:r>
-            <a:endParaRPr lang="en-US" dirty="0">
-              <a:solidFill>
-                <a:srgbClr val="FF0000"/>
-              </a:solidFill>
-            </a:endParaRPr>
           </a:p>
         </p:txBody>
       </p:sp>
@@ -6662,18 +6536,13 @@
           <a:p>
             <a:pPr algn="ctr"/>
             <a:r>
-              <a:rPr lang="en-US" dirty="0" smtClean="0">
+              <a:rPr lang="en-US" dirty="0">
                 <a:solidFill>
                   <a:srgbClr val="FF0000"/>
                 </a:solidFill>
               </a:rPr>
               <a:t>Read Ultrasonic</a:t>
             </a:r>
-            <a:endParaRPr lang="en-US" dirty="0">
-              <a:solidFill>
-                <a:srgbClr val="FF0000"/>
-              </a:solidFill>
-            </a:endParaRPr>
           </a:p>
         </p:txBody>
       </p:sp>
@@ -6700,18 +6569,13 @@
           <a:lstStyle/>
           <a:p>
             <a:r>
-              <a:rPr lang="en-US" dirty="0" smtClean="0">
+              <a:rPr lang="en-US" dirty="0">
                 <a:solidFill>
                   <a:srgbClr val="FF0000"/>
                 </a:solidFill>
               </a:rPr>
               <a:t>VS.</a:t>
             </a:r>
-            <a:endParaRPr lang="en-US" dirty="0">
-              <a:solidFill>
-                <a:srgbClr val="FF0000"/>
-              </a:solidFill>
-            </a:endParaRPr>
           </a:p>
         </p:txBody>
       </p:sp>
@@ -6766,10 +6630,9 @@
           <a:lstStyle/>
           <a:p>
             <a:r>
-              <a:rPr lang="en-US" dirty="0" smtClean="0"/>
+              <a:rPr lang="en-US" dirty="0"/>
               <a:t>Ultrasonic CHALLENGE 1</a:t>
             </a:r>
-            <a:endParaRPr lang="en-US" dirty="0"/>
           </a:p>
         </p:txBody>
       </p:sp>
@@ -6794,7 +6657,7 @@
           <a:lstStyle/>
           <a:p>
             <a:r>
-              <a:rPr lang="en-US" dirty="0" smtClean="0">
+              <a:rPr lang="en-US" dirty="0">
                 <a:solidFill>
                   <a:srgbClr val="008000"/>
                 </a:solidFill>
@@ -6804,7 +6667,7 @@
           </a:p>
           <a:p>
             <a:r>
-              <a:rPr lang="en-US" dirty="0" smtClean="0">
+              <a:rPr lang="en-US" dirty="0">
                 <a:solidFill>
                   <a:srgbClr val="000000"/>
                 </a:solidFill>
@@ -6814,7 +6677,7 @@
           </a:p>
           <a:p>
             <a:r>
-              <a:rPr lang="en-US" dirty="0" smtClean="0">
+              <a:rPr lang="en-US" dirty="0">
                 <a:solidFill>
                   <a:srgbClr val="000000"/>
                 </a:solidFill>
@@ -6824,33 +6687,17 @@
           </a:p>
           <a:p>
             <a:r>
-              <a:rPr lang="en-US" dirty="0" smtClean="0">
+              <a:rPr lang="en-US" dirty="0">
                 <a:solidFill>
                   <a:srgbClr val="000000"/>
                 </a:solidFill>
               </a:rPr>
-              <a:t>Step </a:t>
-            </a:r>
+              <a:t>Step 3: Set wait block to use the Ultrasonic</a:t>
+            </a:r>
+          </a:p>
+          <a:p>
             <a:r>
               <a:rPr lang="en-US" dirty="0">
-                <a:solidFill>
-                  <a:srgbClr val="000000"/>
-                </a:solidFill>
-              </a:rPr>
-              <a:t>3</a:t>
-            </a:r>
-            <a:r>
-              <a:rPr lang="en-US" dirty="0" smtClean="0">
-                <a:solidFill>
-                  <a:srgbClr val="000000"/>
-                </a:solidFill>
-              </a:rPr>
-              <a:t>: Set wait block to use the Ultrasonic</a:t>
-            </a:r>
-          </a:p>
-          <a:p>
-            <a:r>
-              <a:rPr lang="en-US" dirty="0" smtClean="0">
                 <a:solidFill>
                   <a:srgbClr val="000000"/>
                 </a:solidFill>
@@ -6957,10 +6804,9 @@
           <a:lstStyle/>
           <a:p>
             <a:r>
-              <a:rPr lang="en-US" smtClean="0"/>
-              <a:t>© EV3Lessons.com, 2015, (Last edit: 2/26/2015)</a:t>
-            </a:r>
-            <a:endParaRPr lang="en-US"/>
+              <a:rPr lang="en-US"/>
+              <a:t>© EV3Lessons.com, 2015, (Last edit: 4/9/2016)</a:t>
+            </a:r>
           </a:p>
         </p:txBody>
       </p:sp>
@@ -6997,13 +6843,6 @@
   <p:clrMapOvr>
     <a:masterClrMapping/>
   </p:clrMapOvr>
-  <p:timing>
-    <p:tnLst>
-      <p:par>
-        <p:cTn id="1" dur="indefinite" restart="never" nodeType="tmRoot"/>
-      </p:par>
-    </p:tnLst>
-  </p:timing>
 </p:sld>
 </file>
 
@@ -7045,10 +6884,9 @@
           <a:lstStyle/>
           <a:p>
             <a:r>
-              <a:rPr lang="en-US" dirty="0" smtClean="0"/>
+              <a:rPr lang="en-US" dirty="0"/>
               <a:t>Challenge 1 solution</a:t>
             </a:r>
-            <a:endParaRPr lang="en-US" dirty="0"/>
           </a:p>
         </p:txBody>
       </p:sp>
@@ -7070,7 +6908,7 @@
               </a:ext>
             </a:extLst>
           </a:blip>
-          <a:srcRect t="432" b="1220"/>
+          <a:srcRect/>
           <a:stretch/>
         </p:blipFill>
         <p:spPr>
@@ -7096,7 +6934,7 @@
               </a:ext>
             </a:extLst>
           </a:blip>
-          <a:srcRect t="20440"/>
+          <a:srcRect/>
           <a:stretch/>
         </p:blipFill>
         <p:spPr>
@@ -7125,10 +6963,9 @@
           <a:lstStyle/>
           <a:p>
             <a:r>
-              <a:rPr lang="en-US" smtClean="0"/>
-              <a:t>© EV3Lessons.com, 2015, (Last edit: 2/26/2015)</a:t>
-            </a:r>
-            <a:endParaRPr lang="en-US"/>
+              <a:rPr lang="en-US"/>
+              <a:t>© EV3Lessons.com, 2015, (Last edit: 4/9/2016)</a:t>
+            </a:r>
           </a:p>
         </p:txBody>
       </p:sp>
@@ -7165,13 +7002,6 @@
   <p:clrMapOvr>
     <a:masterClrMapping/>
   </p:clrMapOvr>
-  <p:timing>
-    <p:tnLst>
-      <p:par>
-        <p:cTn id="1" dur="indefinite" restart="never" nodeType="tmRoot"/>
-      </p:par>
-    </p:tnLst>
-  </p:timing>
 </p:sld>
 </file>
 
@@ -7202,6 +7032,280 @@
             <p:ph type="title"/>
           </p:nvPr>
         </p:nvSpPr>
+        <p:spPr/>
+        <p:txBody>
+          <a:bodyPr/>
+          <a:lstStyle/>
+          <a:p>
+            <a:r>
+              <a:rPr lang="en-US" dirty="0"/>
+              <a:t>CHALLENGE 2: Use The Force To Control Your Robot!</a:t>
+            </a:r>
+          </a:p>
+        </p:txBody>
+      </p:sp>
+      <p:sp>
+        <p:nvSpPr>
+          <p:cNvPr id="4" name="Footer Placeholder 3"/>
+          <p:cNvSpPr>
+            <a:spLocks noGrp="1"/>
+          </p:cNvSpPr>
+          <p:nvPr>
+            <p:ph type="ftr" sz="quarter" idx="11"/>
+          </p:nvPr>
+        </p:nvSpPr>
+        <p:spPr/>
+        <p:txBody>
+          <a:bodyPr/>
+          <a:lstStyle/>
+          <a:p>
+            <a:r>
+              <a:rPr lang="en-US"/>
+              <a:t>© EV3Lessons.com, 2015, (Last edit: 4/9/2016)</a:t>
+            </a:r>
+          </a:p>
+        </p:txBody>
+      </p:sp>
+      <p:sp>
+        <p:nvSpPr>
+          <p:cNvPr id="5" name="Slide Number Placeholder 4"/>
+          <p:cNvSpPr>
+            <a:spLocks noGrp="1"/>
+          </p:cNvSpPr>
+          <p:nvPr>
+            <p:ph type="sldNum" sz="quarter" idx="12"/>
+          </p:nvPr>
+        </p:nvSpPr>
+        <p:spPr/>
+        <p:txBody>
+          <a:bodyPr/>
+          <a:lstStyle/>
+          <a:p>
+            <a:fld id="{4DBC7FC8-25FB-FC45-8177-2B991DA6778C}" type="slidenum">
+              <a:rPr lang="en-US" smtClean="0"/>
+              <a:t>7</a:t>
+            </a:fld>
+            <a:endParaRPr lang="en-US" dirty="0"/>
+          </a:p>
+        </p:txBody>
+      </p:sp>
+      <p:pic>
+        <p:nvPicPr>
+          <p:cNvPr id="11" name="Picture 10"/>
+          <p:cNvPicPr>
+            <a:picLocks noChangeAspect="1"/>
+          </p:cNvPicPr>
+          <p:nvPr/>
+        </p:nvPicPr>
+        <p:blipFill rotWithShape="1">
+          <a:blip r:embed="rId2">
+            <a:extLst>
+              <a:ext uri="{28A0092B-C50C-407E-A947-70E740481C1C}">
+                <a14:useLocalDpi xmlns:a14="http://schemas.microsoft.com/office/drawing/2010/main" val="0"/>
+              </a:ext>
+            </a:extLst>
+          </a:blip>
+          <a:srcRect/>
+          <a:stretch/>
+        </p:blipFill>
+        <p:spPr>
+          <a:xfrm>
+            <a:off x="2867563" y="2409596"/>
+            <a:ext cx="3067045" cy="2894671"/>
+          </a:xfrm>
+          <a:prstGeom prst="rect">
+            <a:avLst/>
+          </a:prstGeom>
+          <a:solidFill>
+            <a:srgbClr val="FFFFFF">
+              <a:shade val="85000"/>
+            </a:srgbClr>
+          </a:solidFill>
+          <a:ln w="88900" cap="sq">
+            <a:solidFill>
+              <a:srgbClr val="FFFFFF"/>
+            </a:solidFill>
+            <a:miter lim="800000"/>
+          </a:ln>
+          <a:effectLst>
+            <a:outerShdw blurRad="55000" dist="18000" dir="5400000" algn="tl" rotWithShape="0">
+              <a:srgbClr val="000000">
+                <a:alpha val="40000"/>
+              </a:srgbClr>
+            </a:outerShdw>
+          </a:effectLst>
+          <a:scene3d>
+            <a:camera prst="orthographicFront"/>
+            <a:lightRig rig="twoPt" dir="t">
+              <a:rot lat="0" lon="0" rev="7200000"/>
+            </a:lightRig>
+          </a:scene3d>
+          <a:sp3d>
+            <a:bevelT w="25400" h="19050"/>
+            <a:contourClr>
+              <a:srgbClr val="FFFFFF"/>
+            </a:contourClr>
+          </a:sp3d>
+        </p:spPr>
+      </p:pic>
+      <p:pic>
+        <p:nvPicPr>
+          <p:cNvPr id="9" name="Picture 8"/>
+          <p:cNvPicPr>
+            <a:picLocks noChangeAspect="1"/>
+          </p:cNvPicPr>
+          <p:nvPr/>
+        </p:nvPicPr>
+        <p:blipFill rotWithShape="1">
+          <a:blip r:embed="rId3">
+            <a:extLst>
+              <a:ext uri="{28A0092B-C50C-407E-A947-70E740481C1C}">
+                <a14:useLocalDpi xmlns:a14="http://schemas.microsoft.com/office/drawing/2010/main" val="0"/>
+              </a:ext>
+            </a:extLst>
+          </a:blip>
+          <a:srcRect/>
+          <a:stretch/>
+        </p:blipFill>
+        <p:spPr>
+          <a:xfrm>
+            <a:off x="482736" y="1472326"/>
+            <a:ext cx="2857745" cy="2765759"/>
+          </a:xfrm>
+          <a:prstGeom prst="rect">
+            <a:avLst/>
+          </a:prstGeom>
+          <a:solidFill>
+            <a:srgbClr val="FFFFFF">
+              <a:shade val="85000"/>
+            </a:srgbClr>
+          </a:solidFill>
+          <a:ln w="88900" cap="sq">
+            <a:solidFill>
+              <a:srgbClr val="FFFFFF"/>
+            </a:solidFill>
+            <a:miter lim="800000"/>
+          </a:ln>
+          <a:effectLst>
+            <a:outerShdw blurRad="55000" dist="18000" dir="5400000" algn="tl" rotWithShape="0">
+              <a:srgbClr val="000000">
+                <a:alpha val="40000"/>
+              </a:srgbClr>
+            </a:outerShdw>
+          </a:effectLst>
+          <a:scene3d>
+            <a:camera prst="orthographicFront"/>
+            <a:lightRig rig="twoPt" dir="t">
+              <a:rot lat="0" lon="0" rev="7200000"/>
+            </a:lightRig>
+          </a:scene3d>
+          <a:sp3d>
+            <a:bevelT w="25400" h="19050"/>
+            <a:contourClr>
+              <a:srgbClr val="FFFFFF"/>
+            </a:contourClr>
+          </a:sp3d>
+        </p:spPr>
+      </p:pic>
+      <p:pic>
+        <p:nvPicPr>
+          <p:cNvPr id="10" name="Picture 9"/>
+          <p:cNvPicPr>
+            <a:picLocks noChangeAspect="1"/>
+          </p:cNvPicPr>
+          <p:nvPr/>
+        </p:nvPicPr>
+        <p:blipFill rotWithShape="1">
+          <a:blip r:embed="rId4">
+            <a:extLst>
+              <a:ext uri="{28A0092B-C50C-407E-A947-70E740481C1C}">
+                <a14:useLocalDpi xmlns:a14="http://schemas.microsoft.com/office/drawing/2010/main" val="0"/>
+              </a:ext>
+            </a:extLst>
+          </a:blip>
+          <a:srcRect/>
+          <a:stretch/>
+        </p:blipFill>
+        <p:spPr>
+          <a:xfrm>
+            <a:off x="5546559" y="3331840"/>
+            <a:ext cx="2834963" cy="2765306"/>
+          </a:xfrm>
+          <a:prstGeom prst="rect">
+            <a:avLst/>
+          </a:prstGeom>
+          <a:solidFill>
+            <a:srgbClr val="FFFFFF">
+              <a:shade val="85000"/>
+            </a:srgbClr>
+          </a:solidFill>
+          <a:ln w="88900" cap="sq">
+            <a:solidFill>
+              <a:srgbClr val="FFFFFF"/>
+            </a:solidFill>
+            <a:miter lim="800000"/>
+          </a:ln>
+          <a:effectLst>
+            <a:outerShdw blurRad="55000" dist="18000" dir="5400000" algn="tl" rotWithShape="0">
+              <a:srgbClr val="000000">
+                <a:alpha val="40000"/>
+              </a:srgbClr>
+            </a:outerShdw>
+          </a:effectLst>
+          <a:scene3d>
+            <a:camera prst="orthographicFront"/>
+            <a:lightRig rig="twoPt" dir="t">
+              <a:rot lat="0" lon="0" rev="7200000"/>
+            </a:lightRig>
+          </a:scene3d>
+          <a:sp3d>
+            <a:bevelT w="25400" h="19050"/>
+            <a:contourClr>
+              <a:srgbClr val="FFFFFF"/>
+            </a:contourClr>
+          </a:sp3d>
+        </p:spPr>
+      </p:pic>
+    </p:spTree>
+    <p:extLst>
+      <p:ext uri="{BB962C8B-B14F-4D97-AF65-F5344CB8AC3E}">
+        <p14:creationId xmlns:p14="http://schemas.microsoft.com/office/powerpoint/2010/main" val="2966730468"/>
+      </p:ext>
+    </p:extLst>
+  </p:cSld>
+  <p:clrMapOvr>
+    <a:masterClrMapping/>
+  </p:clrMapOvr>
+</p:sld>
+</file>
+
+<file path=ppt/slides/slide8.xml><?xml version="1.0" encoding="utf-8"?>
+<p:sld xmlns:a="http://schemas.openxmlformats.org/drawingml/2006/main" xmlns:r="http://schemas.openxmlformats.org/officeDocument/2006/relationships" xmlns:p="http://schemas.openxmlformats.org/presentationml/2006/main">
+  <p:cSld>
+    <p:spTree>
+      <p:nvGrpSpPr>
+        <p:cNvPr id="1" name=""/>
+        <p:cNvGrpSpPr/>
+        <p:nvPr/>
+      </p:nvGrpSpPr>
+      <p:grpSpPr>
+        <a:xfrm>
+          <a:off x="0" y="0"/>
+          <a:ext cx="0" cy="0"/>
+          <a:chOff x="0" y="0"/>
+          <a:chExt cx="0" cy="0"/>
+        </a:xfrm>
+      </p:grpSpPr>
+      <p:sp>
+        <p:nvSpPr>
+          <p:cNvPr id="2" name="Title 1"/>
+          <p:cNvSpPr>
+            <a:spLocks noGrp="1"/>
+          </p:cNvSpPr>
+          <p:nvPr>
+            <p:ph type="title"/>
+          </p:nvPr>
+        </p:nvSpPr>
         <p:spPr>
           <a:xfrm>
             <a:off x="457199" y="152718"/>
@@ -7213,10 +7317,9 @@
           <a:lstStyle/>
           <a:p>
             <a:r>
-              <a:rPr lang="en-US" dirty="0" smtClean="0"/>
-              <a:t>Challenge 2: Dog Follower</a:t>
-            </a:r>
-            <a:endParaRPr lang="en-US" dirty="0"/>
+              <a:rPr lang="en-US" dirty="0"/>
+              <a:t>Challenge 2: PSEUDOCODE</a:t>
+            </a:r>
           </a:p>
         </p:txBody>
       </p:sp>
@@ -7241,7 +7344,7 @@
           <a:lstStyle/>
           <a:p>
             <a:r>
-              <a:rPr lang="en-US" dirty="0" smtClean="0">
+              <a:rPr lang="en-US" dirty="0">
                 <a:solidFill>
                   <a:srgbClr val="FF0000"/>
                 </a:solidFill>
@@ -7251,53 +7354,36 @@
           </a:p>
           <a:p>
             <a:r>
-              <a:rPr lang="en-US" dirty="0" smtClean="0"/>
+              <a:rPr lang="en-US" dirty="0"/>
               <a:t>Step 1: Drag a loop from the orange tab</a:t>
             </a:r>
           </a:p>
           <a:p>
             <a:r>
-              <a:rPr lang="en-US" dirty="0" smtClean="0"/>
+              <a:rPr lang="en-US" dirty="0"/>
               <a:t>Step 2: Drag switch inside loop</a:t>
             </a:r>
           </a:p>
           <a:p>
             <a:r>
-              <a:rPr lang="en-US" dirty="0" smtClean="0"/>
+              <a:rPr lang="en-US" dirty="0"/>
               <a:t>Step 3: Set switch to Ultrasonic</a:t>
             </a:r>
           </a:p>
           <a:p>
             <a:r>
-              <a:rPr lang="en-US" dirty="0" smtClean="0"/>
+              <a:rPr lang="en-US" dirty="0"/>
               <a:t>Step 4: Set move steering block to ON and place in TRUE</a:t>
             </a:r>
           </a:p>
           <a:p>
             <a:r>
-              <a:rPr lang="en-US" dirty="0" smtClean="0"/>
-              <a:t>Step 4: </a:t>
-            </a:r>
-            <a:r>
               <a:rPr lang="en-US" dirty="0"/>
-              <a:t>Set move steering block to </a:t>
-            </a:r>
-            <a:r>
-              <a:rPr lang="en-US" dirty="0" smtClean="0"/>
-              <a:t>OFF </a:t>
-            </a:r>
-            <a:r>
-              <a:rPr lang="en-US" dirty="0"/>
-              <a:t>and place in </a:t>
-            </a:r>
-            <a:r>
-              <a:rPr lang="en-US" dirty="0" smtClean="0"/>
-              <a:t>FALSE</a:t>
-            </a:r>
+              <a:t>Step 4: Set move steering block to OFF and place in FALSE</a:t>
+            </a:r>
+          </a:p>
+          <a:p>
             <a:endParaRPr lang="en-US" dirty="0"/>
-          </a:p>
-          <a:p>
-            <a:endParaRPr lang="en-US" dirty="0" smtClean="0"/>
           </a:p>
           <a:p>
             <a:endParaRPr lang="en-US" dirty="0">
@@ -7354,10 +7440,9 @@
           <a:lstStyle/>
           <a:p>
             <a:r>
-              <a:rPr lang="en-US" smtClean="0"/>
-              <a:t>© EV3Lessons.com, 2015, (Last edit: 2/26/2015)</a:t>
-            </a:r>
-            <a:endParaRPr lang="en-US"/>
+              <a:rPr lang="en-US"/>
+              <a:t>© EV3Lessons.com, 2015, (Last edit: 4/9/2016)</a:t>
+            </a:r>
           </a:p>
         </p:txBody>
       </p:sp>
@@ -7378,7 +7463,7 @@
           <a:p>
             <a:fld id="{4DBC7FC8-25FB-FC45-8177-2B991DA6778C}" type="slidenum">
               <a:rPr lang="en-US" smtClean="0"/>
-              <a:t>7</a:t>
+              <a:t>8</a:t>
             </a:fld>
             <a:endParaRPr lang="en-US"/>
           </a:p>
@@ -7394,17 +7479,10 @@
   <p:clrMapOvr>
     <a:masterClrMapping/>
   </p:clrMapOvr>
-  <p:timing>
-    <p:tnLst>
-      <p:par>
-        <p:cTn id="1" dur="indefinite" restart="never" nodeType="tmRoot"/>
-      </p:par>
-    </p:tnLst>
-  </p:timing>
 </p:sld>
 </file>
 
-<file path=ppt/slides/slide8.xml><?xml version="1.0" encoding="utf-8"?>
+<file path=ppt/slides/slide9.xml><?xml version="1.0" encoding="utf-8"?>
 <p:sld xmlns:a="http://schemas.openxmlformats.org/drawingml/2006/main" xmlns:r="http://schemas.openxmlformats.org/officeDocument/2006/relationships" xmlns:p="http://schemas.openxmlformats.org/presentationml/2006/main">
   <p:cSld>
     <p:spTree>
@@ -7442,10 +7520,9 @@
           <a:lstStyle/>
           <a:p>
             <a:r>
-              <a:rPr lang="en-US" dirty="0" smtClean="0"/>
+              <a:rPr lang="en-US" dirty="0"/>
               <a:t>Challenge 2 solution</a:t>
             </a:r>
-            <a:endParaRPr lang="en-US" dirty="0"/>
           </a:p>
         </p:txBody>
       </p:sp>
@@ -7505,7 +7582,7 @@
               </a:ext>
             </a:extLst>
           </a:blip>
-          <a:srcRect l="1513" t="20076"/>
+          <a:srcRect/>
           <a:stretch/>
         </p:blipFill>
         <p:spPr>
@@ -7534,10 +7611,9 @@
           <a:lstStyle/>
           <a:p>
             <a:r>
-              <a:rPr lang="en-US" smtClean="0"/>
-              <a:t>© EV3Lessons.com, 2015, (Last edit: 2/26/2015)</a:t>
-            </a:r>
-            <a:endParaRPr lang="en-US"/>
+              <a:rPr lang="en-US"/>
+              <a:t>© EV3Lessons.com, 2015, (Last edit: 4/9/2016)</a:t>
+            </a:r>
           </a:p>
         </p:txBody>
       </p:sp>
@@ -7558,7 +7634,7 @@
           <a:p>
             <a:fld id="{4DBC7FC8-25FB-FC45-8177-2B991DA6778C}" type="slidenum">
               <a:rPr lang="en-US" smtClean="0"/>
-              <a:t>8</a:t>
+              <a:t>9</a:t>
             </a:fld>
             <a:endParaRPr lang="en-US"/>
           </a:p>
@@ -7568,199 +7644,6 @@
     <p:extLst>
       <p:ext uri="{BB962C8B-B14F-4D97-AF65-F5344CB8AC3E}">
         <p14:creationId xmlns:p14="http://schemas.microsoft.com/office/powerpoint/2010/main" val="2798844615"/>
-      </p:ext>
-    </p:extLst>
-  </p:cSld>
-  <p:clrMapOvr>
-    <a:masterClrMapping/>
-  </p:clrMapOvr>
-  <p:timing>
-    <p:tnLst>
-      <p:par>
-        <p:cTn id="1" dur="indefinite" restart="never" nodeType="tmRoot"/>
-      </p:par>
-    </p:tnLst>
-  </p:timing>
-</p:sld>
-</file>
-
-<file path=ppt/slides/slide9.xml><?xml version="1.0" encoding="utf-8"?>
-<p:sld xmlns:a="http://schemas.openxmlformats.org/drawingml/2006/main" xmlns:r="http://schemas.openxmlformats.org/officeDocument/2006/relationships" xmlns:p="http://schemas.openxmlformats.org/presentationml/2006/main">
-  <p:cSld>
-    <p:spTree>
-      <p:nvGrpSpPr>
-        <p:cNvPr id="1" name=""/>
-        <p:cNvGrpSpPr/>
-        <p:nvPr/>
-      </p:nvGrpSpPr>
-      <p:grpSpPr>
-        <a:xfrm>
-          <a:off x="0" y="0"/>
-          <a:ext cx="0" cy="0"/>
-          <a:chOff x="0" y="0"/>
-          <a:chExt cx="0" cy="0"/>
-        </a:xfrm>
-      </p:grpSpPr>
-      <p:sp>
-        <p:nvSpPr>
-          <p:cNvPr id="2" name="Title 1"/>
-          <p:cNvSpPr>
-            <a:spLocks noGrp="1"/>
-          </p:cNvSpPr>
-          <p:nvPr>
-            <p:ph type="title"/>
-          </p:nvPr>
-        </p:nvSpPr>
-        <p:spPr/>
-        <p:txBody>
-          <a:bodyPr/>
-          <a:lstStyle/>
-          <a:p>
-            <a:r>
-              <a:rPr lang="en-US" dirty="0" smtClean="0"/>
-              <a:t>Robots can follow you &amp; even dance with this code!</a:t>
-            </a:r>
-            <a:endParaRPr lang="en-US" dirty="0"/>
-          </a:p>
-        </p:txBody>
-      </p:sp>
-      <p:sp>
-        <p:nvSpPr>
-          <p:cNvPr id="4" name="Footer Placeholder 3"/>
-          <p:cNvSpPr>
-            <a:spLocks noGrp="1"/>
-          </p:cNvSpPr>
-          <p:nvPr>
-            <p:ph type="ftr" sz="quarter" idx="11"/>
-          </p:nvPr>
-        </p:nvSpPr>
-        <p:spPr/>
-        <p:txBody>
-          <a:bodyPr/>
-          <a:lstStyle/>
-          <a:p>
-            <a:r>
-              <a:rPr lang="en-US" smtClean="0"/>
-              <a:t>© EV3Lessons.com, 2015, (Last edit: 2/26/2015)</a:t>
-            </a:r>
-            <a:endParaRPr lang="en-US"/>
-          </a:p>
-        </p:txBody>
-      </p:sp>
-      <p:sp>
-        <p:nvSpPr>
-          <p:cNvPr id="5" name="Slide Number Placeholder 4"/>
-          <p:cNvSpPr>
-            <a:spLocks noGrp="1"/>
-          </p:cNvSpPr>
-          <p:nvPr>
-            <p:ph type="sldNum" sz="quarter" idx="12"/>
-          </p:nvPr>
-        </p:nvSpPr>
-        <p:spPr/>
-        <p:txBody>
-          <a:bodyPr/>
-          <a:lstStyle/>
-          <a:p>
-            <a:fld id="{4DBC7FC8-25FB-FC45-8177-2B991DA6778C}" type="slidenum">
-              <a:rPr lang="en-US" smtClean="0"/>
-              <a:t>9</a:t>
-            </a:fld>
-            <a:endParaRPr lang="en-US" dirty="0"/>
-          </a:p>
-        </p:txBody>
-      </p:sp>
-      <p:pic>
-        <p:nvPicPr>
-          <p:cNvPr id="6" name="Picture 5"/>
-          <p:cNvPicPr>
-            <a:picLocks noChangeAspect="1"/>
-          </p:cNvPicPr>
-          <p:nvPr/>
-        </p:nvPicPr>
-        <p:blipFill rotWithShape="1">
-          <a:blip r:embed="rId2">
-            <a:extLst>
-              <a:ext uri="{28A0092B-C50C-407E-A947-70E740481C1C}">
-                <a14:useLocalDpi xmlns:a14="http://schemas.microsoft.com/office/drawing/2010/main" val="0"/>
-              </a:ext>
-            </a:extLst>
-          </a:blip>
-          <a:srcRect l="12102" t="18642" r="8466"/>
-          <a:stretch/>
-        </p:blipFill>
-        <p:spPr>
-          <a:xfrm>
-            <a:off x="457200" y="1736436"/>
-            <a:ext cx="5158509" cy="3508654"/>
-          </a:xfrm>
-          <a:prstGeom prst="rect">
-            <a:avLst/>
-          </a:prstGeom>
-        </p:spPr>
-      </p:pic>
-      <p:pic>
-        <p:nvPicPr>
-          <p:cNvPr id="7" name="Picture 6"/>
-          <p:cNvPicPr>
-            <a:picLocks noChangeAspect="1"/>
-          </p:cNvPicPr>
-          <p:nvPr/>
-        </p:nvPicPr>
-        <p:blipFill rotWithShape="1">
-          <a:blip r:embed="rId3">
-            <a:extLst>
-              <a:ext uri="{28A0092B-C50C-407E-A947-70E740481C1C}">
-                <a14:useLocalDpi xmlns:a14="http://schemas.microsoft.com/office/drawing/2010/main" val="0"/>
-              </a:ext>
-            </a:extLst>
-          </a:blip>
-          <a:srcRect l="24426" t="22626" r="12703" b="20404"/>
-          <a:stretch/>
-        </p:blipFill>
-        <p:spPr>
-          <a:xfrm>
-            <a:off x="5772727" y="1736436"/>
-            <a:ext cx="2863272" cy="3906983"/>
-          </a:xfrm>
-          <a:prstGeom prst="rect">
-            <a:avLst/>
-          </a:prstGeom>
-        </p:spPr>
-      </p:pic>
-      <p:pic>
-        <p:nvPicPr>
-          <p:cNvPr id="8" name="Picture 7"/>
-          <p:cNvPicPr>
-            <a:picLocks noChangeAspect="1"/>
-          </p:cNvPicPr>
-          <p:nvPr/>
-        </p:nvPicPr>
-        <p:blipFill rotWithShape="1">
-          <a:blip r:embed="rId4">
-            <a:extLst>
-              <a:ext uri="{28A0092B-C50C-407E-A947-70E740481C1C}">
-                <a14:useLocalDpi xmlns:a14="http://schemas.microsoft.com/office/drawing/2010/main" val="0"/>
-              </a:ext>
-            </a:extLst>
-          </a:blip>
-          <a:srcRect r="33939" b="13522"/>
-          <a:stretch/>
-        </p:blipFill>
-        <p:spPr>
-          <a:xfrm>
-            <a:off x="3573172" y="4718916"/>
-            <a:ext cx="2013527" cy="1746250"/>
-          </a:xfrm>
-          <a:prstGeom prst="rect">
-            <a:avLst/>
-          </a:prstGeom>
-        </p:spPr>
-      </p:pic>
-    </p:spTree>
-    <p:extLst>
-      <p:ext uri="{BB962C8B-B14F-4D97-AF65-F5344CB8AC3E}">
-        <p14:creationId xmlns:p14="http://schemas.microsoft.com/office/powerpoint/2010/main" val="2966730468"/>
       </p:ext>
     </p:extLst>
   </p:cSld>

--- a/translations/en-us/beginner/Ultrasonic.pptx
+++ b/translations/en-us/beginner/Ultrasonic.pptx
@@ -221,7 +221,7 @@
           <a:p>
             <a:fld id="{F8D9B3D7-15CB-9343-AA49-EFB5A8F33F18}" type="datetimeFigureOut">
               <a:rPr lang="en-US" smtClean="0"/>
-              <a:t>4/9/2016</a:t>
+              <a:t>4/11/2016</a:t>
             </a:fld>
             <a:endParaRPr lang="en-US"/>
           </a:p>
@@ -387,7 +387,7 @@
           <a:p>
             <a:fld id="{FD3EFF1E-85A1-6640-AFB9-C38833E80A84}" type="datetimeFigureOut">
               <a:rPr lang="en-US" smtClean="0"/>
-              <a:t>4/9/2016</a:t>
+              <a:t>4/11/2016</a:t>
             </a:fld>
             <a:endParaRPr lang="en-US"/>
           </a:p>
@@ -1098,9 +1098,9 @@
           <a:bodyPr/>
           <a:lstStyle/>
           <a:p>
-            <a:fld id="{3B491744-F677-48B8-BBAF-F522A64CCED7}" type="datetime1">
+            <a:fld id="{DCB7C51B-C9B4-4D13-893E-0C99DDC1C3AB}" type="datetime1">
               <a:rPr lang="en-US" smtClean="0"/>
-              <a:t>4/9/2016</a:t>
+              <a:t>4/11/2016</a:t>
             </a:fld>
             <a:endParaRPr lang="en-US"/>
           </a:p>
@@ -1123,7 +1123,7 @@
           <a:p>
             <a:r>
               <a:rPr lang="en-US"/>
-              <a:t>© EV3Lessons.com, 2015, (Last edit: 4/9/2016)</a:t>
+              <a:t>© EV3Lessons.com, 2015 Last Update:</a:t>
             </a:r>
           </a:p>
         </p:txBody>
@@ -1689,9 +1689,9 @@
           <a:bodyPr/>
           <a:lstStyle/>
           <a:p>
-            <a:fld id="{3EF1F4DC-AD38-4A1E-9A29-37ACDE762472}" type="datetime1">
+            <a:fld id="{5B8437C3-5496-4FDB-AC65-CA10147B9E4F}" type="datetime1">
               <a:rPr lang="en-US" smtClean="0"/>
-              <a:t>4/9/2016</a:t>
+              <a:t>4/11/2016</a:t>
             </a:fld>
             <a:endParaRPr lang="en-US"/>
           </a:p>
@@ -1714,7 +1714,7 @@
           <a:p>
             <a:r>
               <a:rPr lang="en-US"/>
-              <a:t>© EV3Lessons.com, 2015, (Last edit: 4/9/2016)</a:t>
+              <a:t>© EV3Lessons.com, 2015 Last Update:</a:t>
             </a:r>
           </a:p>
         </p:txBody>
@@ -1865,9 +1865,9 @@
           <a:bodyPr/>
           <a:lstStyle/>
           <a:p>
-            <a:fld id="{86CBB32D-E3BC-4159-8930-DAE8C5FEA7D7}" type="datetime1">
+            <a:fld id="{34CCD5F9-15EA-45CA-8A22-0D0C857196BC}" type="datetime1">
               <a:rPr lang="en-US" smtClean="0"/>
-              <a:t>4/9/2016</a:t>
+              <a:t>4/11/2016</a:t>
             </a:fld>
             <a:endParaRPr lang="en-US"/>
           </a:p>
@@ -1890,7 +1890,7 @@
           <a:p>
             <a:r>
               <a:rPr lang="en-US"/>
-              <a:t>© EV3Lessons.com, 2015, (Last edit: 4/9/2016)</a:t>
+              <a:t>© EV3Lessons.com, 2015 Last Update:</a:t>
             </a:r>
           </a:p>
         </p:txBody>
@@ -2037,38 +2037,44 @@
             <p:ph type="dt" sz="half" idx="10"/>
           </p:nvPr>
         </p:nvSpPr>
+        <p:spPr>
+          <a:xfrm>
+            <a:off x="2704861" y="6388626"/>
+            <a:ext cx="3429000" cy="304800"/>
+          </a:xfrm>
+        </p:spPr>
+        <p:txBody>
+          <a:bodyPr/>
+          <a:lstStyle/>
+          <a:p>
+            <a:fld id="{16B0C829-8CE0-4E8C-B1AD-E8E9959B9FE1}" type="datetime1">
+              <a:rPr lang="en-US" smtClean="0"/>
+              <a:t>4/11/2016</a:t>
+            </a:fld>
+            <a:endParaRPr lang="en-US" dirty="0"/>
+          </a:p>
+        </p:txBody>
+      </p:sp>
+      <p:sp>
+        <p:nvSpPr>
+          <p:cNvPr id="5" name="Footer Placeholder 4"/>
+          <p:cNvSpPr>
+            <a:spLocks noGrp="1"/>
+          </p:cNvSpPr>
+          <p:nvPr>
+            <p:ph type="ftr" sz="quarter" idx="11"/>
+          </p:nvPr>
+        </p:nvSpPr>
         <p:spPr/>
         <p:txBody>
           <a:bodyPr/>
           <a:lstStyle/>
           <a:p>
-            <a:fld id="{DE61801D-AD31-4005-9300-97B6765202EE}" type="datetime1">
-              <a:rPr lang="en-US" smtClean="0"/>
-              <a:t>4/9/2016</a:t>
-            </a:fld>
-            <a:endParaRPr lang="en-US"/>
-          </a:p>
-        </p:txBody>
-      </p:sp>
-      <p:sp>
-        <p:nvSpPr>
-          <p:cNvPr id="5" name="Footer Placeholder 4"/>
-          <p:cNvSpPr>
-            <a:spLocks noGrp="1"/>
-          </p:cNvSpPr>
-          <p:nvPr>
-            <p:ph type="ftr" sz="quarter" idx="11"/>
-          </p:nvPr>
-        </p:nvSpPr>
-        <p:spPr/>
-        <p:txBody>
-          <a:bodyPr/>
-          <a:lstStyle/>
-          <a:p>
             <a:r>
               <a:rPr lang="en-US"/>
-              <a:t>© EV3Lessons.com, 2015, (Last edit: 4/9/2016)</a:t>
-            </a:r>
+              <a:t>© EV3Lessons.com, 2015 Last Update:</a:t>
+            </a:r>
+            <a:endParaRPr lang="en-US" dirty="0"/>
           </a:p>
         </p:txBody>
       </p:sp>
@@ -2299,9 +2305,9 @@
           <a:bodyPr/>
           <a:lstStyle/>
           <a:p>
-            <a:fld id="{436F8834-EFE0-47DF-B443-8C74E4F04ACC}" type="datetime1">
+            <a:fld id="{A71902B6-6991-425D-A3E6-7E1687034F2B}" type="datetime1">
               <a:rPr lang="en-US" smtClean="0"/>
-              <a:t>4/9/2016</a:t>
+              <a:t>4/11/2016</a:t>
             </a:fld>
             <a:endParaRPr lang="en-US"/>
           </a:p>
@@ -2347,7 +2353,7 @@
           <a:p>
             <a:r>
               <a:rPr lang="en-US"/>
-              <a:t>© EV3Lessons.com, 2015, (Last edit: 4/9/2016)</a:t>
+              <a:t>© EV3Lessons.com, 2015 Last Update:</a:t>
             </a:r>
           </a:p>
         </p:txBody>
@@ -2588,9 +2594,9 @@
           <a:bodyPr/>
           <a:lstStyle/>
           <a:p>
-            <a:fld id="{4D0503C8-6BDB-454F-9BA5-15748C268EF9}" type="datetime1">
+            <a:fld id="{C55B6F52-6046-4802-BBF4-91B790B3A826}" type="datetime1">
               <a:rPr lang="en-US" smtClean="0"/>
-              <a:t>4/9/2016</a:t>
+              <a:t>4/11/2016</a:t>
             </a:fld>
             <a:endParaRPr lang="en-US"/>
           </a:p>
@@ -2613,7 +2619,7 @@
           <a:p>
             <a:r>
               <a:rPr lang="en-US"/>
-              <a:t>© EV3Lessons.com, 2015, (Last edit: 4/9/2016)</a:t>
+              <a:t>© EV3Lessons.com, 2015 Last Update:</a:t>
             </a:r>
           </a:p>
         </p:txBody>
@@ -3029,9 +3035,9 @@
           <a:bodyPr/>
           <a:lstStyle/>
           <a:p>
-            <a:fld id="{870552AE-7B7B-4CED-A9E6-D50C84754D3F}" type="datetime1">
+            <a:fld id="{9DFCB742-6B5D-4152-A7E3-3A0B43BDE139}" type="datetime1">
               <a:rPr lang="en-US" smtClean="0"/>
-              <a:t>4/9/2016</a:t>
+              <a:t>4/11/2016</a:t>
             </a:fld>
             <a:endParaRPr lang="en-US"/>
           </a:p>
@@ -3054,7 +3060,7 @@
           <a:p>
             <a:r>
               <a:rPr lang="en-US"/>
-              <a:t>© EV3Lessons.com, 2015, (Last edit: 4/9/2016)</a:t>
+              <a:t>© EV3Lessons.com, 2015 Last Update:</a:t>
             </a:r>
           </a:p>
         </p:txBody>
@@ -3144,9 +3150,9 @@
           <a:bodyPr/>
           <a:lstStyle/>
           <a:p>
-            <a:fld id="{1E9B3BE9-6EBA-434D-AA71-76163990784E}" type="datetime1">
+            <a:fld id="{7F0C7C47-CE76-4B76-AAD8-77F33B1A1877}" type="datetime1">
               <a:rPr lang="en-US" smtClean="0"/>
-              <a:t>4/9/2016</a:t>
+              <a:t>4/11/2016</a:t>
             </a:fld>
             <a:endParaRPr lang="en-US"/>
           </a:p>
@@ -3169,7 +3175,7 @@
           <a:p>
             <a:r>
               <a:rPr lang="en-US"/>
-              <a:t>© EV3Lessons.com, 2015, (Last edit: 4/9/2016)</a:t>
+              <a:t>© EV3Lessons.com, 2015 Last Update:</a:t>
             </a:r>
           </a:p>
         </p:txBody>
@@ -3237,9 +3243,9 @@
           <a:bodyPr/>
           <a:lstStyle/>
           <a:p>
-            <a:fld id="{4E01F53E-AE0D-4082-A51C-1CE1CFDA429E}" type="datetime1">
+            <a:fld id="{2609C2CE-67C1-4CE2-8BF0-FC33CB8AE89F}" type="datetime1">
               <a:rPr lang="en-US" smtClean="0"/>
-              <a:t>4/9/2016</a:t>
+              <a:t>4/11/2016</a:t>
             </a:fld>
             <a:endParaRPr lang="en-US"/>
           </a:p>
@@ -3262,7 +3268,7 @@
           <a:p>
             <a:r>
               <a:rPr lang="en-US"/>
-              <a:t>© EV3Lessons.com, 2015, (Last edit: 4/9/2016)</a:t>
+              <a:t>© EV3Lessons.com, 2015 Last Update:</a:t>
             </a:r>
           </a:p>
         </p:txBody>
@@ -3482,9 +3488,9 @@
           <a:bodyPr/>
           <a:lstStyle/>
           <a:p>
-            <a:fld id="{D296865C-AAE9-4D2C-950D-776CE2C78266}" type="datetime1">
+            <a:fld id="{D75C594D-2002-4F49-B607-DF323B2B63E3}" type="datetime1">
               <a:rPr lang="en-US" smtClean="0"/>
-              <a:t>4/9/2016</a:t>
+              <a:t>4/11/2016</a:t>
             </a:fld>
             <a:endParaRPr lang="en-US"/>
           </a:p>
@@ -3507,7 +3513,7 @@
           <a:p>
             <a:r>
               <a:rPr lang="en-US"/>
-              <a:t>© EV3Lessons.com, 2015, (Last edit: 4/9/2016)</a:t>
+              <a:t>© EV3Lessons.com, 2015 Last Update:</a:t>
             </a:r>
           </a:p>
         </p:txBody>
@@ -3777,9 +3783,9 @@
           <a:bodyPr/>
           <a:lstStyle/>
           <a:p>
-            <a:fld id="{23E84F85-14ED-4B43-9063-A37A989DD030}" type="datetime1">
+            <a:fld id="{95FBAB01-D0BF-4366-B7D8-90E14E274426}" type="datetime1">
               <a:rPr lang="en-US" smtClean="0"/>
-              <a:t>4/9/2016</a:t>
+              <a:t>4/11/2016</a:t>
             </a:fld>
             <a:endParaRPr lang="en-US"/>
           </a:p>
@@ -3802,7 +3808,7 @@
           <a:p>
             <a:r>
               <a:rPr lang="en-US"/>
-              <a:t>© EV3Lessons.com, 2015, (Last edit: 4/9/2016)</a:t>
+              <a:t>© EV3Lessons.com, 2015 Last Update:</a:t>
             </a:r>
           </a:p>
         </p:txBody>
@@ -4073,9 +4079,9 @@
             </a:lvl1pPr>
           </a:lstStyle>
           <a:p>
-            <a:fld id="{575B3C55-AACA-4383-897D-583BDBF3F984}" type="datetime1">
+            <a:fld id="{811F04A3-3B7F-4358-B715-20F2B17E133F}" type="datetime1">
               <a:rPr lang="en-US" smtClean="0"/>
-              <a:t>4/9/2016</a:t>
+              <a:t>4/11/2016</a:t>
             </a:fld>
             <a:endParaRPr lang="en-US"/>
           </a:p>
@@ -4114,7 +4120,7 @@
           <a:p>
             <a:r>
               <a:rPr lang="en-US"/>
-              <a:t>© EV3Lessons.com, 2015, (Last edit: 4/9/2016)</a:t>
+              <a:t>© EV3Lessons.com, 2015 Last Update:</a:t>
             </a:r>
           </a:p>
         </p:txBody>
@@ -4591,7 +4597,7 @@
     <p:sldLayoutId id="2147483724" r:id="rId10"/>
     <p:sldLayoutId id="2147483725" r:id="rId11"/>
   </p:sldLayoutIdLst>
-  <p:hf hdr="0" dt="0"/>
+  <p:hf hdr="0"/>
   <p:txStyles>
     <p:titleStyle>
       <a:lvl1pPr algn="l" defTabSz="914400" rtl="0" eaLnBrk="1" latinLnBrk="0" hangingPunct="1">
@@ -5029,7 +5035,7 @@
           <a:noFill/>
           <a:extLst>
             <a:ext uri="{909E8E84-426E-40dd-AFC4-6F175D3DCCD1}">
-              <a14:hiddenFill xmlns="" xmlns:a14="http://schemas.microsoft.com/office/drawing/2010/main">
+              <a14:hiddenFill xmlns:a14="http://schemas.microsoft.com/office/drawing/2010/main" xmlns="">
                 <a:solidFill>
                   <a:srgbClr val="FFFFFF"/>
                 </a:solidFill>
@@ -5144,7 +5150,7 @@
           <a:p>
             <a:r>
               <a:rPr lang="en-US"/>
-              <a:t>© EV3Lessons.com, 2015, (Last edit: 4/9/2016)</a:t>
+              <a:t>© EV3Lessons.com, 2015 Last Update:</a:t>
             </a:r>
             <a:endParaRPr lang="en-US" dirty="0"/>
           </a:p>
@@ -5185,8 +5191,8 @@
         </p:nvSpPr>
         <p:spPr>
           <a:xfrm>
-            <a:off x="457200" y="1119826"/>
-            <a:ext cx="8245474" cy="5134353"/>
+            <a:off x="457200" y="1119827"/>
+            <a:ext cx="8245474" cy="772982"/>
           </a:xfrm>
         </p:spPr>
         <p:txBody>
@@ -5195,40 +5201,57 @@
           <a:p>
             <a:r>
               <a:rPr lang="en-US" dirty="0"/>
-              <a:t>The previous code kept the robot moving always. This version lets the robot rest if it is between 4-6 inches.</a:t>
+              <a:t>The previous code kept the robot moving always. This version lets the robot rest if it is between 15-20 centimeters.</a:t>
             </a:r>
           </a:p>
         </p:txBody>
       </p:sp>
       <p:pic>
         <p:nvPicPr>
-          <p:cNvPr id="7" name="Content Placeholder 3" descr="Screen Shot 2014-08-12 at 8.22.33 PM.png"/>
+          <p:cNvPr id="4" name="Picture 3" descr="LEGO MINDSTORMS Education EV3 Teacher Edition"/>
           <p:cNvPicPr>
             <a:picLocks noChangeAspect="1"/>
           </p:cNvPicPr>
           <p:nvPr/>
         </p:nvPicPr>
         <p:blipFill rotWithShape="1">
-          <a:blip r:embed="rId3">
-            <a:extLst>
-              <a:ext uri="{28A0092B-C50C-407E-A947-70E740481C1C}">
-                <a14:useLocalDpi xmlns:a14="http://schemas.microsoft.com/office/drawing/2010/main" val="0"/>
-              </a:ext>
-            </a:extLst>
-          </a:blip>
-          <a:srcRect l="5459" r="463" b="3116"/>
+          <a:blip r:embed="rId3"/>
+          <a:srcRect l="8300" t="11992" r="35301" b="15996"/>
           <a:stretch/>
         </p:blipFill>
         <p:spPr>
           <a:xfrm>
-            <a:off x="1911109" y="1867989"/>
-            <a:ext cx="6219203" cy="4658641"/>
+            <a:off x="1280160" y="1841713"/>
+            <a:ext cx="6373368" cy="4610521"/>
           </a:xfrm>
           <a:prstGeom prst="rect">
             <a:avLst/>
           </a:prstGeom>
         </p:spPr>
       </p:pic>
+      <p:sp>
+        <p:nvSpPr>
+          <p:cNvPr id="8" name="Date Placeholder 7"/>
+          <p:cNvSpPr>
+            <a:spLocks noGrp="1"/>
+          </p:cNvSpPr>
+          <p:nvPr>
+            <p:ph type="dt" sz="half" idx="10"/>
+          </p:nvPr>
+        </p:nvSpPr>
+        <p:spPr/>
+        <p:txBody>
+          <a:bodyPr/>
+          <a:lstStyle/>
+          <a:p>
+            <a:fld id="{BF3C4910-5C2A-42FA-8DBA-585DD44299C6}" type="datetime1">
+              <a:rPr lang="en-US" smtClean="0"/>
+              <a:t>4/11/2016</a:t>
+            </a:fld>
+            <a:endParaRPr lang="en-US" dirty="0"/>
+          </a:p>
+        </p:txBody>
+      </p:sp>
     </p:spTree>
     <p:extLst>
       <p:ext uri="{BB962C8B-B14F-4D97-AF65-F5344CB8AC3E}">
@@ -5366,7 +5389,7 @@
           <a:p>
             <a:r>
               <a:rPr lang="en-US"/>
-              <a:t>© EV3Lessons.com, 2015, (Last edit: 4/9/2016)</a:t>
+              <a:t>© EV3Lessons.com, 2015 Last Update:</a:t>
             </a:r>
             <a:endParaRPr lang="en-US" dirty="0"/>
           </a:p>
@@ -5397,7 +5420,7 @@
           <a:effectLst/>
           <a:extLst>
             <a:ext uri="{91240B29-F687-4f45-9708-019B960494DF}">
-              <a14:hiddenLine xmlns="" xmlns:a14="http://schemas.microsoft.com/office/drawing/2010/main" w="9525">
+              <a14:hiddenLine xmlns:a14="http://schemas.microsoft.com/office/drawing/2010/main" xmlns="" w="9525">
                 <a:solidFill>
                   <a:schemeClr val="tx1"/>
                 </a:solidFill>
@@ -5407,7 +5430,7 @@
               </a14:hiddenLine>
             </a:ext>
             <a:ext uri="{AF507438-7753-43e0-B8FC-AC1667EBCBE1}">
-              <a14:hiddenEffects xmlns="" xmlns:a14="http://schemas.microsoft.com/office/drawing/2010/main">
+              <a14:hiddenEffects xmlns:a14="http://schemas.microsoft.com/office/drawing/2010/main" xmlns="">
                 <a:effectLst>
                   <a:outerShdw dist="35921" dir="2700000" algn="ctr" rotWithShape="0">
                     <a:schemeClr val="bg2"/>
@@ -5748,7 +5771,7 @@
           <a:noFill/>
           <a:extLst>
             <a:ext uri="{909E8E84-426E-40dd-AFC4-6F175D3DCCD1}">
-              <a14:hiddenFill xmlns="" xmlns:a14="http://schemas.microsoft.com/office/drawing/2010/main">
+              <a14:hiddenFill xmlns:a14="http://schemas.microsoft.com/office/drawing/2010/main" xmlns="">
                 <a:solidFill>
                   <a:srgbClr val="FFFFFF"/>
                 </a:solidFill>
@@ -5775,6 +5798,29 @@
             <a:fld id="{4DBC7FC8-25FB-FC45-8177-2B991DA6778C}" type="slidenum">
               <a:rPr lang="en-US" smtClean="0"/>
               <a:t>11</a:t>
+            </a:fld>
+            <a:endParaRPr lang="en-US"/>
+          </a:p>
+        </p:txBody>
+      </p:sp>
+      <p:sp>
+        <p:nvSpPr>
+          <p:cNvPr id="5" name="Date Placeholder 4"/>
+          <p:cNvSpPr>
+            <a:spLocks noGrp="1"/>
+          </p:cNvSpPr>
+          <p:nvPr>
+            <p:ph type="dt" sz="half" idx="10"/>
+          </p:nvPr>
+        </p:nvSpPr>
+        <p:spPr/>
+        <p:txBody>
+          <a:bodyPr/>
+          <a:lstStyle/>
+          <a:p>
+            <a:fld id="{E86D57B9-5A65-4F35-B96A-D010AB85BABE}" type="datetime1">
+              <a:rPr lang="en-US" smtClean="0"/>
+              <a:t>4/11/2016</a:t>
             </a:fld>
             <a:endParaRPr lang="en-US"/>
           </a:p>
@@ -5902,7 +5948,7 @@
           <a:p>
             <a:r>
               <a:rPr lang="en-US"/>
-              <a:t>© EV3Lessons.com, 2015, (Last edit: 4/9/2016)</a:t>
+              <a:t>© EV3Lessons.com, 2015 Last Update:</a:t>
             </a:r>
           </a:p>
         </p:txBody>
@@ -5925,6 +5971,29 @@
             <a:fld id="{4DBC7FC8-25FB-FC45-8177-2B991DA6778C}" type="slidenum">
               <a:rPr lang="en-US" smtClean="0"/>
               <a:t>2</a:t>
+            </a:fld>
+            <a:endParaRPr lang="en-US"/>
+          </a:p>
+        </p:txBody>
+      </p:sp>
+      <p:sp>
+        <p:nvSpPr>
+          <p:cNvPr id="6" name="Date Placeholder 5"/>
+          <p:cNvSpPr>
+            <a:spLocks noGrp="1"/>
+          </p:cNvSpPr>
+          <p:nvPr>
+            <p:ph type="dt" sz="half" idx="10"/>
+          </p:nvPr>
+        </p:nvSpPr>
+        <p:spPr/>
+        <p:txBody>
+          <a:bodyPr/>
+          <a:lstStyle/>
+          <a:p>
+            <a:fld id="{88B5D5C0-274E-4233-AC56-32001DB68E8B}" type="datetime1">
+              <a:rPr lang="en-US" smtClean="0"/>
+              <a:t>4/11/2016</a:t>
             </a:fld>
             <a:endParaRPr lang="en-US"/>
           </a:p>
@@ -6119,7 +6188,7 @@
           <a:noFill/>
           <a:extLst>
             <a:ext uri="{909E8E84-426E-40dd-AFC4-6F175D3DCCD1}">
-              <a14:hiddenFill xmlns="" xmlns:a14="http://schemas.microsoft.com/office/drawing/2010/main">
+              <a14:hiddenFill xmlns:a14="http://schemas.microsoft.com/office/drawing/2010/main" xmlns="">
                 <a:solidFill>
                   <a:srgbClr val="FFFFFF"/>
                 </a:solidFill>
@@ -6184,8 +6253,31 @@
           <a:p>
             <a:r>
               <a:rPr lang="en-US"/>
-              <a:t>© EV3Lessons.com, 2015, (Last edit: 4/9/2016)</a:t>
-            </a:r>
+              <a:t>© EV3Lessons.com, 2015 Last Update:</a:t>
+            </a:r>
+          </a:p>
+        </p:txBody>
+      </p:sp>
+      <p:sp>
+        <p:nvSpPr>
+          <p:cNvPr id="6" name="Date Placeholder 5"/>
+          <p:cNvSpPr>
+            <a:spLocks noGrp="1"/>
+          </p:cNvSpPr>
+          <p:nvPr>
+            <p:ph type="dt" sz="half" idx="10"/>
+          </p:nvPr>
+        </p:nvSpPr>
+        <p:spPr/>
+        <p:txBody>
+          <a:bodyPr/>
+          <a:lstStyle/>
+          <a:p>
+            <a:fld id="{802FCE90-D163-4825-B32D-00BF6CDE3F84}" type="datetime1">
+              <a:rPr lang="en-US" smtClean="0"/>
+              <a:t>4/11/2016</a:t>
+            </a:fld>
+            <a:endParaRPr lang="en-US"/>
           </a:p>
         </p:txBody>
       </p:sp>
@@ -6328,7 +6420,7 @@
           <a:p>
             <a:r>
               <a:rPr lang="en-US"/>
-              <a:t>© EV3Lessons.com, 2015, (Last edit: 4/9/2016)</a:t>
+              <a:t>© EV3Lessons.com, 2015 Last Update:</a:t>
             </a:r>
           </a:p>
         </p:txBody>
@@ -6579,6 +6671,29 @@
           </a:p>
         </p:txBody>
       </p:sp>
+      <p:sp>
+        <p:nvSpPr>
+          <p:cNvPr id="8" name="Date Placeholder 7"/>
+          <p:cNvSpPr>
+            <a:spLocks noGrp="1"/>
+          </p:cNvSpPr>
+          <p:nvPr>
+            <p:ph type="dt" sz="half" idx="10"/>
+          </p:nvPr>
+        </p:nvSpPr>
+        <p:spPr/>
+        <p:txBody>
+          <a:bodyPr/>
+          <a:lstStyle/>
+          <a:p>
+            <a:fld id="{98373901-8429-4BAB-A628-CDB538BE98D1}" type="datetime1">
+              <a:rPr lang="en-US" smtClean="0"/>
+              <a:t>4/11/2016</a:t>
+            </a:fld>
+            <a:endParaRPr lang="en-US"/>
+          </a:p>
+        </p:txBody>
+      </p:sp>
     </p:spTree>
     <p:extLst>
       <p:ext uri="{BB962C8B-B14F-4D97-AF65-F5344CB8AC3E}">
@@ -6609,6 +6724,30 @@
           <a:chExt cx="0" cy="0"/>
         </a:xfrm>
       </p:grpSpPr>
+      <p:pic>
+        <p:nvPicPr>
+          <p:cNvPr id="6" name="Picture 5"/>
+          <p:cNvPicPr>
+            <a:picLocks noChangeAspect="1"/>
+          </p:cNvPicPr>
+          <p:nvPr/>
+        </p:nvPicPr>
+        <p:blipFill>
+          <a:blip r:embed="rId2"/>
+          <a:stretch>
+            <a:fillRect/>
+          </a:stretch>
+        </p:blipFill>
+        <p:spPr>
+          <a:xfrm>
+            <a:off x="4781456" y="1263988"/>
+            <a:ext cx="3823048" cy="3722285"/>
+          </a:xfrm>
+          <a:prstGeom prst="rect">
+            <a:avLst/>
+          </a:prstGeom>
+        </p:spPr>
+      </p:pic>
       <p:sp>
         <p:nvSpPr>
           <p:cNvPr id="2" name="Title 1"/>
@@ -6662,7 +6801,7 @@
                   <a:srgbClr val="008000"/>
                 </a:solidFill>
               </a:rPr>
-              <a:t>Challenge: Make the robot move until it is 5 inches away from the wall.</a:t>
+              <a:t>Challenge: Make the robot move until it is 20cm away from the wall.</a:t>
             </a:r>
           </a:p>
           <a:p>
@@ -6714,36 +6853,6 @@
           </a:p>
         </p:txBody>
       </p:sp>
-      <p:pic>
-        <p:nvPicPr>
-          <p:cNvPr id="7" name="Picture 6" descr="Screen Shot 2014-08-12 at 7.03.06 PM.png"/>
-          <p:cNvPicPr>
-            <a:picLocks noChangeAspect="1"/>
-          </p:cNvPicPr>
-          <p:nvPr/>
-        </p:nvPicPr>
-        <p:blipFill>
-          <a:blip r:embed="rId2">
-            <a:extLst>
-              <a:ext uri="{28A0092B-C50C-407E-A947-70E740481C1C}">
-                <a14:useLocalDpi xmlns:a14="http://schemas.microsoft.com/office/drawing/2010/main" val="0"/>
-              </a:ext>
-            </a:extLst>
-          </a:blip>
-          <a:stretch>
-            <a:fillRect/>
-          </a:stretch>
-        </p:blipFill>
-        <p:spPr>
-          <a:xfrm>
-            <a:off x="4781456" y="1088588"/>
-            <a:ext cx="4074266" cy="3573918"/>
-          </a:xfrm>
-          <a:prstGeom prst="rect">
-            <a:avLst/>
-          </a:prstGeom>
-        </p:spPr>
-      </p:pic>
       <p:sp>
         <p:nvSpPr>
           <p:cNvPr id="9" name="Oval 8"/>
@@ -6805,7 +6914,7 @@
           <a:p>
             <a:r>
               <a:rPr lang="en-US"/>
-              <a:t>© EV3Lessons.com, 2015, (Last edit: 4/9/2016)</a:t>
+              <a:t>© EV3Lessons.com, 2015 Last Update:</a:t>
             </a:r>
           </a:p>
         </p:txBody>
@@ -6828,6 +6937,29 @@
             <a:fld id="{4DBC7FC8-25FB-FC45-8177-2B991DA6778C}" type="slidenum">
               <a:rPr lang="en-US" smtClean="0"/>
               <a:t>5</a:t>
+            </a:fld>
+            <a:endParaRPr lang="en-US"/>
+          </a:p>
+        </p:txBody>
+      </p:sp>
+      <p:sp>
+        <p:nvSpPr>
+          <p:cNvPr id="8" name="Date Placeholder 7"/>
+          <p:cNvSpPr>
+            <a:spLocks noGrp="1"/>
+          </p:cNvSpPr>
+          <p:nvPr>
+            <p:ph type="dt" sz="half" idx="10"/>
+          </p:nvPr>
+        </p:nvSpPr>
+        <p:spPr/>
+        <p:txBody>
+          <a:bodyPr/>
+          <a:lstStyle/>
+          <a:p>
+            <a:fld id="{C796DE04-5576-435C-A4BF-9039E4138867}" type="datetime1">
+              <a:rPr lang="en-US" smtClean="0"/>
+              <a:t>4/11/2016</a:t>
             </a:fld>
             <a:endParaRPr lang="en-US"/>
           </a:p>
@@ -6890,9 +7022,54 @@
           </a:p>
         </p:txBody>
       </p:sp>
+      <p:sp>
+        <p:nvSpPr>
+          <p:cNvPr id="3" name="Footer Placeholder 2"/>
+          <p:cNvSpPr>
+            <a:spLocks noGrp="1"/>
+          </p:cNvSpPr>
+          <p:nvPr>
+            <p:ph type="ftr" sz="quarter" idx="11"/>
+          </p:nvPr>
+        </p:nvSpPr>
+        <p:spPr/>
+        <p:txBody>
+          <a:bodyPr/>
+          <a:lstStyle/>
+          <a:p>
+            <a:r>
+              <a:rPr lang="en-US"/>
+              <a:t>© EV3Lessons.com, 2015 Last Update:</a:t>
+            </a:r>
+          </a:p>
+        </p:txBody>
+      </p:sp>
+      <p:sp>
+        <p:nvSpPr>
+          <p:cNvPr id="6" name="Slide Number Placeholder 5"/>
+          <p:cNvSpPr>
+            <a:spLocks noGrp="1"/>
+          </p:cNvSpPr>
+          <p:nvPr>
+            <p:ph type="sldNum" sz="quarter" idx="12"/>
+          </p:nvPr>
+        </p:nvSpPr>
+        <p:spPr/>
+        <p:txBody>
+          <a:bodyPr/>
+          <a:lstStyle/>
+          <a:p>
+            <a:fld id="{4DBC7FC8-25FB-FC45-8177-2B991DA6778C}" type="slidenum">
+              <a:rPr lang="en-US" smtClean="0"/>
+              <a:t>6</a:t>
+            </a:fld>
+            <a:endParaRPr lang="en-US"/>
+          </a:p>
+        </p:txBody>
+      </p:sp>
       <p:pic>
         <p:nvPicPr>
-          <p:cNvPr id="4" name="Content Placeholder 3" descr="Screen Shot 2014-08-12 at 7.02.40 PM.png"/>
+          <p:cNvPr id="9" name="Content Placeholder 8" descr="Screen Clipping"/>
           <p:cNvPicPr>
             <a:picLocks noGrp="1" noChangeAspect="1"/>
           </p:cNvPicPr>
@@ -6900,61 +7077,27 @@
             <p:ph idx="1"/>
           </p:nvPr>
         </p:nvPicPr>
-        <p:blipFill rotWithShape="1">
-          <a:blip r:embed="rId2">
-            <a:extLst>
-              <a:ext uri="{28A0092B-C50C-407E-A947-70E740481C1C}">
-                <a14:useLocalDpi xmlns:a14="http://schemas.microsoft.com/office/drawing/2010/main" val="0"/>
-              </a:ext>
-            </a:extLst>
-          </a:blip>
-          <a:srcRect/>
-          <a:stretch/>
+        <p:blipFill>
+          <a:blip r:embed="rId2"/>
+          <a:stretch>
+            <a:fillRect/>
+          </a:stretch>
         </p:blipFill>
         <p:spPr>
           <a:xfrm>
-            <a:off x="0" y="1249274"/>
-            <a:ext cx="8245475" cy="1873913"/>
+            <a:off x="713230" y="1568171"/>
+            <a:ext cx="6099049" cy="3538065"/>
           </a:xfrm>
         </p:spPr>
       </p:pic>
-      <p:pic>
-        <p:nvPicPr>
-          <p:cNvPr id="5" name="Picture 4" descr="Screen Shot 2014-08-12 at 7.03.06 PM.png"/>
-          <p:cNvPicPr>
-            <a:picLocks noChangeAspect="1"/>
-          </p:cNvPicPr>
-          <p:nvPr/>
-        </p:nvPicPr>
-        <p:blipFill rotWithShape="1">
-          <a:blip r:embed="rId3">
-            <a:extLst>
-              <a:ext uri="{28A0092B-C50C-407E-A947-70E740481C1C}">
-                <a14:useLocalDpi xmlns:a14="http://schemas.microsoft.com/office/drawing/2010/main" val="0"/>
-              </a:ext>
-            </a:extLst>
-          </a:blip>
-          <a:srcRect/>
-          <a:stretch/>
-        </p:blipFill>
-        <p:spPr>
-          <a:xfrm>
-            <a:off x="3536831" y="2977439"/>
-            <a:ext cx="4982355" cy="3477149"/>
-          </a:xfrm>
-          <a:prstGeom prst="rect">
-            <a:avLst/>
-          </a:prstGeom>
-        </p:spPr>
-      </p:pic>
-      <p:sp>
-        <p:nvSpPr>
-          <p:cNvPr id="3" name="Footer Placeholder 2"/>
-          <p:cNvSpPr>
-            <a:spLocks noGrp="1"/>
-          </p:cNvSpPr>
-          <p:nvPr>
-            <p:ph type="ftr" sz="quarter" idx="11"/>
+      <p:sp>
+        <p:nvSpPr>
+          <p:cNvPr id="10" name="Date Placeholder 9"/>
+          <p:cNvSpPr>
+            <a:spLocks noGrp="1"/>
+          </p:cNvSpPr>
+          <p:nvPr>
+            <p:ph type="dt" sz="half" idx="10"/>
           </p:nvPr>
         </p:nvSpPr>
         <p:spPr/>
@@ -6962,31 +7105,9 @@
           <a:bodyPr/>
           <a:lstStyle/>
           <a:p>
-            <a:r>
-              <a:rPr lang="en-US"/>
-              <a:t>© EV3Lessons.com, 2015, (Last edit: 4/9/2016)</a:t>
-            </a:r>
-          </a:p>
-        </p:txBody>
-      </p:sp>
-      <p:sp>
-        <p:nvSpPr>
-          <p:cNvPr id="6" name="Slide Number Placeholder 5"/>
-          <p:cNvSpPr>
-            <a:spLocks noGrp="1"/>
-          </p:cNvSpPr>
-          <p:nvPr>
-            <p:ph type="sldNum" sz="quarter" idx="12"/>
-          </p:nvPr>
-        </p:nvSpPr>
-        <p:spPr/>
-        <p:txBody>
-          <a:bodyPr/>
-          <a:lstStyle/>
-          <a:p>
-            <a:fld id="{4DBC7FC8-25FB-FC45-8177-2B991DA6778C}" type="slidenum">
+            <a:fld id="{A570B385-7173-4C99-BE5F-A64FF85446F2}" type="datetime1">
               <a:rPr lang="en-US" smtClean="0"/>
-              <a:t>6</a:t>
+              <a:t>4/11/2016</a:t>
             </a:fld>
             <a:endParaRPr lang="en-US"/>
           </a:p>
@@ -7061,7 +7182,7 @@
           <a:p>
             <a:r>
               <a:rPr lang="en-US"/>
-              <a:t>© EV3Lessons.com, 2015, (Last edit: 4/9/2016)</a:t>
+              <a:t>© EV3Lessons.com, 2015 Last Update:</a:t>
             </a:r>
           </a:p>
         </p:txBody>
@@ -7266,6 +7387,29 @@
           </a:sp3d>
         </p:spPr>
       </p:pic>
+      <p:sp>
+        <p:nvSpPr>
+          <p:cNvPr id="3" name="Date Placeholder 2"/>
+          <p:cNvSpPr>
+            <a:spLocks noGrp="1"/>
+          </p:cNvSpPr>
+          <p:nvPr>
+            <p:ph type="dt" sz="half" idx="10"/>
+          </p:nvPr>
+        </p:nvSpPr>
+        <p:spPr/>
+        <p:txBody>
+          <a:bodyPr/>
+          <a:lstStyle/>
+          <a:p>
+            <a:fld id="{E4F86504-1703-4974-ADDA-9F1116292BEA}" type="datetime1">
+              <a:rPr lang="en-US" smtClean="0"/>
+              <a:t>4/11/2016</a:t>
+            </a:fld>
+            <a:endParaRPr lang="en-US"/>
+          </a:p>
+        </p:txBody>
+      </p:sp>
     </p:spTree>
     <p:extLst>
       <p:ext uri="{BB962C8B-B14F-4D97-AF65-F5344CB8AC3E}">
@@ -7340,7 +7484,9 @@
           </a:xfrm>
         </p:spPr>
         <p:txBody>
-          <a:bodyPr/>
+          <a:bodyPr>
+            <a:normAutofit fontScale="92500" lnSpcReduction="10000"/>
+          </a:bodyPr>
           <a:lstStyle/>
           <a:p>
             <a:r>
@@ -7349,7 +7495,7 @@
                   <a:srgbClr val="FF0000"/>
                 </a:solidFill>
               </a:rPr>
-              <a:t>If the robot is closer than 5 inches away from your hand move backward, otherwise move forward.</a:t>
+              <a:t>If the robot is closer than 20cm away from your hand move backward, otherwise move forward.</a:t>
             </a:r>
           </a:p>
           <a:p>
@@ -7361,7 +7507,7 @@
           <a:p>
             <a:r>
               <a:rPr lang="en-US" dirty="0"/>
-              <a:t>Step 2: Drag switch inside loop</a:t>
+              <a:t>Step 2: Drag a switch inside loop</a:t>
             </a:r>
           </a:p>
           <a:p>
@@ -7373,13 +7519,13 @@
           <a:p>
             <a:r>
               <a:rPr lang="en-US" dirty="0"/>
-              <a:t>Step 4: Set move steering block to ON and place in TRUE</a:t>
+              <a:t>Step 4: Set move steering block to ON with negative power and place in TRUE</a:t>
             </a:r>
           </a:p>
           <a:p>
             <a:r>
               <a:rPr lang="en-US" dirty="0"/>
-              <a:t>Step 4: Set move steering block to OFF and place in FALSE</a:t>
+              <a:t>Step 4: Set move steering block to ON with positive power and place in FALSE</a:t>
             </a:r>
           </a:p>
           <a:p>
@@ -7394,30 +7540,68 @@
           </a:p>
         </p:txBody>
       </p:sp>
+      <p:sp>
+        <p:nvSpPr>
+          <p:cNvPr id="5" name="Footer Placeholder 4"/>
+          <p:cNvSpPr>
+            <a:spLocks noGrp="1"/>
+          </p:cNvSpPr>
+          <p:nvPr>
+            <p:ph type="ftr" sz="quarter" idx="11"/>
+          </p:nvPr>
+        </p:nvSpPr>
+        <p:spPr/>
+        <p:txBody>
+          <a:bodyPr/>
+          <a:lstStyle/>
+          <a:p>
+            <a:r>
+              <a:rPr lang="en-US"/>
+              <a:t>© EV3Lessons.com, 2015 Last Update:</a:t>
+            </a:r>
+          </a:p>
+        </p:txBody>
+      </p:sp>
+      <p:sp>
+        <p:nvSpPr>
+          <p:cNvPr id="6" name="Slide Number Placeholder 5"/>
+          <p:cNvSpPr>
+            <a:spLocks noGrp="1"/>
+          </p:cNvSpPr>
+          <p:nvPr>
+            <p:ph type="sldNum" sz="quarter" idx="12"/>
+          </p:nvPr>
+        </p:nvSpPr>
+        <p:spPr/>
+        <p:txBody>
+          <a:bodyPr/>
+          <a:lstStyle/>
+          <a:p>
+            <a:fld id="{4DBC7FC8-25FB-FC45-8177-2B991DA6778C}" type="slidenum">
+              <a:rPr lang="en-US" smtClean="0"/>
+              <a:t>8</a:t>
+            </a:fld>
+            <a:endParaRPr lang="en-US"/>
+          </a:p>
+        </p:txBody>
+      </p:sp>
       <p:pic>
         <p:nvPicPr>
-          <p:cNvPr id="4" name="Picture 3" descr="Screen Shot 2014-08-12 at 7.41.18 PM.png"/>
+          <p:cNvPr id="9" name="Picture 8" descr="LEGO MINDSTORMS Education EV3 Teacher Edition"/>
           <p:cNvPicPr>
             <a:picLocks noChangeAspect="1"/>
           </p:cNvPicPr>
           <p:nvPr/>
         </p:nvPicPr>
-        <p:blipFill>
-          <a:blip r:embed="rId2">
-            <a:extLst>
-              <a:ext uri="{28A0092B-C50C-407E-A947-70E740481C1C}">
-                <a14:useLocalDpi xmlns:a14="http://schemas.microsoft.com/office/drawing/2010/main" val="0"/>
-              </a:ext>
-            </a:extLst>
-          </a:blip>
-          <a:stretch>
-            <a:fillRect/>
-          </a:stretch>
+        <p:blipFill rotWithShape="1">
+          <a:blip r:embed="rId2"/>
+          <a:srcRect l="49900" t="14030" r="2601" b="3466"/>
+          <a:stretch/>
         </p:blipFill>
         <p:spPr>
           <a:xfrm>
-            <a:off x="4402001" y="1103530"/>
-            <a:ext cx="4440096" cy="4401091"/>
+            <a:off x="4486768" y="768096"/>
+            <a:ext cx="4343400" cy="5432171"/>
           </a:xfrm>
           <a:prstGeom prst="rect">
             <a:avLst/>
@@ -7426,12 +7610,12 @@
       </p:pic>
       <p:sp>
         <p:nvSpPr>
-          <p:cNvPr id="5" name="Footer Placeholder 4"/>
-          <p:cNvSpPr>
-            <a:spLocks noGrp="1"/>
-          </p:cNvSpPr>
-          <p:nvPr>
-            <p:ph type="ftr" sz="quarter" idx="11"/>
+          <p:cNvPr id="10" name="Date Placeholder 9"/>
+          <p:cNvSpPr>
+            <a:spLocks noGrp="1"/>
+          </p:cNvSpPr>
+          <p:nvPr>
+            <p:ph type="dt" sz="half" idx="10"/>
           </p:nvPr>
         </p:nvSpPr>
         <p:spPr/>
@@ -7439,31 +7623,9 @@
           <a:bodyPr/>
           <a:lstStyle/>
           <a:p>
-            <a:r>
-              <a:rPr lang="en-US"/>
-              <a:t>© EV3Lessons.com, 2015, (Last edit: 4/9/2016)</a:t>
-            </a:r>
-          </a:p>
-        </p:txBody>
-      </p:sp>
-      <p:sp>
-        <p:nvSpPr>
-          <p:cNvPr id="6" name="Slide Number Placeholder 5"/>
-          <p:cNvSpPr>
-            <a:spLocks noGrp="1"/>
-          </p:cNvSpPr>
-          <p:nvPr>
-            <p:ph type="sldNum" sz="quarter" idx="12"/>
-          </p:nvPr>
-        </p:nvSpPr>
-        <p:spPr/>
-        <p:txBody>
-          <a:bodyPr/>
-          <a:lstStyle/>
-          <a:p>
-            <a:fld id="{4DBC7FC8-25FB-FC45-8177-2B991DA6778C}" type="slidenum">
+            <a:fld id="{70E9F28C-3B7E-4220-BFEC-11294F8A6607}" type="datetime1">
               <a:rPr lang="en-US" smtClean="0"/>
-              <a:t>8</a:t>
+              <a:t>4/11/2016</a:t>
             </a:fld>
             <a:endParaRPr lang="en-US"/>
           </a:p>
@@ -7526,69 +7688,69 @@
           </a:p>
         </p:txBody>
       </p:sp>
+      <p:sp>
+        <p:nvSpPr>
+          <p:cNvPr id="3" name="Footer Placeholder 2"/>
+          <p:cNvSpPr>
+            <a:spLocks noGrp="1"/>
+          </p:cNvSpPr>
+          <p:nvPr>
+            <p:ph type="ftr" sz="quarter" idx="11"/>
+          </p:nvPr>
+        </p:nvSpPr>
+        <p:spPr/>
+        <p:txBody>
+          <a:bodyPr/>
+          <a:lstStyle/>
+          <a:p>
+            <a:r>
+              <a:rPr lang="en-US"/>
+              <a:t>© EV3Lessons.com, 2015 Last Update:</a:t>
+            </a:r>
+          </a:p>
+        </p:txBody>
+      </p:sp>
+      <p:sp>
+        <p:nvSpPr>
+          <p:cNvPr id="6" name="Slide Number Placeholder 5"/>
+          <p:cNvSpPr>
+            <a:spLocks noGrp="1"/>
+          </p:cNvSpPr>
+          <p:nvPr>
+            <p:ph type="sldNum" sz="quarter" idx="12"/>
+          </p:nvPr>
+        </p:nvSpPr>
+        <p:spPr/>
+        <p:txBody>
+          <a:bodyPr/>
+          <a:lstStyle/>
+          <a:p>
+            <a:fld id="{4DBC7FC8-25FB-FC45-8177-2B991DA6778C}" type="slidenum">
+              <a:rPr lang="en-US" smtClean="0"/>
+              <a:t>9</a:t>
+            </a:fld>
+            <a:endParaRPr lang="en-US"/>
+          </a:p>
+        </p:txBody>
+      </p:sp>
       <p:pic>
         <p:nvPicPr>
-          <p:cNvPr id="4" name="Content Placeholder 3" descr="Screen Shot 2014-08-12 at 7.02.30 PM.png"/>
+          <p:cNvPr id="7" name="Picture 6" descr="Screen Clipping"/>
           <p:cNvPicPr>
-            <a:picLocks noGrp="1" noChangeAspect="1"/>
+            <a:picLocks noChangeAspect="1"/>
           </p:cNvPicPr>
-          <p:nvPr>
-            <p:ph idx="1"/>
-          </p:nvPr>
+          <p:nvPr/>
         </p:nvPicPr>
         <p:blipFill>
-          <a:blip r:embed="rId2">
-            <a:extLst>
-              <a:ext uri="{28A0092B-C50C-407E-A947-70E740481C1C}">
-                <a14:useLocalDpi xmlns:a14="http://schemas.microsoft.com/office/drawing/2010/main" val="0"/>
-              </a:ext>
-            </a:extLst>
-          </a:blip>
-          <a:srcRect l="-9904" r="-9904"/>
+          <a:blip r:embed="rId2"/>
           <a:stretch>
             <a:fillRect/>
           </a:stretch>
         </p:blipFill>
         <p:spPr>
           <a:xfrm>
-            <a:off x="672214" y="755506"/>
-            <a:ext cx="8245475" cy="5105400"/>
-          </a:xfrm>
-        </p:spPr>
-      </p:pic>
-      <p:pic>
-        <p:nvPicPr>
-          <p:cNvPr id="5" name="Picture 4" descr="Screen Shot 2014-08-12 at 7.03.06 PM.png"/>
-          <p:cNvPicPr>
-            <a:picLocks noChangeAspect="1"/>
-          </p:cNvPicPr>
-          <p:nvPr/>
-        </p:nvPicPr>
-        <p:blipFill rotWithShape="1">
-          <a:blip r:embed="rId3">
-            <a:clrChange>
-              <a:clrFrom>
-                <a:srgbClr val="FFFFFF"/>
-              </a:clrFrom>
-              <a:clrTo>
-                <a:srgbClr val="FFFFFF">
-                  <a:alpha val="0"/>
-                </a:srgbClr>
-              </a:clrTo>
-            </a:clrChange>
-            <a:extLst>
-              <a:ext uri="{28A0092B-C50C-407E-A947-70E740481C1C}">
-                <a14:useLocalDpi xmlns:a14="http://schemas.microsoft.com/office/drawing/2010/main" val="0"/>
-              </a:ext>
-            </a:extLst>
-          </a:blip>
-          <a:srcRect/>
-          <a:stretch/>
-        </p:blipFill>
-        <p:spPr>
-          <a:xfrm>
-            <a:off x="3221607" y="3904945"/>
-            <a:ext cx="3834832" cy="2729852"/>
+            <a:off x="672214" y="1071575"/>
+            <a:ext cx="6942422" cy="4740051"/>
           </a:xfrm>
           <a:prstGeom prst="rect">
             <a:avLst/>
@@ -7597,12 +7759,12 @@
       </p:pic>
       <p:sp>
         <p:nvSpPr>
-          <p:cNvPr id="3" name="Footer Placeholder 2"/>
-          <p:cNvSpPr>
-            <a:spLocks noGrp="1"/>
-          </p:cNvSpPr>
-          <p:nvPr>
-            <p:ph type="ftr" sz="quarter" idx="11"/>
+          <p:cNvPr id="9" name="Date Placeholder 8"/>
+          <p:cNvSpPr>
+            <a:spLocks noGrp="1"/>
+          </p:cNvSpPr>
+          <p:nvPr>
+            <p:ph type="dt" sz="half" idx="10"/>
           </p:nvPr>
         </p:nvSpPr>
         <p:spPr/>
@@ -7610,31 +7772,9 @@
           <a:bodyPr/>
           <a:lstStyle/>
           <a:p>
-            <a:r>
-              <a:rPr lang="en-US"/>
-              <a:t>© EV3Lessons.com, 2015, (Last edit: 4/9/2016)</a:t>
-            </a:r>
-          </a:p>
-        </p:txBody>
-      </p:sp>
-      <p:sp>
-        <p:nvSpPr>
-          <p:cNvPr id="6" name="Slide Number Placeholder 5"/>
-          <p:cNvSpPr>
-            <a:spLocks noGrp="1"/>
-          </p:cNvSpPr>
-          <p:nvPr>
-            <p:ph type="sldNum" sz="quarter" idx="12"/>
-          </p:nvPr>
-        </p:nvSpPr>
-        <p:spPr/>
-        <p:txBody>
-          <a:bodyPr/>
-          <a:lstStyle/>
-          <a:p>
-            <a:fld id="{4DBC7FC8-25FB-FC45-8177-2B991DA6778C}" type="slidenum">
+            <a:fld id="{36E3D3E1-7629-495D-8A67-D1C1C725A0EF}" type="datetime1">
               <a:rPr lang="en-US" smtClean="0"/>
-              <a:t>9</a:t>
+              <a:t>4/11/2016</a:t>
             </a:fld>
             <a:endParaRPr lang="en-US"/>
           </a:p>

--- a/translations/en-us/beginner/Ultrasonic.pptx
+++ b/translations/en-us/beginner/Ultrasonic.pptx
@@ -5035,7 +5035,7 @@
           <a:noFill/>
           <a:extLst>
             <a:ext uri="{909E8E84-426E-40dd-AFC4-6F175D3DCCD1}">
-              <a14:hiddenFill xmlns:a14="http://schemas.microsoft.com/office/drawing/2010/main" xmlns="">
+              <a14:hiddenFill xmlns="" xmlns:a14="http://schemas.microsoft.com/office/drawing/2010/main">
                 <a:solidFill>
                   <a:srgbClr val="FFFFFF"/>
                 </a:solidFill>
@@ -5420,7 +5420,7 @@
           <a:effectLst/>
           <a:extLst>
             <a:ext uri="{91240B29-F687-4f45-9708-019B960494DF}">
-              <a14:hiddenLine xmlns:a14="http://schemas.microsoft.com/office/drawing/2010/main" xmlns="" w="9525">
+              <a14:hiddenLine xmlns="" xmlns:a14="http://schemas.microsoft.com/office/drawing/2010/main" w="9525">
                 <a:solidFill>
                   <a:schemeClr val="tx1"/>
                 </a:solidFill>
@@ -5430,7 +5430,7 @@
               </a14:hiddenLine>
             </a:ext>
             <a:ext uri="{AF507438-7753-43e0-B8FC-AC1667EBCBE1}">
-              <a14:hiddenEffects xmlns:a14="http://schemas.microsoft.com/office/drawing/2010/main" xmlns="">
+              <a14:hiddenEffects xmlns="" xmlns:a14="http://schemas.microsoft.com/office/drawing/2010/main">
                 <a:effectLst>
                   <a:outerShdw dist="35921" dir="2700000" algn="ctr" rotWithShape="0">
                     <a:schemeClr val="bg2"/>
@@ -5771,7 +5771,7 @@
           <a:noFill/>
           <a:extLst>
             <a:ext uri="{909E8E84-426E-40dd-AFC4-6F175D3DCCD1}">
-              <a14:hiddenFill xmlns:a14="http://schemas.microsoft.com/office/drawing/2010/main" xmlns="">
+              <a14:hiddenFill xmlns="" xmlns:a14="http://schemas.microsoft.com/office/drawing/2010/main">
                 <a:solidFill>
                   <a:srgbClr val="FFFFFF"/>
                 </a:solidFill>
@@ -6188,7 +6188,7 @@
           <a:noFill/>
           <a:extLst>
             <a:ext uri="{909E8E84-426E-40dd-AFC4-6F175D3DCCD1}">
-              <a14:hiddenFill xmlns:a14="http://schemas.microsoft.com/office/drawing/2010/main" xmlns="">
+              <a14:hiddenFill xmlns="" xmlns:a14="http://schemas.microsoft.com/office/drawing/2010/main">
                 <a:solidFill>
                   <a:srgbClr val="FFFFFF"/>
                 </a:solidFill>
@@ -7733,9 +7733,32 @@
           </a:p>
         </p:txBody>
       </p:sp>
+      <p:sp>
+        <p:nvSpPr>
+          <p:cNvPr id="9" name="Date Placeholder 8"/>
+          <p:cNvSpPr>
+            <a:spLocks noGrp="1"/>
+          </p:cNvSpPr>
+          <p:nvPr>
+            <p:ph type="dt" sz="half" idx="10"/>
+          </p:nvPr>
+        </p:nvSpPr>
+        <p:spPr/>
+        <p:txBody>
+          <a:bodyPr/>
+          <a:lstStyle/>
+          <a:p>
+            <a:fld id="{36E3D3E1-7629-495D-8A67-D1C1C725A0EF}" type="datetime1">
+              <a:rPr lang="en-US" smtClean="0"/>
+              <a:t>4/11/2016</a:t>
+            </a:fld>
+            <a:endParaRPr lang="en-US"/>
+          </a:p>
+        </p:txBody>
+      </p:sp>
       <p:pic>
         <p:nvPicPr>
-          <p:cNvPr id="7" name="Picture 6" descr="Screen Clipping"/>
+          <p:cNvPr id="4" name="Picture 3" descr="Screen Clipping"/>
           <p:cNvPicPr>
             <a:picLocks noChangeAspect="1"/>
           </p:cNvPicPr>
@@ -7749,37 +7772,14 @@
         </p:blipFill>
         <p:spPr>
           <a:xfrm>
-            <a:off x="672214" y="1071575"/>
-            <a:ext cx="6942422" cy="4740051"/>
+            <a:off x="671029" y="1036124"/>
+            <a:ext cx="7841482" cy="5233548"/>
           </a:xfrm>
           <a:prstGeom prst="rect">
             <a:avLst/>
           </a:prstGeom>
         </p:spPr>
       </p:pic>
-      <p:sp>
-        <p:nvSpPr>
-          <p:cNvPr id="9" name="Date Placeholder 8"/>
-          <p:cNvSpPr>
-            <a:spLocks noGrp="1"/>
-          </p:cNvSpPr>
-          <p:nvPr>
-            <p:ph type="dt" sz="half" idx="10"/>
-          </p:nvPr>
-        </p:nvSpPr>
-        <p:spPr/>
-        <p:txBody>
-          <a:bodyPr/>
-          <a:lstStyle/>
-          <a:p>
-            <a:fld id="{36E3D3E1-7629-495D-8A67-D1C1C725A0EF}" type="datetime1">
-              <a:rPr lang="en-US" smtClean="0"/>
-              <a:t>4/11/2016</a:t>
-            </a:fld>
-            <a:endParaRPr lang="en-US"/>
-          </a:p>
-        </p:txBody>
-      </p:sp>
     </p:spTree>
     <p:extLst>
       <p:ext uri="{BB962C8B-B14F-4D97-AF65-F5344CB8AC3E}">

--- a/translations/en-us/beginner/Ultrasonic.pptx
+++ b/translations/en-us/beginner/Ultrasonic.pptx
@@ -2,26 +2,27 @@
 <file path=ppt/presentation.xml><?xml version="1.0" encoding="utf-8"?>
 <p:presentation xmlns:a="http://schemas.openxmlformats.org/drawingml/2006/main" xmlns:r="http://schemas.openxmlformats.org/officeDocument/2006/relationships" xmlns:p="http://schemas.openxmlformats.org/presentationml/2006/main" showSpecialPlsOnTitleSld="0" saveSubsetFonts="1" autoCompressPictures="0">
   <p:sldMasterIdLst>
-    <p:sldMasterId id="2147483714" r:id="rId1"/>
+    <p:sldMasterId id="2147483726" r:id="rId1"/>
+    <p:sldMasterId id="2147483738" r:id="rId2"/>
   </p:sldMasterIdLst>
   <p:notesMasterIdLst>
-    <p:notesMasterId r:id="rId13"/>
+    <p:notesMasterId r:id="rId14"/>
   </p:notesMasterIdLst>
   <p:handoutMasterIdLst>
-    <p:handoutMasterId r:id="rId14"/>
+    <p:handoutMasterId r:id="rId15"/>
   </p:handoutMasterIdLst>
   <p:sldIdLst>
-    <p:sldId id="408" r:id="rId2"/>
-    <p:sldId id="412" r:id="rId3"/>
-    <p:sldId id="414" r:id="rId4"/>
-    <p:sldId id="410" r:id="rId5"/>
-    <p:sldId id="368" r:id="rId6"/>
-    <p:sldId id="369" r:id="rId7"/>
-    <p:sldId id="413" r:id="rId8"/>
-    <p:sldId id="370" r:id="rId9"/>
-    <p:sldId id="371" r:id="rId10"/>
-    <p:sldId id="372" r:id="rId11"/>
-    <p:sldId id="409" r:id="rId12"/>
+    <p:sldId id="415" r:id="rId3"/>
+    <p:sldId id="412" r:id="rId4"/>
+    <p:sldId id="416" r:id="rId5"/>
+    <p:sldId id="410" r:id="rId6"/>
+    <p:sldId id="368" r:id="rId7"/>
+    <p:sldId id="369" r:id="rId8"/>
+    <p:sldId id="413" r:id="rId9"/>
+    <p:sldId id="370" r:id="rId10"/>
+    <p:sldId id="371" r:id="rId11"/>
+    <p:sldId id="372" r:id="rId12"/>
+    <p:sldId id="409" r:id="rId13"/>
   </p:sldIdLst>
   <p:sldSz cx="9144000" cy="6858000" type="screen4x3"/>
   <p:notesSz cx="6858000" cy="9144000"/>
@@ -221,7 +222,7 @@
           <a:p>
             <a:fld id="{F8D9B3D7-15CB-9343-AA49-EFB5A8F33F18}" type="datetimeFigureOut">
               <a:rPr lang="en-US" smtClean="0"/>
-              <a:t>4/11/2016</a:t>
+              <a:t>7/4/16</a:t>
             </a:fld>
             <a:endParaRPr lang="en-US"/>
           </a:p>
@@ -387,7 +388,7 @@
           <a:p>
             <a:fld id="{FD3EFF1E-85A1-6640-AFB9-C38833E80A84}" type="datetimeFigureOut">
               <a:rPr lang="en-US" smtClean="0"/>
-              <a:t>4/11/2016</a:t>
+              <a:t>7/4/16</a:t>
             </a:fld>
             <a:endParaRPr lang="en-US"/>
           </a:p>
@@ -699,7 +700,7 @@
           <a:bodyPr/>
           <a:lstStyle/>
           <a:p>
-            <a:endParaRPr lang="en-US"/>
+            <a:endParaRPr lang="en-US" dirty="0"/>
           </a:p>
         </p:txBody>
       </p:sp>
@@ -720,7 +721,7 @@
           <a:p>
             <a:fld id="{13967457-1E83-1040-AFF7-8D09C473DBD5}" type="slidenum">
               <a:rPr lang="en-US" smtClean="0"/>
-              <a:t>1</a:t>
+              <a:t>2</a:t>
             </a:fld>
             <a:endParaRPr lang="en-US"/>
           </a:p>
@@ -729,7 +730,7 @@
     </p:spTree>
     <p:extLst>
       <p:ext uri="{BB962C8B-B14F-4D97-AF65-F5344CB8AC3E}">
-        <p14:creationId xmlns:p14="http://schemas.microsoft.com/office/powerpoint/2010/main" val="3924184732"/>
+        <p14:creationId xmlns:p14="http://schemas.microsoft.com/office/powerpoint/2010/main" val="302062812"/>
       </p:ext>
     </p:extLst>
   </p:cSld>
@@ -813,7 +814,7 @@
     </p:spTree>
     <p:extLst>
       <p:ext uri="{BB962C8B-B14F-4D97-AF65-F5344CB8AC3E}">
-        <p14:creationId xmlns:p14="http://schemas.microsoft.com/office/powerpoint/2010/main" val="2783415167"/>
+        <p14:creationId xmlns:p14="http://schemas.microsoft.com/office/powerpoint/2010/main" val="970387814"/>
       </p:ext>
     </p:extLst>
   </p:cSld>
@@ -888,6 +889,90 @@
           <a:p>
             <a:fld id="{13967457-1E83-1040-AFF7-8D09C473DBD5}" type="slidenum">
               <a:rPr lang="en-US" smtClean="0"/>
+              <a:t>9</a:t>
+            </a:fld>
+            <a:endParaRPr lang="en-US"/>
+          </a:p>
+        </p:txBody>
+      </p:sp>
+    </p:spTree>
+    <p:extLst>
+      <p:ext uri="{BB962C8B-B14F-4D97-AF65-F5344CB8AC3E}">
+        <p14:creationId xmlns:p14="http://schemas.microsoft.com/office/powerpoint/2010/main" val="184498779"/>
+      </p:ext>
+    </p:extLst>
+  </p:cSld>
+  <p:clrMapOvr>
+    <a:masterClrMapping/>
+  </p:clrMapOvr>
+</p:notes>
+</file>
+
+<file path=ppt/notesSlides/notesSlide4.xml><?xml version="1.0" encoding="utf-8"?>
+<p:notes xmlns:a="http://schemas.openxmlformats.org/drawingml/2006/main" xmlns:r="http://schemas.openxmlformats.org/officeDocument/2006/relationships" xmlns:p="http://schemas.openxmlformats.org/presentationml/2006/main">
+  <p:cSld>
+    <p:spTree>
+      <p:nvGrpSpPr>
+        <p:cNvPr id="1" name=""/>
+        <p:cNvGrpSpPr/>
+        <p:nvPr/>
+      </p:nvGrpSpPr>
+      <p:grpSpPr>
+        <a:xfrm>
+          <a:off x="0" y="0"/>
+          <a:ext cx="0" cy="0"/>
+          <a:chOff x="0" y="0"/>
+          <a:chExt cx="0" cy="0"/>
+        </a:xfrm>
+      </p:grpSpPr>
+      <p:sp>
+        <p:nvSpPr>
+          <p:cNvPr id="2" name="Slide Image Placeholder 1"/>
+          <p:cNvSpPr>
+            <a:spLocks noGrp="1" noRot="1" noChangeAspect="1"/>
+          </p:cNvSpPr>
+          <p:nvPr>
+            <p:ph type="sldImg"/>
+          </p:nvPr>
+        </p:nvSpPr>
+        <p:spPr/>
+      </p:sp>
+      <p:sp>
+        <p:nvSpPr>
+          <p:cNvPr id="3" name="Notes Placeholder 2"/>
+          <p:cNvSpPr>
+            <a:spLocks noGrp="1"/>
+          </p:cNvSpPr>
+          <p:nvPr>
+            <p:ph type="body" idx="1"/>
+          </p:nvPr>
+        </p:nvSpPr>
+        <p:spPr/>
+        <p:txBody>
+          <a:bodyPr/>
+          <a:lstStyle/>
+          <a:p>
+            <a:endParaRPr lang="en-US"/>
+          </a:p>
+        </p:txBody>
+      </p:sp>
+      <p:sp>
+        <p:nvSpPr>
+          <p:cNvPr id="4" name="Slide Number Placeholder 3"/>
+          <p:cNvSpPr>
+            <a:spLocks noGrp="1"/>
+          </p:cNvSpPr>
+          <p:nvPr>
+            <p:ph type="sldNum" sz="quarter" idx="10"/>
+          </p:nvPr>
+        </p:nvSpPr>
+        <p:spPr/>
+        <p:txBody>
+          <a:bodyPr/>
+          <a:lstStyle/>
+          <a:p>
+            <a:fld id="{13967457-1E83-1040-AFF7-8D09C473DBD5}" type="slidenum">
+              <a:rPr lang="en-US" smtClean="0"/>
               <a:t>10</a:t>
             </a:fld>
             <a:endParaRPr lang="en-US"/>
@@ -908,7 +993,7 @@
 </file>
 
 <file path=ppt/slideLayouts/slideLayout1.xml><?xml version="1.0" encoding="utf-8"?>
-<p:sldLayout xmlns:a="http://schemas.openxmlformats.org/drawingml/2006/main" xmlns:r="http://schemas.openxmlformats.org/officeDocument/2006/relationships" xmlns:p="http://schemas.openxmlformats.org/presentationml/2006/main" showMasterSp="0" type="title" preserve="1">
+<p:sldLayout xmlns:a="http://schemas.openxmlformats.org/drawingml/2006/main" xmlns:r="http://schemas.openxmlformats.org/officeDocument/2006/relationships" xmlns:p="http://schemas.openxmlformats.org/presentationml/2006/main" showMasterSp="0" preserve="1">
   <p:cSld name="Title Slide">
     <p:spTree>
       <p:nvGrpSpPr>
@@ -926,67 +1011,26 @@
       </p:grpSpPr>
       <p:sp>
         <p:nvSpPr>
-          <p:cNvPr id="2" name="Title 1"/>
-          <p:cNvSpPr>
-            <a:spLocks noGrp="1"/>
-          </p:cNvSpPr>
-          <p:nvPr>
-            <p:ph type="ctrTitle"/>
+          <p:cNvPr id="3" name="Subtitle 2"/>
+          <p:cNvSpPr>
+            <a:spLocks noGrp="1"/>
+          </p:cNvSpPr>
+          <p:nvPr>
+            <p:ph type="subTitle" idx="1"/>
           </p:nvPr>
         </p:nvSpPr>
         <p:spPr>
           <a:xfrm>
-            <a:off x="457200" y="228600"/>
-            <a:ext cx="7772400" cy="4571999"/>
-          </a:xfrm>
-        </p:spPr>
-        <p:txBody>
-          <a:bodyPr anchor="ctr">
-            <a:noAutofit/>
-          </a:bodyPr>
+            <a:off x="1132517" y="3427224"/>
+            <a:ext cx="6858000" cy="914400"/>
+          </a:xfrm>
+        </p:spPr>
+        <p:txBody>
+          <a:bodyPr/>
           <a:lstStyle>
-            <a:lvl1pPr>
-              <a:lnSpc>
-                <a:spcPct val="100000"/>
-              </a:lnSpc>
-              <a:defRPr sz="8800" spc="-80" baseline="0">
-                <a:solidFill>
-                  <a:schemeClr val="tx1"/>
-                </a:solidFill>
-              </a:defRPr>
-            </a:lvl1pPr>
-          </a:lstStyle>
-          <a:p>
-            <a:r>
-              <a:rPr lang="en-US"/>
-              <a:t>Click to edit Master title style</a:t>
-            </a:r>
-            <a:endParaRPr lang="en-US" dirty="0"/>
-          </a:p>
-        </p:txBody>
-      </p:sp>
-      <p:sp>
-        <p:nvSpPr>
-          <p:cNvPr id="3" name="Subtitle 2"/>
-          <p:cNvSpPr>
-            <a:spLocks noGrp="1"/>
-          </p:cNvSpPr>
-          <p:nvPr>
-            <p:ph type="subTitle" idx="1"/>
-          </p:nvPr>
-        </p:nvSpPr>
-        <p:spPr>
-          <a:xfrm>
-            <a:off x="457200" y="4800600"/>
-            <a:ext cx="6858000" cy="914400"/>
-          </a:xfrm>
-        </p:spPr>
-        <p:txBody>
-          <a:bodyPr/>
-          <a:lstStyle>
-            <a:lvl1pPr marL="0" indent="0" algn="l">
-              <a:buNone/>
-              <a:defRPr b="0" cap="all" spc="120" baseline="0">
+            <a:lvl1pPr marL="0" indent="0" algn="ctr">
+              <a:buNone/>
+              <a:defRPr b="0" cap="none" spc="120" baseline="0">
                 <a:solidFill>
                   <a:schemeClr val="tx2"/>
                 </a:solidFill>
@@ -1076,7 +1120,7 @@
           </a:lstStyle>
           <a:p>
             <a:r>
-              <a:rPr lang="en-US"/>
+              <a:rPr lang="en-US" smtClean="0"/>
               <a:t>Click to edit Master subtitle style</a:t>
             </a:r>
             <a:endParaRPr lang="en-US" dirty="0"/>
@@ -1085,29 +1129,6 @@
       </p:sp>
       <p:sp>
         <p:nvSpPr>
-          <p:cNvPr id="4" name="Date Placeholder 3"/>
-          <p:cNvSpPr>
-            <a:spLocks noGrp="1"/>
-          </p:cNvSpPr>
-          <p:nvPr>
-            <p:ph type="dt" sz="half" idx="10"/>
-          </p:nvPr>
-        </p:nvSpPr>
-        <p:spPr/>
-        <p:txBody>
-          <a:bodyPr/>
-          <a:lstStyle/>
-          <a:p>
-            <a:fld id="{DCB7C51B-C9B4-4D13-893E-0C99DDC1C3AB}" type="datetime1">
-              <a:rPr lang="en-US" smtClean="0"/>
-              <a:t>4/11/2016</a:t>
-            </a:fld>
-            <a:endParaRPr lang="en-US"/>
-          </a:p>
-        </p:txBody>
-      </p:sp>
-      <p:sp>
-        <p:nvSpPr>
           <p:cNvPr id="5" name="Footer Placeholder 4"/>
           <p:cNvSpPr>
             <a:spLocks noGrp="1"/>
@@ -1116,15 +1137,21 @@
             <p:ph type="ftr" sz="quarter" idx="11"/>
           </p:nvPr>
         </p:nvSpPr>
-        <p:spPr/>
-        <p:txBody>
-          <a:bodyPr/>
-          <a:lstStyle/>
-          <a:p>
-            <a:r>
-              <a:rPr lang="en-US"/>
-              <a:t>© EV3Lessons.com, 2015 Last Update:</a:t>
-            </a:r>
+        <p:spPr>
+          <a:xfrm>
+            <a:off x="457200" y="6492875"/>
+            <a:ext cx="3945988" cy="282095"/>
+          </a:xfrm>
+        </p:spPr>
+        <p:txBody>
+          <a:bodyPr/>
+          <a:lstStyle/>
+          <a:p>
+            <a:r>
+              <a:rPr lang="en-US" dirty="0" smtClean="0"/>
+              <a:t>© EV3Lessons.com, 2016 Last Update: (7/04/2016)</a:t>
+            </a:r>
+            <a:endParaRPr lang="en-US" dirty="0"/>
           </a:p>
         </p:txBody>
       </p:sp>
@@ -1138,7 +1165,15 @@
             <p:ph type="sldNum" sz="quarter" idx="12"/>
           </p:nvPr>
         </p:nvSpPr>
-        <p:spPr/>
+        <p:spPr>
+          <a:xfrm>
+            <a:off x="8484242" y="6341733"/>
+            <a:ext cx="588319" cy="365125"/>
+          </a:xfrm>
+          <a:prstGeom prst="rect">
+            <a:avLst/>
+          </a:prstGeom>
+        </p:spPr>
         <p:txBody>
           <a:bodyPr/>
           <a:lstStyle>
@@ -1163,11 +1198,11 @@
         <p:nvSpPr>
           <p:cNvPr id="11" name="Rectangle 10"/>
           <p:cNvSpPr/>
-          <p:nvPr userDrawn="1"/>
+          <p:nvPr/>
         </p:nvSpPr>
         <p:spPr>
           <a:xfrm>
-            <a:off x="8996105" y="2895600"/>
+            <a:off x="8996106" y="2895600"/>
             <a:ext cx="147895" cy="3962400"/>
           </a:xfrm>
           <a:prstGeom prst="rect">
@@ -1196,117 +1231,16 @@
             <a:schemeClr val="lt1"/>
           </a:fontRef>
         </p:style>
-        <p:txBody>
-          <a:bodyPr/>
-          <a:lstStyle>
-            <a:defPPr>
-              <a:defRPr lang="en-US"/>
-            </a:defPPr>
-            <a:lvl1pPr marL="0" algn="l" defTabSz="457200" rtl="0" eaLnBrk="1" latinLnBrk="0" hangingPunct="1">
-              <a:defRPr sz="1800" kern="1200">
-                <a:solidFill>
-                  <a:schemeClr val="lt1"/>
-                </a:solidFill>
-                <a:latin typeface="+mn-lt"/>
-                <a:ea typeface="+mn-ea"/>
-                <a:cs typeface="+mn-cs"/>
-              </a:defRPr>
-            </a:lvl1pPr>
-            <a:lvl2pPr marL="457200" algn="l" defTabSz="457200" rtl="0" eaLnBrk="1" latinLnBrk="0" hangingPunct="1">
-              <a:defRPr sz="1800" kern="1200">
-                <a:solidFill>
-                  <a:schemeClr val="lt1"/>
-                </a:solidFill>
-                <a:latin typeface="+mn-lt"/>
-                <a:ea typeface="+mn-ea"/>
-                <a:cs typeface="+mn-cs"/>
-              </a:defRPr>
-            </a:lvl2pPr>
-            <a:lvl3pPr marL="914400" algn="l" defTabSz="457200" rtl="0" eaLnBrk="1" latinLnBrk="0" hangingPunct="1">
-              <a:defRPr sz="1800" kern="1200">
-                <a:solidFill>
-                  <a:schemeClr val="lt1"/>
-                </a:solidFill>
-                <a:latin typeface="+mn-lt"/>
-                <a:ea typeface="+mn-ea"/>
-                <a:cs typeface="+mn-cs"/>
-              </a:defRPr>
-            </a:lvl3pPr>
-            <a:lvl4pPr marL="1371600" algn="l" defTabSz="457200" rtl="0" eaLnBrk="1" latinLnBrk="0" hangingPunct="1">
-              <a:defRPr sz="1800" kern="1200">
-                <a:solidFill>
-                  <a:schemeClr val="lt1"/>
-                </a:solidFill>
-                <a:latin typeface="+mn-lt"/>
-                <a:ea typeface="+mn-ea"/>
-                <a:cs typeface="+mn-cs"/>
-              </a:defRPr>
-            </a:lvl4pPr>
-            <a:lvl5pPr marL="1828800" algn="l" defTabSz="457200" rtl="0" eaLnBrk="1" latinLnBrk="0" hangingPunct="1">
-              <a:defRPr sz="1800" kern="1200">
-                <a:solidFill>
-                  <a:schemeClr val="lt1"/>
-                </a:solidFill>
-                <a:latin typeface="+mn-lt"/>
-                <a:ea typeface="+mn-ea"/>
-                <a:cs typeface="+mn-cs"/>
-              </a:defRPr>
-            </a:lvl5pPr>
-            <a:lvl6pPr marL="2286000" algn="l" defTabSz="457200" rtl="0" eaLnBrk="1" latinLnBrk="0" hangingPunct="1">
-              <a:defRPr sz="1800" kern="1200">
-                <a:solidFill>
-                  <a:schemeClr val="lt1"/>
-                </a:solidFill>
-                <a:latin typeface="+mn-lt"/>
-                <a:ea typeface="+mn-ea"/>
-                <a:cs typeface="+mn-cs"/>
-              </a:defRPr>
-            </a:lvl6pPr>
-            <a:lvl7pPr marL="2743200" algn="l" defTabSz="457200" rtl="0" eaLnBrk="1" latinLnBrk="0" hangingPunct="1">
-              <a:defRPr sz="1800" kern="1200">
-                <a:solidFill>
-                  <a:schemeClr val="lt1"/>
-                </a:solidFill>
-                <a:latin typeface="+mn-lt"/>
-                <a:ea typeface="+mn-ea"/>
-                <a:cs typeface="+mn-cs"/>
-              </a:defRPr>
-            </a:lvl7pPr>
-            <a:lvl8pPr marL="3200400" algn="l" defTabSz="457200" rtl="0" eaLnBrk="1" latinLnBrk="0" hangingPunct="1">
-              <a:defRPr sz="1800" kern="1200">
-                <a:solidFill>
-                  <a:schemeClr val="lt1"/>
-                </a:solidFill>
-                <a:latin typeface="+mn-lt"/>
-                <a:ea typeface="+mn-ea"/>
-                <a:cs typeface="+mn-cs"/>
-              </a:defRPr>
-            </a:lvl8pPr>
-            <a:lvl9pPr marL="3657600" algn="l" defTabSz="457200" rtl="0" eaLnBrk="1" latinLnBrk="0" hangingPunct="1">
-              <a:defRPr sz="1800" kern="1200">
-                <a:solidFill>
-                  <a:schemeClr val="lt1"/>
-                </a:solidFill>
-                <a:latin typeface="+mn-lt"/>
-                <a:ea typeface="+mn-ea"/>
-                <a:cs typeface="+mn-cs"/>
-              </a:defRPr>
-            </a:lvl9pPr>
-          </a:lstStyle>
-          <a:p>
-            <a:endParaRPr lang="en-US"/>
-          </a:p>
-        </p:txBody>
       </p:sp>
       <p:sp>
         <p:nvSpPr>
           <p:cNvPr id="12" name="Rectangle 11"/>
           <p:cNvSpPr/>
-          <p:nvPr userDrawn="1"/>
+          <p:nvPr/>
         </p:nvSpPr>
         <p:spPr>
           <a:xfrm>
-            <a:off x="8959041" y="0"/>
+            <a:off x="8959042" y="0"/>
             <a:ext cx="184958" cy="2895600"/>
           </a:xfrm>
           <a:prstGeom prst="rect">
@@ -1335,117 +1269,16 @@
             <a:schemeClr val="lt1"/>
           </a:fontRef>
         </p:style>
-        <p:txBody>
-          <a:bodyPr/>
-          <a:lstStyle>
-            <a:defPPr>
-              <a:defRPr lang="en-US"/>
-            </a:defPPr>
-            <a:lvl1pPr marL="0" algn="l" defTabSz="457200" rtl="0" eaLnBrk="1" latinLnBrk="0" hangingPunct="1">
-              <a:defRPr sz="1800" kern="1200">
-                <a:solidFill>
-                  <a:schemeClr val="lt1"/>
-                </a:solidFill>
-                <a:latin typeface="+mn-lt"/>
-                <a:ea typeface="+mn-ea"/>
-                <a:cs typeface="+mn-cs"/>
-              </a:defRPr>
-            </a:lvl1pPr>
-            <a:lvl2pPr marL="457200" algn="l" defTabSz="457200" rtl="0" eaLnBrk="1" latinLnBrk="0" hangingPunct="1">
-              <a:defRPr sz="1800" kern="1200">
-                <a:solidFill>
-                  <a:schemeClr val="lt1"/>
-                </a:solidFill>
-                <a:latin typeface="+mn-lt"/>
-                <a:ea typeface="+mn-ea"/>
-                <a:cs typeface="+mn-cs"/>
-              </a:defRPr>
-            </a:lvl2pPr>
-            <a:lvl3pPr marL="914400" algn="l" defTabSz="457200" rtl="0" eaLnBrk="1" latinLnBrk="0" hangingPunct="1">
-              <a:defRPr sz="1800" kern="1200">
-                <a:solidFill>
-                  <a:schemeClr val="lt1"/>
-                </a:solidFill>
-                <a:latin typeface="+mn-lt"/>
-                <a:ea typeface="+mn-ea"/>
-                <a:cs typeface="+mn-cs"/>
-              </a:defRPr>
-            </a:lvl3pPr>
-            <a:lvl4pPr marL="1371600" algn="l" defTabSz="457200" rtl="0" eaLnBrk="1" latinLnBrk="0" hangingPunct="1">
-              <a:defRPr sz="1800" kern="1200">
-                <a:solidFill>
-                  <a:schemeClr val="lt1"/>
-                </a:solidFill>
-                <a:latin typeface="+mn-lt"/>
-                <a:ea typeface="+mn-ea"/>
-                <a:cs typeface="+mn-cs"/>
-              </a:defRPr>
-            </a:lvl4pPr>
-            <a:lvl5pPr marL="1828800" algn="l" defTabSz="457200" rtl="0" eaLnBrk="1" latinLnBrk="0" hangingPunct="1">
-              <a:defRPr sz="1800" kern="1200">
-                <a:solidFill>
-                  <a:schemeClr val="lt1"/>
-                </a:solidFill>
-                <a:latin typeface="+mn-lt"/>
-                <a:ea typeface="+mn-ea"/>
-                <a:cs typeface="+mn-cs"/>
-              </a:defRPr>
-            </a:lvl5pPr>
-            <a:lvl6pPr marL="2286000" algn="l" defTabSz="457200" rtl="0" eaLnBrk="1" latinLnBrk="0" hangingPunct="1">
-              <a:defRPr sz="1800" kern="1200">
-                <a:solidFill>
-                  <a:schemeClr val="lt1"/>
-                </a:solidFill>
-                <a:latin typeface="+mn-lt"/>
-                <a:ea typeface="+mn-ea"/>
-                <a:cs typeface="+mn-cs"/>
-              </a:defRPr>
-            </a:lvl6pPr>
-            <a:lvl7pPr marL="2743200" algn="l" defTabSz="457200" rtl="0" eaLnBrk="1" latinLnBrk="0" hangingPunct="1">
-              <a:defRPr sz="1800" kern="1200">
-                <a:solidFill>
-                  <a:schemeClr val="lt1"/>
-                </a:solidFill>
-                <a:latin typeface="+mn-lt"/>
-                <a:ea typeface="+mn-ea"/>
-                <a:cs typeface="+mn-cs"/>
-              </a:defRPr>
-            </a:lvl7pPr>
-            <a:lvl8pPr marL="3200400" algn="l" defTabSz="457200" rtl="0" eaLnBrk="1" latinLnBrk="0" hangingPunct="1">
-              <a:defRPr sz="1800" kern="1200">
-                <a:solidFill>
-                  <a:schemeClr val="lt1"/>
-                </a:solidFill>
-                <a:latin typeface="+mn-lt"/>
-                <a:ea typeface="+mn-ea"/>
-                <a:cs typeface="+mn-cs"/>
-              </a:defRPr>
-            </a:lvl8pPr>
-            <a:lvl9pPr marL="3657600" algn="l" defTabSz="457200" rtl="0" eaLnBrk="1" latinLnBrk="0" hangingPunct="1">
-              <a:defRPr sz="1800" kern="1200">
-                <a:solidFill>
-                  <a:schemeClr val="lt1"/>
-                </a:solidFill>
-                <a:latin typeface="+mn-lt"/>
-                <a:ea typeface="+mn-ea"/>
-                <a:cs typeface="+mn-cs"/>
-              </a:defRPr>
-            </a:lvl9pPr>
-          </a:lstStyle>
-          <a:p>
-            <a:endParaRPr lang="en-US"/>
-          </a:p>
-        </p:txBody>
       </p:sp>
       <p:sp>
         <p:nvSpPr>
           <p:cNvPr id="13" name="Rectangle 12"/>
           <p:cNvSpPr/>
-          <p:nvPr userDrawn="1"/>
+          <p:nvPr/>
         </p:nvSpPr>
         <p:spPr>
           <a:xfrm>
-            <a:off x="8923137" y="0"/>
+            <a:off x="8904666" y="0"/>
             <a:ext cx="91440" cy="6858000"/>
           </a:xfrm>
           <a:prstGeom prst="rect">
@@ -1474,6 +1307,155 @@
             <a:schemeClr val="lt1"/>
           </a:fontRef>
         </p:style>
+      </p:sp>
+      <p:pic>
+        <p:nvPicPr>
+          <p:cNvPr id="10" name="Picture 2" descr="EV3Lessons.com"/>
+          <p:cNvPicPr>
+            <a:picLocks noChangeAspect="1" noChangeArrowheads="1"/>
+          </p:cNvPicPr>
+          <p:nvPr/>
+        </p:nvPicPr>
+        <p:blipFill>
+          <a:blip r:embed="rId2">
+            <a:extLst>
+              <a:ext uri="{28A0092B-C50C-407E-A947-70E740481C1C}">
+                <a14:useLocalDpi xmlns:a14="http://schemas.microsoft.com/office/drawing/2010/main"/>
+              </a:ext>
+            </a:extLst>
+          </a:blip>
+          <a:srcRect/>
+          <a:stretch>
+            <a:fillRect/>
+          </a:stretch>
+        </p:blipFill>
+        <p:spPr bwMode="auto">
+          <a:xfrm>
+            <a:off x="690896" y="400415"/>
+            <a:ext cx="7741243" cy="2875320"/>
+          </a:xfrm>
+          <a:prstGeom prst="rect">
+            <a:avLst/>
+          </a:prstGeom>
+          <a:noFill/>
+          <a:extLst>
+            <a:ext uri="{909E8E84-426E-40dd-AFC4-6F175D3DCCD1}">
+              <a14:hiddenFill xmlns:a14="http://schemas.microsoft.com/office/drawing/2010/main" xmlns="">
+                <a:solidFill>
+                  <a:srgbClr val="FFFFFF"/>
+                </a:solidFill>
+              </a14:hiddenFill>
+            </a:ext>
+          </a:extLst>
+        </p:spPr>
+      </p:pic>
+      <p:sp>
+        <p:nvSpPr>
+          <p:cNvPr id="14" name="Title 1"/>
+          <p:cNvSpPr>
+            <a:spLocks noGrp="1"/>
+          </p:cNvSpPr>
+          <p:nvPr>
+            <p:ph type="ctrTitle" hasCustomPrompt="1"/>
+          </p:nvPr>
+        </p:nvSpPr>
+        <p:spPr>
+          <a:xfrm>
+            <a:off x="502903" y="5741850"/>
+            <a:ext cx="8117227" cy="602769"/>
+          </a:xfrm>
+        </p:spPr>
+        <p:txBody>
+          <a:bodyPr>
+            <a:noAutofit/>
+          </a:bodyPr>
+          <a:lstStyle>
+            <a:lvl1pPr>
+              <a:defRPr sz="2800"/>
+            </a:lvl1pPr>
+          </a:lstStyle>
+          <a:p>
+            <a:pPr algn="ctr"/>
+            <a:r>
+              <a:rPr lang="en-US" sz="3200" dirty="0" smtClean="0"/>
+              <a:t>BEGINNER PROGRAMMING LESSON</a:t>
+            </a:r>
+            <a:endParaRPr lang="en-US" sz="3200" dirty="0"/>
+          </a:p>
+        </p:txBody>
+      </p:sp>
+      <p:sp>
+        <p:nvSpPr>
+          <p:cNvPr id="15" name="TextBox 14"/>
+          <p:cNvSpPr txBox="1"/>
+          <p:nvPr/>
+        </p:nvSpPr>
+        <p:spPr>
+          <a:xfrm>
+            <a:off x="2078568" y="4119917"/>
+            <a:ext cx="4965896" cy="369332"/>
+          </a:xfrm>
+          <a:prstGeom prst="rect">
+            <a:avLst/>
+          </a:prstGeom>
+          <a:noFill/>
+        </p:spPr>
+        <p:txBody>
+          <a:bodyPr wrap="square" rtlCol="0">
+            <a:spAutoFit/>
+          </a:bodyPr>
+          <a:lstStyle/>
+          <a:p>
+            <a:pPr algn="ctr"/>
+            <a:r>
+              <a:rPr lang="en-US" dirty="0" smtClean="0"/>
+              <a:t>By Sanjay and Arvind </a:t>
+            </a:r>
+            <a:r>
+              <a:rPr lang="en-US" dirty="0" err="1" smtClean="0"/>
+              <a:t>Seshan</a:t>
+            </a:r>
+            <a:endParaRPr lang="en-US" dirty="0"/>
+          </a:p>
+        </p:txBody>
+      </p:sp>
+      <p:sp>
+        <p:nvSpPr>
+          <p:cNvPr id="16" name="Rectangle 15"/>
+          <p:cNvSpPr/>
+          <p:nvPr userDrawn="1"/>
+        </p:nvSpPr>
+        <p:spPr>
+          <a:xfrm>
+            <a:off x="8996105" y="2895600"/>
+            <a:ext cx="147895" cy="3962400"/>
+          </a:xfrm>
+          <a:prstGeom prst="rect">
+            <a:avLst/>
+          </a:prstGeom>
+          <a:solidFill>
+            <a:srgbClr val="92D050"/>
+          </a:solidFill>
+          <a:ln>
+            <a:noFill/>
+          </a:ln>
+        </p:spPr>
+        <p:style>
+          <a:lnRef idx="2">
+            <a:schemeClr val="accent1">
+              <a:shade val="50000"/>
+            </a:schemeClr>
+          </a:lnRef>
+          <a:fillRef idx="1">
+            <a:schemeClr val="accent1"/>
+          </a:fillRef>
+          <a:effectRef idx="0">
+            <a:schemeClr val="accent1"/>
+          </a:effectRef>
+          <a:fontRef idx="minor">
+            <a:schemeClr val="lt1"/>
+          </a:fontRef>
+        </p:style>
         <p:txBody>
           <a:bodyPr/>
           <a:lstStyle>
@@ -1576,11 +1558,301 @@
           </a:p>
         </p:txBody>
       </p:sp>
+      <p:sp>
+        <p:nvSpPr>
+          <p:cNvPr id="17" name="Rectangle 16"/>
+          <p:cNvSpPr/>
+          <p:nvPr userDrawn="1"/>
+        </p:nvSpPr>
+        <p:spPr>
+          <a:xfrm>
+            <a:off x="8959041" y="0"/>
+            <a:ext cx="184958" cy="2895600"/>
+          </a:xfrm>
+          <a:prstGeom prst="rect">
+            <a:avLst/>
+          </a:prstGeom>
+          <a:solidFill>
+            <a:srgbClr val="7030A0"/>
+          </a:solidFill>
+          <a:ln>
+            <a:noFill/>
+          </a:ln>
+        </p:spPr>
+        <p:style>
+          <a:lnRef idx="2">
+            <a:schemeClr val="accent1">
+              <a:shade val="50000"/>
+            </a:schemeClr>
+          </a:lnRef>
+          <a:fillRef idx="1">
+            <a:schemeClr val="accent1"/>
+          </a:fillRef>
+          <a:effectRef idx="0">
+            <a:schemeClr val="accent1"/>
+          </a:effectRef>
+          <a:fontRef idx="minor">
+            <a:schemeClr val="lt1"/>
+          </a:fontRef>
+        </p:style>
+        <p:txBody>
+          <a:bodyPr/>
+          <a:lstStyle>
+            <a:defPPr>
+              <a:defRPr lang="en-US"/>
+            </a:defPPr>
+            <a:lvl1pPr marL="0" algn="l" defTabSz="457200" rtl="0" eaLnBrk="1" latinLnBrk="0" hangingPunct="1">
+              <a:defRPr sz="1800" kern="1200">
+                <a:solidFill>
+                  <a:schemeClr val="lt1"/>
+                </a:solidFill>
+                <a:latin typeface="+mn-lt"/>
+                <a:ea typeface="+mn-ea"/>
+                <a:cs typeface="+mn-cs"/>
+              </a:defRPr>
+            </a:lvl1pPr>
+            <a:lvl2pPr marL="457200" algn="l" defTabSz="457200" rtl="0" eaLnBrk="1" latinLnBrk="0" hangingPunct="1">
+              <a:defRPr sz="1800" kern="1200">
+                <a:solidFill>
+                  <a:schemeClr val="lt1"/>
+                </a:solidFill>
+                <a:latin typeface="+mn-lt"/>
+                <a:ea typeface="+mn-ea"/>
+                <a:cs typeface="+mn-cs"/>
+              </a:defRPr>
+            </a:lvl2pPr>
+            <a:lvl3pPr marL="914400" algn="l" defTabSz="457200" rtl="0" eaLnBrk="1" latinLnBrk="0" hangingPunct="1">
+              <a:defRPr sz="1800" kern="1200">
+                <a:solidFill>
+                  <a:schemeClr val="lt1"/>
+                </a:solidFill>
+                <a:latin typeface="+mn-lt"/>
+                <a:ea typeface="+mn-ea"/>
+                <a:cs typeface="+mn-cs"/>
+              </a:defRPr>
+            </a:lvl3pPr>
+            <a:lvl4pPr marL="1371600" algn="l" defTabSz="457200" rtl="0" eaLnBrk="1" latinLnBrk="0" hangingPunct="1">
+              <a:defRPr sz="1800" kern="1200">
+                <a:solidFill>
+                  <a:schemeClr val="lt1"/>
+                </a:solidFill>
+                <a:latin typeface="+mn-lt"/>
+                <a:ea typeface="+mn-ea"/>
+                <a:cs typeface="+mn-cs"/>
+              </a:defRPr>
+            </a:lvl4pPr>
+            <a:lvl5pPr marL="1828800" algn="l" defTabSz="457200" rtl="0" eaLnBrk="1" latinLnBrk="0" hangingPunct="1">
+              <a:defRPr sz="1800" kern="1200">
+                <a:solidFill>
+                  <a:schemeClr val="lt1"/>
+                </a:solidFill>
+                <a:latin typeface="+mn-lt"/>
+                <a:ea typeface="+mn-ea"/>
+                <a:cs typeface="+mn-cs"/>
+              </a:defRPr>
+            </a:lvl5pPr>
+            <a:lvl6pPr marL="2286000" algn="l" defTabSz="457200" rtl="0" eaLnBrk="1" latinLnBrk="0" hangingPunct="1">
+              <a:defRPr sz="1800" kern="1200">
+                <a:solidFill>
+                  <a:schemeClr val="lt1"/>
+                </a:solidFill>
+                <a:latin typeface="+mn-lt"/>
+                <a:ea typeface="+mn-ea"/>
+                <a:cs typeface="+mn-cs"/>
+              </a:defRPr>
+            </a:lvl6pPr>
+            <a:lvl7pPr marL="2743200" algn="l" defTabSz="457200" rtl="0" eaLnBrk="1" latinLnBrk="0" hangingPunct="1">
+              <a:defRPr sz="1800" kern="1200">
+                <a:solidFill>
+                  <a:schemeClr val="lt1"/>
+                </a:solidFill>
+                <a:latin typeface="+mn-lt"/>
+                <a:ea typeface="+mn-ea"/>
+                <a:cs typeface="+mn-cs"/>
+              </a:defRPr>
+            </a:lvl7pPr>
+            <a:lvl8pPr marL="3200400" algn="l" defTabSz="457200" rtl="0" eaLnBrk="1" latinLnBrk="0" hangingPunct="1">
+              <a:defRPr sz="1800" kern="1200">
+                <a:solidFill>
+                  <a:schemeClr val="lt1"/>
+                </a:solidFill>
+                <a:latin typeface="+mn-lt"/>
+                <a:ea typeface="+mn-ea"/>
+                <a:cs typeface="+mn-cs"/>
+              </a:defRPr>
+            </a:lvl8pPr>
+            <a:lvl9pPr marL="3657600" algn="l" defTabSz="457200" rtl="0" eaLnBrk="1" latinLnBrk="0" hangingPunct="1">
+              <a:defRPr sz="1800" kern="1200">
+                <a:solidFill>
+                  <a:schemeClr val="lt1"/>
+                </a:solidFill>
+                <a:latin typeface="+mn-lt"/>
+                <a:ea typeface="+mn-ea"/>
+                <a:cs typeface="+mn-cs"/>
+              </a:defRPr>
+            </a:lvl9pPr>
+          </a:lstStyle>
+          <a:p>
+            <a:endParaRPr lang="en-US"/>
+          </a:p>
+        </p:txBody>
+      </p:sp>
+      <p:sp>
+        <p:nvSpPr>
+          <p:cNvPr id="18" name="Rectangle 17"/>
+          <p:cNvSpPr/>
+          <p:nvPr userDrawn="1"/>
+        </p:nvSpPr>
+        <p:spPr>
+          <a:xfrm>
+            <a:off x="8923137" y="0"/>
+            <a:ext cx="91440" cy="6858000"/>
+          </a:xfrm>
+          <a:prstGeom prst="rect">
+            <a:avLst/>
+          </a:prstGeom>
+          <a:solidFill>
+            <a:srgbClr val="0070C0"/>
+          </a:solidFill>
+          <a:ln>
+            <a:noFill/>
+          </a:ln>
+        </p:spPr>
+        <p:style>
+          <a:lnRef idx="2">
+            <a:schemeClr val="accent1">
+              <a:shade val="50000"/>
+            </a:schemeClr>
+          </a:lnRef>
+          <a:fillRef idx="1">
+            <a:schemeClr val="accent1"/>
+          </a:fillRef>
+          <a:effectRef idx="0">
+            <a:schemeClr val="accent1"/>
+          </a:effectRef>
+          <a:fontRef idx="minor">
+            <a:schemeClr val="lt1"/>
+          </a:fontRef>
+        </p:style>
+        <p:txBody>
+          <a:bodyPr/>
+          <a:lstStyle>
+            <a:defPPr>
+              <a:defRPr lang="en-US"/>
+            </a:defPPr>
+            <a:lvl1pPr marL="0" algn="l" defTabSz="457200" rtl="0" eaLnBrk="1" latinLnBrk="0" hangingPunct="1">
+              <a:defRPr sz="1800" kern="1200">
+                <a:solidFill>
+                  <a:schemeClr val="lt1"/>
+                </a:solidFill>
+                <a:latin typeface="+mn-lt"/>
+                <a:ea typeface="+mn-ea"/>
+                <a:cs typeface="+mn-cs"/>
+              </a:defRPr>
+            </a:lvl1pPr>
+            <a:lvl2pPr marL="457200" algn="l" defTabSz="457200" rtl="0" eaLnBrk="1" latinLnBrk="0" hangingPunct="1">
+              <a:defRPr sz="1800" kern="1200">
+                <a:solidFill>
+                  <a:schemeClr val="lt1"/>
+                </a:solidFill>
+                <a:latin typeface="+mn-lt"/>
+                <a:ea typeface="+mn-ea"/>
+                <a:cs typeface="+mn-cs"/>
+              </a:defRPr>
+            </a:lvl2pPr>
+            <a:lvl3pPr marL="914400" algn="l" defTabSz="457200" rtl="0" eaLnBrk="1" latinLnBrk="0" hangingPunct="1">
+              <a:defRPr sz="1800" kern="1200">
+                <a:solidFill>
+                  <a:schemeClr val="lt1"/>
+                </a:solidFill>
+                <a:latin typeface="+mn-lt"/>
+                <a:ea typeface="+mn-ea"/>
+                <a:cs typeface="+mn-cs"/>
+              </a:defRPr>
+            </a:lvl3pPr>
+            <a:lvl4pPr marL="1371600" algn="l" defTabSz="457200" rtl="0" eaLnBrk="1" latinLnBrk="0" hangingPunct="1">
+              <a:defRPr sz="1800" kern="1200">
+                <a:solidFill>
+                  <a:schemeClr val="lt1"/>
+                </a:solidFill>
+                <a:latin typeface="+mn-lt"/>
+                <a:ea typeface="+mn-ea"/>
+                <a:cs typeface="+mn-cs"/>
+              </a:defRPr>
+            </a:lvl4pPr>
+            <a:lvl5pPr marL="1828800" algn="l" defTabSz="457200" rtl="0" eaLnBrk="1" latinLnBrk="0" hangingPunct="1">
+              <a:defRPr sz="1800" kern="1200">
+                <a:solidFill>
+                  <a:schemeClr val="lt1"/>
+                </a:solidFill>
+                <a:latin typeface="+mn-lt"/>
+                <a:ea typeface="+mn-ea"/>
+                <a:cs typeface="+mn-cs"/>
+              </a:defRPr>
+            </a:lvl5pPr>
+            <a:lvl6pPr marL="2286000" algn="l" defTabSz="457200" rtl="0" eaLnBrk="1" latinLnBrk="0" hangingPunct="1">
+              <a:defRPr sz="1800" kern="1200">
+                <a:solidFill>
+                  <a:schemeClr val="lt1"/>
+                </a:solidFill>
+                <a:latin typeface="+mn-lt"/>
+                <a:ea typeface="+mn-ea"/>
+                <a:cs typeface="+mn-cs"/>
+              </a:defRPr>
+            </a:lvl6pPr>
+            <a:lvl7pPr marL="2743200" algn="l" defTabSz="457200" rtl="0" eaLnBrk="1" latinLnBrk="0" hangingPunct="1">
+              <a:defRPr sz="1800" kern="1200">
+                <a:solidFill>
+                  <a:schemeClr val="lt1"/>
+                </a:solidFill>
+                <a:latin typeface="+mn-lt"/>
+                <a:ea typeface="+mn-ea"/>
+                <a:cs typeface="+mn-cs"/>
+              </a:defRPr>
+            </a:lvl7pPr>
+            <a:lvl8pPr marL="3200400" algn="l" defTabSz="457200" rtl="0" eaLnBrk="1" latinLnBrk="0" hangingPunct="1">
+              <a:defRPr sz="1800" kern="1200">
+                <a:solidFill>
+                  <a:schemeClr val="lt1"/>
+                </a:solidFill>
+                <a:latin typeface="+mn-lt"/>
+                <a:ea typeface="+mn-ea"/>
+                <a:cs typeface="+mn-cs"/>
+              </a:defRPr>
+            </a:lvl8pPr>
+            <a:lvl9pPr marL="3657600" algn="l" defTabSz="457200" rtl="0" eaLnBrk="1" latinLnBrk="0" hangingPunct="1">
+              <a:defRPr sz="1800" kern="1200">
+                <a:solidFill>
+                  <a:schemeClr val="lt1"/>
+                </a:solidFill>
+                <a:latin typeface="+mn-lt"/>
+                <a:ea typeface="+mn-ea"/>
+                <a:cs typeface="+mn-cs"/>
+              </a:defRPr>
+            </a:lvl9pPr>
+          </a:lstStyle>
+          <a:p>
+            <a:endParaRPr lang="en-US"/>
+          </a:p>
+        </p:txBody>
+      </p:sp>
     </p:spTree>
+    <p:extLst>
+      <p:ext uri="{BB962C8B-B14F-4D97-AF65-F5344CB8AC3E}">
+        <p14:creationId xmlns:p14="http://schemas.microsoft.com/office/powerpoint/2010/main" val="853377233"/>
+      </p:ext>
+    </p:extLst>
   </p:cSld>
   <p:clrMapOvr>
     <a:masterClrMapping/>
   </p:clrMapOvr>
+  <p:timing>
+    <p:tnLst>
+      <p:par>
+        <p:cTn id="1" dur="indefinite" restart="never" nodeType="tmRoot"/>
+      </p:par>
+    </p:tnLst>
+  </p:timing>
 </p:sldLayout>
 </file>
 
@@ -1617,9 +1889,10 @@
           <a:lstStyle/>
           <a:p>
             <a:r>
-              <a:rPr lang="en-US"/>
+              <a:rPr lang="en-US" smtClean="0"/>
               <a:t>Click to edit Master title style</a:t>
             </a:r>
+            <a:endParaRPr lang="en-US"/>
           </a:p>
         </p:txBody>
       </p:sp>
@@ -1640,48 +1913,49 @@
           <a:p>
             <a:pPr lvl="0"/>
             <a:r>
-              <a:rPr lang="en-US"/>
+              <a:rPr lang="en-US" smtClean="0"/>
               <a:t>Click to edit Master text styles</a:t>
             </a:r>
           </a:p>
           <a:p>
             <a:pPr lvl="1"/>
             <a:r>
-              <a:rPr lang="en-US"/>
+              <a:rPr lang="en-US" smtClean="0"/>
               <a:t>Second level</a:t>
             </a:r>
           </a:p>
           <a:p>
             <a:pPr lvl="2"/>
             <a:r>
-              <a:rPr lang="en-US"/>
+              <a:rPr lang="en-US" smtClean="0"/>
               <a:t>Third level</a:t>
             </a:r>
           </a:p>
           <a:p>
             <a:pPr lvl="3"/>
             <a:r>
-              <a:rPr lang="en-US"/>
+              <a:rPr lang="en-US" smtClean="0"/>
               <a:t>Fourth level</a:t>
             </a:r>
           </a:p>
           <a:p>
             <a:pPr lvl="4"/>
             <a:r>
-              <a:rPr lang="en-US"/>
+              <a:rPr lang="en-US" smtClean="0"/>
               <a:t>Fifth level</a:t>
             </a:r>
-          </a:p>
-        </p:txBody>
-      </p:sp>
-      <p:sp>
-        <p:nvSpPr>
-          <p:cNvPr id="4" name="Date Placeholder 3"/>
-          <p:cNvSpPr>
-            <a:spLocks noGrp="1"/>
-          </p:cNvSpPr>
-          <p:nvPr>
-            <p:ph type="dt" sz="half" idx="10"/>
+            <a:endParaRPr lang="en-US"/>
+          </a:p>
+        </p:txBody>
+      </p:sp>
+      <p:sp>
+        <p:nvSpPr>
+          <p:cNvPr id="5" name="Footer Placeholder 4"/>
+          <p:cNvSpPr>
+            <a:spLocks noGrp="1"/>
+          </p:cNvSpPr>
+          <p:nvPr>
+            <p:ph type="ftr" sz="quarter" idx="11"/>
           </p:nvPr>
         </p:nvSpPr>
         <p:spPr/>
@@ -1689,33 +1963,11 @@
           <a:bodyPr/>
           <a:lstStyle/>
           <a:p>
-            <a:fld id="{5B8437C3-5496-4FDB-AC65-CA10147B9E4F}" type="datetime1">
-              <a:rPr lang="en-US" smtClean="0"/>
-              <a:t>4/11/2016</a:t>
-            </a:fld>
-            <a:endParaRPr lang="en-US"/>
-          </a:p>
-        </p:txBody>
-      </p:sp>
-      <p:sp>
-        <p:nvSpPr>
-          <p:cNvPr id="5" name="Footer Placeholder 4"/>
-          <p:cNvSpPr>
-            <a:spLocks noGrp="1"/>
-          </p:cNvSpPr>
-          <p:nvPr>
-            <p:ph type="ftr" sz="quarter" idx="11"/>
-          </p:nvPr>
-        </p:nvSpPr>
-        <p:spPr/>
-        <p:txBody>
-          <a:bodyPr/>
-          <a:lstStyle/>
-          <a:p>
-            <a:r>
-              <a:rPr lang="en-US"/>
-              <a:t>© EV3Lessons.com, 2015 Last Update:</a:t>
-            </a:r>
+            <a:r>
+              <a:rPr lang="de-DE" smtClean="0"/>
+              <a:t>© EV3Lessons.com, 2016 Last Update: (7/04/2016)</a:t>
+            </a:r>
+            <a:endParaRPr lang="en-US"/>
           </a:p>
         </p:txBody>
       </p:sp>
@@ -1729,7 +1981,15 @@
             <p:ph type="sldNum" sz="quarter" idx="12"/>
           </p:nvPr>
         </p:nvSpPr>
-        <p:spPr/>
+        <p:spPr>
+          <a:xfrm rot="16200000">
+            <a:off x="8227377" y="5885497"/>
+            <a:ext cx="1315721" cy="365125"/>
+          </a:xfrm>
+          <a:prstGeom prst="rect">
+            <a:avLst/>
+          </a:prstGeom>
+        </p:spPr>
         <p:txBody>
           <a:bodyPr/>
           <a:lstStyle/>
@@ -1743,6 +2003,11 @@
         </p:txBody>
       </p:sp>
     </p:spTree>
+    <p:extLst>
+      <p:ext uri="{BB962C8B-B14F-4D97-AF65-F5344CB8AC3E}">
+        <p14:creationId xmlns:p14="http://schemas.microsoft.com/office/powerpoint/2010/main" val="428837770"/>
+      </p:ext>
+    </p:extLst>
   </p:cSld>
   <p:clrMapOvr>
     <a:masterClrMapping/>
@@ -1788,9 +2053,10 @@
           <a:lstStyle/>
           <a:p>
             <a:r>
-              <a:rPr lang="en-US"/>
+              <a:rPr lang="en-US" smtClean="0"/>
               <a:t>Click to edit Master title style</a:t>
             </a:r>
+            <a:endParaRPr lang="en-US"/>
           </a:p>
         </p:txBody>
       </p:sp>
@@ -1816,48 +2082,49 @@
           <a:p>
             <a:pPr lvl="0"/>
             <a:r>
-              <a:rPr lang="en-US"/>
+              <a:rPr lang="en-US" smtClean="0"/>
               <a:t>Click to edit Master text styles</a:t>
             </a:r>
           </a:p>
           <a:p>
             <a:pPr lvl="1"/>
             <a:r>
-              <a:rPr lang="en-US"/>
+              <a:rPr lang="en-US" smtClean="0"/>
               <a:t>Second level</a:t>
             </a:r>
           </a:p>
           <a:p>
             <a:pPr lvl="2"/>
             <a:r>
-              <a:rPr lang="en-US"/>
+              <a:rPr lang="en-US" smtClean="0"/>
               <a:t>Third level</a:t>
             </a:r>
           </a:p>
           <a:p>
             <a:pPr lvl="3"/>
             <a:r>
-              <a:rPr lang="en-US"/>
+              <a:rPr lang="en-US" smtClean="0"/>
               <a:t>Fourth level</a:t>
             </a:r>
           </a:p>
           <a:p>
             <a:pPr lvl="4"/>
             <a:r>
-              <a:rPr lang="en-US"/>
+              <a:rPr lang="en-US" smtClean="0"/>
               <a:t>Fifth level</a:t>
             </a:r>
-          </a:p>
-        </p:txBody>
-      </p:sp>
-      <p:sp>
-        <p:nvSpPr>
-          <p:cNvPr id="4" name="Date Placeholder 3"/>
-          <p:cNvSpPr>
-            <a:spLocks noGrp="1"/>
-          </p:cNvSpPr>
-          <p:nvPr>
-            <p:ph type="dt" sz="half" idx="10"/>
+            <a:endParaRPr lang="en-US"/>
+          </a:p>
+        </p:txBody>
+      </p:sp>
+      <p:sp>
+        <p:nvSpPr>
+          <p:cNvPr id="5" name="Footer Placeholder 4"/>
+          <p:cNvSpPr>
+            <a:spLocks noGrp="1"/>
+          </p:cNvSpPr>
+          <p:nvPr>
+            <p:ph type="ftr" sz="quarter" idx="11"/>
           </p:nvPr>
         </p:nvSpPr>
         <p:spPr/>
@@ -1865,33 +2132,11 @@
           <a:bodyPr/>
           <a:lstStyle/>
           <a:p>
-            <a:fld id="{34CCD5F9-15EA-45CA-8A22-0D0C857196BC}" type="datetime1">
-              <a:rPr lang="en-US" smtClean="0"/>
-              <a:t>4/11/2016</a:t>
-            </a:fld>
-            <a:endParaRPr lang="en-US"/>
-          </a:p>
-        </p:txBody>
-      </p:sp>
-      <p:sp>
-        <p:nvSpPr>
-          <p:cNvPr id="5" name="Footer Placeholder 4"/>
-          <p:cNvSpPr>
-            <a:spLocks noGrp="1"/>
-          </p:cNvSpPr>
-          <p:nvPr>
-            <p:ph type="ftr" sz="quarter" idx="11"/>
-          </p:nvPr>
-        </p:nvSpPr>
-        <p:spPr/>
-        <p:txBody>
-          <a:bodyPr/>
-          <a:lstStyle/>
-          <a:p>
-            <a:r>
-              <a:rPr lang="en-US"/>
-              <a:t>© EV3Lessons.com, 2015 Last Update:</a:t>
-            </a:r>
+            <a:r>
+              <a:rPr lang="de-DE" smtClean="0"/>
+              <a:t>© EV3Lessons.com, 2016 Last Update: (7/04/2016)</a:t>
+            </a:r>
+            <a:endParaRPr lang="en-US"/>
           </a:p>
         </p:txBody>
       </p:sp>
@@ -1905,7 +2150,15 @@
             <p:ph type="sldNum" sz="quarter" idx="12"/>
           </p:nvPr>
         </p:nvSpPr>
-        <p:spPr/>
+        <p:spPr>
+          <a:xfrm rot="16200000">
+            <a:off x="8227377" y="5885497"/>
+            <a:ext cx="1315721" cy="365125"/>
+          </a:xfrm>
+          <a:prstGeom prst="rect">
+            <a:avLst/>
+          </a:prstGeom>
+        </p:spPr>
         <p:txBody>
           <a:bodyPr/>
           <a:lstStyle/>
@@ -1919,6 +2172,1708 @@
         </p:txBody>
       </p:sp>
     </p:spTree>
+    <p:extLst>
+      <p:ext uri="{BB962C8B-B14F-4D97-AF65-F5344CB8AC3E}">
+        <p14:creationId xmlns:p14="http://schemas.microsoft.com/office/powerpoint/2010/main" val="521281058"/>
+      </p:ext>
+    </p:extLst>
+  </p:cSld>
+  <p:clrMapOvr>
+    <a:masterClrMapping/>
+  </p:clrMapOvr>
+</p:sldLayout>
+</file>
+
+<file path=ppt/slideLayouts/slideLayout12.xml><?xml version="1.0" encoding="utf-8"?>
+<p:sldLayout xmlns:a="http://schemas.openxmlformats.org/drawingml/2006/main" xmlns:r="http://schemas.openxmlformats.org/officeDocument/2006/relationships" xmlns:p="http://schemas.openxmlformats.org/presentationml/2006/main" type="title" preserve="1">
+  <p:cSld name="Title Slide">
+    <p:spTree>
+      <p:nvGrpSpPr>
+        <p:cNvPr id="1" name=""/>
+        <p:cNvGrpSpPr/>
+        <p:nvPr/>
+      </p:nvGrpSpPr>
+      <p:grpSpPr>
+        <a:xfrm>
+          <a:off x="0" y="0"/>
+          <a:ext cx="0" cy="0"/>
+          <a:chOff x="0" y="0"/>
+          <a:chExt cx="0" cy="0"/>
+        </a:xfrm>
+      </p:grpSpPr>
+      <p:sp>
+        <p:nvSpPr>
+          <p:cNvPr id="2" name="Title 1"/>
+          <p:cNvSpPr>
+            <a:spLocks noGrp="1"/>
+          </p:cNvSpPr>
+          <p:nvPr>
+            <p:ph type="ctrTitle"/>
+          </p:nvPr>
+        </p:nvSpPr>
+        <p:spPr>
+          <a:xfrm>
+            <a:off x="1143000" y="1122363"/>
+            <a:ext cx="6858000" cy="2387600"/>
+          </a:xfrm>
+        </p:spPr>
+        <p:txBody>
+          <a:bodyPr anchor="b"/>
+          <a:lstStyle>
+            <a:lvl1pPr algn="ctr">
+              <a:defRPr sz="6000"/>
+            </a:lvl1pPr>
+          </a:lstStyle>
+          <a:p>
+            <a:r>
+              <a:rPr lang="en-US" smtClean="0"/>
+              <a:t>Click to edit Master title style</a:t>
+            </a:r>
+            <a:endParaRPr lang="en-US"/>
+          </a:p>
+        </p:txBody>
+      </p:sp>
+      <p:sp>
+        <p:nvSpPr>
+          <p:cNvPr id="3" name="Subtitle 2"/>
+          <p:cNvSpPr>
+            <a:spLocks noGrp="1"/>
+          </p:cNvSpPr>
+          <p:nvPr>
+            <p:ph type="subTitle" idx="1"/>
+          </p:nvPr>
+        </p:nvSpPr>
+        <p:spPr>
+          <a:xfrm>
+            <a:off x="1143000" y="3602038"/>
+            <a:ext cx="6858000" cy="1655762"/>
+          </a:xfrm>
+        </p:spPr>
+        <p:txBody>
+          <a:bodyPr/>
+          <a:lstStyle>
+            <a:lvl1pPr marL="0" indent="0" algn="ctr">
+              <a:buNone/>
+              <a:defRPr sz="2400"/>
+            </a:lvl1pPr>
+            <a:lvl2pPr marL="457200" indent="0" algn="ctr">
+              <a:buNone/>
+              <a:defRPr sz="2000"/>
+            </a:lvl2pPr>
+            <a:lvl3pPr marL="914400" indent="0" algn="ctr">
+              <a:buNone/>
+              <a:defRPr sz="1800"/>
+            </a:lvl3pPr>
+            <a:lvl4pPr marL="1371600" indent="0" algn="ctr">
+              <a:buNone/>
+              <a:defRPr sz="1600"/>
+            </a:lvl4pPr>
+            <a:lvl5pPr marL="1828800" indent="0" algn="ctr">
+              <a:buNone/>
+              <a:defRPr sz="1600"/>
+            </a:lvl5pPr>
+            <a:lvl6pPr marL="2286000" indent="0" algn="ctr">
+              <a:buNone/>
+              <a:defRPr sz="1600"/>
+            </a:lvl6pPr>
+            <a:lvl7pPr marL="2743200" indent="0" algn="ctr">
+              <a:buNone/>
+              <a:defRPr sz="1600"/>
+            </a:lvl7pPr>
+            <a:lvl8pPr marL="3200400" indent="0" algn="ctr">
+              <a:buNone/>
+              <a:defRPr sz="1600"/>
+            </a:lvl8pPr>
+            <a:lvl9pPr marL="3657600" indent="0" algn="ctr">
+              <a:buNone/>
+              <a:defRPr sz="1600"/>
+            </a:lvl9pPr>
+          </a:lstStyle>
+          <a:p>
+            <a:r>
+              <a:rPr lang="en-US" smtClean="0"/>
+              <a:t>Click to edit Master subtitle style</a:t>
+            </a:r>
+            <a:endParaRPr lang="en-US"/>
+          </a:p>
+        </p:txBody>
+      </p:sp>
+      <p:sp>
+        <p:nvSpPr>
+          <p:cNvPr id="4" name="Date Placeholder 3"/>
+          <p:cNvSpPr>
+            <a:spLocks noGrp="1"/>
+          </p:cNvSpPr>
+          <p:nvPr>
+            <p:ph type="dt" sz="half" idx="10"/>
+          </p:nvPr>
+        </p:nvSpPr>
+        <p:spPr/>
+        <p:txBody>
+          <a:bodyPr/>
+          <a:lstStyle/>
+          <a:p>
+            <a:endParaRPr lang="en-US"/>
+          </a:p>
+        </p:txBody>
+      </p:sp>
+      <p:sp>
+        <p:nvSpPr>
+          <p:cNvPr id="5" name="Footer Placeholder 4"/>
+          <p:cNvSpPr>
+            <a:spLocks noGrp="1"/>
+          </p:cNvSpPr>
+          <p:nvPr>
+            <p:ph type="ftr" sz="quarter" idx="11"/>
+          </p:nvPr>
+        </p:nvSpPr>
+        <p:spPr/>
+        <p:txBody>
+          <a:bodyPr/>
+          <a:lstStyle/>
+          <a:p>
+            <a:r>
+              <a:rPr lang="de-DE" smtClean="0"/>
+              <a:t>© EV3Lessons.com, 2016 Last Update: (7/04/2016)</a:t>
+            </a:r>
+            <a:endParaRPr lang="en-US"/>
+          </a:p>
+        </p:txBody>
+      </p:sp>
+      <p:sp>
+        <p:nvSpPr>
+          <p:cNvPr id="6" name="Slide Number Placeholder 5"/>
+          <p:cNvSpPr>
+            <a:spLocks noGrp="1"/>
+          </p:cNvSpPr>
+          <p:nvPr>
+            <p:ph type="sldNum" sz="quarter" idx="12"/>
+          </p:nvPr>
+        </p:nvSpPr>
+        <p:spPr/>
+        <p:txBody>
+          <a:bodyPr/>
+          <a:lstStyle/>
+          <a:p>
+            <a:fld id="{DE42E464-3EB8-43C8-8768-9E2AD4F497B7}" type="slidenum">
+              <a:rPr lang="en-US" smtClean="0"/>
+              <a:t>‹#›</a:t>
+            </a:fld>
+            <a:endParaRPr lang="en-US"/>
+          </a:p>
+        </p:txBody>
+      </p:sp>
+    </p:spTree>
+    <p:extLst>
+      <p:ext uri="{BB962C8B-B14F-4D97-AF65-F5344CB8AC3E}">
+        <p14:creationId xmlns:p14="http://schemas.microsoft.com/office/powerpoint/2010/main" val="795104863"/>
+      </p:ext>
+    </p:extLst>
+  </p:cSld>
+  <p:clrMapOvr>
+    <a:masterClrMapping/>
+  </p:clrMapOvr>
+</p:sldLayout>
+</file>
+
+<file path=ppt/slideLayouts/slideLayout13.xml><?xml version="1.0" encoding="utf-8"?>
+<p:sldLayout xmlns:a="http://schemas.openxmlformats.org/drawingml/2006/main" xmlns:r="http://schemas.openxmlformats.org/officeDocument/2006/relationships" xmlns:p="http://schemas.openxmlformats.org/presentationml/2006/main" type="obj" preserve="1">
+  <p:cSld name="Title and Content">
+    <p:spTree>
+      <p:nvGrpSpPr>
+        <p:cNvPr id="1" name=""/>
+        <p:cNvGrpSpPr/>
+        <p:nvPr/>
+      </p:nvGrpSpPr>
+      <p:grpSpPr>
+        <a:xfrm>
+          <a:off x="0" y="0"/>
+          <a:ext cx="0" cy="0"/>
+          <a:chOff x="0" y="0"/>
+          <a:chExt cx="0" cy="0"/>
+        </a:xfrm>
+      </p:grpSpPr>
+      <p:sp>
+        <p:nvSpPr>
+          <p:cNvPr id="2" name="Title 1"/>
+          <p:cNvSpPr>
+            <a:spLocks noGrp="1"/>
+          </p:cNvSpPr>
+          <p:nvPr>
+            <p:ph type="title"/>
+          </p:nvPr>
+        </p:nvSpPr>
+        <p:spPr/>
+        <p:txBody>
+          <a:bodyPr/>
+          <a:lstStyle/>
+          <a:p>
+            <a:r>
+              <a:rPr lang="en-US" smtClean="0"/>
+              <a:t>Click to edit Master title style</a:t>
+            </a:r>
+            <a:endParaRPr lang="en-US"/>
+          </a:p>
+        </p:txBody>
+      </p:sp>
+      <p:sp>
+        <p:nvSpPr>
+          <p:cNvPr id="3" name="Content Placeholder 2"/>
+          <p:cNvSpPr>
+            <a:spLocks noGrp="1"/>
+          </p:cNvSpPr>
+          <p:nvPr>
+            <p:ph idx="1"/>
+          </p:nvPr>
+        </p:nvSpPr>
+        <p:spPr/>
+        <p:txBody>
+          <a:bodyPr/>
+          <a:lstStyle/>
+          <a:p>
+            <a:pPr lvl="0"/>
+            <a:r>
+              <a:rPr lang="en-US" smtClean="0"/>
+              <a:t>Click to edit Master text styles</a:t>
+            </a:r>
+          </a:p>
+          <a:p>
+            <a:pPr lvl="1"/>
+            <a:r>
+              <a:rPr lang="en-US" smtClean="0"/>
+              <a:t>Second level</a:t>
+            </a:r>
+          </a:p>
+          <a:p>
+            <a:pPr lvl="2"/>
+            <a:r>
+              <a:rPr lang="en-US" smtClean="0"/>
+              <a:t>Third level</a:t>
+            </a:r>
+          </a:p>
+          <a:p>
+            <a:pPr lvl="3"/>
+            <a:r>
+              <a:rPr lang="en-US" smtClean="0"/>
+              <a:t>Fourth level</a:t>
+            </a:r>
+          </a:p>
+          <a:p>
+            <a:pPr lvl="4"/>
+            <a:r>
+              <a:rPr lang="en-US" smtClean="0"/>
+              <a:t>Fifth level</a:t>
+            </a:r>
+            <a:endParaRPr lang="en-US"/>
+          </a:p>
+        </p:txBody>
+      </p:sp>
+      <p:sp>
+        <p:nvSpPr>
+          <p:cNvPr id="4" name="Date Placeholder 3"/>
+          <p:cNvSpPr>
+            <a:spLocks noGrp="1"/>
+          </p:cNvSpPr>
+          <p:nvPr>
+            <p:ph type="dt" sz="half" idx="10"/>
+          </p:nvPr>
+        </p:nvSpPr>
+        <p:spPr/>
+        <p:txBody>
+          <a:bodyPr/>
+          <a:lstStyle/>
+          <a:p>
+            <a:endParaRPr lang="en-US"/>
+          </a:p>
+        </p:txBody>
+      </p:sp>
+      <p:sp>
+        <p:nvSpPr>
+          <p:cNvPr id="5" name="Footer Placeholder 4"/>
+          <p:cNvSpPr>
+            <a:spLocks noGrp="1"/>
+          </p:cNvSpPr>
+          <p:nvPr>
+            <p:ph type="ftr" sz="quarter" idx="11"/>
+          </p:nvPr>
+        </p:nvSpPr>
+        <p:spPr/>
+        <p:txBody>
+          <a:bodyPr/>
+          <a:lstStyle/>
+          <a:p>
+            <a:r>
+              <a:rPr lang="de-DE" smtClean="0"/>
+              <a:t>© EV3Lessons.com, 2016 Last Update: (7/04/2016)</a:t>
+            </a:r>
+            <a:endParaRPr lang="en-US"/>
+          </a:p>
+        </p:txBody>
+      </p:sp>
+      <p:sp>
+        <p:nvSpPr>
+          <p:cNvPr id="6" name="Slide Number Placeholder 5"/>
+          <p:cNvSpPr>
+            <a:spLocks noGrp="1"/>
+          </p:cNvSpPr>
+          <p:nvPr>
+            <p:ph type="sldNum" sz="quarter" idx="12"/>
+          </p:nvPr>
+        </p:nvSpPr>
+        <p:spPr/>
+        <p:txBody>
+          <a:bodyPr/>
+          <a:lstStyle/>
+          <a:p>
+            <a:fld id="{DE42E464-3EB8-43C8-8768-9E2AD4F497B7}" type="slidenum">
+              <a:rPr lang="en-US" smtClean="0"/>
+              <a:t>‹#›</a:t>
+            </a:fld>
+            <a:endParaRPr lang="en-US"/>
+          </a:p>
+        </p:txBody>
+      </p:sp>
+    </p:spTree>
+    <p:extLst>
+      <p:ext uri="{BB962C8B-B14F-4D97-AF65-F5344CB8AC3E}">
+        <p14:creationId xmlns:p14="http://schemas.microsoft.com/office/powerpoint/2010/main" val="1684180807"/>
+      </p:ext>
+    </p:extLst>
+  </p:cSld>
+  <p:clrMapOvr>
+    <a:masterClrMapping/>
+  </p:clrMapOvr>
+</p:sldLayout>
+</file>
+
+<file path=ppt/slideLayouts/slideLayout14.xml><?xml version="1.0" encoding="utf-8"?>
+<p:sldLayout xmlns:a="http://schemas.openxmlformats.org/drawingml/2006/main" xmlns:r="http://schemas.openxmlformats.org/officeDocument/2006/relationships" xmlns:p="http://schemas.openxmlformats.org/presentationml/2006/main" type="secHead" preserve="1">
+  <p:cSld name="Section Header">
+    <p:spTree>
+      <p:nvGrpSpPr>
+        <p:cNvPr id="1" name=""/>
+        <p:cNvGrpSpPr/>
+        <p:nvPr/>
+      </p:nvGrpSpPr>
+      <p:grpSpPr>
+        <a:xfrm>
+          <a:off x="0" y="0"/>
+          <a:ext cx="0" cy="0"/>
+          <a:chOff x="0" y="0"/>
+          <a:chExt cx="0" cy="0"/>
+        </a:xfrm>
+      </p:grpSpPr>
+      <p:sp>
+        <p:nvSpPr>
+          <p:cNvPr id="2" name="Title 1"/>
+          <p:cNvSpPr>
+            <a:spLocks noGrp="1"/>
+          </p:cNvSpPr>
+          <p:nvPr>
+            <p:ph type="title"/>
+          </p:nvPr>
+        </p:nvSpPr>
+        <p:spPr>
+          <a:xfrm>
+            <a:off x="623888" y="1709738"/>
+            <a:ext cx="7886700" cy="2852737"/>
+          </a:xfrm>
+        </p:spPr>
+        <p:txBody>
+          <a:bodyPr anchor="b"/>
+          <a:lstStyle>
+            <a:lvl1pPr>
+              <a:defRPr sz="6000"/>
+            </a:lvl1pPr>
+          </a:lstStyle>
+          <a:p>
+            <a:r>
+              <a:rPr lang="en-US" smtClean="0"/>
+              <a:t>Click to edit Master title style</a:t>
+            </a:r>
+            <a:endParaRPr lang="en-US"/>
+          </a:p>
+        </p:txBody>
+      </p:sp>
+      <p:sp>
+        <p:nvSpPr>
+          <p:cNvPr id="3" name="Text Placeholder 2"/>
+          <p:cNvSpPr>
+            <a:spLocks noGrp="1"/>
+          </p:cNvSpPr>
+          <p:nvPr>
+            <p:ph type="body" idx="1"/>
+          </p:nvPr>
+        </p:nvSpPr>
+        <p:spPr>
+          <a:xfrm>
+            <a:off x="623888" y="4589463"/>
+            <a:ext cx="7886700" cy="1500187"/>
+          </a:xfrm>
+        </p:spPr>
+        <p:txBody>
+          <a:bodyPr/>
+          <a:lstStyle>
+            <a:lvl1pPr marL="0" indent="0">
+              <a:buNone/>
+              <a:defRPr sz="2400">
+                <a:solidFill>
+                  <a:schemeClr val="tx1">
+                    <a:tint val="75000"/>
+                  </a:schemeClr>
+                </a:solidFill>
+              </a:defRPr>
+            </a:lvl1pPr>
+            <a:lvl2pPr marL="457200" indent="0">
+              <a:buNone/>
+              <a:defRPr sz="2000">
+                <a:solidFill>
+                  <a:schemeClr val="tx1">
+                    <a:tint val="75000"/>
+                  </a:schemeClr>
+                </a:solidFill>
+              </a:defRPr>
+            </a:lvl2pPr>
+            <a:lvl3pPr marL="914400" indent="0">
+              <a:buNone/>
+              <a:defRPr sz="1800">
+                <a:solidFill>
+                  <a:schemeClr val="tx1">
+                    <a:tint val="75000"/>
+                  </a:schemeClr>
+                </a:solidFill>
+              </a:defRPr>
+            </a:lvl3pPr>
+            <a:lvl4pPr marL="1371600" indent="0">
+              <a:buNone/>
+              <a:defRPr sz="1600">
+                <a:solidFill>
+                  <a:schemeClr val="tx1">
+                    <a:tint val="75000"/>
+                  </a:schemeClr>
+                </a:solidFill>
+              </a:defRPr>
+            </a:lvl4pPr>
+            <a:lvl5pPr marL="1828800" indent="0">
+              <a:buNone/>
+              <a:defRPr sz="1600">
+                <a:solidFill>
+                  <a:schemeClr val="tx1">
+                    <a:tint val="75000"/>
+                  </a:schemeClr>
+                </a:solidFill>
+              </a:defRPr>
+            </a:lvl5pPr>
+            <a:lvl6pPr marL="2286000" indent="0">
+              <a:buNone/>
+              <a:defRPr sz="1600">
+                <a:solidFill>
+                  <a:schemeClr val="tx1">
+                    <a:tint val="75000"/>
+                  </a:schemeClr>
+                </a:solidFill>
+              </a:defRPr>
+            </a:lvl6pPr>
+            <a:lvl7pPr marL="2743200" indent="0">
+              <a:buNone/>
+              <a:defRPr sz="1600">
+                <a:solidFill>
+                  <a:schemeClr val="tx1">
+                    <a:tint val="75000"/>
+                  </a:schemeClr>
+                </a:solidFill>
+              </a:defRPr>
+            </a:lvl7pPr>
+            <a:lvl8pPr marL="3200400" indent="0">
+              <a:buNone/>
+              <a:defRPr sz="1600">
+                <a:solidFill>
+                  <a:schemeClr val="tx1">
+                    <a:tint val="75000"/>
+                  </a:schemeClr>
+                </a:solidFill>
+              </a:defRPr>
+            </a:lvl8pPr>
+            <a:lvl9pPr marL="3657600" indent="0">
+              <a:buNone/>
+              <a:defRPr sz="1600">
+                <a:solidFill>
+                  <a:schemeClr val="tx1">
+                    <a:tint val="75000"/>
+                  </a:schemeClr>
+                </a:solidFill>
+              </a:defRPr>
+            </a:lvl9pPr>
+          </a:lstStyle>
+          <a:p>
+            <a:pPr lvl="0"/>
+            <a:r>
+              <a:rPr lang="en-US" smtClean="0"/>
+              <a:t>Click to edit Master text styles</a:t>
+            </a:r>
+          </a:p>
+        </p:txBody>
+      </p:sp>
+      <p:sp>
+        <p:nvSpPr>
+          <p:cNvPr id="4" name="Date Placeholder 3"/>
+          <p:cNvSpPr>
+            <a:spLocks noGrp="1"/>
+          </p:cNvSpPr>
+          <p:nvPr>
+            <p:ph type="dt" sz="half" idx="10"/>
+          </p:nvPr>
+        </p:nvSpPr>
+        <p:spPr/>
+        <p:txBody>
+          <a:bodyPr/>
+          <a:lstStyle/>
+          <a:p>
+            <a:endParaRPr lang="en-US"/>
+          </a:p>
+        </p:txBody>
+      </p:sp>
+      <p:sp>
+        <p:nvSpPr>
+          <p:cNvPr id="5" name="Footer Placeholder 4"/>
+          <p:cNvSpPr>
+            <a:spLocks noGrp="1"/>
+          </p:cNvSpPr>
+          <p:nvPr>
+            <p:ph type="ftr" sz="quarter" idx="11"/>
+          </p:nvPr>
+        </p:nvSpPr>
+        <p:spPr/>
+        <p:txBody>
+          <a:bodyPr/>
+          <a:lstStyle/>
+          <a:p>
+            <a:r>
+              <a:rPr lang="de-DE" smtClean="0"/>
+              <a:t>© EV3Lessons.com, 2016 Last Update: (7/04/2016)</a:t>
+            </a:r>
+            <a:endParaRPr lang="en-US"/>
+          </a:p>
+        </p:txBody>
+      </p:sp>
+      <p:sp>
+        <p:nvSpPr>
+          <p:cNvPr id="6" name="Slide Number Placeholder 5"/>
+          <p:cNvSpPr>
+            <a:spLocks noGrp="1"/>
+          </p:cNvSpPr>
+          <p:nvPr>
+            <p:ph type="sldNum" sz="quarter" idx="12"/>
+          </p:nvPr>
+        </p:nvSpPr>
+        <p:spPr/>
+        <p:txBody>
+          <a:bodyPr/>
+          <a:lstStyle/>
+          <a:p>
+            <a:fld id="{DE42E464-3EB8-43C8-8768-9E2AD4F497B7}" type="slidenum">
+              <a:rPr lang="en-US" smtClean="0"/>
+              <a:t>‹#›</a:t>
+            </a:fld>
+            <a:endParaRPr lang="en-US"/>
+          </a:p>
+        </p:txBody>
+      </p:sp>
+    </p:spTree>
+    <p:extLst>
+      <p:ext uri="{BB962C8B-B14F-4D97-AF65-F5344CB8AC3E}">
+        <p14:creationId xmlns:p14="http://schemas.microsoft.com/office/powerpoint/2010/main" val="44872142"/>
+      </p:ext>
+    </p:extLst>
+  </p:cSld>
+  <p:clrMapOvr>
+    <a:masterClrMapping/>
+  </p:clrMapOvr>
+</p:sldLayout>
+</file>
+
+<file path=ppt/slideLayouts/slideLayout15.xml><?xml version="1.0" encoding="utf-8"?>
+<p:sldLayout xmlns:a="http://schemas.openxmlformats.org/drawingml/2006/main" xmlns:r="http://schemas.openxmlformats.org/officeDocument/2006/relationships" xmlns:p="http://schemas.openxmlformats.org/presentationml/2006/main" type="twoObj" preserve="1">
+  <p:cSld name="Two Content">
+    <p:spTree>
+      <p:nvGrpSpPr>
+        <p:cNvPr id="1" name=""/>
+        <p:cNvGrpSpPr/>
+        <p:nvPr/>
+      </p:nvGrpSpPr>
+      <p:grpSpPr>
+        <a:xfrm>
+          <a:off x="0" y="0"/>
+          <a:ext cx="0" cy="0"/>
+          <a:chOff x="0" y="0"/>
+          <a:chExt cx="0" cy="0"/>
+        </a:xfrm>
+      </p:grpSpPr>
+      <p:sp>
+        <p:nvSpPr>
+          <p:cNvPr id="2" name="Title 1"/>
+          <p:cNvSpPr>
+            <a:spLocks noGrp="1"/>
+          </p:cNvSpPr>
+          <p:nvPr>
+            <p:ph type="title"/>
+          </p:nvPr>
+        </p:nvSpPr>
+        <p:spPr/>
+        <p:txBody>
+          <a:bodyPr/>
+          <a:lstStyle/>
+          <a:p>
+            <a:r>
+              <a:rPr lang="en-US" smtClean="0"/>
+              <a:t>Click to edit Master title style</a:t>
+            </a:r>
+            <a:endParaRPr lang="en-US"/>
+          </a:p>
+        </p:txBody>
+      </p:sp>
+      <p:sp>
+        <p:nvSpPr>
+          <p:cNvPr id="3" name="Content Placeholder 2"/>
+          <p:cNvSpPr>
+            <a:spLocks noGrp="1"/>
+          </p:cNvSpPr>
+          <p:nvPr>
+            <p:ph sz="half" idx="1"/>
+          </p:nvPr>
+        </p:nvSpPr>
+        <p:spPr>
+          <a:xfrm>
+            <a:off x="628650" y="1825625"/>
+            <a:ext cx="3867150" cy="4351338"/>
+          </a:xfrm>
+        </p:spPr>
+        <p:txBody>
+          <a:bodyPr/>
+          <a:lstStyle/>
+          <a:p>
+            <a:pPr lvl="0"/>
+            <a:r>
+              <a:rPr lang="en-US" smtClean="0"/>
+              <a:t>Click to edit Master text styles</a:t>
+            </a:r>
+          </a:p>
+          <a:p>
+            <a:pPr lvl="1"/>
+            <a:r>
+              <a:rPr lang="en-US" smtClean="0"/>
+              <a:t>Second level</a:t>
+            </a:r>
+          </a:p>
+          <a:p>
+            <a:pPr lvl="2"/>
+            <a:r>
+              <a:rPr lang="en-US" smtClean="0"/>
+              <a:t>Third level</a:t>
+            </a:r>
+          </a:p>
+          <a:p>
+            <a:pPr lvl="3"/>
+            <a:r>
+              <a:rPr lang="en-US" smtClean="0"/>
+              <a:t>Fourth level</a:t>
+            </a:r>
+          </a:p>
+          <a:p>
+            <a:pPr lvl="4"/>
+            <a:r>
+              <a:rPr lang="en-US" smtClean="0"/>
+              <a:t>Fifth level</a:t>
+            </a:r>
+            <a:endParaRPr lang="en-US"/>
+          </a:p>
+        </p:txBody>
+      </p:sp>
+      <p:sp>
+        <p:nvSpPr>
+          <p:cNvPr id="4" name="Content Placeholder 3"/>
+          <p:cNvSpPr>
+            <a:spLocks noGrp="1"/>
+          </p:cNvSpPr>
+          <p:nvPr>
+            <p:ph sz="half" idx="2"/>
+          </p:nvPr>
+        </p:nvSpPr>
+        <p:spPr>
+          <a:xfrm>
+            <a:off x="4648200" y="1825625"/>
+            <a:ext cx="3867150" cy="4351338"/>
+          </a:xfrm>
+        </p:spPr>
+        <p:txBody>
+          <a:bodyPr/>
+          <a:lstStyle/>
+          <a:p>
+            <a:pPr lvl="0"/>
+            <a:r>
+              <a:rPr lang="en-US" smtClean="0"/>
+              <a:t>Click to edit Master text styles</a:t>
+            </a:r>
+          </a:p>
+          <a:p>
+            <a:pPr lvl="1"/>
+            <a:r>
+              <a:rPr lang="en-US" smtClean="0"/>
+              <a:t>Second level</a:t>
+            </a:r>
+          </a:p>
+          <a:p>
+            <a:pPr lvl="2"/>
+            <a:r>
+              <a:rPr lang="en-US" smtClean="0"/>
+              <a:t>Third level</a:t>
+            </a:r>
+          </a:p>
+          <a:p>
+            <a:pPr lvl="3"/>
+            <a:r>
+              <a:rPr lang="en-US" smtClean="0"/>
+              <a:t>Fourth level</a:t>
+            </a:r>
+          </a:p>
+          <a:p>
+            <a:pPr lvl="4"/>
+            <a:r>
+              <a:rPr lang="en-US" smtClean="0"/>
+              <a:t>Fifth level</a:t>
+            </a:r>
+            <a:endParaRPr lang="en-US"/>
+          </a:p>
+        </p:txBody>
+      </p:sp>
+      <p:sp>
+        <p:nvSpPr>
+          <p:cNvPr id="5" name="Date Placeholder 4"/>
+          <p:cNvSpPr>
+            <a:spLocks noGrp="1"/>
+          </p:cNvSpPr>
+          <p:nvPr>
+            <p:ph type="dt" sz="half" idx="10"/>
+          </p:nvPr>
+        </p:nvSpPr>
+        <p:spPr/>
+        <p:txBody>
+          <a:bodyPr/>
+          <a:lstStyle/>
+          <a:p>
+            <a:endParaRPr lang="en-US"/>
+          </a:p>
+        </p:txBody>
+      </p:sp>
+      <p:sp>
+        <p:nvSpPr>
+          <p:cNvPr id="6" name="Footer Placeholder 5"/>
+          <p:cNvSpPr>
+            <a:spLocks noGrp="1"/>
+          </p:cNvSpPr>
+          <p:nvPr>
+            <p:ph type="ftr" sz="quarter" idx="11"/>
+          </p:nvPr>
+        </p:nvSpPr>
+        <p:spPr/>
+        <p:txBody>
+          <a:bodyPr/>
+          <a:lstStyle/>
+          <a:p>
+            <a:r>
+              <a:rPr lang="de-DE" smtClean="0"/>
+              <a:t>© EV3Lessons.com, 2016 Last Update: (7/04/2016)</a:t>
+            </a:r>
+            <a:endParaRPr lang="en-US"/>
+          </a:p>
+        </p:txBody>
+      </p:sp>
+      <p:sp>
+        <p:nvSpPr>
+          <p:cNvPr id="7" name="Slide Number Placeholder 6"/>
+          <p:cNvSpPr>
+            <a:spLocks noGrp="1"/>
+          </p:cNvSpPr>
+          <p:nvPr>
+            <p:ph type="sldNum" sz="quarter" idx="12"/>
+          </p:nvPr>
+        </p:nvSpPr>
+        <p:spPr/>
+        <p:txBody>
+          <a:bodyPr/>
+          <a:lstStyle/>
+          <a:p>
+            <a:fld id="{DE42E464-3EB8-43C8-8768-9E2AD4F497B7}" type="slidenum">
+              <a:rPr lang="en-US" smtClean="0"/>
+              <a:t>‹#›</a:t>
+            </a:fld>
+            <a:endParaRPr lang="en-US"/>
+          </a:p>
+        </p:txBody>
+      </p:sp>
+    </p:spTree>
+    <p:extLst>
+      <p:ext uri="{BB962C8B-B14F-4D97-AF65-F5344CB8AC3E}">
+        <p14:creationId xmlns:p14="http://schemas.microsoft.com/office/powerpoint/2010/main" val="399330497"/>
+      </p:ext>
+    </p:extLst>
+  </p:cSld>
+  <p:clrMapOvr>
+    <a:masterClrMapping/>
+  </p:clrMapOvr>
+</p:sldLayout>
+</file>
+
+<file path=ppt/slideLayouts/slideLayout16.xml><?xml version="1.0" encoding="utf-8"?>
+<p:sldLayout xmlns:a="http://schemas.openxmlformats.org/drawingml/2006/main" xmlns:r="http://schemas.openxmlformats.org/officeDocument/2006/relationships" xmlns:p="http://schemas.openxmlformats.org/presentationml/2006/main" type="twoTxTwoObj" preserve="1">
+  <p:cSld name="Comparison">
+    <p:spTree>
+      <p:nvGrpSpPr>
+        <p:cNvPr id="1" name=""/>
+        <p:cNvGrpSpPr/>
+        <p:nvPr/>
+      </p:nvGrpSpPr>
+      <p:grpSpPr>
+        <a:xfrm>
+          <a:off x="0" y="0"/>
+          <a:ext cx="0" cy="0"/>
+          <a:chOff x="0" y="0"/>
+          <a:chExt cx="0" cy="0"/>
+        </a:xfrm>
+      </p:grpSpPr>
+      <p:sp>
+        <p:nvSpPr>
+          <p:cNvPr id="2" name="Title 1"/>
+          <p:cNvSpPr>
+            <a:spLocks noGrp="1"/>
+          </p:cNvSpPr>
+          <p:nvPr>
+            <p:ph type="title"/>
+          </p:nvPr>
+        </p:nvSpPr>
+        <p:spPr>
+          <a:xfrm>
+            <a:off x="630238" y="365125"/>
+            <a:ext cx="7886700" cy="1325563"/>
+          </a:xfrm>
+        </p:spPr>
+        <p:txBody>
+          <a:bodyPr/>
+          <a:lstStyle/>
+          <a:p>
+            <a:r>
+              <a:rPr lang="en-US" smtClean="0"/>
+              <a:t>Click to edit Master title style</a:t>
+            </a:r>
+            <a:endParaRPr lang="en-US"/>
+          </a:p>
+        </p:txBody>
+      </p:sp>
+      <p:sp>
+        <p:nvSpPr>
+          <p:cNvPr id="3" name="Text Placeholder 2"/>
+          <p:cNvSpPr>
+            <a:spLocks noGrp="1"/>
+          </p:cNvSpPr>
+          <p:nvPr>
+            <p:ph type="body" idx="1"/>
+          </p:nvPr>
+        </p:nvSpPr>
+        <p:spPr>
+          <a:xfrm>
+            <a:off x="630238" y="1681163"/>
+            <a:ext cx="3868737" cy="823912"/>
+          </a:xfrm>
+        </p:spPr>
+        <p:txBody>
+          <a:bodyPr anchor="b"/>
+          <a:lstStyle>
+            <a:lvl1pPr marL="0" indent="0">
+              <a:buNone/>
+              <a:defRPr sz="2400" b="1"/>
+            </a:lvl1pPr>
+            <a:lvl2pPr marL="457200" indent="0">
+              <a:buNone/>
+              <a:defRPr sz="2000" b="1"/>
+            </a:lvl2pPr>
+            <a:lvl3pPr marL="914400" indent="0">
+              <a:buNone/>
+              <a:defRPr sz="1800" b="1"/>
+            </a:lvl3pPr>
+            <a:lvl4pPr marL="1371600" indent="0">
+              <a:buNone/>
+              <a:defRPr sz="1600" b="1"/>
+            </a:lvl4pPr>
+            <a:lvl5pPr marL="1828800" indent="0">
+              <a:buNone/>
+              <a:defRPr sz="1600" b="1"/>
+            </a:lvl5pPr>
+            <a:lvl6pPr marL="2286000" indent="0">
+              <a:buNone/>
+              <a:defRPr sz="1600" b="1"/>
+            </a:lvl6pPr>
+            <a:lvl7pPr marL="2743200" indent="0">
+              <a:buNone/>
+              <a:defRPr sz="1600" b="1"/>
+            </a:lvl7pPr>
+            <a:lvl8pPr marL="3200400" indent="0">
+              <a:buNone/>
+              <a:defRPr sz="1600" b="1"/>
+            </a:lvl8pPr>
+            <a:lvl9pPr marL="3657600" indent="0">
+              <a:buNone/>
+              <a:defRPr sz="1600" b="1"/>
+            </a:lvl9pPr>
+          </a:lstStyle>
+          <a:p>
+            <a:pPr lvl="0"/>
+            <a:r>
+              <a:rPr lang="en-US" smtClean="0"/>
+              <a:t>Click to edit Master text styles</a:t>
+            </a:r>
+          </a:p>
+        </p:txBody>
+      </p:sp>
+      <p:sp>
+        <p:nvSpPr>
+          <p:cNvPr id="4" name="Content Placeholder 3"/>
+          <p:cNvSpPr>
+            <a:spLocks noGrp="1"/>
+          </p:cNvSpPr>
+          <p:nvPr>
+            <p:ph sz="half" idx="2"/>
+          </p:nvPr>
+        </p:nvSpPr>
+        <p:spPr>
+          <a:xfrm>
+            <a:off x="630238" y="2505075"/>
+            <a:ext cx="3868737" cy="3684588"/>
+          </a:xfrm>
+        </p:spPr>
+        <p:txBody>
+          <a:bodyPr/>
+          <a:lstStyle/>
+          <a:p>
+            <a:pPr lvl="0"/>
+            <a:r>
+              <a:rPr lang="en-US" smtClean="0"/>
+              <a:t>Click to edit Master text styles</a:t>
+            </a:r>
+          </a:p>
+          <a:p>
+            <a:pPr lvl="1"/>
+            <a:r>
+              <a:rPr lang="en-US" smtClean="0"/>
+              <a:t>Second level</a:t>
+            </a:r>
+          </a:p>
+          <a:p>
+            <a:pPr lvl="2"/>
+            <a:r>
+              <a:rPr lang="en-US" smtClean="0"/>
+              <a:t>Third level</a:t>
+            </a:r>
+          </a:p>
+          <a:p>
+            <a:pPr lvl="3"/>
+            <a:r>
+              <a:rPr lang="en-US" smtClean="0"/>
+              <a:t>Fourth level</a:t>
+            </a:r>
+          </a:p>
+          <a:p>
+            <a:pPr lvl="4"/>
+            <a:r>
+              <a:rPr lang="en-US" smtClean="0"/>
+              <a:t>Fifth level</a:t>
+            </a:r>
+            <a:endParaRPr lang="en-US"/>
+          </a:p>
+        </p:txBody>
+      </p:sp>
+      <p:sp>
+        <p:nvSpPr>
+          <p:cNvPr id="5" name="Text Placeholder 4"/>
+          <p:cNvSpPr>
+            <a:spLocks noGrp="1"/>
+          </p:cNvSpPr>
+          <p:nvPr>
+            <p:ph type="body" sz="quarter" idx="3"/>
+          </p:nvPr>
+        </p:nvSpPr>
+        <p:spPr>
+          <a:xfrm>
+            <a:off x="4629150" y="1681163"/>
+            <a:ext cx="3887788" cy="823912"/>
+          </a:xfrm>
+        </p:spPr>
+        <p:txBody>
+          <a:bodyPr anchor="b"/>
+          <a:lstStyle>
+            <a:lvl1pPr marL="0" indent="0">
+              <a:buNone/>
+              <a:defRPr sz="2400" b="1"/>
+            </a:lvl1pPr>
+            <a:lvl2pPr marL="457200" indent="0">
+              <a:buNone/>
+              <a:defRPr sz="2000" b="1"/>
+            </a:lvl2pPr>
+            <a:lvl3pPr marL="914400" indent="0">
+              <a:buNone/>
+              <a:defRPr sz="1800" b="1"/>
+            </a:lvl3pPr>
+            <a:lvl4pPr marL="1371600" indent="0">
+              <a:buNone/>
+              <a:defRPr sz="1600" b="1"/>
+            </a:lvl4pPr>
+            <a:lvl5pPr marL="1828800" indent="0">
+              <a:buNone/>
+              <a:defRPr sz="1600" b="1"/>
+            </a:lvl5pPr>
+            <a:lvl6pPr marL="2286000" indent="0">
+              <a:buNone/>
+              <a:defRPr sz="1600" b="1"/>
+            </a:lvl6pPr>
+            <a:lvl7pPr marL="2743200" indent="0">
+              <a:buNone/>
+              <a:defRPr sz="1600" b="1"/>
+            </a:lvl7pPr>
+            <a:lvl8pPr marL="3200400" indent="0">
+              <a:buNone/>
+              <a:defRPr sz="1600" b="1"/>
+            </a:lvl8pPr>
+            <a:lvl9pPr marL="3657600" indent="0">
+              <a:buNone/>
+              <a:defRPr sz="1600" b="1"/>
+            </a:lvl9pPr>
+          </a:lstStyle>
+          <a:p>
+            <a:pPr lvl="0"/>
+            <a:r>
+              <a:rPr lang="en-US" smtClean="0"/>
+              <a:t>Click to edit Master text styles</a:t>
+            </a:r>
+          </a:p>
+        </p:txBody>
+      </p:sp>
+      <p:sp>
+        <p:nvSpPr>
+          <p:cNvPr id="6" name="Content Placeholder 5"/>
+          <p:cNvSpPr>
+            <a:spLocks noGrp="1"/>
+          </p:cNvSpPr>
+          <p:nvPr>
+            <p:ph sz="quarter" idx="4"/>
+          </p:nvPr>
+        </p:nvSpPr>
+        <p:spPr>
+          <a:xfrm>
+            <a:off x="4629150" y="2505075"/>
+            <a:ext cx="3887788" cy="3684588"/>
+          </a:xfrm>
+        </p:spPr>
+        <p:txBody>
+          <a:bodyPr/>
+          <a:lstStyle/>
+          <a:p>
+            <a:pPr lvl="0"/>
+            <a:r>
+              <a:rPr lang="en-US" smtClean="0"/>
+              <a:t>Click to edit Master text styles</a:t>
+            </a:r>
+          </a:p>
+          <a:p>
+            <a:pPr lvl="1"/>
+            <a:r>
+              <a:rPr lang="en-US" smtClean="0"/>
+              <a:t>Second level</a:t>
+            </a:r>
+          </a:p>
+          <a:p>
+            <a:pPr lvl="2"/>
+            <a:r>
+              <a:rPr lang="en-US" smtClean="0"/>
+              <a:t>Third level</a:t>
+            </a:r>
+          </a:p>
+          <a:p>
+            <a:pPr lvl="3"/>
+            <a:r>
+              <a:rPr lang="en-US" smtClean="0"/>
+              <a:t>Fourth level</a:t>
+            </a:r>
+          </a:p>
+          <a:p>
+            <a:pPr lvl="4"/>
+            <a:r>
+              <a:rPr lang="en-US" smtClean="0"/>
+              <a:t>Fifth level</a:t>
+            </a:r>
+            <a:endParaRPr lang="en-US"/>
+          </a:p>
+        </p:txBody>
+      </p:sp>
+      <p:sp>
+        <p:nvSpPr>
+          <p:cNvPr id="7" name="Date Placeholder 6"/>
+          <p:cNvSpPr>
+            <a:spLocks noGrp="1"/>
+          </p:cNvSpPr>
+          <p:nvPr>
+            <p:ph type="dt" sz="half" idx="10"/>
+          </p:nvPr>
+        </p:nvSpPr>
+        <p:spPr/>
+        <p:txBody>
+          <a:bodyPr/>
+          <a:lstStyle/>
+          <a:p>
+            <a:endParaRPr lang="en-US"/>
+          </a:p>
+        </p:txBody>
+      </p:sp>
+      <p:sp>
+        <p:nvSpPr>
+          <p:cNvPr id="8" name="Footer Placeholder 7"/>
+          <p:cNvSpPr>
+            <a:spLocks noGrp="1"/>
+          </p:cNvSpPr>
+          <p:nvPr>
+            <p:ph type="ftr" sz="quarter" idx="11"/>
+          </p:nvPr>
+        </p:nvSpPr>
+        <p:spPr/>
+        <p:txBody>
+          <a:bodyPr/>
+          <a:lstStyle/>
+          <a:p>
+            <a:r>
+              <a:rPr lang="de-DE" smtClean="0"/>
+              <a:t>© EV3Lessons.com, 2016 Last Update: (7/04/2016)</a:t>
+            </a:r>
+            <a:endParaRPr lang="en-US"/>
+          </a:p>
+        </p:txBody>
+      </p:sp>
+      <p:sp>
+        <p:nvSpPr>
+          <p:cNvPr id="9" name="Slide Number Placeholder 8"/>
+          <p:cNvSpPr>
+            <a:spLocks noGrp="1"/>
+          </p:cNvSpPr>
+          <p:nvPr>
+            <p:ph type="sldNum" sz="quarter" idx="12"/>
+          </p:nvPr>
+        </p:nvSpPr>
+        <p:spPr/>
+        <p:txBody>
+          <a:bodyPr/>
+          <a:lstStyle/>
+          <a:p>
+            <a:fld id="{DE42E464-3EB8-43C8-8768-9E2AD4F497B7}" type="slidenum">
+              <a:rPr lang="en-US" smtClean="0"/>
+              <a:t>‹#›</a:t>
+            </a:fld>
+            <a:endParaRPr lang="en-US"/>
+          </a:p>
+        </p:txBody>
+      </p:sp>
+    </p:spTree>
+    <p:extLst>
+      <p:ext uri="{BB962C8B-B14F-4D97-AF65-F5344CB8AC3E}">
+        <p14:creationId xmlns:p14="http://schemas.microsoft.com/office/powerpoint/2010/main" val="661266204"/>
+      </p:ext>
+    </p:extLst>
+  </p:cSld>
+  <p:clrMapOvr>
+    <a:masterClrMapping/>
+  </p:clrMapOvr>
+</p:sldLayout>
+</file>
+
+<file path=ppt/slideLayouts/slideLayout17.xml><?xml version="1.0" encoding="utf-8"?>
+<p:sldLayout xmlns:a="http://schemas.openxmlformats.org/drawingml/2006/main" xmlns:r="http://schemas.openxmlformats.org/officeDocument/2006/relationships" xmlns:p="http://schemas.openxmlformats.org/presentationml/2006/main" type="titleOnly" preserve="1">
+  <p:cSld name="Title Only">
+    <p:spTree>
+      <p:nvGrpSpPr>
+        <p:cNvPr id="1" name=""/>
+        <p:cNvGrpSpPr/>
+        <p:nvPr/>
+      </p:nvGrpSpPr>
+      <p:grpSpPr>
+        <a:xfrm>
+          <a:off x="0" y="0"/>
+          <a:ext cx="0" cy="0"/>
+          <a:chOff x="0" y="0"/>
+          <a:chExt cx="0" cy="0"/>
+        </a:xfrm>
+      </p:grpSpPr>
+      <p:sp>
+        <p:nvSpPr>
+          <p:cNvPr id="2" name="Title 1"/>
+          <p:cNvSpPr>
+            <a:spLocks noGrp="1"/>
+          </p:cNvSpPr>
+          <p:nvPr>
+            <p:ph type="title"/>
+          </p:nvPr>
+        </p:nvSpPr>
+        <p:spPr/>
+        <p:txBody>
+          <a:bodyPr/>
+          <a:lstStyle/>
+          <a:p>
+            <a:r>
+              <a:rPr lang="en-US" smtClean="0"/>
+              <a:t>Click to edit Master title style</a:t>
+            </a:r>
+            <a:endParaRPr lang="en-US"/>
+          </a:p>
+        </p:txBody>
+      </p:sp>
+      <p:sp>
+        <p:nvSpPr>
+          <p:cNvPr id="3" name="Date Placeholder 2"/>
+          <p:cNvSpPr>
+            <a:spLocks noGrp="1"/>
+          </p:cNvSpPr>
+          <p:nvPr>
+            <p:ph type="dt" sz="half" idx="10"/>
+          </p:nvPr>
+        </p:nvSpPr>
+        <p:spPr/>
+        <p:txBody>
+          <a:bodyPr/>
+          <a:lstStyle/>
+          <a:p>
+            <a:endParaRPr lang="en-US"/>
+          </a:p>
+        </p:txBody>
+      </p:sp>
+      <p:sp>
+        <p:nvSpPr>
+          <p:cNvPr id="4" name="Footer Placeholder 3"/>
+          <p:cNvSpPr>
+            <a:spLocks noGrp="1"/>
+          </p:cNvSpPr>
+          <p:nvPr>
+            <p:ph type="ftr" sz="quarter" idx="11"/>
+          </p:nvPr>
+        </p:nvSpPr>
+        <p:spPr/>
+        <p:txBody>
+          <a:bodyPr/>
+          <a:lstStyle/>
+          <a:p>
+            <a:r>
+              <a:rPr lang="de-DE" smtClean="0"/>
+              <a:t>© EV3Lessons.com, 2016 Last Update: (7/04/2016)</a:t>
+            </a:r>
+            <a:endParaRPr lang="en-US"/>
+          </a:p>
+        </p:txBody>
+      </p:sp>
+      <p:sp>
+        <p:nvSpPr>
+          <p:cNvPr id="5" name="Slide Number Placeholder 4"/>
+          <p:cNvSpPr>
+            <a:spLocks noGrp="1"/>
+          </p:cNvSpPr>
+          <p:nvPr>
+            <p:ph type="sldNum" sz="quarter" idx="12"/>
+          </p:nvPr>
+        </p:nvSpPr>
+        <p:spPr/>
+        <p:txBody>
+          <a:bodyPr/>
+          <a:lstStyle/>
+          <a:p>
+            <a:fld id="{DE42E464-3EB8-43C8-8768-9E2AD4F497B7}" type="slidenum">
+              <a:rPr lang="en-US" smtClean="0"/>
+              <a:t>‹#›</a:t>
+            </a:fld>
+            <a:endParaRPr lang="en-US"/>
+          </a:p>
+        </p:txBody>
+      </p:sp>
+    </p:spTree>
+    <p:extLst>
+      <p:ext uri="{BB962C8B-B14F-4D97-AF65-F5344CB8AC3E}">
+        <p14:creationId xmlns:p14="http://schemas.microsoft.com/office/powerpoint/2010/main" val="673217403"/>
+      </p:ext>
+    </p:extLst>
+  </p:cSld>
+  <p:clrMapOvr>
+    <a:masterClrMapping/>
+  </p:clrMapOvr>
+</p:sldLayout>
+</file>
+
+<file path=ppt/slideLayouts/slideLayout18.xml><?xml version="1.0" encoding="utf-8"?>
+<p:sldLayout xmlns:a="http://schemas.openxmlformats.org/drawingml/2006/main" xmlns:r="http://schemas.openxmlformats.org/officeDocument/2006/relationships" xmlns:p="http://schemas.openxmlformats.org/presentationml/2006/main" type="blank" preserve="1">
+  <p:cSld name="Blank">
+    <p:spTree>
+      <p:nvGrpSpPr>
+        <p:cNvPr id="1" name=""/>
+        <p:cNvGrpSpPr/>
+        <p:nvPr/>
+      </p:nvGrpSpPr>
+      <p:grpSpPr>
+        <a:xfrm>
+          <a:off x="0" y="0"/>
+          <a:ext cx="0" cy="0"/>
+          <a:chOff x="0" y="0"/>
+          <a:chExt cx="0" cy="0"/>
+        </a:xfrm>
+      </p:grpSpPr>
+      <p:sp>
+        <p:nvSpPr>
+          <p:cNvPr id="2" name="Date Placeholder 1"/>
+          <p:cNvSpPr>
+            <a:spLocks noGrp="1"/>
+          </p:cNvSpPr>
+          <p:nvPr>
+            <p:ph type="dt" sz="half" idx="10"/>
+          </p:nvPr>
+        </p:nvSpPr>
+        <p:spPr/>
+        <p:txBody>
+          <a:bodyPr/>
+          <a:lstStyle/>
+          <a:p>
+            <a:endParaRPr lang="en-US"/>
+          </a:p>
+        </p:txBody>
+      </p:sp>
+      <p:sp>
+        <p:nvSpPr>
+          <p:cNvPr id="3" name="Footer Placeholder 2"/>
+          <p:cNvSpPr>
+            <a:spLocks noGrp="1"/>
+          </p:cNvSpPr>
+          <p:nvPr>
+            <p:ph type="ftr" sz="quarter" idx="11"/>
+          </p:nvPr>
+        </p:nvSpPr>
+        <p:spPr/>
+        <p:txBody>
+          <a:bodyPr/>
+          <a:lstStyle/>
+          <a:p>
+            <a:r>
+              <a:rPr lang="de-DE" smtClean="0"/>
+              <a:t>© EV3Lessons.com, 2016 Last Update: (7/04/2016)</a:t>
+            </a:r>
+            <a:endParaRPr lang="en-US"/>
+          </a:p>
+        </p:txBody>
+      </p:sp>
+      <p:sp>
+        <p:nvSpPr>
+          <p:cNvPr id="4" name="Slide Number Placeholder 3"/>
+          <p:cNvSpPr>
+            <a:spLocks noGrp="1"/>
+          </p:cNvSpPr>
+          <p:nvPr>
+            <p:ph type="sldNum" sz="quarter" idx="12"/>
+          </p:nvPr>
+        </p:nvSpPr>
+        <p:spPr/>
+        <p:txBody>
+          <a:bodyPr/>
+          <a:lstStyle/>
+          <a:p>
+            <a:fld id="{DE42E464-3EB8-43C8-8768-9E2AD4F497B7}" type="slidenum">
+              <a:rPr lang="en-US" smtClean="0"/>
+              <a:t>‹#›</a:t>
+            </a:fld>
+            <a:endParaRPr lang="en-US"/>
+          </a:p>
+        </p:txBody>
+      </p:sp>
+    </p:spTree>
+    <p:extLst>
+      <p:ext uri="{BB962C8B-B14F-4D97-AF65-F5344CB8AC3E}">
+        <p14:creationId xmlns:p14="http://schemas.microsoft.com/office/powerpoint/2010/main" val="1821039825"/>
+      </p:ext>
+    </p:extLst>
+  </p:cSld>
+  <p:clrMapOvr>
+    <a:masterClrMapping/>
+  </p:clrMapOvr>
+</p:sldLayout>
+</file>
+
+<file path=ppt/slideLayouts/slideLayout19.xml><?xml version="1.0" encoding="utf-8"?>
+<p:sldLayout xmlns:a="http://schemas.openxmlformats.org/drawingml/2006/main" xmlns:r="http://schemas.openxmlformats.org/officeDocument/2006/relationships" xmlns:p="http://schemas.openxmlformats.org/presentationml/2006/main" type="objTx" preserve="1">
+  <p:cSld name="Content with Caption">
+    <p:spTree>
+      <p:nvGrpSpPr>
+        <p:cNvPr id="1" name=""/>
+        <p:cNvGrpSpPr/>
+        <p:nvPr/>
+      </p:nvGrpSpPr>
+      <p:grpSpPr>
+        <a:xfrm>
+          <a:off x="0" y="0"/>
+          <a:ext cx="0" cy="0"/>
+          <a:chOff x="0" y="0"/>
+          <a:chExt cx="0" cy="0"/>
+        </a:xfrm>
+      </p:grpSpPr>
+      <p:sp>
+        <p:nvSpPr>
+          <p:cNvPr id="2" name="Title 1"/>
+          <p:cNvSpPr>
+            <a:spLocks noGrp="1"/>
+          </p:cNvSpPr>
+          <p:nvPr>
+            <p:ph type="title"/>
+          </p:nvPr>
+        </p:nvSpPr>
+        <p:spPr>
+          <a:xfrm>
+            <a:off x="630238" y="457200"/>
+            <a:ext cx="2949575" cy="1600200"/>
+          </a:xfrm>
+        </p:spPr>
+        <p:txBody>
+          <a:bodyPr anchor="b"/>
+          <a:lstStyle>
+            <a:lvl1pPr>
+              <a:defRPr sz="3200"/>
+            </a:lvl1pPr>
+          </a:lstStyle>
+          <a:p>
+            <a:r>
+              <a:rPr lang="en-US" smtClean="0"/>
+              <a:t>Click to edit Master title style</a:t>
+            </a:r>
+            <a:endParaRPr lang="en-US"/>
+          </a:p>
+        </p:txBody>
+      </p:sp>
+      <p:sp>
+        <p:nvSpPr>
+          <p:cNvPr id="3" name="Content Placeholder 2"/>
+          <p:cNvSpPr>
+            <a:spLocks noGrp="1"/>
+          </p:cNvSpPr>
+          <p:nvPr>
+            <p:ph idx="1"/>
+          </p:nvPr>
+        </p:nvSpPr>
+        <p:spPr>
+          <a:xfrm>
+            <a:off x="3887788" y="987425"/>
+            <a:ext cx="4629150" cy="4873625"/>
+          </a:xfrm>
+        </p:spPr>
+        <p:txBody>
+          <a:bodyPr/>
+          <a:lstStyle>
+            <a:lvl1pPr>
+              <a:defRPr sz="3200"/>
+            </a:lvl1pPr>
+            <a:lvl2pPr>
+              <a:defRPr sz="2800"/>
+            </a:lvl2pPr>
+            <a:lvl3pPr>
+              <a:defRPr sz="2400"/>
+            </a:lvl3pPr>
+            <a:lvl4pPr>
+              <a:defRPr sz="2000"/>
+            </a:lvl4pPr>
+            <a:lvl5pPr>
+              <a:defRPr sz="2000"/>
+            </a:lvl5pPr>
+            <a:lvl6pPr>
+              <a:defRPr sz="2000"/>
+            </a:lvl6pPr>
+            <a:lvl7pPr>
+              <a:defRPr sz="2000"/>
+            </a:lvl7pPr>
+            <a:lvl8pPr>
+              <a:defRPr sz="2000"/>
+            </a:lvl8pPr>
+            <a:lvl9pPr>
+              <a:defRPr sz="2000"/>
+            </a:lvl9pPr>
+          </a:lstStyle>
+          <a:p>
+            <a:pPr lvl="0"/>
+            <a:r>
+              <a:rPr lang="en-US" smtClean="0"/>
+              <a:t>Click to edit Master text styles</a:t>
+            </a:r>
+          </a:p>
+          <a:p>
+            <a:pPr lvl="1"/>
+            <a:r>
+              <a:rPr lang="en-US" smtClean="0"/>
+              <a:t>Second level</a:t>
+            </a:r>
+          </a:p>
+          <a:p>
+            <a:pPr lvl="2"/>
+            <a:r>
+              <a:rPr lang="en-US" smtClean="0"/>
+              <a:t>Third level</a:t>
+            </a:r>
+          </a:p>
+          <a:p>
+            <a:pPr lvl="3"/>
+            <a:r>
+              <a:rPr lang="en-US" smtClean="0"/>
+              <a:t>Fourth level</a:t>
+            </a:r>
+          </a:p>
+          <a:p>
+            <a:pPr lvl="4"/>
+            <a:r>
+              <a:rPr lang="en-US" smtClean="0"/>
+              <a:t>Fifth level</a:t>
+            </a:r>
+            <a:endParaRPr lang="en-US"/>
+          </a:p>
+        </p:txBody>
+      </p:sp>
+      <p:sp>
+        <p:nvSpPr>
+          <p:cNvPr id="4" name="Text Placeholder 3"/>
+          <p:cNvSpPr>
+            <a:spLocks noGrp="1"/>
+          </p:cNvSpPr>
+          <p:nvPr>
+            <p:ph type="body" sz="half" idx="2"/>
+          </p:nvPr>
+        </p:nvSpPr>
+        <p:spPr>
+          <a:xfrm>
+            <a:off x="630238" y="2057400"/>
+            <a:ext cx="2949575" cy="3811588"/>
+          </a:xfrm>
+        </p:spPr>
+        <p:txBody>
+          <a:bodyPr/>
+          <a:lstStyle>
+            <a:lvl1pPr marL="0" indent="0">
+              <a:buNone/>
+              <a:defRPr sz="1600"/>
+            </a:lvl1pPr>
+            <a:lvl2pPr marL="457200" indent="0">
+              <a:buNone/>
+              <a:defRPr sz="1400"/>
+            </a:lvl2pPr>
+            <a:lvl3pPr marL="914400" indent="0">
+              <a:buNone/>
+              <a:defRPr sz="1200"/>
+            </a:lvl3pPr>
+            <a:lvl4pPr marL="1371600" indent="0">
+              <a:buNone/>
+              <a:defRPr sz="1000"/>
+            </a:lvl4pPr>
+            <a:lvl5pPr marL="1828800" indent="0">
+              <a:buNone/>
+              <a:defRPr sz="1000"/>
+            </a:lvl5pPr>
+            <a:lvl6pPr marL="2286000" indent="0">
+              <a:buNone/>
+              <a:defRPr sz="1000"/>
+            </a:lvl6pPr>
+            <a:lvl7pPr marL="2743200" indent="0">
+              <a:buNone/>
+              <a:defRPr sz="1000"/>
+            </a:lvl7pPr>
+            <a:lvl8pPr marL="3200400" indent="0">
+              <a:buNone/>
+              <a:defRPr sz="1000"/>
+            </a:lvl8pPr>
+            <a:lvl9pPr marL="3657600" indent="0">
+              <a:buNone/>
+              <a:defRPr sz="1000"/>
+            </a:lvl9pPr>
+          </a:lstStyle>
+          <a:p>
+            <a:pPr lvl="0"/>
+            <a:r>
+              <a:rPr lang="en-US" smtClean="0"/>
+              <a:t>Click to edit Master text styles</a:t>
+            </a:r>
+          </a:p>
+        </p:txBody>
+      </p:sp>
+      <p:sp>
+        <p:nvSpPr>
+          <p:cNvPr id="5" name="Date Placeholder 4"/>
+          <p:cNvSpPr>
+            <a:spLocks noGrp="1"/>
+          </p:cNvSpPr>
+          <p:nvPr>
+            <p:ph type="dt" sz="half" idx="10"/>
+          </p:nvPr>
+        </p:nvSpPr>
+        <p:spPr/>
+        <p:txBody>
+          <a:bodyPr/>
+          <a:lstStyle/>
+          <a:p>
+            <a:endParaRPr lang="en-US"/>
+          </a:p>
+        </p:txBody>
+      </p:sp>
+      <p:sp>
+        <p:nvSpPr>
+          <p:cNvPr id="6" name="Footer Placeholder 5"/>
+          <p:cNvSpPr>
+            <a:spLocks noGrp="1"/>
+          </p:cNvSpPr>
+          <p:nvPr>
+            <p:ph type="ftr" sz="quarter" idx="11"/>
+          </p:nvPr>
+        </p:nvSpPr>
+        <p:spPr/>
+        <p:txBody>
+          <a:bodyPr/>
+          <a:lstStyle/>
+          <a:p>
+            <a:r>
+              <a:rPr lang="de-DE" smtClean="0"/>
+              <a:t>© EV3Lessons.com, 2016 Last Update: (7/04/2016)</a:t>
+            </a:r>
+            <a:endParaRPr lang="en-US"/>
+          </a:p>
+        </p:txBody>
+      </p:sp>
+      <p:sp>
+        <p:nvSpPr>
+          <p:cNvPr id="7" name="Slide Number Placeholder 6"/>
+          <p:cNvSpPr>
+            <a:spLocks noGrp="1"/>
+          </p:cNvSpPr>
+          <p:nvPr>
+            <p:ph type="sldNum" sz="quarter" idx="12"/>
+          </p:nvPr>
+        </p:nvSpPr>
+        <p:spPr/>
+        <p:txBody>
+          <a:bodyPr/>
+          <a:lstStyle/>
+          <a:p>
+            <a:fld id="{DE42E464-3EB8-43C8-8768-9E2AD4F497B7}" type="slidenum">
+              <a:rPr lang="en-US" smtClean="0"/>
+              <a:t>‹#›</a:t>
+            </a:fld>
+            <a:endParaRPr lang="en-US"/>
+          </a:p>
+        </p:txBody>
+      </p:sp>
+    </p:spTree>
+    <p:extLst>
+      <p:ext uri="{BB962C8B-B14F-4D97-AF65-F5344CB8AC3E}">
+        <p14:creationId xmlns:p14="http://schemas.microsoft.com/office/powerpoint/2010/main" val="279401731"/>
+      </p:ext>
+    </p:extLst>
   </p:cSld>
   <p:clrMapOvr>
     <a:masterClrMapping/>
@@ -1964,9 +3919,10 @@
           <a:lstStyle/>
           <a:p>
             <a:r>
-              <a:rPr lang="en-US"/>
+              <a:rPr lang="en-US" smtClean="0"/>
               <a:t>Click to edit Master title style</a:t>
             </a:r>
+            <a:endParaRPr lang="en-US"/>
           </a:p>
         </p:txBody>
       </p:sp>
@@ -1992,35 +3948,35 @@
           <a:p>
             <a:pPr lvl="0"/>
             <a:r>
-              <a:rPr lang="en-US"/>
+              <a:rPr lang="en-US" smtClean="0"/>
               <a:t>Click to edit Master text styles</a:t>
             </a:r>
           </a:p>
           <a:p>
             <a:pPr lvl="1"/>
             <a:r>
-              <a:rPr lang="en-US"/>
+              <a:rPr lang="en-US" smtClean="0"/>
               <a:t>Second level</a:t>
             </a:r>
           </a:p>
           <a:p>
             <a:pPr lvl="2"/>
             <a:r>
-              <a:rPr lang="en-US"/>
+              <a:rPr lang="en-US" smtClean="0"/>
               <a:t>Third level</a:t>
             </a:r>
           </a:p>
           <a:p>
             <a:pPr lvl="3"/>
             <a:r>
-              <a:rPr lang="en-US"/>
+              <a:rPr lang="en-US" smtClean="0"/>
               <a:t>Fourth level</a:t>
             </a:r>
           </a:p>
           <a:p>
             <a:pPr lvl="4"/>
             <a:r>
-              <a:rPr lang="en-US"/>
+              <a:rPr lang="en-US" smtClean="0"/>
               <a:t>Fifth level</a:t>
             </a:r>
             <a:endParaRPr lang="en-US" dirty="0"/>
@@ -2029,70 +3985,45 @@
       </p:sp>
       <p:sp>
         <p:nvSpPr>
-          <p:cNvPr id="4" name="Date Placeholder 3"/>
-          <p:cNvSpPr>
-            <a:spLocks noGrp="1"/>
-          </p:cNvSpPr>
-          <p:nvPr>
-            <p:ph type="dt" sz="half" idx="10"/>
+          <p:cNvPr id="5" name="Footer Placeholder 4"/>
+          <p:cNvSpPr>
+            <a:spLocks noGrp="1"/>
+          </p:cNvSpPr>
+          <p:nvPr>
+            <p:ph type="ftr" sz="quarter" idx="11"/>
+          </p:nvPr>
+        </p:nvSpPr>
+        <p:spPr/>
+        <p:txBody>
+          <a:bodyPr/>
+          <a:lstStyle/>
+          <a:p>
+            <a:r>
+              <a:rPr lang="de-DE" smtClean="0"/>
+              <a:t>© EV3Lessons.com, 2016 Last Update: (7/04/2016)</a:t>
+            </a:r>
+            <a:endParaRPr lang="en-US" dirty="0"/>
+          </a:p>
+        </p:txBody>
+      </p:sp>
+      <p:sp>
+        <p:nvSpPr>
+          <p:cNvPr id="6" name="Slide Number Placeholder 5"/>
+          <p:cNvSpPr>
+            <a:spLocks noGrp="1"/>
+          </p:cNvSpPr>
+          <p:nvPr>
+            <p:ph type="sldNum" sz="quarter" idx="12"/>
           </p:nvPr>
         </p:nvSpPr>
         <p:spPr>
           <a:xfrm>
-            <a:off x="2704861" y="6388626"/>
-            <a:ext cx="3429000" cy="304800"/>
-          </a:xfrm>
-        </p:spPr>
-        <p:txBody>
-          <a:bodyPr/>
-          <a:lstStyle/>
-          <a:p>
-            <a:fld id="{16B0C829-8CE0-4E8C-B1AD-E8E9959B9FE1}" type="datetime1">
-              <a:rPr lang="en-US" smtClean="0"/>
-              <a:t>4/11/2016</a:t>
-            </a:fld>
-            <a:endParaRPr lang="en-US" dirty="0"/>
-          </a:p>
-        </p:txBody>
-      </p:sp>
-      <p:sp>
-        <p:nvSpPr>
-          <p:cNvPr id="5" name="Footer Placeholder 4"/>
-          <p:cNvSpPr>
-            <a:spLocks noGrp="1"/>
-          </p:cNvSpPr>
-          <p:nvPr>
-            <p:ph type="ftr" sz="quarter" idx="11"/>
-          </p:nvPr>
-        </p:nvSpPr>
-        <p:spPr/>
-        <p:txBody>
-          <a:bodyPr/>
-          <a:lstStyle/>
-          <a:p>
-            <a:r>
-              <a:rPr lang="en-US"/>
-              <a:t>© EV3Lessons.com, 2015 Last Update:</a:t>
-            </a:r>
-            <a:endParaRPr lang="en-US" dirty="0"/>
-          </a:p>
-        </p:txBody>
-      </p:sp>
-      <p:sp>
-        <p:nvSpPr>
-          <p:cNvPr id="6" name="Slide Number Placeholder 5"/>
-          <p:cNvSpPr>
-            <a:spLocks noGrp="1"/>
-          </p:cNvSpPr>
-          <p:nvPr>
-            <p:ph type="sldNum" sz="quarter" idx="12"/>
-          </p:nvPr>
-        </p:nvSpPr>
-        <p:spPr>
-          <a:xfrm>
-            <a:off x="8381522" y="6269672"/>
-            <a:ext cx="642303" cy="365125"/>
-          </a:xfrm>
+            <a:off x="8457383" y="6376457"/>
+            <a:ext cx="627256" cy="365125"/>
+          </a:xfrm>
+          <a:prstGeom prst="rect">
+            <a:avLst/>
+          </a:prstGeom>
         </p:spPr>
         <p:txBody>
           <a:bodyPr/>
@@ -2107,6 +4038,625 @@
         </p:txBody>
       </p:sp>
     </p:spTree>
+    <p:extLst>
+      <p:ext uri="{BB962C8B-B14F-4D97-AF65-F5344CB8AC3E}">
+        <p14:creationId xmlns:p14="http://schemas.microsoft.com/office/powerpoint/2010/main" val="1815360365"/>
+      </p:ext>
+    </p:extLst>
+  </p:cSld>
+  <p:clrMapOvr>
+    <a:masterClrMapping/>
+  </p:clrMapOvr>
+  <p:timing>
+    <p:tnLst>
+      <p:par>
+        <p:cTn id="1" dur="indefinite" restart="never" nodeType="tmRoot"/>
+      </p:par>
+    </p:tnLst>
+  </p:timing>
+</p:sldLayout>
+</file>
+
+<file path=ppt/slideLayouts/slideLayout20.xml><?xml version="1.0" encoding="utf-8"?>
+<p:sldLayout xmlns:a="http://schemas.openxmlformats.org/drawingml/2006/main" xmlns:r="http://schemas.openxmlformats.org/officeDocument/2006/relationships" xmlns:p="http://schemas.openxmlformats.org/presentationml/2006/main" type="picTx" preserve="1">
+  <p:cSld name="Picture with Caption">
+    <p:spTree>
+      <p:nvGrpSpPr>
+        <p:cNvPr id="1" name=""/>
+        <p:cNvGrpSpPr/>
+        <p:nvPr/>
+      </p:nvGrpSpPr>
+      <p:grpSpPr>
+        <a:xfrm>
+          <a:off x="0" y="0"/>
+          <a:ext cx="0" cy="0"/>
+          <a:chOff x="0" y="0"/>
+          <a:chExt cx="0" cy="0"/>
+        </a:xfrm>
+      </p:grpSpPr>
+      <p:sp>
+        <p:nvSpPr>
+          <p:cNvPr id="2" name="Title 1"/>
+          <p:cNvSpPr>
+            <a:spLocks noGrp="1"/>
+          </p:cNvSpPr>
+          <p:nvPr>
+            <p:ph type="title"/>
+          </p:nvPr>
+        </p:nvSpPr>
+        <p:spPr>
+          <a:xfrm>
+            <a:off x="630238" y="457200"/>
+            <a:ext cx="2949575" cy="1600200"/>
+          </a:xfrm>
+        </p:spPr>
+        <p:txBody>
+          <a:bodyPr anchor="b"/>
+          <a:lstStyle>
+            <a:lvl1pPr>
+              <a:defRPr sz="3200"/>
+            </a:lvl1pPr>
+          </a:lstStyle>
+          <a:p>
+            <a:r>
+              <a:rPr lang="en-US" smtClean="0"/>
+              <a:t>Click to edit Master title style</a:t>
+            </a:r>
+            <a:endParaRPr lang="en-US"/>
+          </a:p>
+        </p:txBody>
+      </p:sp>
+      <p:sp>
+        <p:nvSpPr>
+          <p:cNvPr id="3" name="Picture Placeholder 2"/>
+          <p:cNvSpPr>
+            <a:spLocks noGrp="1"/>
+          </p:cNvSpPr>
+          <p:nvPr>
+            <p:ph type="pic" idx="1"/>
+          </p:nvPr>
+        </p:nvSpPr>
+        <p:spPr>
+          <a:xfrm>
+            <a:off x="3887788" y="987425"/>
+            <a:ext cx="4629150" cy="4873625"/>
+          </a:xfrm>
+        </p:spPr>
+        <p:txBody>
+          <a:bodyPr/>
+          <a:lstStyle>
+            <a:lvl1pPr marL="0" indent="0">
+              <a:buNone/>
+              <a:defRPr sz="3200"/>
+            </a:lvl1pPr>
+            <a:lvl2pPr marL="457200" indent="0">
+              <a:buNone/>
+              <a:defRPr sz="2800"/>
+            </a:lvl2pPr>
+            <a:lvl3pPr marL="914400" indent="0">
+              <a:buNone/>
+              <a:defRPr sz="2400"/>
+            </a:lvl3pPr>
+            <a:lvl4pPr marL="1371600" indent="0">
+              <a:buNone/>
+              <a:defRPr sz="2000"/>
+            </a:lvl4pPr>
+            <a:lvl5pPr marL="1828800" indent="0">
+              <a:buNone/>
+              <a:defRPr sz="2000"/>
+            </a:lvl5pPr>
+            <a:lvl6pPr marL="2286000" indent="0">
+              <a:buNone/>
+              <a:defRPr sz="2000"/>
+            </a:lvl6pPr>
+            <a:lvl7pPr marL="2743200" indent="0">
+              <a:buNone/>
+              <a:defRPr sz="2000"/>
+            </a:lvl7pPr>
+            <a:lvl8pPr marL="3200400" indent="0">
+              <a:buNone/>
+              <a:defRPr sz="2000"/>
+            </a:lvl8pPr>
+            <a:lvl9pPr marL="3657600" indent="0">
+              <a:buNone/>
+              <a:defRPr sz="2000"/>
+            </a:lvl9pPr>
+          </a:lstStyle>
+          <a:p>
+            <a:r>
+              <a:rPr lang="en-US" smtClean="0"/>
+              <a:t>Drag picture to placeholder or click icon to add</a:t>
+            </a:r>
+            <a:endParaRPr lang="en-US"/>
+          </a:p>
+        </p:txBody>
+      </p:sp>
+      <p:sp>
+        <p:nvSpPr>
+          <p:cNvPr id="4" name="Text Placeholder 3"/>
+          <p:cNvSpPr>
+            <a:spLocks noGrp="1"/>
+          </p:cNvSpPr>
+          <p:nvPr>
+            <p:ph type="body" sz="half" idx="2"/>
+          </p:nvPr>
+        </p:nvSpPr>
+        <p:spPr>
+          <a:xfrm>
+            <a:off x="630238" y="2057400"/>
+            <a:ext cx="2949575" cy="3811588"/>
+          </a:xfrm>
+        </p:spPr>
+        <p:txBody>
+          <a:bodyPr/>
+          <a:lstStyle>
+            <a:lvl1pPr marL="0" indent="0">
+              <a:buNone/>
+              <a:defRPr sz="1600"/>
+            </a:lvl1pPr>
+            <a:lvl2pPr marL="457200" indent="0">
+              <a:buNone/>
+              <a:defRPr sz="1400"/>
+            </a:lvl2pPr>
+            <a:lvl3pPr marL="914400" indent="0">
+              <a:buNone/>
+              <a:defRPr sz="1200"/>
+            </a:lvl3pPr>
+            <a:lvl4pPr marL="1371600" indent="0">
+              <a:buNone/>
+              <a:defRPr sz="1000"/>
+            </a:lvl4pPr>
+            <a:lvl5pPr marL="1828800" indent="0">
+              <a:buNone/>
+              <a:defRPr sz="1000"/>
+            </a:lvl5pPr>
+            <a:lvl6pPr marL="2286000" indent="0">
+              <a:buNone/>
+              <a:defRPr sz="1000"/>
+            </a:lvl6pPr>
+            <a:lvl7pPr marL="2743200" indent="0">
+              <a:buNone/>
+              <a:defRPr sz="1000"/>
+            </a:lvl7pPr>
+            <a:lvl8pPr marL="3200400" indent="0">
+              <a:buNone/>
+              <a:defRPr sz="1000"/>
+            </a:lvl8pPr>
+            <a:lvl9pPr marL="3657600" indent="0">
+              <a:buNone/>
+              <a:defRPr sz="1000"/>
+            </a:lvl9pPr>
+          </a:lstStyle>
+          <a:p>
+            <a:pPr lvl="0"/>
+            <a:r>
+              <a:rPr lang="en-US" smtClean="0"/>
+              <a:t>Click to edit Master text styles</a:t>
+            </a:r>
+          </a:p>
+        </p:txBody>
+      </p:sp>
+      <p:sp>
+        <p:nvSpPr>
+          <p:cNvPr id="5" name="Date Placeholder 4"/>
+          <p:cNvSpPr>
+            <a:spLocks noGrp="1"/>
+          </p:cNvSpPr>
+          <p:nvPr>
+            <p:ph type="dt" sz="half" idx="10"/>
+          </p:nvPr>
+        </p:nvSpPr>
+        <p:spPr/>
+        <p:txBody>
+          <a:bodyPr/>
+          <a:lstStyle/>
+          <a:p>
+            <a:endParaRPr lang="en-US"/>
+          </a:p>
+        </p:txBody>
+      </p:sp>
+      <p:sp>
+        <p:nvSpPr>
+          <p:cNvPr id="6" name="Footer Placeholder 5"/>
+          <p:cNvSpPr>
+            <a:spLocks noGrp="1"/>
+          </p:cNvSpPr>
+          <p:nvPr>
+            <p:ph type="ftr" sz="quarter" idx="11"/>
+          </p:nvPr>
+        </p:nvSpPr>
+        <p:spPr/>
+        <p:txBody>
+          <a:bodyPr/>
+          <a:lstStyle/>
+          <a:p>
+            <a:r>
+              <a:rPr lang="de-DE" smtClean="0"/>
+              <a:t>© EV3Lessons.com, 2016 Last Update: (7/04/2016)</a:t>
+            </a:r>
+            <a:endParaRPr lang="en-US"/>
+          </a:p>
+        </p:txBody>
+      </p:sp>
+      <p:sp>
+        <p:nvSpPr>
+          <p:cNvPr id="7" name="Slide Number Placeholder 6"/>
+          <p:cNvSpPr>
+            <a:spLocks noGrp="1"/>
+          </p:cNvSpPr>
+          <p:nvPr>
+            <p:ph type="sldNum" sz="quarter" idx="12"/>
+          </p:nvPr>
+        </p:nvSpPr>
+        <p:spPr/>
+        <p:txBody>
+          <a:bodyPr/>
+          <a:lstStyle/>
+          <a:p>
+            <a:fld id="{DE42E464-3EB8-43C8-8768-9E2AD4F497B7}" type="slidenum">
+              <a:rPr lang="en-US" smtClean="0"/>
+              <a:t>‹#›</a:t>
+            </a:fld>
+            <a:endParaRPr lang="en-US"/>
+          </a:p>
+        </p:txBody>
+      </p:sp>
+    </p:spTree>
+    <p:extLst>
+      <p:ext uri="{BB962C8B-B14F-4D97-AF65-F5344CB8AC3E}">
+        <p14:creationId xmlns:p14="http://schemas.microsoft.com/office/powerpoint/2010/main" val="1505640575"/>
+      </p:ext>
+    </p:extLst>
+  </p:cSld>
+  <p:clrMapOvr>
+    <a:masterClrMapping/>
+  </p:clrMapOvr>
+</p:sldLayout>
+</file>
+
+<file path=ppt/slideLayouts/slideLayout21.xml><?xml version="1.0" encoding="utf-8"?>
+<p:sldLayout xmlns:a="http://schemas.openxmlformats.org/drawingml/2006/main" xmlns:r="http://schemas.openxmlformats.org/officeDocument/2006/relationships" xmlns:p="http://schemas.openxmlformats.org/presentationml/2006/main" type="vertTx" preserve="1">
+  <p:cSld name="Title and Vertical Text">
+    <p:spTree>
+      <p:nvGrpSpPr>
+        <p:cNvPr id="1" name=""/>
+        <p:cNvGrpSpPr/>
+        <p:nvPr/>
+      </p:nvGrpSpPr>
+      <p:grpSpPr>
+        <a:xfrm>
+          <a:off x="0" y="0"/>
+          <a:ext cx="0" cy="0"/>
+          <a:chOff x="0" y="0"/>
+          <a:chExt cx="0" cy="0"/>
+        </a:xfrm>
+      </p:grpSpPr>
+      <p:sp>
+        <p:nvSpPr>
+          <p:cNvPr id="2" name="Title 1"/>
+          <p:cNvSpPr>
+            <a:spLocks noGrp="1"/>
+          </p:cNvSpPr>
+          <p:nvPr>
+            <p:ph type="title"/>
+          </p:nvPr>
+        </p:nvSpPr>
+        <p:spPr/>
+        <p:txBody>
+          <a:bodyPr/>
+          <a:lstStyle/>
+          <a:p>
+            <a:r>
+              <a:rPr lang="en-US" smtClean="0"/>
+              <a:t>Click to edit Master title style</a:t>
+            </a:r>
+            <a:endParaRPr lang="en-US"/>
+          </a:p>
+        </p:txBody>
+      </p:sp>
+      <p:sp>
+        <p:nvSpPr>
+          <p:cNvPr id="3" name="Vertical Text Placeholder 2"/>
+          <p:cNvSpPr>
+            <a:spLocks noGrp="1"/>
+          </p:cNvSpPr>
+          <p:nvPr>
+            <p:ph type="body" orient="vert" idx="1"/>
+          </p:nvPr>
+        </p:nvSpPr>
+        <p:spPr/>
+        <p:txBody>
+          <a:bodyPr vert="eaVert"/>
+          <a:lstStyle/>
+          <a:p>
+            <a:pPr lvl="0"/>
+            <a:r>
+              <a:rPr lang="en-US" smtClean="0"/>
+              <a:t>Click to edit Master text styles</a:t>
+            </a:r>
+          </a:p>
+          <a:p>
+            <a:pPr lvl="1"/>
+            <a:r>
+              <a:rPr lang="en-US" smtClean="0"/>
+              <a:t>Second level</a:t>
+            </a:r>
+          </a:p>
+          <a:p>
+            <a:pPr lvl="2"/>
+            <a:r>
+              <a:rPr lang="en-US" smtClean="0"/>
+              <a:t>Third level</a:t>
+            </a:r>
+          </a:p>
+          <a:p>
+            <a:pPr lvl="3"/>
+            <a:r>
+              <a:rPr lang="en-US" smtClean="0"/>
+              <a:t>Fourth level</a:t>
+            </a:r>
+          </a:p>
+          <a:p>
+            <a:pPr lvl="4"/>
+            <a:r>
+              <a:rPr lang="en-US" smtClean="0"/>
+              <a:t>Fifth level</a:t>
+            </a:r>
+            <a:endParaRPr lang="en-US"/>
+          </a:p>
+        </p:txBody>
+      </p:sp>
+      <p:sp>
+        <p:nvSpPr>
+          <p:cNvPr id="4" name="Date Placeholder 3"/>
+          <p:cNvSpPr>
+            <a:spLocks noGrp="1"/>
+          </p:cNvSpPr>
+          <p:nvPr>
+            <p:ph type="dt" sz="half" idx="10"/>
+          </p:nvPr>
+        </p:nvSpPr>
+        <p:spPr/>
+        <p:txBody>
+          <a:bodyPr/>
+          <a:lstStyle/>
+          <a:p>
+            <a:endParaRPr lang="en-US"/>
+          </a:p>
+        </p:txBody>
+      </p:sp>
+      <p:sp>
+        <p:nvSpPr>
+          <p:cNvPr id="5" name="Footer Placeholder 4"/>
+          <p:cNvSpPr>
+            <a:spLocks noGrp="1"/>
+          </p:cNvSpPr>
+          <p:nvPr>
+            <p:ph type="ftr" sz="quarter" idx="11"/>
+          </p:nvPr>
+        </p:nvSpPr>
+        <p:spPr/>
+        <p:txBody>
+          <a:bodyPr/>
+          <a:lstStyle/>
+          <a:p>
+            <a:r>
+              <a:rPr lang="de-DE" smtClean="0"/>
+              <a:t>© EV3Lessons.com, 2016 Last Update: (7/04/2016)</a:t>
+            </a:r>
+            <a:endParaRPr lang="en-US"/>
+          </a:p>
+        </p:txBody>
+      </p:sp>
+      <p:sp>
+        <p:nvSpPr>
+          <p:cNvPr id="6" name="Slide Number Placeholder 5"/>
+          <p:cNvSpPr>
+            <a:spLocks noGrp="1"/>
+          </p:cNvSpPr>
+          <p:nvPr>
+            <p:ph type="sldNum" sz="quarter" idx="12"/>
+          </p:nvPr>
+        </p:nvSpPr>
+        <p:spPr/>
+        <p:txBody>
+          <a:bodyPr/>
+          <a:lstStyle/>
+          <a:p>
+            <a:fld id="{DE42E464-3EB8-43C8-8768-9E2AD4F497B7}" type="slidenum">
+              <a:rPr lang="en-US" smtClean="0"/>
+              <a:t>‹#›</a:t>
+            </a:fld>
+            <a:endParaRPr lang="en-US"/>
+          </a:p>
+        </p:txBody>
+      </p:sp>
+    </p:spTree>
+    <p:extLst>
+      <p:ext uri="{BB962C8B-B14F-4D97-AF65-F5344CB8AC3E}">
+        <p14:creationId xmlns:p14="http://schemas.microsoft.com/office/powerpoint/2010/main" val="1501331424"/>
+      </p:ext>
+    </p:extLst>
+  </p:cSld>
+  <p:clrMapOvr>
+    <a:masterClrMapping/>
+  </p:clrMapOvr>
+</p:sldLayout>
+</file>
+
+<file path=ppt/slideLayouts/slideLayout22.xml><?xml version="1.0" encoding="utf-8"?>
+<p:sldLayout xmlns:a="http://schemas.openxmlformats.org/drawingml/2006/main" xmlns:r="http://schemas.openxmlformats.org/officeDocument/2006/relationships" xmlns:p="http://schemas.openxmlformats.org/presentationml/2006/main" type="vertTitleAndTx" preserve="1">
+  <p:cSld name="Vertical Title and Text">
+    <p:spTree>
+      <p:nvGrpSpPr>
+        <p:cNvPr id="1" name=""/>
+        <p:cNvGrpSpPr/>
+        <p:nvPr/>
+      </p:nvGrpSpPr>
+      <p:grpSpPr>
+        <a:xfrm>
+          <a:off x="0" y="0"/>
+          <a:ext cx="0" cy="0"/>
+          <a:chOff x="0" y="0"/>
+          <a:chExt cx="0" cy="0"/>
+        </a:xfrm>
+      </p:grpSpPr>
+      <p:sp>
+        <p:nvSpPr>
+          <p:cNvPr id="2" name="Vertical Title 1"/>
+          <p:cNvSpPr>
+            <a:spLocks noGrp="1"/>
+          </p:cNvSpPr>
+          <p:nvPr>
+            <p:ph type="title" orient="vert"/>
+          </p:nvPr>
+        </p:nvSpPr>
+        <p:spPr>
+          <a:xfrm>
+            <a:off x="6543675" y="365125"/>
+            <a:ext cx="1971675" cy="5811838"/>
+          </a:xfrm>
+        </p:spPr>
+        <p:txBody>
+          <a:bodyPr vert="eaVert"/>
+          <a:lstStyle/>
+          <a:p>
+            <a:r>
+              <a:rPr lang="en-US" smtClean="0"/>
+              <a:t>Click to edit Master title style</a:t>
+            </a:r>
+            <a:endParaRPr lang="en-US"/>
+          </a:p>
+        </p:txBody>
+      </p:sp>
+      <p:sp>
+        <p:nvSpPr>
+          <p:cNvPr id="3" name="Vertical Text Placeholder 2"/>
+          <p:cNvSpPr>
+            <a:spLocks noGrp="1"/>
+          </p:cNvSpPr>
+          <p:nvPr>
+            <p:ph type="body" orient="vert" idx="1"/>
+          </p:nvPr>
+        </p:nvSpPr>
+        <p:spPr>
+          <a:xfrm>
+            <a:off x="628650" y="365125"/>
+            <a:ext cx="5762625" cy="5811838"/>
+          </a:xfrm>
+        </p:spPr>
+        <p:txBody>
+          <a:bodyPr vert="eaVert"/>
+          <a:lstStyle/>
+          <a:p>
+            <a:pPr lvl="0"/>
+            <a:r>
+              <a:rPr lang="en-US" smtClean="0"/>
+              <a:t>Click to edit Master text styles</a:t>
+            </a:r>
+          </a:p>
+          <a:p>
+            <a:pPr lvl="1"/>
+            <a:r>
+              <a:rPr lang="en-US" smtClean="0"/>
+              <a:t>Second level</a:t>
+            </a:r>
+          </a:p>
+          <a:p>
+            <a:pPr lvl="2"/>
+            <a:r>
+              <a:rPr lang="en-US" smtClean="0"/>
+              <a:t>Third level</a:t>
+            </a:r>
+          </a:p>
+          <a:p>
+            <a:pPr lvl="3"/>
+            <a:r>
+              <a:rPr lang="en-US" smtClean="0"/>
+              <a:t>Fourth level</a:t>
+            </a:r>
+          </a:p>
+          <a:p>
+            <a:pPr lvl="4"/>
+            <a:r>
+              <a:rPr lang="en-US" smtClean="0"/>
+              <a:t>Fifth level</a:t>
+            </a:r>
+            <a:endParaRPr lang="en-US"/>
+          </a:p>
+        </p:txBody>
+      </p:sp>
+      <p:sp>
+        <p:nvSpPr>
+          <p:cNvPr id="4" name="Date Placeholder 3"/>
+          <p:cNvSpPr>
+            <a:spLocks noGrp="1"/>
+          </p:cNvSpPr>
+          <p:nvPr>
+            <p:ph type="dt" sz="half" idx="10"/>
+          </p:nvPr>
+        </p:nvSpPr>
+        <p:spPr/>
+        <p:txBody>
+          <a:bodyPr/>
+          <a:lstStyle/>
+          <a:p>
+            <a:endParaRPr lang="en-US"/>
+          </a:p>
+        </p:txBody>
+      </p:sp>
+      <p:sp>
+        <p:nvSpPr>
+          <p:cNvPr id="5" name="Footer Placeholder 4"/>
+          <p:cNvSpPr>
+            <a:spLocks noGrp="1"/>
+          </p:cNvSpPr>
+          <p:nvPr>
+            <p:ph type="ftr" sz="quarter" idx="11"/>
+          </p:nvPr>
+        </p:nvSpPr>
+        <p:spPr/>
+        <p:txBody>
+          <a:bodyPr/>
+          <a:lstStyle/>
+          <a:p>
+            <a:r>
+              <a:rPr lang="de-DE" smtClean="0"/>
+              <a:t>© EV3Lessons.com, 2016 Last Update: (7/04/2016)</a:t>
+            </a:r>
+            <a:endParaRPr lang="en-US"/>
+          </a:p>
+        </p:txBody>
+      </p:sp>
+      <p:sp>
+        <p:nvSpPr>
+          <p:cNvPr id="6" name="Slide Number Placeholder 5"/>
+          <p:cNvSpPr>
+            <a:spLocks noGrp="1"/>
+          </p:cNvSpPr>
+          <p:nvPr>
+            <p:ph type="sldNum" sz="quarter" idx="12"/>
+          </p:nvPr>
+        </p:nvSpPr>
+        <p:spPr/>
+        <p:txBody>
+          <a:bodyPr/>
+          <a:lstStyle/>
+          <a:p>
+            <a:fld id="{DE42E464-3EB8-43C8-8768-9E2AD4F497B7}" type="slidenum">
+              <a:rPr lang="en-US" smtClean="0"/>
+              <a:t>‹#›</a:t>
+            </a:fld>
+            <a:endParaRPr lang="en-US"/>
+          </a:p>
+        </p:txBody>
+      </p:sp>
+    </p:spTree>
+    <p:extLst>
+      <p:ext uri="{BB962C8B-B14F-4D97-AF65-F5344CB8AC3E}">
+        <p14:creationId xmlns:p14="http://schemas.microsoft.com/office/powerpoint/2010/main" val="2091874565"/>
+      </p:ext>
+    </p:extLst>
   </p:cSld>
   <p:clrMapOvr>
     <a:masterClrMapping/>
@@ -2165,7 +4715,7 @@
           </a:lstStyle>
           <a:p>
             <a:r>
-              <a:rPr lang="en-US"/>
+              <a:rPr lang="en-US" smtClean="0"/>
               <a:t>Click to edit Master title style</a:t>
             </a:r>
             <a:endParaRPr lang="en-US" dirty="0"/>
@@ -2284,7 +4834,7 @@
           <a:p>
             <a:pPr lvl="0"/>
             <a:r>
-              <a:rPr lang="en-US"/>
+              <a:rPr lang="en-US" smtClean="0"/>
               <a:t>Click to edit Master text styles</a:t>
             </a:r>
           </a:p>
@@ -2292,29 +4842,6 @@
       </p:sp>
       <p:sp>
         <p:nvSpPr>
-          <p:cNvPr id="7" name="Date Placeholder 6"/>
-          <p:cNvSpPr>
-            <a:spLocks noGrp="1"/>
-          </p:cNvSpPr>
-          <p:nvPr>
-            <p:ph type="dt" sz="half" idx="10"/>
-          </p:nvPr>
-        </p:nvSpPr>
-        <p:spPr/>
-        <p:txBody>
-          <a:bodyPr/>
-          <a:lstStyle/>
-          <a:p>
-            <a:fld id="{A71902B6-6991-425D-A3E6-7E1687034F2B}" type="datetime1">
-              <a:rPr lang="en-US" smtClean="0"/>
-              <a:t>4/11/2016</a:t>
-            </a:fld>
-            <a:endParaRPr lang="en-US"/>
-          </a:p>
-        </p:txBody>
-      </p:sp>
-      <p:sp>
-        <p:nvSpPr>
           <p:cNvPr id="8" name="Slide Number Placeholder 7"/>
           <p:cNvSpPr>
             <a:spLocks noGrp="1"/>
@@ -2323,7 +4850,15 @@
             <p:ph type="sldNum" sz="quarter" idx="11"/>
           </p:nvPr>
         </p:nvSpPr>
-        <p:spPr/>
+        <p:spPr>
+          <a:xfrm rot="16200000">
+            <a:off x="8227377" y="5885497"/>
+            <a:ext cx="1315721" cy="365125"/>
+          </a:xfrm>
+          <a:prstGeom prst="rect">
+            <a:avLst/>
+          </a:prstGeom>
+        </p:spPr>
         <p:txBody>
           <a:bodyPr/>
           <a:lstStyle/>
@@ -2352,13 +4887,19 @@
           <a:lstStyle/>
           <a:p>
             <a:r>
-              <a:rPr lang="en-US"/>
-              <a:t>© EV3Lessons.com, 2015 Last Update:</a:t>
-            </a:r>
+              <a:rPr lang="de-DE" smtClean="0"/>
+              <a:t>© EV3Lessons.com, 2016 Last Update: (7/04/2016)</a:t>
+            </a:r>
+            <a:endParaRPr lang="en-US"/>
           </a:p>
         </p:txBody>
       </p:sp>
     </p:spTree>
+    <p:extLst>
+      <p:ext uri="{BB962C8B-B14F-4D97-AF65-F5344CB8AC3E}">
+        <p14:creationId xmlns:p14="http://schemas.microsoft.com/office/powerpoint/2010/main" val="1461481626"/>
+      </p:ext>
+    </p:extLst>
   </p:cSld>
   <p:clrMapOvr>
     <a:masterClrMapping/>
@@ -2404,9 +4945,10 @@
           <a:lstStyle/>
           <a:p>
             <a:r>
-              <a:rPr lang="en-US"/>
+              <a:rPr lang="en-US" smtClean="0"/>
               <a:t>Click to edit Master title style</a:t>
             </a:r>
+            <a:endParaRPr lang="en-US"/>
           </a:p>
         </p:txBody>
       </p:sp>
@@ -2460,35 +5002,35 @@
           <a:p>
             <a:pPr lvl="0"/>
             <a:r>
-              <a:rPr lang="en-US"/>
+              <a:rPr lang="en-US" smtClean="0"/>
               <a:t>Click to edit Master text styles</a:t>
             </a:r>
           </a:p>
           <a:p>
             <a:pPr lvl="1"/>
             <a:r>
-              <a:rPr lang="en-US"/>
+              <a:rPr lang="en-US" smtClean="0"/>
               <a:t>Second level</a:t>
             </a:r>
           </a:p>
           <a:p>
             <a:pPr lvl="2"/>
             <a:r>
-              <a:rPr lang="en-US"/>
+              <a:rPr lang="en-US" smtClean="0"/>
               <a:t>Third level</a:t>
             </a:r>
           </a:p>
           <a:p>
             <a:pPr lvl="3"/>
             <a:r>
-              <a:rPr lang="en-US"/>
+              <a:rPr lang="en-US" smtClean="0"/>
               <a:t>Fourth level</a:t>
             </a:r>
           </a:p>
           <a:p>
             <a:pPr lvl="4"/>
             <a:r>
-              <a:rPr lang="en-US"/>
+              <a:rPr lang="en-US" smtClean="0"/>
               <a:t>Fifth level</a:t>
             </a:r>
             <a:endParaRPr lang="en-US" dirty="0"/>
@@ -2545,48 +5087,49 @@
           <a:p>
             <a:pPr lvl="0"/>
             <a:r>
-              <a:rPr lang="en-US" dirty="0"/>
+              <a:rPr lang="en-US" smtClean="0"/>
               <a:t>Click to edit Master text styles</a:t>
             </a:r>
           </a:p>
           <a:p>
             <a:pPr lvl="1"/>
             <a:r>
-              <a:rPr lang="en-US" dirty="0"/>
+              <a:rPr lang="en-US" smtClean="0"/>
               <a:t>Second level</a:t>
             </a:r>
           </a:p>
           <a:p>
             <a:pPr lvl="2"/>
             <a:r>
-              <a:rPr lang="en-US" dirty="0"/>
+              <a:rPr lang="en-US" smtClean="0"/>
               <a:t>Third level</a:t>
             </a:r>
           </a:p>
           <a:p>
             <a:pPr lvl="3"/>
             <a:r>
-              <a:rPr lang="en-US" dirty="0"/>
+              <a:rPr lang="en-US" smtClean="0"/>
               <a:t>Fourth level</a:t>
             </a:r>
           </a:p>
           <a:p>
             <a:pPr lvl="4"/>
             <a:r>
-              <a:rPr lang="en-US" dirty="0"/>
+              <a:rPr lang="en-US" smtClean="0"/>
               <a:t>Fifth level</a:t>
             </a:r>
-          </a:p>
-        </p:txBody>
-      </p:sp>
-      <p:sp>
-        <p:nvSpPr>
-          <p:cNvPr id="5" name="Date Placeholder 4"/>
-          <p:cNvSpPr>
-            <a:spLocks noGrp="1"/>
-          </p:cNvSpPr>
-          <p:nvPr>
-            <p:ph type="dt" sz="half" idx="10"/>
+            <a:endParaRPr lang="en-US" dirty="0"/>
+          </a:p>
+        </p:txBody>
+      </p:sp>
+      <p:sp>
+        <p:nvSpPr>
+          <p:cNvPr id="6" name="Footer Placeholder 5"/>
+          <p:cNvSpPr>
+            <a:spLocks noGrp="1"/>
+          </p:cNvSpPr>
+          <p:nvPr>
+            <p:ph type="ftr" sz="quarter" idx="11"/>
           </p:nvPr>
         </p:nvSpPr>
         <p:spPr/>
@@ -2594,33 +5137,11 @@
           <a:bodyPr/>
           <a:lstStyle/>
           <a:p>
-            <a:fld id="{C55B6F52-6046-4802-BBF4-91B790B3A826}" type="datetime1">
-              <a:rPr lang="en-US" smtClean="0"/>
-              <a:t>4/11/2016</a:t>
-            </a:fld>
-            <a:endParaRPr lang="en-US"/>
-          </a:p>
-        </p:txBody>
-      </p:sp>
-      <p:sp>
-        <p:nvSpPr>
-          <p:cNvPr id="6" name="Footer Placeholder 5"/>
-          <p:cNvSpPr>
-            <a:spLocks noGrp="1"/>
-          </p:cNvSpPr>
-          <p:nvPr>
-            <p:ph type="ftr" sz="quarter" idx="11"/>
-          </p:nvPr>
-        </p:nvSpPr>
-        <p:spPr/>
-        <p:txBody>
-          <a:bodyPr/>
-          <a:lstStyle/>
-          <a:p>
-            <a:r>
-              <a:rPr lang="en-US"/>
-              <a:t>© EV3Lessons.com, 2015 Last Update:</a:t>
-            </a:r>
+            <a:r>
+              <a:rPr lang="de-DE" smtClean="0"/>
+              <a:t>© EV3Lessons.com, 2016 Last Update: (7/04/2016)</a:t>
+            </a:r>
+            <a:endParaRPr lang="en-US"/>
           </a:p>
         </p:txBody>
       </p:sp>
@@ -2634,7 +5155,15 @@
             <p:ph type="sldNum" sz="quarter" idx="12"/>
           </p:nvPr>
         </p:nvSpPr>
-        <p:spPr/>
+        <p:spPr>
+          <a:xfrm>
+            <a:off x="8477026" y="6358106"/>
+            <a:ext cx="666974" cy="365125"/>
+          </a:xfrm>
+          <a:prstGeom prst="rect">
+            <a:avLst/>
+          </a:prstGeom>
+        </p:spPr>
         <p:txBody>
           <a:bodyPr/>
           <a:lstStyle/>
@@ -2648,10 +5177,22 @@
         </p:txBody>
       </p:sp>
     </p:spTree>
+    <p:extLst>
+      <p:ext uri="{BB962C8B-B14F-4D97-AF65-F5344CB8AC3E}">
+        <p14:creationId xmlns:p14="http://schemas.microsoft.com/office/powerpoint/2010/main" val="203733796"/>
+      </p:ext>
+    </p:extLst>
   </p:cSld>
   <p:clrMapOvr>
     <a:masterClrMapping/>
   </p:clrMapOvr>
+  <p:timing>
+    <p:tnLst>
+      <p:par>
+        <p:cTn id="1" dur="indefinite" restart="never" nodeType="tmRoot"/>
+      </p:par>
+    </p:tnLst>
+  </p:timing>
 </p:sldLayout>
 </file>
 
@@ -2692,9 +5233,10 @@
           </a:lstStyle>
           <a:p>
             <a:r>
-              <a:rPr lang="en-US"/>
+              <a:rPr lang="en-US" smtClean="0"/>
               <a:t>Click to edit Master title style</a:t>
             </a:r>
+            <a:endParaRPr lang="en-US"/>
           </a:p>
         </p:txBody>
       </p:sp>
@@ -2764,7 +5306,7 @@
           <a:p>
             <a:pPr lvl="0"/>
             <a:r>
-              <a:rPr lang="en-US"/>
+              <a:rPr lang="en-US" smtClean="0"/>
               <a:t>Click to edit Master text styles</a:t>
             </a:r>
           </a:p>
@@ -2820,35 +5362,35 @@
           <a:p>
             <a:pPr lvl="0"/>
             <a:r>
-              <a:rPr lang="en-US"/>
+              <a:rPr lang="en-US" smtClean="0"/>
               <a:t>Click to edit Master text styles</a:t>
             </a:r>
           </a:p>
           <a:p>
             <a:pPr lvl="1"/>
             <a:r>
-              <a:rPr lang="en-US"/>
+              <a:rPr lang="en-US" smtClean="0"/>
               <a:t>Second level</a:t>
             </a:r>
           </a:p>
           <a:p>
             <a:pPr lvl="2"/>
             <a:r>
-              <a:rPr lang="en-US"/>
+              <a:rPr lang="en-US" smtClean="0"/>
               <a:t>Third level</a:t>
             </a:r>
           </a:p>
           <a:p>
             <a:pPr lvl="3"/>
             <a:r>
-              <a:rPr lang="en-US"/>
+              <a:rPr lang="en-US" smtClean="0"/>
               <a:t>Fourth level</a:t>
             </a:r>
           </a:p>
           <a:p>
             <a:pPr lvl="4"/>
             <a:r>
-              <a:rPr lang="en-US"/>
+              <a:rPr lang="en-US" smtClean="0"/>
               <a:t>Fifth level</a:t>
             </a:r>
             <a:endParaRPr lang="en-US" dirty="0"/>
@@ -2929,7 +5471,7 @@
               <a:buNone/>
             </a:pPr>
             <a:r>
-              <a:rPr lang="en-US"/>
+              <a:rPr lang="en-US" smtClean="0"/>
               <a:t>Click to edit Master text styles</a:t>
             </a:r>
           </a:p>
@@ -2985,35 +5527,35 @@
           <a:p>
             <a:pPr lvl="0"/>
             <a:r>
-              <a:rPr lang="en-US"/>
+              <a:rPr lang="en-US" smtClean="0"/>
               <a:t>Click to edit Master text styles</a:t>
             </a:r>
           </a:p>
           <a:p>
             <a:pPr lvl="1"/>
             <a:r>
-              <a:rPr lang="en-US"/>
+              <a:rPr lang="en-US" smtClean="0"/>
               <a:t>Second level</a:t>
             </a:r>
           </a:p>
           <a:p>
             <a:pPr lvl="2"/>
             <a:r>
-              <a:rPr lang="en-US"/>
+              <a:rPr lang="en-US" smtClean="0"/>
               <a:t>Third level</a:t>
             </a:r>
           </a:p>
           <a:p>
             <a:pPr lvl="3"/>
             <a:r>
-              <a:rPr lang="en-US"/>
+              <a:rPr lang="en-US" smtClean="0"/>
               <a:t>Fourth level</a:t>
             </a:r>
           </a:p>
           <a:p>
             <a:pPr lvl="4"/>
             <a:r>
-              <a:rPr lang="en-US"/>
+              <a:rPr lang="en-US" smtClean="0"/>
               <a:t>Fifth level</a:t>
             </a:r>
             <a:endParaRPr lang="en-US" dirty="0"/>
@@ -3022,12 +5564,12 @@
       </p:sp>
       <p:sp>
         <p:nvSpPr>
-          <p:cNvPr id="7" name="Date Placeholder 6"/>
-          <p:cNvSpPr>
-            <a:spLocks noGrp="1"/>
-          </p:cNvSpPr>
-          <p:nvPr>
-            <p:ph type="dt" sz="half" idx="10"/>
+          <p:cNvPr id="8" name="Footer Placeholder 7"/>
+          <p:cNvSpPr>
+            <a:spLocks noGrp="1"/>
+          </p:cNvSpPr>
+          <p:nvPr>
+            <p:ph type="ftr" sz="quarter" idx="11"/>
           </p:nvPr>
         </p:nvSpPr>
         <p:spPr/>
@@ -3035,39 +5577,17 @@
           <a:bodyPr/>
           <a:lstStyle/>
           <a:p>
-            <a:fld id="{9DFCB742-6B5D-4152-A7E3-3A0B43BDE139}" type="datetime1">
-              <a:rPr lang="en-US" smtClean="0"/>
-              <a:t>4/11/2016</a:t>
-            </a:fld>
-            <a:endParaRPr lang="en-US"/>
-          </a:p>
-        </p:txBody>
-      </p:sp>
-      <p:sp>
-        <p:nvSpPr>
-          <p:cNvPr id="8" name="Footer Placeholder 7"/>
-          <p:cNvSpPr>
-            <a:spLocks noGrp="1"/>
-          </p:cNvSpPr>
-          <p:nvPr>
-            <p:ph type="ftr" sz="quarter" idx="11"/>
-          </p:nvPr>
-        </p:nvSpPr>
-        <p:spPr/>
-        <p:txBody>
-          <a:bodyPr/>
-          <a:lstStyle/>
-          <a:p>
-            <a:r>
-              <a:rPr lang="en-US"/>
-              <a:t>© EV3Lessons.com, 2015 Last Update:</a:t>
-            </a:r>
-          </a:p>
-        </p:txBody>
-      </p:sp>
-      <p:sp>
-        <p:nvSpPr>
-          <p:cNvPr id="9" name="Slide Number Placeholder 8"/>
+            <a:r>
+              <a:rPr lang="de-DE" smtClean="0"/>
+              <a:t>© EV3Lessons.com, 2016 Last Update: (7/04/2016)</a:t>
+            </a:r>
+            <a:endParaRPr lang="en-US"/>
+          </a:p>
+        </p:txBody>
+      </p:sp>
+      <p:sp>
+        <p:nvSpPr>
+          <p:cNvPr id="10" name="Slide Number Placeholder 6"/>
           <p:cNvSpPr>
             <a:spLocks noGrp="1"/>
           </p:cNvSpPr>
@@ -3075,7 +5595,15 @@
             <p:ph type="sldNum" sz="quarter" idx="12"/>
           </p:nvPr>
         </p:nvSpPr>
-        <p:spPr/>
+        <p:spPr>
+          <a:xfrm>
+            <a:off x="8477026" y="6358106"/>
+            <a:ext cx="666974" cy="365125"/>
+          </a:xfrm>
+          <a:prstGeom prst="rect">
+            <a:avLst/>
+          </a:prstGeom>
+        </p:spPr>
         <p:txBody>
           <a:bodyPr/>
           <a:lstStyle/>
@@ -3089,10 +5617,22 @@
         </p:txBody>
       </p:sp>
     </p:spTree>
+    <p:extLst>
+      <p:ext uri="{BB962C8B-B14F-4D97-AF65-F5344CB8AC3E}">
+        <p14:creationId xmlns:p14="http://schemas.microsoft.com/office/powerpoint/2010/main" val="1064976054"/>
+      </p:ext>
+    </p:extLst>
   </p:cSld>
   <p:clrMapOvr>
     <a:masterClrMapping/>
   </p:clrMapOvr>
+  <p:timing>
+    <p:tnLst>
+      <p:par>
+        <p:cTn id="1" dur="indefinite" restart="never" nodeType="tmRoot"/>
+      </p:par>
+    </p:tnLst>
+  </p:timing>
 </p:sldLayout>
 </file>
 
@@ -3129,20 +5669,21 @@
           <a:lstStyle/>
           <a:p>
             <a:r>
-              <a:rPr lang="en-US"/>
+              <a:rPr lang="en-US" smtClean="0"/>
               <a:t>Click to edit Master title style</a:t>
             </a:r>
-          </a:p>
-        </p:txBody>
-      </p:sp>
-      <p:sp>
-        <p:nvSpPr>
-          <p:cNvPr id="3" name="Date Placeholder 2"/>
-          <p:cNvSpPr>
-            <a:spLocks noGrp="1"/>
-          </p:cNvSpPr>
-          <p:nvPr>
-            <p:ph type="dt" sz="half" idx="10"/>
+            <a:endParaRPr lang="en-US"/>
+          </a:p>
+        </p:txBody>
+      </p:sp>
+      <p:sp>
+        <p:nvSpPr>
+          <p:cNvPr id="4" name="Footer Placeholder 3"/>
+          <p:cNvSpPr>
+            <a:spLocks noGrp="1"/>
+          </p:cNvSpPr>
+          <p:nvPr>
+            <p:ph type="ftr" sz="quarter" idx="11"/>
           </p:nvPr>
         </p:nvSpPr>
         <p:spPr/>
@@ -3150,39 +5691,17 @@
           <a:bodyPr/>
           <a:lstStyle/>
           <a:p>
-            <a:fld id="{7F0C7C47-CE76-4B76-AAD8-77F33B1A1877}" type="datetime1">
-              <a:rPr lang="en-US" smtClean="0"/>
-              <a:t>4/11/2016</a:t>
-            </a:fld>
-            <a:endParaRPr lang="en-US"/>
-          </a:p>
-        </p:txBody>
-      </p:sp>
-      <p:sp>
-        <p:nvSpPr>
-          <p:cNvPr id="4" name="Footer Placeholder 3"/>
-          <p:cNvSpPr>
-            <a:spLocks noGrp="1"/>
-          </p:cNvSpPr>
-          <p:nvPr>
-            <p:ph type="ftr" sz="quarter" idx="11"/>
-          </p:nvPr>
-        </p:nvSpPr>
-        <p:spPr/>
-        <p:txBody>
-          <a:bodyPr/>
-          <a:lstStyle/>
-          <a:p>
-            <a:r>
-              <a:rPr lang="en-US"/>
-              <a:t>© EV3Lessons.com, 2015 Last Update:</a:t>
-            </a:r>
-          </a:p>
-        </p:txBody>
-      </p:sp>
-      <p:sp>
-        <p:nvSpPr>
-          <p:cNvPr id="5" name="Slide Number Placeholder 4"/>
+            <a:r>
+              <a:rPr lang="de-DE" smtClean="0"/>
+              <a:t>© EV3Lessons.com, 2016 Last Update: (7/04/2016)</a:t>
+            </a:r>
+            <a:endParaRPr lang="en-US"/>
+          </a:p>
+        </p:txBody>
+      </p:sp>
+      <p:sp>
+        <p:nvSpPr>
+          <p:cNvPr id="6" name="Slide Number Placeholder 6"/>
           <p:cNvSpPr>
             <a:spLocks noGrp="1"/>
           </p:cNvSpPr>
@@ -3190,7 +5709,15 @@
             <p:ph type="sldNum" sz="quarter" idx="12"/>
           </p:nvPr>
         </p:nvSpPr>
-        <p:spPr/>
+        <p:spPr>
+          <a:xfrm>
+            <a:off x="8477026" y="6358106"/>
+            <a:ext cx="666974" cy="365125"/>
+          </a:xfrm>
+          <a:prstGeom prst="rect">
+            <a:avLst/>
+          </a:prstGeom>
+        </p:spPr>
         <p:txBody>
           <a:bodyPr/>
           <a:lstStyle/>
@@ -3204,10 +5731,22 @@
         </p:txBody>
       </p:sp>
     </p:spTree>
+    <p:extLst>
+      <p:ext uri="{BB962C8B-B14F-4D97-AF65-F5344CB8AC3E}">
+        <p14:creationId xmlns:p14="http://schemas.microsoft.com/office/powerpoint/2010/main" val="1923825480"/>
+      </p:ext>
+    </p:extLst>
   </p:cSld>
   <p:clrMapOvr>
     <a:masterClrMapping/>
   </p:clrMapOvr>
+  <p:timing>
+    <p:tnLst>
+      <p:par>
+        <p:cTn id="1" dur="indefinite" restart="never" nodeType="tmRoot"/>
+      </p:par>
+    </p:tnLst>
+  </p:timing>
 </p:sldLayout>
 </file>
 
@@ -3230,12 +5769,12 @@
       </p:grpSpPr>
       <p:sp>
         <p:nvSpPr>
-          <p:cNvPr id="2" name="Date Placeholder 1"/>
-          <p:cNvSpPr>
-            <a:spLocks noGrp="1"/>
-          </p:cNvSpPr>
-          <p:nvPr>
-            <p:ph type="dt" sz="half" idx="10"/>
+          <p:cNvPr id="3" name="Footer Placeholder 2"/>
+          <p:cNvSpPr>
+            <a:spLocks noGrp="1"/>
+          </p:cNvSpPr>
+          <p:nvPr>
+            <p:ph type="ftr" sz="quarter" idx="11"/>
           </p:nvPr>
         </p:nvSpPr>
         <p:spPr/>
@@ -3243,33 +5782,11 @@
           <a:bodyPr/>
           <a:lstStyle/>
           <a:p>
-            <a:fld id="{2609C2CE-67C1-4CE2-8BF0-FC33CB8AE89F}" type="datetime1">
-              <a:rPr lang="en-US" smtClean="0"/>
-              <a:t>4/11/2016</a:t>
-            </a:fld>
-            <a:endParaRPr lang="en-US"/>
-          </a:p>
-        </p:txBody>
-      </p:sp>
-      <p:sp>
-        <p:nvSpPr>
-          <p:cNvPr id="3" name="Footer Placeholder 2"/>
-          <p:cNvSpPr>
-            <a:spLocks noGrp="1"/>
-          </p:cNvSpPr>
-          <p:nvPr>
-            <p:ph type="ftr" sz="quarter" idx="11"/>
-          </p:nvPr>
-        </p:nvSpPr>
-        <p:spPr/>
-        <p:txBody>
-          <a:bodyPr/>
-          <a:lstStyle/>
-          <a:p>
-            <a:r>
-              <a:rPr lang="en-US"/>
-              <a:t>© EV3Lessons.com, 2015 Last Update:</a:t>
-            </a:r>
+            <a:r>
+              <a:rPr lang="de-DE" smtClean="0"/>
+              <a:t>© EV3Lessons.com, 2016 Last Update: (7/04/2016)</a:t>
+            </a:r>
+            <a:endParaRPr lang="en-US"/>
           </a:p>
         </p:txBody>
       </p:sp>
@@ -3283,7 +5800,15 @@
             <p:ph type="sldNum" sz="quarter" idx="12"/>
           </p:nvPr>
         </p:nvSpPr>
-        <p:spPr/>
+        <p:spPr>
+          <a:xfrm rot="16200000">
+            <a:off x="8227377" y="5885497"/>
+            <a:ext cx="1315721" cy="365125"/>
+          </a:xfrm>
+          <a:prstGeom prst="rect">
+            <a:avLst/>
+          </a:prstGeom>
+        </p:spPr>
         <p:txBody>
           <a:bodyPr/>
           <a:lstStyle/>
@@ -3297,6 +5822,11 @@
         </p:txBody>
       </p:sp>
     </p:spTree>
+    <p:extLst>
+      <p:ext uri="{BB962C8B-B14F-4D97-AF65-F5344CB8AC3E}">
+        <p14:creationId xmlns:p14="http://schemas.microsoft.com/office/powerpoint/2010/main" val="1221053128"/>
+      </p:ext>
+    </p:extLst>
   </p:cSld>
   <p:clrMapOvr>
     <a:masterClrMapping/>
@@ -3371,35 +5901,35 @@
           <a:p>
             <a:pPr lvl="0"/>
             <a:r>
-              <a:rPr lang="en-US"/>
+              <a:rPr lang="en-US" smtClean="0"/>
               <a:t>Click to edit Master text styles</a:t>
             </a:r>
           </a:p>
           <a:p>
             <a:pPr lvl="1"/>
             <a:r>
-              <a:rPr lang="en-US"/>
+              <a:rPr lang="en-US" smtClean="0"/>
               <a:t>Second level</a:t>
             </a:r>
           </a:p>
           <a:p>
             <a:pPr lvl="2"/>
             <a:r>
-              <a:rPr lang="en-US"/>
+              <a:rPr lang="en-US" smtClean="0"/>
               <a:t>Third level</a:t>
             </a:r>
           </a:p>
           <a:p>
             <a:pPr lvl="3"/>
             <a:r>
-              <a:rPr lang="en-US"/>
+              <a:rPr lang="en-US" smtClean="0"/>
               <a:t>Fourth level</a:t>
             </a:r>
           </a:p>
           <a:p>
             <a:pPr lvl="4"/>
             <a:r>
-              <a:rPr lang="en-US"/>
+              <a:rPr lang="en-US" smtClean="0"/>
               <a:t>Fifth level</a:t>
             </a:r>
             <a:endParaRPr lang="en-US" dirty="0"/>
@@ -3467,7 +5997,7 @@
           <a:p>
             <a:pPr lvl="0"/>
             <a:r>
-              <a:rPr lang="en-US"/>
+              <a:rPr lang="en-US" smtClean="0"/>
               <a:t>Click to edit Master text styles</a:t>
             </a:r>
           </a:p>
@@ -3475,12 +6005,12 @@
       </p:sp>
       <p:sp>
         <p:nvSpPr>
-          <p:cNvPr id="5" name="Date Placeholder 4"/>
-          <p:cNvSpPr>
-            <a:spLocks noGrp="1"/>
-          </p:cNvSpPr>
-          <p:nvPr>
-            <p:ph type="dt" sz="half" idx="10"/>
+          <p:cNvPr id="6" name="Footer Placeholder 5"/>
+          <p:cNvSpPr>
+            <a:spLocks noGrp="1"/>
+          </p:cNvSpPr>
+          <p:nvPr>
+            <p:ph type="ftr" sz="quarter" idx="11"/>
           </p:nvPr>
         </p:nvSpPr>
         <p:spPr/>
@@ -3488,33 +6018,11 @@
           <a:bodyPr/>
           <a:lstStyle/>
           <a:p>
-            <a:fld id="{D75C594D-2002-4F49-B607-DF323B2B63E3}" type="datetime1">
-              <a:rPr lang="en-US" smtClean="0"/>
-              <a:t>4/11/2016</a:t>
-            </a:fld>
-            <a:endParaRPr lang="en-US"/>
-          </a:p>
-        </p:txBody>
-      </p:sp>
-      <p:sp>
-        <p:nvSpPr>
-          <p:cNvPr id="6" name="Footer Placeholder 5"/>
-          <p:cNvSpPr>
-            <a:spLocks noGrp="1"/>
-          </p:cNvSpPr>
-          <p:nvPr>
-            <p:ph type="ftr" sz="quarter" idx="11"/>
-          </p:nvPr>
-        </p:nvSpPr>
-        <p:spPr/>
-        <p:txBody>
-          <a:bodyPr/>
-          <a:lstStyle/>
-          <a:p>
-            <a:r>
-              <a:rPr lang="en-US"/>
-              <a:t>© EV3Lessons.com, 2015 Last Update:</a:t>
-            </a:r>
+            <a:r>
+              <a:rPr lang="de-DE" smtClean="0"/>
+              <a:t>© EV3Lessons.com, 2016 Last Update: (7/04/2016)</a:t>
+            </a:r>
+            <a:endParaRPr lang="en-US"/>
           </a:p>
         </p:txBody>
       </p:sp>
@@ -3528,7 +6036,15 @@
             <p:ph type="sldNum" sz="quarter" idx="12"/>
           </p:nvPr>
         </p:nvSpPr>
-        <p:spPr/>
+        <p:spPr>
+          <a:xfrm rot="16200000">
+            <a:off x="8227377" y="5885497"/>
+            <a:ext cx="1315721" cy="365125"/>
+          </a:xfrm>
+          <a:prstGeom prst="rect">
+            <a:avLst/>
+          </a:prstGeom>
+        </p:spPr>
         <p:txBody>
           <a:bodyPr/>
           <a:lstStyle/>
@@ -3557,13 +6073,19 @@
           <a:lstStyle/>
           <a:p>
             <a:r>
-              <a:rPr lang="en-US"/>
+              <a:rPr lang="en-US" smtClean="0"/>
               <a:t>Click to edit Master title style</a:t>
             </a:r>
+            <a:endParaRPr lang="en-US"/>
           </a:p>
         </p:txBody>
       </p:sp>
     </p:spTree>
+    <p:extLst>
+      <p:ext uri="{BB962C8B-B14F-4D97-AF65-F5344CB8AC3E}">
+        <p14:creationId xmlns:p14="http://schemas.microsoft.com/office/powerpoint/2010/main" val="886191564"/>
+      </p:ext>
+    </p:extLst>
   </p:cSld>
   <p:clrMapOvr>
     <a:masterClrMapping/>
@@ -3697,9 +6219,10 @@
           </a:lstStyle>
           <a:p>
             <a:r>
-              <a:rPr lang="en-US"/>
+              <a:rPr lang="en-US" smtClean="0"/>
               <a:t>Drag picture to placeholder or click icon to add</a:t>
             </a:r>
+            <a:endParaRPr lang="en-US"/>
           </a:p>
         </p:txBody>
       </p:sp>
@@ -3762,7 +6285,7 @@
           <a:p>
             <a:pPr lvl="0"/>
             <a:r>
-              <a:rPr lang="en-US"/>
+              <a:rPr lang="en-US" smtClean="0"/>
               <a:t>Click to edit Master text styles</a:t>
             </a:r>
           </a:p>
@@ -3770,12 +6293,12 @@
       </p:sp>
       <p:sp>
         <p:nvSpPr>
-          <p:cNvPr id="5" name="Date Placeholder 4"/>
-          <p:cNvSpPr>
-            <a:spLocks noGrp="1"/>
-          </p:cNvSpPr>
-          <p:nvPr>
-            <p:ph type="dt" sz="half" idx="10"/>
+          <p:cNvPr id="6" name="Footer Placeholder 5"/>
+          <p:cNvSpPr>
+            <a:spLocks noGrp="1"/>
+          </p:cNvSpPr>
+          <p:nvPr>
+            <p:ph type="ftr" sz="quarter" idx="11"/>
           </p:nvPr>
         </p:nvSpPr>
         <p:spPr/>
@@ -3783,33 +6306,11 @@
           <a:bodyPr/>
           <a:lstStyle/>
           <a:p>
-            <a:fld id="{95FBAB01-D0BF-4366-B7D8-90E14E274426}" type="datetime1">
-              <a:rPr lang="en-US" smtClean="0"/>
-              <a:t>4/11/2016</a:t>
-            </a:fld>
-            <a:endParaRPr lang="en-US"/>
-          </a:p>
-        </p:txBody>
-      </p:sp>
-      <p:sp>
-        <p:nvSpPr>
-          <p:cNvPr id="6" name="Footer Placeholder 5"/>
-          <p:cNvSpPr>
-            <a:spLocks noGrp="1"/>
-          </p:cNvSpPr>
-          <p:nvPr>
-            <p:ph type="ftr" sz="quarter" idx="11"/>
-          </p:nvPr>
-        </p:nvSpPr>
-        <p:spPr/>
-        <p:txBody>
-          <a:bodyPr/>
-          <a:lstStyle/>
-          <a:p>
-            <a:r>
-              <a:rPr lang="en-US"/>
-              <a:t>© EV3Lessons.com, 2015 Last Update:</a:t>
-            </a:r>
+            <a:r>
+              <a:rPr lang="de-DE" smtClean="0"/>
+              <a:t>© EV3Lessons.com, 2016 Last Update: (7/04/2016)</a:t>
+            </a:r>
+            <a:endParaRPr lang="en-US"/>
           </a:p>
         </p:txBody>
       </p:sp>
@@ -3823,7 +6324,15 @@
             <p:ph type="sldNum" sz="quarter" idx="12"/>
           </p:nvPr>
         </p:nvSpPr>
-        <p:spPr/>
+        <p:spPr>
+          <a:xfrm rot="16200000">
+            <a:off x="8227377" y="5885497"/>
+            <a:ext cx="1315721" cy="365125"/>
+          </a:xfrm>
+          <a:prstGeom prst="rect">
+            <a:avLst/>
+          </a:prstGeom>
+        </p:spPr>
         <p:txBody>
           <a:bodyPr/>
           <a:lstStyle>
@@ -3871,7 +6380,7 @@
           </a:lstStyle>
           <a:p>
             <a:r>
-              <a:rPr lang="en-US"/>
+              <a:rPr lang="en-US" smtClean="0"/>
               <a:t>Click to edit Master title style</a:t>
             </a:r>
             <a:endParaRPr lang="en-US" dirty="0"/>
@@ -3925,6 +6434,11 @@
         </p:txBody>
       </p:sp>
     </p:spTree>
+    <p:extLst>
+      <p:ext uri="{BB962C8B-B14F-4D97-AF65-F5344CB8AC3E}">
+        <p14:creationId xmlns:p14="http://schemas.microsoft.com/office/powerpoint/2010/main" val="1422524203"/>
+      </p:ext>
+    </p:extLst>
   </p:cSld>
   <p:clrMapOvr>
     <a:masterClrMapping/>
@@ -3933,7 +6447,7 @@
 </file>
 
 <file path=ppt/slideMasters/slideMaster1.xml><?xml version="1.0" encoding="utf-8"?>
-<p:sldMaster xmlns:a="http://schemas.openxmlformats.org/drawingml/2006/main" xmlns:r="http://schemas.openxmlformats.org/officeDocument/2006/relationships" xmlns:p="http://schemas.openxmlformats.org/presentationml/2006/main">
+<p:sldMaster xmlns:a="http://schemas.openxmlformats.org/drawingml/2006/main" xmlns:r="http://schemas.openxmlformats.org/officeDocument/2006/relationships" xmlns:p="http://schemas.openxmlformats.org/presentationml/2006/main" preserve="1">
   <p:cSld>
     <p:bg>
       <p:bgRef idx="1001">
@@ -3980,9 +6494,10 @@
           <a:lstStyle/>
           <a:p>
             <a:r>
-              <a:rPr lang="en-US" dirty="0"/>
+              <a:rPr lang="en-US" smtClean="0"/>
               <a:t>Click to edit Master title style</a:t>
             </a:r>
+            <a:endParaRPr lang="en-US" dirty="0"/>
           </a:p>
         </p:txBody>
       </p:sp>
@@ -4013,77 +6528,38 @@
           <a:p>
             <a:pPr lvl="0"/>
             <a:r>
-              <a:rPr lang="en-US"/>
+              <a:rPr lang="en-US" smtClean="0"/>
               <a:t>Click to edit Master text styles</a:t>
             </a:r>
           </a:p>
           <a:p>
             <a:pPr lvl="1"/>
             <a:r>
-              <a:rPr lang="en-US"/>
+              <a:rPr lang="en-US" smtClean="0"/>
               <a:t>Second level</a:t>
             </a:r>
           </a:p>
           <a:p>
             <a:pPr lvl="2"/>
             <a:r>
-              <a:rPr lang="en-US"/>
+              <a:rPr lang="en-US" smtClean="0"/>
               <a:t>Third level</a:t>
             </a:r>
           </a:p>
           <a:p>
             <a:pPr lvl="3"/>
             <a:r>
-              <a:rPr lang="en-US"/>
+              <a:rPr lang="en-US" smtClean="0"/>
               <a:t>Fourth level</a:t>
             </a:r>
           </a:p>
           <a:p>
             <a:pPr lvl="4"/>
             <a:r>
-              <a:rPr lang="en-US"/>
+              <a:rPr lang="en-US" smtClean="0"/>
               <a:t>Fifth level</a:t>
             </a:r>
             <a:endParaRPr lang="en-US" dirty="0"/>
-          </a:p>
-        </p:txBody>
-      </p:sp>
-      <p:sp>
-        <p:nvSpPr>
-          <p:cNvPr id="4" name="Date Placeholder 3"/>
-          <p:cNvSpPr>
-            <a:spLocks noGrp="1"/>
-          </p:cNvSpPr>
-          <p:nvPr>
-            <p:ph type="dt" sz="half" idx="2"/>
-          </p:nvPr>
-        </p:nvSpPr>
-        <p:spPr>
-          <a:xfrm>
-            <a:off x="457200" y="6172201"/>
-            <a:ext cx="3429000" cy="304800"/>
-          </a:xfrm>
-          <a:prstGeom prst="rect">
-            <a:avLst/>
-          </a:prstGeom>
-        </p:spPr>
-        <p:txBody>
-          <a:bodyPr vert="horz" lIns="91440" tIns="45720" rIns="91440" bIns="0" rtlCol="0" anchor="b"/>
-          <a:lstStyle>
-            <a:lvl1pPr algn="l">
-              <a:defRPr sz="1000">
-                <a:solidFill>
-                  <a:schemeClr val="tx1"/>
-                </a:solidFill>
-              </a:defRPr>
-            </a:lvl1pPr>
-          </a:lstStyle>
-          <a:p>
-            <a:fld id="{811F04A3-3B7F-4358-B715-20F2B17E133F}" type="datetime1">
-              <a:rPr lang="en-US" smtClean="0"/>
-              <a:t>4/11/2016</a:t>
-            </a:fld>
-            <a:endParaRPr lang="en-US"/>
           </a:p>
         </p:txBody>
       </p:sp>
@@ -4119,15 +6595,16 @@
           </a:lstStyle>
           <a:p>
             <a:r>
-              <a:rPr lang="en-US"/>
-              <a:t>© EV3Lessons.com, 2015 Last Update:</a:t>
-            </a:r>
-          </a:p>
-        </p:txBody>
-      </p:sp>
-      <p:sp>
-        <p:nvSpPr>
-          <p:cNvPr id="6" name="Slide Number Placeholder 5"/>
+              <a:rPr lang="de-DE" smtClean="0"/>
+              <a:t>© EV3Lessons.com, 2016 Last Update: (7/04/2016)</a:t>
+            </a:r>
+            <a:endParaRPr lang="en-US"/>
+          </a:p>
+        </p:txBody>
+      </p:sp>
+      <p:sp>
+        <p:nvSpPr>
+          <p:cNvPr id="9" name="Slide Number Placeholder 6"/>
           <p:cNvSpPr>
             <a:spLocks noGrp="1"/>
           </p:cNvSpPr>
@@ -4137,24 +6614,16 @@
         </p:nvSpPr>
         <p:spPr>
           <a:xfrm>
-            <a:off x="8297523" y="6354445"/>
-            <a:ext cx="703601" cy="365125"/>
+            <a:off x="8477026" y="6358106"/>
+            <a:ext cx="666974" cy="365125"/>
           </a:xfrm>
           <a:prstGeom prst="rect">
             <a:avLst/>
           </a:prstGeom>
         </p:spPr>
         <p:txBody>
-          <a:bodyPr vert="horz" lIns="91440" tIns="45720" rIns="91440" bIns="45720" rtlCol="0" anchor="ctr"/>
-          <a:lstStyle>
-            <a:lvl1pPr algn="l">
-              <a:defRPr sz="2400" b="1">
-                <a:solidFill>
-                  <a:schemeClr val="tx2"/>
-                </a:solidFill>
-              </a:defRPr>
-            </a:lvl1pPr>
-          </a:lstStyle>
+          <a:bodyPr/>
+          <a:lstStyle/>
           <a:p>
             <a:fld id="{4DBC7FC8-25FB-FC45-8177-2B991DA6778C}" type="slidenum">
               <a:rPr lang="en-US" smtClean="0"/>
@@ -4166,9 +6635,9 @@
       </p:sp>
       <p:sp>
         <p:nvSpPr>
-          <p:cNvPr id="9" name="Rectangle 8"/>
+          <p:cNvPr id="10" name="Rectangle 9"/>
           <p:cNvSpPr/>
-          <p:nvPr userDrawn="1"/>
+          <p:nvPr/>
         </p:nvSpPr>
         <p:spPr>
           <a:xfrm>
@@ -4201,113 +6670,12 @@
             <a:schemeClr val="lt1"/>
           </a:fontRef>
         </p:style>
-        <p:txBody>
-          <a:bodyPr/>
-          <a:lstStyle>
-            <a:defPPr>
-              <a:defRPr lang="en-US"/>
-            </a:defPPr>
-            <a:lvl1pPr marL="0" algn="l" defTabSz="457200" rtl="0" eaLnBrk="1" latinLnBrk="0" hangingPunct="1">
-              <a:defRPr sz="1800" kern="1200">
-                <a:solidFill>
-                  <a:schemeClr val="lt1"/>
-                </a:solidFill>
-                <a:latin typeface="+mn-lt"/>
-                <a:ea typeface="+mn-ea"/>
-                <a:cs typeface="+mn-cs"/>
-              </a:defRPr>
-            </a:lvl1pPr>
-            <a:lvl2pPr marL="457200" algn="l" defTabSz="457200" rtl="0" eaLnBrk="1" latinLnBrk="0" hangingPunct="1">
-              <a:defRPr sz="1800" kern="1200">
-                <a:solidFill>
-                  <a:schemeClr val="lt1"/>
-                </a:solidFill>
-                <a:latin typeface="+mn-lt"/>
-                <a:ea typeface="+mn-ea"/>
-                <a:cs typeface="+mn-cs"/>
-              </a:defRPr>
-            </a:lvl2pPr>
-            <a:lvl3pPr marL="914400" algn="l" defTabSz="457200" rtl="0" eaLnBrk="1" latinLnBrk="0" hangingPunct="1">
-              <a:defRPr sz="1800" kern="1200">
-                <a:solidFill>
-                  <a:schemeClr val="lt1"/>
-                </a:solidFill>
-                <a:latin typeface="+mn-lt"/>
-                <a:ea typeface="+mn-ea"/>
-                <a:cs typeface="+mn-cs"/>
-              </a:defRPr>
-            </a:lvl3pPr>
-            <a:lvl4pPr marL="1371600" algn="l" defTabSz="457200" rtl="0" eaLnBrk="1" latinLnBrk="0" hangingPunct="1">
-              <a:defRPr sz="1800" kern="1200">
-                <a:solidFill>
-                  <a:schemeClr val="lt1"/>
-                </a:solidFill>
-                <a:latin typeface="+mn-lt"/>
-                <a:ea typeface="+mn-ea"/>
-                <a:cs typeface="+mn-cs"/>
-              </a:defRPr>
-            </a:lvl4pPr>
-            <a:lvl5pPr marL="1828800" algn="l" defTabSz="457200" rtl="0" eaLnBrk="1" latinLnBrk="0" hangingPunct="1">
-              <a:defRPr sz="1800" kern="1200">
-                <a:solidFill>
-                  <a:schemeClr val="lt1"/>
-                </a:solidFill>
-                <a:latin typeface="+mn-lt"/>
-                <a:ea typeface="+mn-ea"/>
-                <a:cs typeface="+mn-cs"/>
-              </a:defRPr>
-            </a:lvl5pPr>
-            <a:lvl6pPr marL="2286000" algn="l" defTabSz="457200" rtl="0" eaLnBrk="1" latinLnBrk="0" hangingPunct="1">
-              <a:defRPr sz="1800" kern="1200">
-                <a:solidFill>
-                  <a:schemeClr val="lt1"/>
-                </a:solidFill>
-                <a:latin typeface="+mn-lt"/>
-                <a:ea typeface="+mn-ea"/>
-                <a:cs typeface="+mn-cs"/>
-              </a:defRPr>
-            </a:lvl6pPr>
-            <a:lvl7pPr marL="2743200" algn="l" defTabSz="457200" rtl="0" eaLnBrk="1" latinLnBrk="0" hangingPunct="1">
-              <a:defRPr sz="1800" kern="1200">
-                <a:solidFill>
-                  <a:schemeClr val="lt1"/>
-                </a:solidFill>
-                <a:latin typeface="+mn-lt"/>
-                <a:ea typeface="+mn-ea"/>
-                <a:cs typeface="+mn-cs"/>
-              </a:defRPr>
-            </a:lvl7pPr>
-            <a:lvl8pPr marL="3200400" algn="l" defTabSz="457200" rtl="0" eaLnBrk="1" latinLnBrk="0" hangingPunct="1">
-              <a:defRPr sz="1800" kern="1200">
-                <a:solidFill>
-                  <a:schemeClr val="lt1"/>
-                </a:solidFill>
-                <a:latin typeface="+mn-lt"/>
-                <a:ea typeface="+mn-ea"/>
-                <a:cs typeface="+mn-cs"/>
-              </a:defRPr>
-            </a:lvl8pPr>
-            <a:lvl9pPr marL="3657600" algn="l" defTabSz="457200" rtl="0" eaLnBrk="1" latinLnBrk="0" hangingPunct="1">
-              <a:defRPr sz="1800" kern="1200">
-                <a:solidFill>
-                  <a:schemeClr val="lt1"/>
-                </a:solidFill>
-                <a:latin typeface="+mn-lt"/>
-                <a:ea typeface="+mn-ea"/>
-                <a:cs typeface="+mn-cs"/>
-              </a:defRPr>
-            </a:lvl9pPr>
-          </a:lstStyle>
-          <a:p>
-            <a:endParaRPr lang="en-US"/>
-          </a:p>
-        </p:txBody>
-      </p:sp>
-      <p:sp>
-        <p:nvSpPr>
-          <p:cNvPr id="10" name="Rectangle 9"/>
+      </p:sp>
+      <p:sp>
+        <p:nvSpPr>
+          <p:cNvPr id="11" name="Rectangle 10"/>
           <p:cNvSpPr/>
-          <p:nvPr userDrawn="1"/>
+          <p:nvPr/>
         </p:nvSpPr>
         <p:spPr>
           <a:xfrm>
@@ -4340,117 +6708,16 @@
             <a:schemeClr val="lt1"/>
           </a:fontRef>
         </p:style>
-        <p:txBody>
-          <a:bodyPr/>
-          <a:lstStyle>
-            <a:defPPr>
-              <a:defRPr lang="en-US"/>
-            </a:defPPr>
-            <a:lvl1pPr marL="0" algn="l" defTabSz="457200" rtl="0" eaLnBrk="1" latinLnBrk="0" hangingPunct="1">
-              <a:defRPr sz="1800" kern="1200">
-                <a:solidFill>
-                  <a:schemeClr val="lt1"/>
-                </a:solidFill>
-                <a:latin typeface="+mn-lt"/>
-                <a:ea typeface="+mn-ea"/>
-                <a:cs typeface="+mn-cs"/>
-              </a:defRPr>
-            </a:lvl1pPr>
-            <a:lvl2pPr marL="457200" algn="l" defTabSz="457200" rtl="0" eaLnBrk="1" latinLnBrk="0" hangingPunct="1">
-              <a:defRPr sz="1800" kern="1200">
-                <a:solidFill>
-                  <a:schemeClr val="lt1"/>
-                </a:solidFill>
-                <a:latin typeface="+mn-lt"/>
-                <a:ea typeface="+mn-ea"/>
-                <a:cs typeface="+mn-cs"/>
-              </a:defRPr>
-            </a:lvl2pPr>
-            <a:lvl3pPr marL="914400" algn="l" defTabSz="457200" rtl="0" eaLnBrk="1" latinLnBrk="0" hangingPunct="1">
-              <a:defRPr sz="1800" kern="1200">
-                <a:solidFill>
-                  <a:schemeClr val="lt1"/>
-                </a:solidFill>
-                <a:latin typeface="+mn-lt"/>
-                <a:ea typeface="+mn-ea"/>
-                <a:cs typeface="+mn-cs"/>
-              </a:defRPr>
-            </a:lvl3pPr>
-            <a:lvl4pPr marL="1371600" algn="l" defTabSz="457200" rtl="0" eaLnBrk="1" latinLnBrk="0" hangingPunct="1">
-              <a:defRPr sz="1800" kern="1200">
-                <a:solidFill>
-                  <a:schemeClr val="lt1"/>
-                </a:solidFill>
-                <a:latin typeface="+mn-lt"/>
-                <a:ea typeface="+mn-ea"/>
-                <a:cs typeface="+mn-cs"/>
-              </a:defRPr>
-            </a:lvl4pPr>
-            <a:lvl5pPr marL="1828800" algn="l" defTabSz="457200" rtl="0" eaLnBrk="1" latinLnBrk="0" hangingPunct="1">
-              <a:defRPr sz="1800" kern="1200">
-                <a:solidFill>
-                  <a:schemeClr val="lt1"/>
-                </a:solidFill>
-                <a:latin typeface="+mn-lt"/>
-                <a:ea typeface="+mn-ea"/>
-                <a:cs typeface="+mn-cs"/>
-              </a:defRPr>
-            </a:lvl5pPr>
-            <a:lvl6pPr marL="2286000" algn="l" defTabSz="457200" rtl="0" eaLnBrk="1" latinLnBrk="0" hangingPunct="1">
-              <a:defRPr sz="1800" kern="1200">
-                <a:solidFill>
-                  <a:schemeClr val="lt1"/>
-                </a:solidFill>
-                <a:latin typeface="+mn-lt"/>
-                <a:ea typeface="+mn-ea"/>
-                <a:cs typeface="+mn-cs"/>
-              </a:defRPr>
-            </a:lvl6pPr>
-            <a:lvl7pPr marL="2743200" algn="l" defTabSz="457200" rtl="0" eaLnBrk="1" latinLnBrk="0" hangingPunct="1">
-              <a:defRPr sz="1800" kern="1200">
-                <a:solidFill>
-                  <a:schemeClr val="lt1"/>
-                </a:solidFill>
-                <a:latin typeface="+mn-lt"/>
-                <a:ea typeface="+mn-ea"/>
-                <a:cs typeface="+mn-cs"/>
-              </a:defRPr>
-            </a:lvl7pPr>
-            <a:lvl8pPr marL="3200400" algn="l" defTabSz="457200" rtl="0" eaLnBrk="1" latinLnBrk="0" hangingPunct="1">
-              <a:defRPr sz="1800" kern="1200">
-                <a:solidFill>
-                  <a:schemeClr val="lt1"/>
-                </a:solidFill>
-                <a:latin typeface="+mn-lt"/>
-                <a:ea typeface="+mn-ea"/>
-                <a:cs typeface="+mn-cs"/>
-              </a:defRPr>
-            </a:lvl8pPr>
-            <a:lvl9pPr marL="3657600" algn="l" defTabSz="457200" rtl="0" eaLnBrk="1" latinLnBrk="0" hangingPunct="1">
-              <a:defRPr sz="1800" kern="1200">
-                <a:solidFill>
-                  <a:schemeClr val="lt1"/>
-                </a:solidFill>
-                <a:latin typeface="+mn-lt"/>
-                <a:ea typeface="+mn-ea"/>
-                <a:cs typeface="+mn-cs"/>
-              </a:defRPr>
-            </a:lvl9pPr>
-          </a:lstStyle>
-          <a:p>
-            <a:endParaRPr lang="en-US"/>
-          </a:p>
-        </p:txBody>
-      </p:sp>
-      <p:sp>
-        <p:nvSpPr>
-          <p:cNvPr id="11" name="Rectangle 10"/>
+      </p:sp>
+      <p:sp>
+        <p:nvSpPr>
+          <p:cNvPr id="12" name="Rectangle 11"/>
           <p:cNvSpPr/>
-          <p:nvPr userDrawn="1"/>
+          <p:nvPr/>
         </p:nvSpPr>
         <p:spPr>
           <a:xfrm>
-            <a:off x="8912380" y="0"/>
+            <a:off x="8904666" y="0"/>
             <a:ext cx="91440" cy="6858000"/>
           </a:xfrm>
           <a:prstGeom prst="rect">
@@ -4479,6 +6746,44 @@
             <a:schemeClr val="lt1"/>
           </a:fontRef>
         </p:style>
+      </p:sp>
+      <p:sp>
+        <p:nvSpPr>
+          <p:cNvPr id="13" name="Rectangle 12"/>
+          <p:cNvSpPr/>
+          <p:nvPr userDrawn="1"/>
+        </p:nvSpPr>
+        <p:spPr>
+          <a:xfrm>
+            <a:off x="8996106" y="2895600"/>
+            <a:ext cx="147895" cy="3962400"/>
+          </a:xfrm>
+          <a:prstGeom prst="rect">
+            <a:avLst/>
+          </a:prstGeom>
+          <a:solidFill>
+            <a:srgbClr val="92D050"/>
+          </a:solidFill>
+          <a:ln>
+            <a:noFill/>
+          </a:ln>
+        </p:spPr>
+        <p:style>
+          <a:lnRef idx="2">
+            <a:schemeClr val="accent1">
+              <a:shade val="50000"/>
+            </a:schemeClr>
+          </a:lnRef>
+          <a:fillRef idx="1">
+            <a:schemeClr val="accent1"/>
+          </a:fillRef>
+          <a:effectRef idx="0">
+            <a:schemeClr val="accent1"/>
+          </a:effectRef>
+          <a:fontRef idx="minor">
+            <a:schemeClr val="lt1"/>
+          </a:fontRef>
+        </p:style>
         <p:txBody>
           <a:bodyPr/>
           <a:lstStyle>
@@ -4581,23 +6886,313 @@
           </a:p>
         </p:txBody>
       </p:sp>
+      <p:sp>
+        <p:nvSpPr>
+          <p:cNvPr id="14" name="Rectangle 13"/>
+          <p:cNvSpPr/>
+          <p:nvPr userDrawn="1"/>
+        </p:nvSpPr>
+        <p:spPr>
+          <a:xfrm>
+            <a:off x="8959042" y="0"/>
+            <a:ext cx="184958" cy="2895600"/>
+          </a:xfrm>
+          <a:prstGeom prst="rect">
+            <a:avLst/>
+          </a:prstGeom>
+          <a:solidFill>
+            <a:srgbClr val="7030A0"/>
+          </a:solidFill>
+          <a:ln>
+            <a:noFill/>
+          </a:ln>
+        </p:spPr>
+        <p:style>
+          <a:lnRef idx="2">
+            <a:schemeClr val="accent1">
+              <a:shade val="50000"/>
+            </a:schemeClr>
+          </a:lnRef>
+          <a:fillRef idx="1">
+            <a:schemeClr val="accent1"/>
+          </a:fillRef>
+          <a:effectRef idx="0">
+            <a:schemeClr val="accent1"/>
+          </a:effectRef>
+          <a:fontRef idx="minor">
+            <a:schemeClr val="lt1"/>
+          </a:fontRef>
+        </p:style>
+        <p:txBody>
+          <a:bodyPr/>
+          <a:lstStyle>
+            <a:defPPr>
+              <a:defRPr lang="en-US"/>
+            </a:defPPr>
+            <a:lvl1pPr marL="0" algn="l" defTabSz="457200" rtl="0" eaLnBrk="1" latinLnBrk="0" hangingPunct="1">
+              <a:defRPr sz="1800" kern="1200">
+                <a:solidFill>
+                  <a:schemeClr val="lt1"/>
+                </a:solidFill>
+                <a:latin typeface="+mn-lt"/>
+                <a:ea typeface="+mn-ea"/>
+                <a:cs typeface="+mn-cs"/>
+              </a:defRPr>
+            </a:lvl1pPr>
+            <a:lvl2pPr marL="457200" algn="l" defTabSz="457200" rtl="0" eaLnBrk="1" latinLnBrk="0" hangingPunct="1">
+              <a:defRPr sz="1800" kern="1200">
+                <a:solidFill>
+                  <a:schemeClr val="lt1"/>
+                </a:solidFill>
+                <a:latin typeface="+mn-lt"/>
+                <a:ea typeface="+mn-ea"/>
+                <a:cs typeface="+mn-cs"/>
+              </a:defRPr>
+            </a:lvl2pPr>
+            <a:lvl3pPr marL="914400" algn="l" defTabSz="457200" rtl="0" eaLnBrk="1" latinLnBrk="0" hangingPunct="1">
+              <a:defRPr sz="1800" kern="1200">
+                <a:solidFill>
+                  <a:schemeClr val="lt1"/>
+                </a:solidFill>
+                <a:latin typeface="+mn-lt"/>
+                <a:ea typeface="+mn-ea"/>
+                <a:cs typeface="+mn-cs"/>
+              </a:defRPr>
+            </a:lvl3pPr>
+            <a:lvl4pPr marL="1371600" algn="l" defTabSz="457200" rtl="0" eaLnBrk="1" latinLnBrk="0" hangingPunct="1">
+              <a:defRPr sz="1800" kern="1200">
+                <a:solidFill>
+                  <a:schemeClr val="lt1"/>
+                </a:solidFill>
+                <a:latin typeface="+mn-lt"/>
+                <a:ea typeface="+mn-ea"/>
+                <a:cs typeface="+mn-cs"/>
+              </a:defRPr>
+            </a:lvl4pPr>
+            <a:lvl5pPr marL="1828800" algn="l" defTabSz="457200" rtl="0" eaLnBrk="1" latinLnBrk="0" hangingPunct="1">
+              <a:defRPr sz="1800" kern="1200">
+                <a:solidFill>
+                  <a:schemeClr val="lt1"/>
+                </a:solidFill>
+                <a:latin typeface="+mn-lt"/>
+                <a:ea typeface="+mn-ea"/>
+                <a:cs typeface="+mn-cs"/>
+              </a:defRPr>
+            </a:lvl5pPr>
+            <a:lvl6pPr marL="2286000" algn="l" defTabSz="457200" rtl="0" eaLnBrk="1" latinLnBrk="0" hangingPunct="1">
+              <a:defRPr sz="1800" kern="1200">
+                <a:solidFill>
+                  <a:schemeClr val="lt1"/>
+                </a:solidFill>
+                <a:latin typeface="+mn-lt"/>
+                <a:ea typeface="+mn-ea"/>
+                <a:cs typeface="+mn-cs"/>
+              </a:defRPr>
+            </a:lvl6pPr>
+            <a:lvl7pPr marL="2743200" algn="l" defTabSz="457200" rtl="0" eaLnBrk="1" latinLnBrk="0" hangingPunct="1">
+              <a:defRPr sz="1800" kern="1200">
+                <a:solidFill>
+                  <a:schemeClr val="lt1"/>
+                </a:solidFill>
+                <a:latin typeface="+mn-lt"/>
+                <a:ea typeface="+mn-ea"/>
+                <a:cs typeface="+mn-cs"/>
+              </a:defRPr>
+            </a:lvl7pPr>
+            <a:lvl8pPr marL="3200400" algn="l" defTabSz="457200" rtl="0" eaLnBrk="1" latinLnBrk="0" hangingPunct="1">
+              <a:defRPr sz="1800" kern="1200">
+                <a:solidFill>
+                  <a:schemeClr val="lt1"/>
+                </a:solidFill>
+                <a:latin typeface="+mn-lt"/>
+                <a:ea typeface="+mn-ea"/>
+                <a:cs typeface="+mn-cs"/>
+              </a:defRPr>
+            </a:lvl8pPr>
+            <a:lvl9pPr marL="3657600" algn="l" defTabSz="457200" rtl="0" eaLnBrk="1" latinLnBrk="0" hangingPunct="1">
+              <a:defRPr sz="1800" kern="1200">
+                <a:solidFill>
+                  <a:schemeClr val="lt1"/>
+                </a:solidFill>
+                <a:latin typeface="+mn-lt"/>
+                <a:ea typeface="+mn-ea"/>
+                <a:cs typeface="+mn-cs"/>
+              </a:defRPr>
+            </a:lvl9pPr>
+          </a:lstStyle>
+          <a:p>
+            <a:endParaRPr lang="en-US"/>
+          </a:p>
+        </p:txBody>
+      </p:sp>
+      <p:sp>
+        <p:nvSpPr>
+          <p:cNvPr id="15" name="Rectangle 14"/>
+          <p:cNvSpPr/>
+          <p:nvPr userDrawn="1"/>
+        </p:nvSpPr>
+        <p:spPr>
+          <a:xfrm>
+            <a:off x="8912380" y="0"/>
+            <a:ext cx="91440" cy="6858000"/>
+          </a:xfrm>
+          <a:prstGeom prst="rect">
+            <a:avLst/>
+          </a:prstGeom>
+          <a:solidFill>
+            <a:srgbClr val="0070C0"/>
+          </a:solidFill>
+          <a:ln>
+            <a:noFill/>
+          </a:ln>
+        </p:spPr>
+        <p:style>
+          <a:lnRef idx="2">
+            <a:schemeClr val="accent1">
+              <a:shade val="50000"/>
+            </a:schemeClr>
+          </a:lnRef>
+          <a:fillRef idx="1">
+            <a:schemeClr val="accent1"/>
+          </a:fillRef>
+          <a:effectRef idx="0">
+            <a:schemeClr val="accent1"/>
+          </a:effectRef>
+          <a:fontRef idx="minor">
+            <a:schemeClr val="lt1"/>
+          </a:fontRef>
+        </p:style>
+        <p:txBody>
+          <a:bodyPr/>
+          <a:lstStyle>
+            <a:defPPr>
+              <a:defRPr lang="en-US"/>
+            </a:defPPr>
+            <a:lvl1pPr marL="0" algn="l" defTabSz="457200" rtl="0" eaLnBrk="1" latinLnBrk="0" hangingPunct="1">
+              <a:defRPr sz="1800" kern="1200">
+                <a:solidFill>
+                  <a:schemeClr val="lt1"/>
+                </a:solidFill>
+                <a:latin typeface="+mn-lt"/>
+                <a:ea typeface="+mn-ea"/>
+                <a:cs typeface="+mn-cs"/>
+              </a:defRPr>
+            </a:lvl1pPr>
+            <a:lvl2pPr marL="457200" algn="l" defTabSz="457200" rtl="0" eaLnBrk="1" latinLnBrk="0" hangingPunct="1">
+              <a:defRPr sz="1800" kern="1200">
+                <a:solidFill>
+                  <a:schemeClr val="lt1"/>
+                </a:solidFill>
+                <a:latin typeface="+mn-lt"/>
+                <a:ea typeface="+mn-ea"/>
+                <a:cs typeface="+mn-cs"/>
+              </a:defRPr>
+            </a:lvl2pPr>
+            <a:lvl3pPr marL="914400" algn="l" defTabSz="457200" rtl="0" eaLnBrk="1" latinLnBrk="0" hangingPunct="1">
+              <a:defRPr sz="1800" kern="1200">
+                <a:solidFill>
+                  <a:schemeClr val="lt1"/>
+                </a:solidFill>
+                <a:latin typeface="+mn-lt"/>
+                <a:ea typeface="+mn-ea"/>
+                <a:cs typeface="+mn-cs"/>
+              </a:defRPr>
+            </a:lvl3pPr>
+            <a:lvl4pPr marL="1371600" algn="l" defTabSz="457200" rtl="0" eaLnBrk="1" latinLnBrk="0" hangingPunct="1">
+              <a:defRPr sz="1800" kern="1200">
+                <a:solidFill>
+                  <a:schemeClr val="lt1"/>
+                </a:solidFill>
+                <a:latin typeface="+mn-lt"/>
+                <a:ea typeface="+mn-ea"/>
+                <a:cs typeface="+mn-cs"/>
+              </a:defRPr>
+            </a:lvl4pPr>
+            <a:lvl5pPr marL="1828800" algn="l" defTabSz="457200" rtl="0" eaLnBrk="1" latinLnBrk="0" hangingPunct="1">
+              <a:defRPr sz="1800" kern="1200">
+                <a:solidFill>
+                  <a:schemeClr val="lt1"/>
+                </a:solidFill>
+                <a:latin typeface="+mn-lt"/>
+                <a:ea typeface="+mn-ea"/>
+                <a:cs typeface="+mn-cs"/>
+              </a:defRPr>
+            </a:lvl5pPr>
+            <a:lvl6pPr marL="2286000" algn="l" defTabSz="457200" rtl="0" eaLnBrk="1" latinLnBrk="0" hangingPunct="1">
+              <a:defRPr sz="1800" kern="1200">
+                <a:solidFill>
+                  <a:schemeClr val="lt1"/>
+                </a:solidFill>
+                <a:latin typeface="+mn-lt"/>
+                <a:ea typeface="+mn-ea"/>
+                <a:cs typeface="+mn-cs"/>
+              </a:defRPr>
+            </a:lvl6pPr>
+            <a:lvl7pPr marL="2743200" algn="l" defTabSz="457200" rtl="0" eaLnBrk="1" latinLnBrk="0" hangingPunct="1">
+              <a:defRPr sz="1800" kern="1200">
+                <a:solidFill>
+                  <a:schemeClr val="lt1"/>
+                </a:solidFill>
+                <a:latin typeface="+mn-lt"/>
+                <a:ea typeface="+mn-ea"/>
+                <a:cs typeface="+mn-cs"/>
+              </a:defRPr>
+            </a:lvl7pPr>
+            <a:lvl8pPr marL="3200400" algn="l" defTabSz="457200" rtl="0" eaLnBrk="1" latinLnBrk="0" hangingPunct="1">
+              <a:defRPr sz="1800" kern="1200">
+                <a:solidFill>
+                  <a:schemeClr val="lt1"/>
+                </a:solidFill>
+                <a:latin typeface="+mn-lt"/>
+                <a:ea typeface="+mn-ea"/>
+                <a:cs typeface="+mn-cs"/>
+              </a:defRPr>
+            </a:lvl8pPr>
+            <a:lvl9pPr marL="3657600" algn="l" defTabSz="457200" rtl="0" eaLnBrk="1" latinLnBrk="0" hangingPunct="1">
+              <a:defRPr sz="1800" kern="1200">
+                <a:solidFill>
+                  <a:schemeClr val="lt1"/>
+                </a:solidFill>
+                <a:latin typeface="+mn-lt"/>
+                <a:ea typeface="+mn-ea"/>
+                <a:cs typeface="+mn-cs"/>
+              </a:defRPr>
+            </a:lvl9pPr>
+          </a:lstStyle>
+          <a:p>
+            <a:endParaRPr lang="en-US"/>
+          </a:p>
+        </p:txBody>
+      </p:sp>
     </p:spTree>
+    <p:extLst>
+      <p:ext uri="{BB962C8B-B14F-4D97-AF65-F5344CB8AC3E}">
+        <p14:creationId xmlns:p14="http://schemas.microsoft.com/office/powerpoint/2010/main" val="311945080"/>
+      </p:ext>
+    </p:extLst>
   </p:cSld>
   <p:clrMap bg1="lt1" tx1="dk1" bg2="lt2" tx2="dk2" accent1="accent1" accent2="accent2" accent3="accent3" accent4="accent4" accent5="accent5" accent6="accent6" hlink="hlink" folHlink="folHlink"/>
   <p:sldLayoutIdLst>
-    <p:sldLayoutId id="2147483715" r:id="rId1"/>
-    <p:sldLayoutId id="2147483716" r:id="rId2"/>
-    <p:sldLayoutId id="2147483717" r:id="rId3"/>
-    <p:sldLayoutId id="2147483718" r:id="rId4"/>
-    <p:sldLayoutId id="2147483719" r:id="rId5"/>
-    <p:sldLayoutId id="2147483720" r:id="rId6"/>
-    <p:sldLayoutId id="2147483721" r:id="rId7"/>
-    <p:sldLayoutId id="2147483722" r:id="rId8"/>
-    <p:sldLayoutId id="2147483723" r:id="rId9"/>
-    <p:sldLayoutId id="2147483724" r:id="rId10"/>
-    <p:sldLayoutId id="2147483725" r:id="rId11"/>
+    <p:sldLayoutId id="2147483727" r:id="rId1"/>
+    <p:sldLayoutId id="2147483728" r:id="rId2"/>
+    <p:sldLayoutId id="2147483729" r:id="rId3"/>
+    <p:sldLayoutId id="2147483730" r:id="rId4"/>
+    <p:sldLayoutId id="2147483731" r:id="rId5"/>
+    <p:sldLayoutId id="2147483732" r:id="rId6"/>
+    <p:sldLayoutId id="2147483733" r:id="rId7"/>
+    <p:sldLayoutId id="2147483734" r:id="rId8"/>
+    <p:sldLayoutId id="2147483735" r:id="rId9"/>
+    <p:sldLayoutId id="2147483736" r:id="rId10"/>
+    <p:sldLayoutId id="2147483737" r:id="rId11"/>
   </p:sldLayoutIdLst>
-  <p:hf hdr="0"/>
+  <p:timing>
+    <p:tnLst>
+      <p:par>
+        <p:cTn id="1" dur="indefinite" restart="never" nodeType="tmRoot"/>
+      </p:par>
+    </p:tnLst>
+  </p:timing>
+  <p:hf hdr="0" dt="0"/>
   <p:txStyles>
     <p:titleStyle>
       <a:lvl1pPr algn="l" defTabSz="914400" rtl="0" eaLnBrk="1" latinLnBrk="0" hangingPunct="1">
@@ -4878,6 +7473,547 @@
 </p:sldMaster>
 </file>
 
+<file path=ppt/slideMasters/slideMaster2.xml><?xml version="1.0" encoding="utf-8"?>
+<p:sldMaster xmlns:a="http://schemas.openxmlformats.org/drawingml/2006/main" xmlns:r="http://schemas.openxmlformats.org/officeDocument/2006/relationships" xmlns:p="http://schemas.openxmlformats.org/presentationml/2006/main" preserve="1">
+  <p:cSld>
+    <p:bg>
+      <p:bgRef idx="1001">
+        <a:schemeClr val="bg1"/>
+      </p:bgRef>
+    </p:bg>
+    <p:spTree>
+      <p:nvGrpSpPr>
+        <p:cNvPr id="1" name=""/>
+        <p:cNvGrpSpPr/>
+        <p:nvPr/>
+      </p:nvGrpSpPr>
+      <p:grpSpPr>
+        <a:xfrm>
+          <a:off x="0" y="0"/>
+          <a:ext cx="0" cy="0"/>
+          <a:chOff x="0" y="0"/>
+          <a:chExt cx="0" cy="0"/>
+        </a:xfrm>
+      </p:grpSpPr>
+      <p:sp>
+        <p:nvSpPr>
+          <p:cNvPr id="2" name="Title Placeholder 1"/>
+          <p:cNvSpPr>
+            <a:spLocks noGrp="1"/>
+          </p:cNvSpPr>
+          <p:nvPr>
+            <p:ph type="title"/>
+          </p:nvPr>
+        </p:nvSpPr>
+        <p:spPr>
+          <a:xfrm>
+            <a:off x="628650" y="365125"/>
+            <a:ext cx="7886700" cy="1325563"/>
+          </a:xfrm>
+          <a:prstGeom prst="rect">
+            <a:avLst/>
+          </a:prstGeom>
+        </p:spPr>
+        <p:txBody>
+          <a:bodyPr vert="horz" lIns="91440" tIns="45720" rIns="91440" bIns="45720" rtlCol="0" anchor="ctr">
+            <a:normAutofit/>
+          </a:bodyPr>
+          <a:lstStyle/>
+          <a:p>
+            <a:r>
+              <a:rPr lang="en-US" smtClean="0"/>
+              <a:t>Click to edit Master title style</a:t>
+            </a:r>
+            <a:endParaRPr lang="en-US"/>
+          </a:p>
+        </p:txBody>
+      </p:sp>
+      <p:sp>
+        <p:nvSpPr>
+          <p:cNvPr id="3" name="Text Placeholder 2"/>
+          <p:cNvSpPr>
+            <a:spLocks noGrp="1"/>
+          </p:cNvSpPr>
+          <p:nvPr>
+            <p:ph type="body" idx="1"/>
+          </p:nvPr>
+        </p:nvSpPr>
+        <p:spPr>
+          <a:xfrm>
+            <a:off x="628650" y="1825625"/>
+            <a:ext cx="7886700" cy="4351338"/>
+          </a:xfrm>
+          <a:prstGeom prst="rect">
+            <a:avLst/>
+          </a:prstGeom>
+        </p:spPr>
+        <p:txBody>
+          <a:bodyPr vert="horz" lIns="91440" tIns="45720" rIns="91440" bIns="45720" rtlCol="0">
+            <a:normAutofit/>
+          </a:bodyPr>
+          <a:lstStyle/>
+          <a:p>
+            <a:pPr lvl="0"/>
+            <a:r>
+              <a:rPr lang="en-US" smtClean="0"/>
+              <a:t>Click to edit Master text styles</a:t>
+            </a:r>
+          </a:p>
+          <a:p>
+            <a:pPr lvl="1"/>
+            <a:r>
+              <a:rPr lang="en-US" smtClean="0"/>
+              <a:t>Second level</a:t>
+            </a:r>
+          </a:p>
+          <a:p>
+            <a:pPr lvl="2"/>
+            <a:r>
+              <a:rPr lang="en-US" smtClean="0"/>
+              <a:t>Third level</a:t>
+            </a:r>
+          </a:p>
+          <a:p>
+            <a:pPr lvl="3"/>
+            <a:r>
+              <a:rPr lang="en-US" smtClean="0"/>
+              <a:t>Fourth level</a:t>
+            </a:r>
+          </a:p>
+          <a:p>
+            <a:pPr lvl="4"/>
+            <a:r>
+              <a:rPr lang="en-US" smtClean="0"/>
+              <a:t>Fifth level</a:t>
+            </a:r>
+            <a:endParaRPr lang="en-US"/>
+          </a:p>
+        </p:txBody>
+      </p:sp>
+      <p:sp>
+        <p:nvSpPr>
+          <p:cNvPr id="4" name="Date Placeholder 3"/>
+          <p:cNvSpPr>
+            <a:spLocks noGrp="1"/>
+          </p:cNvSpPr>
+          <p:nvPr>
+            <p:ph type="dt" sz="half" idx="2"/>
+          </p:nvPr>
+        </p:nvSpPr>
+        <p:spPr>
+          <a:xfrm>
+            <a:off x="628650" y="6356350"/>
+            <a:ext cx="2057400" cy="365125"/>
+          </a:xfrm>
+          <a:prstGeom prst="rect">
+            <a:avLst/>
+          </a:prstGeom>
+        </p:spPr>
+        <p:txBody>
+          <a:bodyPr vert="horz" lIns="91440" tIns="45720" rIns="91440" bIns="45720" rtlCol="0" anchor="ctr"/>
+          <a:lstStyle>
+            <a:lvl1pPr algn="l">
+              <a:defRPr sz="1200">
+                <a:solidFill>
+                  <a:schemeClr val="tx1">
+                    <a:tint val="75000"/>
+                  </a:schemeClr>
+                </a:solidFill>
+              </a:defRPr>
+            </a:lvl1pPr>
+          </a:lstStyle>
+          <a:p>
+            <a:endParaRPr lang="en-US"/>
+          </a:p>
+        </p:txBody>
+      </p:sp>
+      <p:sp>
+        <p:nvSpPr>
+          <p:cNvPr id="5" name="Footer Placeholder 4"/>
+          <p:cNvSpPr>
+            <a:spLocks noGrp="1"/>
+          </p:cNvSpPr>
+          <p:nvPr>
+            <p:ph type="ftr" sz="quarter" idx="3"/>
+          </p:nvPr>
+        </p:nvSpPr>
+        <p:spPr>
+          <a:xfrm>
+            <a:off x="3028950" y="6356350"/>
+            <a:ext cx="3086100" cy="365125"/>
+          </a:xfrm>
+          <a:prstGeom prst="rect">
+            <a:avLst/>
+          </a:prstGeom>
+        </p:spPr>
+        <p:txBody>
+          <a:bodyPr vert="horz" lIns="91440" tIns="45720" rIns="91440" bIns="45720" rtlCol="0" anchor="ctr"/>
+          <a:lstStyle>
+            <a:lvl1pPr algn="ctr">
+              <a:defRPr sz="1200">
+                <a:solidFill>
+                  <a:schemeClr val="tx1">
+                    <a:tint val="75000"/>
+                  </a:schemeClr>
+                </a:solidFill>
+              </a:defRPr>
+            </a:lvl1pPr>
+          </a:lstStyle>
+          <a:p>
+            <a:r>
+              <a:rPr lang="de-DE" smtClean="0"/>
+              <a:t>© EV3Lessons.com, 2016 Last Update: (7/04/2016)</a:t>
+            </a:r>
+            <a:endParaRPr lang="en-US"/>
+          </a:p>
+        </p:txBody>
+      </p:sp>
+      <p:sp>
+        <p:nvSpPr>
+          <p:cNvPr id="6" name="Slide Number Placeholder 5"/>
+          <p:cNvSpPr>
+            <a:spLocks noGrp="1"/>
+          </p:cNvSpPr>
+          <p:nvPr>
+            <p:ph type="sldNum" sz="quarter" idx="4"/>
+          </p:nvPr>
+        </p:nvSpPr>
+        <p:spPr>
+          <a:xfrm>
+            <a:off x="6457950" y="6356350"/>
+            <a:ext cx="2057400" cy="365125"/>
+          </a:xfrm>
+          <a:prstGeom prst="rect">
+            <a:avLst/>
+          </a:prstGeom>
+        </p:spPr>
+        <p:txBody>
+          <a:bodyPr vert="horz" lIns="91440" tIns="45720" rIns="91440" bIns="45720" rtlCol="0" anchor="ctr"/>
+          <a:lstStyle>
+            <a:lvl1pPr algn="r">
+              <a:defRPr sz="1200">
+                <a:solidFill>
+                  <a:schemeClr val="tx1">
+                    <a:tint val="75000"/>
+                  </a:schemeClr>
+                </a:solidFill>
+              </a:defRPr>
+            </a:lvl1pPr>
+          </a:lstStyle>
+          <a:p>
+            <a:fld id="{DE42E464-3EB8-43C8-8768-9E2AD4F497B7}" type="slidenum">
+              <a:rPr lang="en-US" smtClean="0"/>
+              <a:t>‹#›</a:t>
+            </a:fld>
+            <a:endParaRPr lang="en-US"/>
+          </a:p>
+        </p:txBody>
+      </p:sp>
+    </p:spTree>
+    <p:extLst>
+      <p:ext uri="{BB962C8B-B14F-4D97-AF65-F5344CB8AC3E}">
+        <p14:creationId xmlns:p14="http://schemas.microsoft.com/office/powerpoint/2010/main" val="1584945693"/>
+      </p:ext>
+    </p:extLst>
+  </p:cSld>
+  <p:clrMap bg1="lt1" tx1="dk1" bg2="lt2" tx2="dk2" accent1="accent1" accent2="accent2" accent3="accent3" accent4="accent4" accent5="accent5" accent6="accent6" hlink="hlink" folHlink="folHlink"/>
+  <p:sldLayoutIdLst>
+    <p:sldLayoutId id="2147483739" r:id="rId1"/>
+    <p:sldLayoutId id="2147483740" r:id="rId2"/>
+    <p:sldLayoutId id="2147483741" r:id="rId3"/>
+    <p:sldLayoutId id="2147483742" r:id="rId4"/>
+    <p:sldLayoutId id="2147483743" r:id="rId5"/>
+    <p:sldLayoutId id="2147483744" r:id="rId6"/>
+    <p:sldLayoutId id="2147483745" r:id="rId7"/>
+    <p:sldLayoutId id="2147483746" r:id="rId8"/>
+    <p:sldLayoutId id="2147483747" r:id="rId9"/>
+    <p:sldLayoutId id="2147483748" r:id="rId10"/>
+    <p:sldLayoutId id="2147483749" r:id="rId11"/>
+  </p:sldLayoutIdLst>
+  <p:hf hdr="0" dt="0"/>
+  <p:txStyles>
+    <p:titleStyle>
+      <a:lvl1pPr algn="l" defTabSz="914400" rtl="0" eaLnBrk="1" latinLnBrk="0" hangingPunct="1">
+        <a:lnSpc>
+          <a:spcPct val="90000"/>
+        </a:lnSpc>
+        <a:spcBef>
+          <a:spcPct val="0"/>
+        </a:spcBef>
+        <a:buNone/>
+        <a:defRPr sz="4400" kern="1200">
+          <a:solidFill>
+            <a:schemeClr val="tx1"/>
+          </a:solidFill>
+          <a:latin typeface="+mj-lt"/>
+          <a:ea typeface="+mj-ea"/>
+          <a:cs typeface="+mj-cs"/>
+        </a:defRPr>
+      </a:lvl1pPr>
+    </p:titleStyle>
+    <p:bodyStyle>
+      <a:lvl1pPr marL="228600" indent="-228600" algn="l" defTabSz="914400" rtl="0" eaLnBrk="1" latinLnBrk="0" hangingPunct="1">
+        <a:lnSpc>
+          <a:spcPct val="90000"/>
+        </a:lnSpc>
+        <a:spcBef>
+          <a:spcPts val="1000"/>
+        </a:spcBef>
+        <a:buFont typeface="Arial" panose="020B0604020202020204" pitchFamily="34" charset="0"/>
+        <a:buChar char="•"/>
+        <a:defRPr sz="2800" kern="1200">
+          <a:solidFill>
+            <a:schemeClr val="tx1"/>
+          </a:solidFill>
+          <a:latin typeface="+mn-lt"/>
+          <a:ea typeface="+mn-ea"/>
+          <a:cs typeface="+mn-cs"/>
+        </a:defRPr>
+      </a:lvl1pPr>
+      <a:lvl2pPr marL="685800" indent="-228600" algn="l" defTabSz="914400" rtl="0" eaLnBrk="1" latinLnBrk="0" hangingPunct="1">
+        <a:lnSpc>
+          <a:spcPct val="90000"/>
+        </a:lnSpc>
+        <a:spcBef>
+          <a:spcPts val="500"/>
+        </a:spcBef>
+        <a:buFont typeface="Arial" panose="020B0604020202020204" pitchFamily="34" charset="0"/>
+        <a:buChar char="•"/>
+        <a:defRPr sz="2400" kern="1200">
+          <a:solidFill>
+            <a:schemeClr val="tx1"/>
+          </a:solidFill>
+          <a:latin typeface="+mn-lt"/>
+          <a:ea typeface="+mn-ea"/>
+          <a:cs typeface="+mn-cs"/>
+        </a:defRPr>
+      </a:lvl2pPr>
+      <a:lvl3pPr marL="1143000" indent="-228600" algn="l" defTabSz="914400" rtl="0" eaLnBrk="1" latinLnBrk="0" hangingPunct="1">
+        <a:lnSpc>
+          <a:spcPct val="90000"/>
+        </a:lnSpc>
+        <a:spcBef>
+          <a:spcPts val="500"/>
+        </a:spcBef>
+        <a:buFont typeface="Arial" panose="020B0604020202020204" pitchFamily="34" charset="0"/>
+        <a:buChar char="•"/>
+        <a:defRPr sz="2000" kern="1200">
+          <a:solidFill>
+            <a:schemeClr val="tx1"/>
+          </a:solidFill>
+          <a:latin typeface="+mn-lt"/>
+          <a:ea typeface="+mn-ea"/>
+          <a:cs typeface="+mn-cs"/>
+        </a:defRPr>
+      </a:lvl3pPr>
+      <a:lvl4pPr marL="1600200" indent="-228600" algn="l" defTabSz="914400" rtl="0" eaLnBrk="1" latinLnBrk="0" hangingPunct="1">
+        <a:lnSpc>
+          <a:spcPct val="90000"/>
+        </a:lnSpc>
+        <a:spcBef>
+          <a:spcPts val="500"/>
+        </a:spcBef>
+        <a:buFont typeface="Arial" panose="020B0604020202020204" pitchFamily="34" charset="0"/>
+        <a:buChar char="•"/>
+        <a:defRPr sz="1800" kern="1200">
+          <a:solidFill>
+            <a:schemeClr val="tx1"/>
+          </a:solidFill>
+          <a:latin typeface="+mn-lt"/>
+          <a:ea typeface="+mn-ea"/>
+          <a:cs typeface="+mn-cs"/>
+        </a:defRPr>
+      </a:lvl4pPr>
+      <a:lvl5pPr marL="2057400" indent="-228600" algn="l" defTabSz="914400" rtl="0" eaLnBrk="1" latinLnBrk="0" hangingPunct="1">
+        <a:lnSpc>
+          <a:spcPct val="90000"/>
+        </a:lnSpc>
+        <a:spcBef>
+          <a:spcPts val="500"/>
+        </a:spcBef>
+        <a:buFont typeface="Arial" panose="020B0604020202020204" pitchFamily="34" charset="0"/>
+        <a:buChar char="•"/>
+        <a:defRPr sz="1800" kern="1200">
+          <a:solidFill>
+            <a:schemeClr val="tx1"/>
+          </a:solidFill>
+          <a:latin typeface="+mn-lt"/>
+          <a:ea typeface="+mn-ea"/>
+          <a:cs typeface="+mn-cs"/>
+        </a:defRPr>
+      </a:lvl5pPr>
+      <a:lvl6pPr marL="2514600" indent="-228600" algn="l" defTabSz="914400" rtl="0" eaLnBrk="1" latinLnBrk="0" hangingPunct="1">
+        <a:lnSpc>
+          <a:spcPct val="90000"/>
+        </a:lnSpc>
+        <a:spcBef>
+          <a:spcPts val="500"/>
+        </a:spcBef>
+        <a:buFont typeface="Arial" panose="020B0604020202020204" pitchFamily="34" charset="0"/>
+        <a:buChar char="•"/>
+        <a:defRPr sz="1800" kern="1200">
+          <a:solidFill>
+            <a:schemeClr val="tx1"/>
+          </a:solidFill>
+          <a:latin typeface="+mn-lt"/>
+          <a:ea typeface="+mn-ea"/>
+          <a:cs typeface="+mn-cs"/>
+        </a:defRPr>
+      </a:lvl6pPr>
+      <a:lvl7pPr marL="2971800" indent="-228600" algn="l" defTabSz="914400" rtl="0" eaLnBrk="1" latinLnBrk="0" hangingPunct="1">
+        <a:lnSpc>
+          <a:spcPct val="90000"/>
+        </a:lnSpc>
+        <a:spcBef>
+          <a:spcPts val="500"/>
+        </a:spcBef>
+        <a:buFont typeface="Arial" panose="020B0604020202020204" pitchFamily="34" charset="0"/>
+        <a:buChar char="•"/>
+        <a:defRPr sz="1800" kern="1200">
+          <a:solidFill>
+            <a:schemeClr val="tx1"/>
+          </a:solidFill>
+          <a:latin typeface="+mn-lt"/>
+          <a:ea typeface="+mn-ea"/>
+          <a:cs typeface="+mn-cs"/>
+        </a:defRPr>
+      </a:lvl7pPr>
+      <a:lvl8pPr marL="3429000" indent="-228600" algn="l" defTabSz="914400" rtl="0" eaLnBrk="1" latinLnBrk="0" hangingPunct="1">
+        <a:lnSpc>
+          <a:spcPct val="90000"/>
+        </a:lnSpc>
+        <a:spcBef>
+          <a:spcPts val="500"/>
+        </a:spcBef>
+        <a:buFont typeface="Arial" panose="020B0604020202020204" pitchFamily="34" charset="0"/>
+        <a:buChar char="•"/>
+        <a:defRPr sz="1800" kern="1200">
+          <a:solidFill>
+            <a:schemeClr val="tx1"/>
+          </a:solidFill>
+          <a:latin typeface="+mn-lt"/>
+          <a:ea typeface="+mn-ea"/>
+          <a:cs typeface="+mn-cs"/>
+        </a:defRPr>
+      </a:lvl8pPr>
+      <a:lvl9pPr marL="3886200" indent="-228600" algn="l" defTabSz="914400" rtl="0" eaLnBrk="1" latinLnBrk="0" hangingPunct="1">
+        <a:lnSpc>
+          <a:spcPct val="90000"/>
+        </a:lnSpc>
+        <a:spcBef>
+          <a:spcPts val="500"/>
+        </a:spcBef>
+        <a:buFont typeface="Arial" panose="020B0604020202020204" pitchFamily="34" charset="0"/>
+        <a:buChar char="•"/>
+        <a:defRPr sz="1800" kern="1200">
+          <a:solidFill>
+            <a:schemeClr val="tx1"/>
+          </a:solidFill>
+          <a:latin typeface="+mn-lt"/>
+          <a:ea typeface="+mn-ea"/>
+          <a:cs typeface="+mn-cs"/>
+        </a:defRPr>
+      </a:lvl9pPr>
+    </p:bodyStyle>
+    <p:otherStyle>
+      <a:defPPr>
+        <a:defRPr lang="en-US"/>
+      </a:defPPr>
+      <a:lvl1pPr marL="0" algn="l" defTabSz="914400" rtl="0" eaLnBrk="1" latinLnBrk="0" hangingPunct="1">
+        <a:defRPr sz="1800" kern="1200">
+          <a:solidFill>
+            <a:schemeClr val="tx1"/>
+          </a:solidFill>
+          <a:latin typeface="+mn-lt"/>
+          <a:ea typeface="+mn-ea"/>
+          <a:cs typeface="+mn-cs"/>
+        </a:defRPr>
+      </a:lvl1pPr>
+      <a:lvl2pPr marL="457200" algn="l" defTabSz="914400" rtl="0" eaLnBrk="1" latinLnBrk="0" hangingPunct="1">
+        <a:defRPr sz="1800" kern="1200">
+          <a:solidFill>
+            <a:schemeClr val="tx1"/>
+          </a:solidFill>
+          <a:latin typeface="+mn-lt"/>
+          <a:ea typeface="+mn-ea"/>
+          <a:cs typeface="+mn-cs"/>
+        </a:defRPr>
+      </a:lvl2pPr>
+      <a:lvl3pPr marL="914400" algn="l" defTabSz="914400" rtl="0" eaLnBrk="1" latinLnBrk="0" hangingPunct="1">
+        <a:defRPr sz="1800" kern="1200">
+          <a:solidFill>
+            <a:schemeClr val="tx1"/>
+          </a:solidFill>
+          <a:latin typeface="+mn-lt"/>
+          <a:ea typeface="+mn-ea"/>
+          <a:cs typeface="+mn-cs"/>
+        </a:defRPr>
+      </a:lvl3pPr>
+      <a:lvl4pPr marL="1371600" algn="l" defTabSz="914400" rtl="0" eaLnBrk="1" latinLnBrk="0" hangingPunct="1">
+        <a:defRPr sz="1800" kern="1200">
+          <a:solidFill>
+            <a:schemeClr val="tx1"/>
+          </a:solidFill>
+          <a:latin typeface="+mn-lt"/>
+          <a:ea typeface="+mn-ea"/>
+          <a:cs typeface="+mn-cs"/>
+        </a:defRPr>
+      </a:lvl4pPr>
+      <a:lvl5pPr marL="1828800" algn="l" defTabSz="914400" rtl="0" eaLnBrk="1" latinLnBrk="0" hangingPunct="1">
+        <a:defRPr sz="1800" kern="1200">
+          <a:solidFill>
+            <a:schemeClr val="tx1"/>
+          </a:solidFill>
+          <a:latin typeface="+mn-lt"/>
+          <a:ea typeface="+mn-ea"/>
+          <a:cs typeface="+mn-cs"/>
+        </a:defRPr>
+      </a:lvl5pPr>
+      <a:lvl6pPr marL="2286000" algn="l" defTabSz="914400" rtl="0" eaLnBrk="1" latinLnBrk="0" hangingPunct="1">
+        <a:defRPr sz="1800" kern="1200">
+          <a:solidFill>
+            <a:schemeClr val="tx1"/>
+          </a:solidFill>
+          <a:latin typeface="+mn-lt"/>
+          <a:ea typeface="+mn-ea"/>
+          <a:cs typeface="+mn-cs"/>
+        </a:defRPr>
+      </a:lvl6pPr>
+      <a:lvl7pPr marL="2743200" algn="l" defTabSz="914400" rtl="0" eaLnBrk="1" latinLnBrk="0" hangingPunct="1">
+        <a:defRPr sz="1800" kern="1200">
+          <a:solidFill>
+            <a:schemeClr val="tx1"/>
+          </a:solidFill>
+          <a:latin typeface="+mn-lt"/>
+          <a:ea typeface="+mn-ea"/>
+          <a:cs typeface="+mn-cs"/>
+        </a:defRPr>
+      </a:lvl7pPr>
+      <a:lvl8pPr marL="3200400" algn="l" defTabSz="914400" rtl="0" eaLnBrk="1" latinLnBrk="0" hangingPunct="1">
+        <a:defRPr sz="1800" kern="1200">
+          <a:solidFill>
+            <a:schemeClr val="tx1"/>
+          </a:solidFill>
+          <a:latin typeface="+mn-lt"/>
+          <a:ea typeface="+mn-ea"/>
+          <a:cs typeface="+mn-cs"/>
+        </a:defRPr>
+      </a:lvl8pPr>
+      <a:lvl9pPr marL="3657600" algn="l" defTabSz="914400" rtl="0" eaLnBrk="1" latinLnBrk="0" hangingPunct="1">
+        <a:defRPr sz="1800" kern="1200">
+          <a:solidFill>
+            <a:schemeClr val="tx1"/>
+          </a:solidFill>
+          <a:latin typeface="+mn-lt"/>
+          <a:ea typeface="+mn-ea"/>
+          <a:cs typeface="+mn-cs"/>
+        </a:defRPr>
+      </a:lvl9pPr>
+    </p:otherStyle>
+  </p:txStyles>
+</p:sldMaster>
+</file>
+
 <file path=ppt/slides/slide1.xml><?xml version="1.0" encoding="utf-8"?>
 <p:sld xmlns:a="http://schemas.openxmlformats.org/drawingml/2006/main" xmlns:r="http://schemas.openxmlformats.org/officeDocument/2006/relationships" xmlns:p="http://schemas.openxmlformats.org/presentationml/2006/main">
   <p:cSld>
@@ -4897,7 +8033,30 @@
       </p:grpSpPr>
       <p:sp>
         <p:nvSpPr>
-          <p:cNvPr id="2" name="Title 1"/>
+          <p:cNvPr id="2" name="Subtitle 1"/>
+          <p:cNvSpPr>
+            <a:spLocks noGrp="1"/>
+          </p:cNvSpPr>
+          <p:nvPr>
+            <p:ph type="subTitle" idx="1"/>
+          </p:nvPr>
+        </p:nvSpPr>
+        <p:spPr/>
+        <p:txBody>
+          <a:bodyPr/>
+          <a:lstStyle/>
+          <a:p>
+            <a:r>
+              <a:rPr lang="en-US" dirty="0" smtClean="0"/>
+              <a:t>Ultrasonic Sensor</a:t>
+            </a:r>
+            <a:endParaRPr lang="en-US" dirty="0"/>
+          </a:p>
+        </p:txBody>
+      </p:sp>
+      <p:sp>
+        <p:nvSpPr>
+          <p:cNvPr id="3" name="Title 2"/>
           <p:cNvSpPr>
             <a:spLocks noGrp="1"/>
           </p:cNvSpPr>
@@ -4905,179 +8064,24 @@
             <p:ph type="ctrTitle"/>
           </p:nvPr>
         </p:nvSpPr>
-        <p:spPr>
-          <a:xfrm>
-            <a:off x="402305" y="311631"/>
-            <a:ext cx="4182799" cy="1923569"/>
-          </a:xfrm>
-        </p:spPr>
+        <p:spPr/>
         <p:txBody>
           <a:bodyPr/>
           <a:lstStyle/>
           <a:p>
             <a:pPr algn="ctr"/>
             <a:r>
-              <a:rPr lang="en-US" sz="3200" dirty="0"/>
-              <a:t>BEGINNER EV3 PROGRAMMING</a:t>
-            </a:r>
-            <a:br>
-              <a:rPr lang="en-US" sz="4000" dirty="0"/>
-            </a:br>
-            <a:r>
-              <a:rPr lang="en-US" sz="3200" dirty="0"/>
-              <a:t>Lesson</a:t>
-            </a:r>
-          </a:p>
-        </p:txBody>
-      </p:sp>
-      <p:sp>
-        <p:nvSpPr>
-          <p:cNvPr id="7" name="TextBox 6"/>
-          <p:cNvSpPr txBox="1"/>
-          <p:nvPr/>
-        </p:nvSpPr>
-        <p:spPr>
-          <a:xfrm>
-            <a:off x="1487501" y="5949643"/>
-            <a:ext cx="4750545" cy="523220"/>
-          </a:xfrm>
-          <a:prstGeom prst="rect">
-            <a:avLst/>
-          </a:prstGeom>
-          <a:noFill/>
-        </p:spPr>
-        <p:txBody>
-          <a:bodyPr wrap="square" rtlCol="0">
-            <a:spAutoFit/>
-          </a:bodyPr>
-          <a:lstStyle/>
-          <a:p>
-            <a:r>
-              <a:rPr lang="en-US" sz="2800" dirty="0"/>
-              <a:t>By: Droids Robotics</a:t>
-            </a:r>
-          </a:p>
-        </p:txBody>
-      </p:sp>
-      <p:sp>
-        <p:nvSpPr>
-          <p:cNvPr id="4" name="TextBox 3"/>
-          <p:cNvSpPr txBox="1"/>
-          <p:nvPr/>
-        </p:nvSpPr>
-        <p:spPr>
-          <a:xfrm>
-            <a:off x="550088" y="2713113"/>
-            <a:ext cx="8187512" cy="954107"/>
-          </a:xfrm>
-          <a:prstGeom prst="rect">
-            <a:avLst/>
-          </a:prstGeom>
-          <a:noFill/>
-        </p:spPr>
-        <p:txBody>
-          <a:bodyPr wrap="square" rtlCol="0">
-            <a:spAutoFit/>
-          </a:bodyPr>
-          <a:lstStyle/>
-          <a:p>
-            <a:r>
-              <a:rPr lang="en-US" sz="2800" dirty="0">
-                <a:solidFill>
-                  <a:srgbClr val="FF0000"/>
-                </a:solidFill>
-              </a:rPr>
-              <a:t>Topics Covered:</a:t>
-            </a:r>
-          </a:p>
-          <a:p>
-            <a:r>
-              <a:rPr lang="en-US" sz="2800" dirty="0">
-                <a:solidFill>
-                  <a:srgbClr val="FF0000"/>
-                </a:solidFill>
-              </a:rPr>
-              <a:t>Ultrasonic Sensor</a:t>
-            </a:r>
-            <a:endParaRPr lang="en-US" sz="2800" dirty="0"/>
-          </a:p>
-        </p:txBody>
-      </p:sp>
-      <p:pic>
-        <p:nvPicPr>
-          <p:cNvPr id="1026" name="Picture 2" descr="EV3Lessons.com"/>
-          <p:cNvPicPr>
-            <a:picLocks noChangeAspect="1" noChangeArrowheads="1"/>
-          </p:cNvPicPr>
-          <p:nvPr/>
-        </p:nvPicPr>
-        <p:blipFill>
-          <a:blip r:embed="rId3">
-            <a:extLst>
-              <a:ext uri="{28A0092B-C50C-407E-A947-70E740481C1C}">
-                <a14:useLocalDpi xmlns:a14="http://schemas.microsoft.com/office/drawing/2010/main" val="0"/>
-              </a:ext>
-            </a:extLst>
-          </a:blip>
-          <a:srcRect/>
-          <a:stretch>
-            <a:fillRect/>
-          </a:stretch>
-        </p:blipFill>
-        <p:spPr bwMode="auto">
-          <a:xfrm>
-            <a:off x="4585105" y="436041"/>
-            <a:ext cx="4231698" cy="1571774"/>
-          </a:xfrm>
-          <a:prstGeom prst="rect">
-            <a:avLst/>
-          </a:prstGeom>
-          <a:noFill/>
-          <a:extLst>
-            <a:ext uri="{909E8E84-426E-40dd-AFC4-6F175D3DCCD1}">
-              <a14:hiddenFill xmlns="" xmlns:a14="http://schemas.microsoft.com/office/drawing/2010/main">
-                <a:solidFill>
-                  <a:srgbClr val="FFFFFF"/>
-                </a:solidFill>
-              </a14:hiddenFill>
-            </a:ext>
-          </a:extLst>
-        </p:spPr>
-      </p:pic>
-      <p:pic>
-        <p:nvPicPr>
-          <p:cNvPr id="5" name="Picture 4"/>
-          <p:cNvPicPr>
-            <a:picLocks noChangeAspect="1"/>
-          </p:cNvPicPr>
-          <p:nvPr/>
-        </p:nvPicPr>
-        <p:blipFill>
-          <a:blip r:embed="rId4">
-            <a:extLst>
-              <a:ext uri="{28A0092B-C50C-407E-A947-70E740481C1C}">
-                <a14:useLocalDpi xmlns:a14="http://schemas.microsoft.com/office/drawing/2010/main" val="0"/>
-              </a:ext>
-            </a:extLst>
-          </a:blip>
-          <a:stretch>
-            <a:fillRect/>
-          </a:stretch>
-        </p:blipFill>
-        <p:spPr>
-          <a:xfrm>
-            <a:off x="214653" y="5255172"/>
-            <a:ext cx="1272848" cy="1217691"/>
-          </a:xfrm>
-          <a:prstGeom prst="rect">
-            <a:avLst/>
-          </a:prstGeom>
-        </p:spPr>
-      </p:pic>
+              <a:rPr lang="en-US" dirty="0" smtClean="0"/>
+              <a:t>BEGINNER PROGRAMMING LESSON</a:t>
+            </a:r>
+            <a:endParaRPr lang="en-US" dirty="0"/>
+          </a:p>
+        </p:txBody>
+      </p:sp>
     </p:spTree>
     <p:extLst>
       <p:ext uri="{BB962C8B-B14F-4D97-AF65-F5344CB8AC3E}">
-        <p14:creationId xmlns:p14="http://schemas.microsoft.com/office/powerpoint/2010/main" val="125882730"/>
+        <p14:creationId xmlns:p14="http://schemas.microsoft.com/office/powerpoint/2010/main" val="1187461657"/>
       </p:ext>
     </p:extLst>
   </p:cSld>
@@ -5135,52 +8139,6 @@
       </p:sp>
       <p:sp>
         <p:nvSpPr>
-          <p:cNvPr id="3" name="Footer Placeholder 2"/>
-          <p:cNvSpPr>
-            <a:spLocks noGrp="1"/>
-          </p:cNvSpPr>
-          <p:nvPr>
-            <p:ph type="ftr" sz="quarter" idx="11"/>
-          </p:nvPr>
-        </p:nvSpPr>
-        <p:spPr/>
-        <p:txBody>
-          <a:bodyPr/>
-          <a:lstStyle/>
-          <a:p>
-            <a:r>
-              <a:rPr lang="en-US"/>
-              <a:t>© EV3Lessons.com, 2015 Last Update:</a:t>
-            </a:r>
-            <a:endParaRPr lang="en-US" dirty="0"/>
-          </a:p>
-        </p:txBody>
-      </p:sp>
-      <p:sp>
-        <p:nvSpPr>
-          <p:cNvPr id="5" name="Slide Number Placeholder 4"/>
-          <p:cNvSpPr>
-            <a:spLocks noGrp="1"/>
-          </p:cNvSpPr>
-          <p:nvPr>
-            <p:ph type="sldNum" sz="quarter" idx="12"/>
-          </p:nvPr>
-        </p:nvSpPr>
-        <p:spPr/>
-        <p:txBody>
-          <a:bodyPr/>
-          <a:lstStyle/>
-          <a:p>
-            <a:fld id="{4DBC7FC8-25FB-FC45-8177-2B991DA6778C}" type="slidenum">
-              <a:rPr lang="en-US" smtClean="0"/>
-              <a:t>10</a:t>
-            </a:fld>
-            <a:endParaRPr lang="en-US"/>
-          </a:p>
-        </p:txBody>
-      </p:sp>
-      <p:sp>
-        <p:nvSpPr>
           <p:cNvPr id="6" name="Content Placeholder 5"/>
           <p:cNvSpPr>
             <a:spLocks noGrp="1"/>
@@ -5203,6 +8161,52 @@
               <a:rPr lang="en-US" dirty="0"/>
               <a:t>The previous code kept the robot moving always. This version lets the robot rest if it is between 15-20 centimeters.</a:t>
             </a:r>
+          </a:p>
+        </p:txBody>
+      </p:sp>
+      <p:sp>
+        <p:nvSpPr>
+          <p:cNvPr id="3" name="Footer Placeholder 2"/>
+          <p:cNvSpPr>
+            <a:spLocks noGrp="1"/>
+          </p:cNvSpPr>
+          <p:nvPr>
+            <p:ph type="ftr" sz="quarter" idx="11"/>
+          </p:nvPr>
+        </p:nvSpPr>
+        <p:spPr/>
+        <p:txBody>
+          <a:bodyPr/>
+          <a:lstStyle/>
+          <a:p>
+            <a:r>
+              <a:rPr lang="de-DE" smtClean="0"/>
+              <a:t>© EV3Lessons.com, 2016 Last Update: (7/04/2016)</a:t>
+            </a:r>
+            <a:endParaRPr lang="en-US" dirty="0"/>
+          </a:p>
+        </p:txBody>
+      </p:sp>
+      <p:sp>
+        <p:nvSpPr>
+          <p:cNvPr id="5" name="Slide Number Placeholder 4"/>
+          <p:cNvSpPr>
+            <a:spLocks noGrp="1"/>
+          </p:cNvSpPr>
+          <p:nvPr>
+            <p:ph type="sldNum" sz="quarter" idx="12"/>
+          </p:nvPr>
+        </p:nvSpPr>
+        <p:spPr/>
+        <p:txBody>
+          <a:bodyPr/>
+          <a:lstStyle/>
+          <a:p>
+            <a:fld id="{4DBC7FC8-25FB-FC45-8177-2B991DA6778C}" type="slidenum">
+              <a:rPr lang="en-US" smtClean="0"/>
+              <a:t>10</a:t>
+            </a:fld>
+            <a:endParaRPr lang="en-US"/>
           </a:p>
         </p:txBody>
       </p:sp>
@@ -5215,8 +8219,14 @@
           <p:nvPr/>
         </p:nvPicPr>
         <p:blipFill rotWithShape="1">
-          <a:blip r:embed="rId3"/>
-          <a:srcRect l="8300" t="11992" r="35301" b="15996"/>
+          <a:blip r:embed="rId3" cstate="print">
+            <a:extLst>
+              <a:ext uri="{28A0092B-C50C-407E-A947-70E740481C1C}">
+                <a14:useLocalDpi xmlns:a14="http://schemas.microsoft.com/office/drawing/2010/main"/>
+              </a:ext>
+            </a:extLst>
+          </a:blip>
+          <a:srcRect/>
           <a:stretch/>
         </p:blipFill>
         <p:spPr>
@@ -5229,29 +8239,6 @@
           </a:prstGeom>
         </p:spPr>
       </p:pic>
-      <p:sp>
-        <p:nvSpPr>
-          <p:cNvPr id="8" name="Date Placeholder 7"/>
-          <p:cNvSpPr>
-            <a:spLocks noGrp="1"/>
-          </p:cNvSpPr>
-          <p:nvPr>
-            <p:ph type="dt" sz="half" idx="10"/>
-          </p:nvPr>
-        </p:nvSpPr>
-        <p:spPr/>
-        <p:txBody>
-          <a:bodyPr/>
-          <a:lstStyle/>
-          <a:p>
-            <a:fld id="{BF3C4910-5C2A-42FA-8DBA-585DD44299C6}" type="datetime1">
-              <a:rPr lang="en-US" smtClean="0"/>
-              <a:t>4/11/2016</a:t>
-            </a:fld>
-            <a:endParaRPr lang="en-US" dirty="0"/>
-          </a:p>
-        </p:txBody>
-      </p:sp>
     </p:spTree>
     <p:extLst>
       <p:ext uri="{BB962C8B-B14F-4D97-AF65-F5344CB8AC3E}">
@@ -5321,8 +8308,8 @@
         </p:nvSpPr>
         <p:spPr>
           <a:xfrm>
-            <a:off x="457200" y="1124832"/>
-            <a:ext cx="8245474" cy="4963057"/>
+            <a:off x="457200" y="1534886"/>
+            <a:ext cx="8245474" cy="4553003"/>
           </a:xfrm>
         </p:spPr>
         <p:txBody>
@@ -5337,8 +8324,17 @@
             </a:pPr>
             <a:r>
               <a:rPr lang="en-US" sz="1800" dirty="0"/>
-              <a:t>This tutorial was created by Sanjay Seshan and Arvind Seshan from Droids Robotics.</a:t>
-            </a:r>
+              <a:t>This tutorial was created by Sanjay Seshan and Arvind </a:t>
+            </a:r>
+            <a:r>
+              <a:rPr lang="en-US" sz="1800" dirty="0" err="1"/>
+              <a:t>Seshan</a:t>
+            </a:r>
+            <a:r>
+              <a:rPr lang="en-US" sz="1800" dirty="0"/>
+              <a:t> </a:t>
+            </a:r>
+            <a:endParaRPr lang="en-US" sz="1800" dirty="0" smtClean="0"/>
           </a:p>
           <a:p>
             <a:pPr marL="342900" indent="-342900">
@@ -5346,24 +8342,20 @@
               <a:buChar char="•"/>
             </a:pPr>
             <a:r>
+              <a:rPr lang="en-US" sz="1800" dirty="0" smtClean="0"/>
+              <a:t>More </a:t>
+            </a:r>
+            <a:r>
               <a:rPr lang="en-US" sz="1800" dirty="0"/>
-              <a:t>More lessons are available at www.ev3lessons.com</a:t>
-            </a:r>
-          </a:p>
-          <a:p>
-            <a:pPr marL="342900" indent="-342900">
-              <a:buFont typeface="Arial"/>
-              <a:buChar char="•"/>
-            </a:pPr>
-            <a:r>
-              <a:rPr lang="en-US" sz="1800" dirty="0"/>
-              <a:t>Author’s Email: </a:t>
-            </a:r>
-            <a:r>
-              <a:rPr lang="en-US" sz="1800" dirty="0">
-                <a:hlinkClick r:id="rId2"/>
-              </a:rPr>
-              <a:t>team@droidsrobotics.org</a:t>
+              <a:t>lessons are available at </a:t>
+            </a:r>
+            <a:r>
+              <a:rPr lang="en-US" sz="1800" dirty="0" smtClean="0"/>
+              <a:t>www.ev3lessons.com</a:t>
+            </a:r>
+            <a:r>
+              <a:rPr lang="en-US" sz="1800" b="0" dirty="0"/>
+              <a:t/>
             </a:r>
             <a:br>
               <a:rPr lang="en-US" sz="1800" b="0" dirty="0"/>
@@ -5388,10 +8380,33 @@
           <a:lstStyle/>
           <a:p>
             <a:r>
-              <a:rPr lang="en-US"/>
-              <a:t>© EV3Lessons.com, 2015 Last Update:</a:t>
+              <a:rPr lang="de-DE" smtClean="0"/>
+              <a:t>© EV3Lessons.com, 2016 Last Update: (7/04/2016)</a:t>
             </a:r>
             <a:endParaRPr lang="en-US" dirty="0"/>
+          </a:p>
+        </p:txBody>
+      </p:sp>
+      <p:sp>
+        <p:nvSpPr>
+          <p:cNvPr id="9" name="Slide Number Placeholder 8"/>
+          <p:cNvSpPr>
+            <a:spLocks noGrp="1"/>
+          </p:cNvSpPr>
+          <p:nvPr>
+            <p:ph type="sldNum" sz="quarter" idx="12"/>
+          </p:nvPr>
+        </p:nvSpPr>
+        <p:spPr/>
+        <p:txBody>
+          <a:bodyPr/>
+          <a:lstStyle/>
+          <a:p>
+            <a:fld id="{4DBC7FC8-25FB-FC45-8177-2B991DA6778C}" type="slidenum">
+              <a:rPr lang="en-US" smtClean="0"/>
+              <a:t>11</a:t>
+            </a:fld>
+            <a:endParaRPr lang="en-US"/>
           </a:p>
         </p:txBody>
       </p:sp>
@@ -5420,7 +8435,7 @@
           <a:effectLst/>
           <a:extLst>
             <a:ext uri="{91240B29-F687-4f45-9708-019B960494DF}">
-              <a14:hiddenLine xmlns="" xmlns:a14="http://schemas.microsoft.com/office/drawing/2010/main" w="9525">
+              <a14:hiddenLine xmlns:a14="http://schemas.microsoft.com/office/drawing/2010/main" xmlns="" w="9525">
                 <a:solidFill>
                   <a:schemeClr val="tx1"/>
                 </a:solidFill>
@@ -5430,7 +8445,7 @@
               </a14:hiddenLine>
             </a:ext>
             <a:ext uri="{AF507438-7753-43e0-B8FC-AC1667EBCBE1}">
-              <a14:hiddenEffects xmlns="" xmlns:a14="http://schemas.microsoft.com/office/drawing/2010/main">
+              <a14:hiddenEffects xmlns:a14="http://schemas.microsoft.com/office/drawing/2010/main" xmlns="">
                 <a:effectLst>
                   <a:outerShdw dist="35921" dir="2700000" algn="ctr" rotWithShape="0">
                     <a:schemeClr val="bg2"/>
@@ -5605,6 +8620,18 @@
               </a:rPr>
               <a:t>                         </a:t>
             </a:r>
+            <a:r>
+              <a:rPr kumimoji="0" lang="en-US" altLang="en-US" sz="1600" b="0" i="0" u="none" strike="noStrike" cap="none" normalizeH="0" baseline="0" dirty="0">
+                <a:ln>
+                  <a:noFill/>
+                </a:ln>
+                <a:solidFill>
+                  <a:schemeClr val="tx1"/>
+                </a:solidFill>
+                <a:effectLst/>
+              </a:rPr>
+              <a:t/>
+            </a:r>
             <a:br>
               <a:rPr kumimoji="0" lang="en-US" altLang="en-US" sz="1600" b="0" i="0" u="none" strike="noStrike" cap="none" normalizeH="0" baseline="0" dirty="0">
                 <a:ln>
@@ -5639,7 +8666,7 @@
                 </a:solidFill>
                 <a:effectLst/>
                 <a:latin typeface="Helvetica Neue"/>
-                <a:hlinkClick r:id="rId3"/>
+                <a:hlinkClick r:id="rId2"/>
               </a:rPr>
               <a:t>Creative Commons Attribution-</a:t>
             </a:r>
@@ -5653,7 +8680,7 @@
                 </a:solidFill>
                 <a:effectLst/>
                 <a:latin typeface="Helvetica Neue"/>
-                <a:hlinkClick r:id="rId3"/>
+                <a:hlinkClick r:id="rId2"/>
               </a:rPr>
               <a:t>NonCommercial</a:t>
             </a:r>
@@ -5667,7 +8694,7 @@
                 </a:solidFill>
                 <a:effectLst/>
                 <a:latin typeface="Helvetica Neue"/>
-                <a:hlinkClick r:id="rId3"/>
+                <a:hlinkClick r:id="rId2"/>
               </a:rPr>
               <a:t>-</a:t>
             </a:r>
@@ -5681,7 +8708,7 @@
                 </a:solidFill>
                 <a:effectLst/>
                 <a:latin typeface="Helvetica Neue"/>
-                <a:hlinkClick r:id="rId3"/>
+                <a:hlinkClick r:id="rId2"/>
               </a:rPr>
               <a:t>ShareAlike</a:t>
             </a:r>
@@ -5695,7 +8722,7 @@
                 </a:solidFill>
                 <a:effectLst/>
                 <a:latin typeface="Helvetica Neue"/>
-                <a:hlinkClick r:id="rId3"/>
+                <a:hlinkClick r:id="rId2"/>
               </a:rPr>
               <a:t> 4.0 International License</a:t>
             </a:r>
@@ -5740,7 +8767,7 @@
       <p:pic>
         <p:nvPicPr>
           <p:cNvPr id="2050" name="Picture 2" descr="Creative Commons License">
-            <a:hlinkClick r:id="rId3"/>
+            <a:hlinkClick r:id="rId2"/>
           </p:cNvPr>
           <p:cNvPicPr>
             <a:picLocks noChangeAspect="1" noChangeArrowheads="1"/>
@@ -5748,10 +8775,10 @@
           <p:nvPr/>
         </p:nvPicPr>
         <p:blipFill>
-          <a:blip r:embed="rId4">
+          <a:blip r:embed="rId3">
             <a:extLst>
               <a:ext uri="{28A0092B-C50C-407E-A947-70E740481C1C}">
-                <a14:useLocalDpi xmlns:a14="http://schemas.microsoft.com/office/drawing/2010/main" val="0"/>
+                <a14:useLocalDpi xmlns:a14="http://schemas.microsoft.com/office/drawing/2010/main"/>
               </a:ext>
             </a:extLst>
           </a:blip>
@@ -5771,7 +8798,7 @@
           <a:noFill/>
           <a:extLst>
             <a:ext uri="{909E8E84-426E-40dd-AFC4-6F175D3DCCD1}">
-              <a14:hiddenFill xmlns="" xmlns:a14="http://schemas.microsoft.com/office/drawing/2010/main">
+              <a14:hiddenFill xmlns:a14="http://schemas.microsoft.com/office/drawing/2010/main" xmlns="">
                 <a:solidFill>
                   <a:srgbClr val="FFFFFF"/>
                 </a:solidFill>
@@ -5780,52 +8807,6 @@
           </a:extLst>
         </p:spPr>
       </p:pic>
-      <p:sp>
-        <p:nvSpPr>
-          <p:cNvPr id="9" name="Slide Number Placeholder 8"/>
-          <p:cNvSpPr>
-            <a:spLocks noGrp="1"/>
-          </p:cNvSpPr>
-          <p:nvPr>
-            <p:ph type="sldNum" sz="quarter" idx="12"/>
-          </p:nvPr>
-        </p:nvSpPr>
-        <p:spPr/>
-        <p:txBody>
-          <a:bodyPr/>
-          <a:lstStyle/>
-          <a:p>
-            <a:fld id="{4DBC7FC8-25FB-FC45-8177-2B991DA6778C}" type="slidenum">
-              <a:rPr lang="en-US" smtClean="0"/>
-              <a:t>11</a:t>
-            </a:fld>
-            <a:endParaRPr lang="en-US"/>
-          </a:p>
-        </p:txBody>
-      </p:sp>
-      <p:sp>
-        <p:nvSpPr>
-          <p:cNvPr id="5" name="Date Placeholder 4"/>
-          <p:cNvSpPr>
-            <a:spLocks noGrp="1"/>
-          </p:cNvSpPr>
-          <p:nvPr>
-            <p:ph type="dt" sz="half" idx="10"/>
-          </p:nvPr>
-        </p:nvSpPr>
-        <p:spPr/>
-        <p:txBody>
-          <a:bodyPr/>
-          <a:lstStyle/>
-          <a:p>
-            <a:fld id="{E86D57B9-5A65-4F35-B96A-D010AB85BABE}" type="datetime1">
-              <a:rPr lang="en-US" smtClean="0"/>
-              <a:t>4/11/2016</a:t>
-            </a:fld>
-            <a:endParaRPr lang="en-US"/>
-          </a:p>
-        </p:txBody>
-      </p:sp>
     </p:spTree>
     <p:extLst>
       <p:ext uri="{BB962C8B-B14F-4D97-AF65-F5344CB8AC3E}">
@@ -5947,9 +8928,10 @@
           <a:lstStyle/>
           <a:p>
             <a:r>
-              <a:rPr lang="en-US"/>
-              <a:t>© EV3Lessons.com, 2015 Last Update:</a:t>
-            </a:r>
+              <a:rPr lang="de-DE" smtClean="0"/>
+              <a:t>© EV3Lessons.com, 2016 Last Update: (7/04/2016)</a:t>
+            </a:r>
+            <a:endParaRPr lang="en-US"/>
           </a:p>
         </p:txBody>
       </p:sp>
@@ -5971,29 +8953,6 @@
             <a:fld id="{4DBC7FC8-25FB-FC45-8177-2B991DA6778C}" type="slidenum">
               <a:rPr lang="en-US" smtClean="0"/>
               <a:t>2</a:t>
-            </a:fld>
-            <a:endParaRPr lang="en-US"/>
-          </a:p>
-        </p:txBody>
-      </p:sp>
-      <p:sp>
-        <p:nvSpPr>
-          <p:cNvPr id="6" name="Date Placeholder 5"/>
-          <p:cNvSpPr>
-            <a:spLocks noGrp="1"/>
-          </p:cNvSpPr>
-          <p:nvPr>
-            <p:ph type="dt" sz="half" idx="10"/>
-          </p:nvPr>
-        </p:nvSpPr>
-        <p:spPr/>
-        <p:txBody>
-          <a:bodyPr/>
-          <a:lstStyle/>
-          <a:p>
-            <a:fld id="{88B5D5C0-274E-4233-AC56-32001DB68E8B}" type="datetime1">
-              <a:rPr lang="en-US" smtClean="0"/>
-              <a:t>4/11/2016</a:t>
             </a:fld>
             <a:endParaRPr lang="en-US"/>
           </a:p>
@@ -6045,7 +9004,7 @@
           <a:lstStyle/>
           <a:p>
             <a:r>
-              <a:rPr lang="en-US"/>
+              <a:rPr lang="en-US" smtClean="0"/>
               <a:t>What is a sensor?</a:t>
             </a:r>
             <a:endParaRPr lang="en-US" dirty="0"/>
@@ -6077,7 +9036,7 @@
               <a:buChar char="•"/>
             </a:pPr>
             <a:r>
-              <a:rPr lang="en-US" dirty="0"/>
+              <a:rPr lang="en-US" dirty="0" smtClean="0"/>
               <a:t>A sensor lets an EV3 program measure and collect data about is surroundings</a:t>
             </a:r>
           </a:p>
@@ -6087,48 +9046,71 @@
               <a:buChar char="•"/>
             </a:pPr>
             <a:r>
-              <a:rPr lang="en-US" dirty="0"/>
+              <a:rPr lang="en-US" dirty="0" smtClean="0"/>
               <a:t>The EV3 sensors include:</a:t>
             </a:r>
           </a:p>
           <a:p>
             <a:pPr marL="800100" lvl="1" indent="-342900"/>
             <a:r>
-              <a:rPr lang="en-US" dirty="0"/>
+              <a:rPr lang="en-US" dirty="0" smtClean="0"/>
               <a:t>Color – measures color and darkness</a:t>
             </a:r>
           </a:p>
           <a:p>
             <a:pPr marL="800100" lvl="1" indent="-342900"/>
             <a:r>
-              <a:rPr lang="en-US" dirty="0"/>
+              <a:rPr lang="en-US" dirty="0" smtClean="0"/>
               <a:t>Gyro – measures rotation of robot </a:t>
             </a:r>
           </a:p>
           <a:p>
             <a:pPr marL="800100" lvl="1" indent="-342900"/>
             <a:r>
-              <a:rPr lang="en-US" dirty="0"/>
+              <a:rPr lang="en-US" dirty="0" smtClean="0"/>
               <a:t>Ultrasonic – measures distance to nearby surfaces</a:t>
             </a:r>
           </a:p>
           <a:p>
             <a:pPr marL="800100" lvl="1" indent="-342900"/>
             <a:r>
-              <a:rPr lang="en-US" dirty="0"/>
+              <a:rPr lang="en-US" dirty="0" smtClean="0"/>
               <a:t>Touch – measures contact with surface</a:t>
             </a:r>
           </a:p>
           <a:p>
             <a:pPr marL="800100" lvl="1" indent="-342900"/>
             <a:r>
-              <a:rPr lang="en-US" dirty="0"/>
+              <a:rPr lang="en-US" dirty="0" smtClean="0"/>
               <a:t>Infrared – measures IR remote’s signals</a:t>
             </a:r>
           </a:p>
           <a:p>
             <a:pPr marL="800100" lvl="1" indent="-342900"/>
-            <a:endParaRPr lang="en-US" dirty="0"/>
+            <a:endParaRPr lang="en-US" dirty="0" smtClean="0"/>
+          </a:p>
+        </p:txBody>
+      </p:sp>
+      <p:sp>
+        <p:nvSpPr>
+          <p:cNvPr id="5" name="Footer Placeholder 4"/>
+          <p:cNvSpPr>
+            <a:spLocks noGrp="1"/>
+          </p:cNvSpPr>
+          <p:nvPr>
+            <p:ph type="ftr" sz="quarter" idx="11"/>
+          </p:nvPr>
+        </p:nvSpPr>
+        <p:spPr/>
+        <p:txBody>
+          <a:bodyPr/>
+          <a:lstStyle/>
+          <a:p>
+            <a:r>
+              <a:rPr lang="de-DE" smtClean="0"/>
+              <a:t>© EV3Lessons.com, 2016 Last Update: (7/04/2016)</a:t>
+            </a:r>
+            <a:endParaRPr lang="en-US"/>
           </a:p>
         </p:txBody>
       </p:sp>
@@ -6168,7 +9150,7 @@
           <a:blip r:embed="rId3">
             <a:extLst>
               <a:ext uri="{28A0092B-C50C-407E-A947-70E740481C1C}">
-                <a14:useLocalDpi xmlns:a14="http://schemas.microsoft.com/office/drawing/2010/main" val="0"/>
+                <a14:useLocalDpi xmlns:a14="http://schemas.microsoft.com/office/drawing/2010/main"/>
               </a:ext>
             </a:extLst>
           </a:blip>
@@ -6179,7 +9161,7 @@
         </p:blipFill>
         <p:spPr bwMode="auto">
           <a:xfrm>
-            <a:off x="1126837" y="4346768"/>
+            <a:off x="786179" y="4297339"/>
             <a:ext cx="5715070" cy="1828824"/>
           </a:xfrm>
           <a:prstGeom prst="rect">
@@ -6188,7 +9170,7 @@
           <a:noFill/>
           <a:extLst>
             <a:ext uri="{909E8E84-426E-40dd-AFC4-6F175D3DCCD1}">
-              <a14:hiddenFill xmlns="" xmlns:a14="http://schemas.microsoft.com/office/drawing/2010/main">
+              <a14:hiddenFill xmlns:a14="http://schemas.microsoft.com/office/drawing/2010/main" xmlns="">
                 <a:solidFill>
                   <a:srgbClr val="FFFFFF"/>
                 </a:solidFill>
@@ -6205,7 +9187,7 @@
         </p:nvSpPr>
         <p:spPr>
           <a:xfrm>
-            <a:off x="457200" y="6225020"/>
+            <a:off x="457199" y="6280694"/>
             <a:ext cx="7369475" cy="261610"/>
           </a:xfrm>
           <a:prstGeom prst="rect">
@@ -6227,64 +9209,85 @@
               <a:rPr lang="en-US" sz="1100" dirty="0">
                 <a:hlinkClick r:id="rId4"/>
               </a:rPr>
-              <a:t>http://www.ucalgary.ca/IOSTEM/files/IOSTEM/media_crop/44/public/sensors.jpg</a:t>
-            </a:r>
-            <a:r>
-              <a:rPr lang="en-US" sz="1100" dirty="0"/>
+              <a:t>http://</a:t>
+            </a:r>
+            <a:r>
+              <a:rPr lang="en-US" sz="1100" dirty="0" smtClean="0">
+                <a:hlinkClick r:id="rId4"/>
+              </a:rPr>
+              <a:t>www.ucalgary.ca/IOSTEM/files/IOSTEM/media_crop/44/public/sensors.jpg</a:t>
+            </a:r>
+            <a:r>
+              <a:rPr lang="en-US" sz="1100" dirty="0" smtClean="0"/>
               <a:t>  </a:t>
             </a:r>
-          </a:p>
-        </p:txBody>
-      </p:sp>
-      <p:sp>
-        <p:nvSpPr>
-          <p:cNvPr id="5" name="Footer Placeholder 4"/>
-          <p:cNvSpPr>
-            <a:spLocks noGrp="1"/>
-          </p:cNvSpPr>
-          <p:nvPr>
-            <p:ph type="ftr" sz="quarter" idx="11"/>
-          </p:nvPr>
-        </p:nvSpPr>
-        <p:spPr/>
-        <p:txBody>
-          <a:bodyPr/>
-          <a:lstStyle/>
-          <a:p>
-            <a:r>
-              <a:rPr lang="en-US"/>
-              <a:t>© EV3Lessons.com, 2015 Last Update:</a:t>
-            </a:r>
-          </a:p>
-        </p:txBody>
-      </p:sp>
-      <p:sp>
-        <p:nvSpPr>
-          <p:cNvPr id="6" name="Date Placeholder 5"/>
-          <p:cNvSpPr>
-            <a:spLocks noGrp="1"/>
-          </p:cNvSpPr>
-          <p:nvPr>
-            <p:ph type="dt" sz="half" idx="10"/>
-          </p:nvPr>
-        </p:nvSpPr>
-        <p:spPr/>
-        <p:txBody>
-          <a:bodyPr/>
-          <a:lstStyle/>
-          <a:p>
-            <a:fld id="{802FCE90-D163-4825-B32D-00BF6CDE3F84}" type="datetime1">
-              <a:rPr lang="en-US" smtClean="0"/>
-              <a:t>4/11/2016</a:t>
-            </a:fld>
-            <a:endParaRPr lang="en-US"/>
+            <a:endParaRPr lang="en-US" sz="1100" dirty="0"/>
+          </a:p>
+        </p:txBody>
+      </p:sp>
+      <p:pic>
+        <p:nvPicPr>
+          <p:cNvPr id="6" name="Picture 5"/>
+          <p:cNvPicPr>
+            <a:picLocks noChangeAspect="1"/>
+          </p:cNvPicPr>
+          <p:nvPr/>
+        </p:nvPicPr>
+        <p:blipFill rotWithShape="1">
+          <a:blip r:embed="rId5" cstate="print">
+            <a:extLst>
+              <a:ext uri="{28A0092B-C50C-407E-A947-70E740481C1C}">
+                <a14:useLocalDpi xmlns:a14="http://schemas.microsoft.com/office/drawing/2010/main"/>
+              </a:ext>
+            </a:extLst>
+          </a:blip>
+          <a:srcRect/>
+          <a:stretch/>
+        </p:blipFill>
+        <p:spPr>
+          <a:xfrm>
+            <a:off x="6637774" y="4297339"/>
+            <a:ext cx="1587717" cy="1753105"/>
+          </a:xfrm>
+          <a:prstGeom prst="rect">
+            <a:avLst/>
+          </a:prstGeom>
+        </p:spPr>
+      </p:pic>
+      <p:sp>
+        <p:nvSpPr>
+          <p:cNvPr id="7" name="TextBox 6"/>
+          <p:cNvSpPr txBox="1"/>
+          <p:nvPr/>
+        </p:nvSpPr>
+        <p:spPr>
+          <a:xfrm>
+            <a:off x="6966976" y="5801527"/>
+            <a:ext cx="1326777" cy="261610"/>
+          </a:xfrm>
+          <a:prstGeom prst="rect">
+            <a:avLst/>
+          </a:prstGeom>
+          <a:noFill/>
+        </p:spPr>
+        <p:txBody>
+          <a:bodyPr wrap="square" rtlCol="0">
+            <a:spAutoFit/>
+          </a:bodyPr>
+          <a:lstStyle/>
+          <a:p>
+            <a:r>
+              <a:rPr lang="en-US" sz="1100" dirty="0" smtClean="0"/>
+              <a:t>Infrared Sensor</a:t>
+            </a:r>
+            <a:endParaRPr lang="en-US" sz="1100" dirty="0"/>
           </a:p>
         </p:txBody>
       </p:sp>
     </p:spTree>
     <p:extLst>
       <p:ext uri="{BB962C8B-B14F-4D97-AF65-F5344CB8AC3E}">
-        <p14:creationId xmlns:p14="http://schemas.microsoft.com/office/powerpoint/2010/main" val="872761756"/>
+        <p14:creationId xmlns:p14="http://schemas.microsoft.com/office/powerpoint/2010/main" val="115820228"/>
       </p:ext>
     </p:extLst>
   </p:cSld>
@@ -6419,9 +9422,10 @@
           <a:lstStyle/>
           <a:p>
             <a:r>
-              <a:rPr lang="en-US"/>
-              <a:t>© EV3Lessons.com, 2015 Last Update:</a:t>
-            </a:r>
+              <a:rPr lang="de-DE" smtClean="0"/>
+              <a:t>© EV3Lessons.com, 2016 Last Update: (7/04/2016)</a:t>
+            </a:r>
+            <a:endParaRPr lang="en-US"/>
           </a:p>
         </p:txBody>
       </p:sp>
@@ -6460,7 +9464,7 @@
           <a:blip r:embed="rId2">
             <a:extLst>
               <a:ext uri="{28A0092B-C50C-407E-A947-70E740481C1C}">
-                <a14:useLocalDpi xmlns:a14="http://schemas.microsoft.com/office/drawing/2010/main" val="0"/>
+                <a14:useLocalDpi xmlns:a14="http://schemas.microsoft.com/office/drawing/2010/main"/>
               </a:ext>
             </a:extLst>
           </a:blip>
@@ -6490,7 +9494,7 @@
           <a:blip r:embed="rId3">
             <a:extLst>
               <a:ext uri="{28A0092B-C50C-407E-A947-70E740481C1C}">
-                <a14:useLocalDpi xmlns:a14="http://schemas.microsoft.com/office/drawing/2010/main" val="0"/>
+                <a14:useLocalDpi xmlns:a14="http://schemas.microsoft.com/office/drawing/2010/main"/>
               </a:ext>
             </a:extLst>
           </a:blip>
@@ -6520,7 +9524,7 @@
           <a:blip r:embed="rId4">
             <a:extLst>
               <a:ext uri="{28A0092B-C50C-407E-A947-70E740481C1C}">
-                <a14:useLocalDpi xmlns:a14="http://schemas.microsoft.com/office/drawing/2010/main" val="0"/>
+                <a14:useLocalDpi xmlns:a14="http://schemas.microsoft.com/office/drawing/2010/main"/>
               </a:ext>
             </a:extLst>
           </a:blip>
@@ -6668,29 +9672,6 @@
               </a:rPr>
               <a:t>VS.</a:t>
             </a:r>
-          </a:p>
-        </p:txBody>
-      </p:sp>
-      <p:sp>
-        <p:nvSpPr>
-          <p:cNvPr id="8" name="Date Placeholder 7"/>
-          <p:cNvSpPr>
-            <a:spLocks noGrp="1"/>
-          </p:cNvSpPr>
-          <p:nvPr>
-            <p:ph type="dt" sz="half" idx="10"/>
-          </p:nvPr>
-        </p:nvSpPr>
-        <p:spPr/>
-        <p:txBody>
-          <a:bodyPr/>
-          <a:lstStyle/>
-          <a:p>
-            <a:fld id="{98373901-8429-4BAB-A628-CDB538BE98D1}" type="datetime1">
-              <a:rPr lang="en-US" smtClean="0"/>
-              <a:t>4/11/2016</a:t>
-            </a:fld>
-            <a:endParaRPr lang="en-US"/>
           </a:p>
         </p:txBody>
       </p:sp>
@@ -6855,6 +9836,52 @@
       </p:sp>
       <p:sp>
         <p:nvSpPr>
+          <p:cNvPr id="4" name="Footer Placeholder 3"/>
+          <p:cNvSpPr>
+            <a:spLocks noGrp="1"/>
+          </p:cNvSpPr>
+          <p:nvPr>
+            <p:ph type="ftr" sz="quarter" idx="11"/>
+          </p:nvPr>
+        </p:nvSpPr>
+        <p:spPr/>
+        <p:txBody>
+          <a:bodyPr/>
+          <a:lstStyle/>
+          <a:p>
+            <a:r>
+              <a:rPr lang="de-DE" smtClean="0"/>
+              <a:t>© EV3Lessons.com, 2016 Last Update: (7/04/2016)</a:t>
+            </a:r>
+            <a:endParaRPr lang="en-US"/>
+          </a:p>
+        </p:txBody>
+      </p:sp>
+      <p:sp>
+        <p:nvSpPr>
+          <p:cNvPr id="5" name="Slide Number Placeholder 4"/>
+          <p:cNvSpPr>
+            <a:spLocks noGrp="1"/>
+          </p:cNvSpPr>
+          <p:nvPr>
+            <p:ph type="sldNum" sz="quarter" idx="12"/>
+          </p:nvPr>
+        </p:nvSpPr>
+        <p:spPr/>
+        <p:txBody>
+          <a:bodyPr/>
+          <a:lstStyle/>
+          <a:p>
+            <a:fld id="{4DBC7FC8-25FB-FC45-8177-2B991DA6778C}" type="slidenum">
+              <a:rPr lang="en-US" smtClean="0"/>
+              <a:t>5</a:t>
+            </a:fld>
+            <a:endParaRPr lang="en-US"/>
+          </a:p>
+        </p:txBody>
+      </p:sp>
+      <p:sp>
+        <p:nvSpPr>
           <p:cNvPr id="9" name="Oval 8"/>
           <p:cNvSpPr/>
           <p:nvPr/>
@@ -6893,74 +9920,6 @@
           <a:lstStyle/>
           <a:p>
             <a:pPr algn="ctr"/>
-            <a:endParaRPr lang="en-US"/>
-          </a:p>
-        </p:txBody>
-      </p:sp>
-      <p:sp>
-        <p:nvSpPr>
-          <p:cNvPr id="4" name="Footer Placeholder 3"/>
-          <p:cNvSpPr>
-            <a:spLocks noGrp="1"/>
-          </p:cNvSpPr>
-          <p:nvPr>
-            <p:ph type="ftr" sz="quarter" idx="11"/>
-          </p:nvPr>
-        </p:nvSpPr>
-        <p:spPr/>
-        <p:txBody>
-          <a:bodyPr/>
-          <a:lstStyle/>
-          <a:p>
-            <a:r>
-              <a:rPr lang="en-US"/>
-              <a:t>© EV3Lessons.com, 2015 Last Update:</a:t>
-            </a:r>
-          </a:p>
-        </p:txBody>
-      </p:sp>
-      <p:sp>
-        <p:nvSpPr>
-          <p:cNvPr id="5" name="Slide Number Placeholder 4"/>
-          <p:cNvSpPr>
-            <a:spLocks noGrp="1"/>
-          </p:cNvSpPr>
-          <p:nvPr>
-            <p:ph type="sldNum" sz="quarter" idx="12"/>
-          </p:nvPr>
-        </p:nvSpPr>
-        <p:spPr/>
-        <p:txBody>
-          <a:bodyPr/>
-          <a:lstStyle/>
-          <a:p>
-            <a:fld id="{4DBC7FC8-25FB-FC45-8177-2B991DA6778C}" type="slidenum">
-              <a:rPr lang="en-US" smtClean="0"/>
-              <a:t>5</a:t>
-            </a:fld>
-            <a:endParaRPr lang="en-US"/>
-          </a:p>
-        </p:txBody>
-      </p:sp>
-      <p:sp>
-        <p:nvSpPr>
-          <p:cNvPr id="8" name="Date Placeholder 7"/>
-          <p:cNvSpPr>
-            <a:spLocks noGrp="1"/>
-          </p:cNvSpPr>
-          <p:nvPr>
-            <p:ph type="dt" sz="half" idx="10"/>
-          </p:nvPr>
-        </p:nvSpPr>
-        <p:spPr/>
-        <p:txBody>
-          <a:bodyPr/>
-          <a:lstStyle/>
-          <a:p>
-            <a:fld id="{C796DE04-5576-435C-A4BF-9039E4138867}" type="datetime1">
-              <a:rPr lang="en-US" smtClean="0"/>
-              <a:t>4/11/2016</a:t>
-            </a:fld>
             <a:endParaRPr lang="en-US"/>
           </a:p>
         </p:txBody>
@@ -7022,51 +9981,6 @@
           </a:p>
         </p:txBody>
       </p:sp>
-      <p:sp>
-        <p:nvSpPr>
-          <p:cNvPr id="3" name="Footer Placeholder 2"/>
-          <p:cNvSpPr>
-            <a:spLocks noGrp="1"/>
-          </p:cNvSpPr>
-          <p:nvPr>
-            <p:ph type="ftr" sz="quarter" idx="11"/>
-          </p:nvPr>
-        </p:nvSpPr>
-        <p:spPr/>
-        <p:txBody>
-          <a:bodyPr/>
-          <a:lstStyle/>
-          <a:p>
-            <a:r>
-              <a:rPr lang="en-US"/>
-              <a:t>© EV3Lessons.com, 2015 Last Update:</a:t>
-            </a:r>
-          </a:p>
-        </p:txBody>
-      </p:sp>
-      <p:sp>
-        <p:nvSpPr>
-          <p:cNvPr id="6" name="Slide Number Placeholder 5"/>
-          <p:cNvSpPr>
-            <a:spLocks noGrp="1"/>
-          </p:cNvSpPr>
-          <p:nvPr>
-            <p:ph type="sldNum" sz="quarter" idx="12"/>
-          </p:nvPr>
-        </p:nvSpPr>
-        <p:spPr/>
-        <p:txBody>
-          <a:bodyPr/>
-          <a:lstStyle/>
-          <a:p>
-            <a:fld id="{4DBC7FC8-25FB-FC45-8177-2B991DA6778C}" type="slidenum">
-              <a:rPr lang="en-US" smtClean="0"/>
-              <a:t>6</a:t>
-            </a:fld>
-            <a:endParaRPr lang="en-US"/>
-          </a:p>
-        </p:txBody>
-      </p:sp>
       <p:pic>
         <p:nvPicPr>
           <p:cNvPr id="9" name="Content Placeholder 8" descr="Screen Clipping"/>
@@ -7092,12 +10006,12 @@
       </p:pic>
       <p:sp>
         <p:nvSpPr>
-          <p:cNvPr id="10" name="Date Placeholder 9"/>
-          <p:cNvSpPr>
-            <a:spLocks noGrp="1"/>
-          </p:cNvSpPr>
-          <p:nvPr>
-            <p:ph type="dt" sz="half" idx="10"/>
+          <p:cNvPr id="3" name="Footer Placeholder 2"/>
+          <p:cNvSpPr>
+            <a:spLocks noGrp="1"/>
+          </p:cNvSpPr>
+          <p:nvPr>
+            <p:ph type="ftr" sz="quarter" idx="11"/>
           </p:nvPr>
         </p:nvSpPr>
         <p:spPr/>
@@ -7105,9 +10019,32 @@
           <a:bodyPr/>
           <a:lstStyle/>
           <a:p>
-            <a:fld id="{A570B385-7173-4C99-BE5F-A64FF85446F2}" type="datetime1">
-              <a:rPr lang="en-US" smtClean="0"/>
-              <a:t>4/11/2016</a:t>
+            <a:r>
+              <a:rPr lang="de-DE" smtClean="0"/>
+              <a:t>© EV3Lessons.com, 2016 Last Update: (7/04/2016)</a:t>
+            </a:r>
+            <a:endParaRPr lang="en-US"/>
+          </a:p>
+        </p:txBody>
+      </p:sp>
+      <p:sp>
+        <p:nvSpPr>
+          <p:cNvPr id="6" name="Slide Number Placeholder 5"/>
+          <p:cNvSpPr>
+            <a:spLocks noGrp="1"/>
+          </p:cNvSpPr>
+          <p:nvPr>
+            <p:ph type="sldNum" sz="quarter" idx="12"/>
+          </p:nvPr>
+        </p:nvSpPr>
+        <p:spPr/>
+        <p:txBody>
+          <a:bodyPr/>
+          <a:lstStyle/>
+          <a:p>
+            <a:fld id="{4DBC7FC8-25FB-FC45-8177-2B991DA6778C}" type="slidenum">
+              <a:rPr lang="en-US" smtClean="0"/>
+              <a:t>6</a:t>
             </a:fld>
             <a:endParaRPr lang="en-US"/>
           </a:p>
@@ -7181,9 +10118,10 @@
           <a:lstStyle/>
           <a:p>
             <a:r>
-              <a:rPr lang="en-US"/>
-              <a:t>© EV3Lessons.com, 2015 Last Update:</a:t>
-            </a:r>
+              <a:rPr lang="de-DE" smtClean="0"/>
+              <a:t>© EV3Lessons.com, 2016 Last Update: (7/04/2016)</a:t>
+            </a:r>
+            <a:endParaRPr lang="en-US"/>
           </a:p>
         </p:txBody>
       </p:sp>
@@ -7222,7 +10160,7 @@
           <a:blip r:embed="rId2">
             <a:extLst>
               <a:ext uri="{28A0092B-C50C-407E-A947-70E740481C1C}">
-                <a14:useLocalDpi xmlns:a14="http://schemas.microsoft.com/office/drawing/2010/main" val="0"/>
+                <a14:useLocalDpi xmlns:a14="http://schemas.microsoft.com/office/drawing/2010/main"/>
               </a:ext>
             </a:extLst>
           </a:blip>
@@ -7281,7 +10219,7 @@
           <a:blip r:embed="rId3">
             <a:extLst>
               <a:ext uri="{28A0092B-C50C-407E-A947-70E740481C1C}">
-                <a14:useLocalDpi xmlns:a14="http://schemas.microsoft.com/office/drawing/2010/main" val="0"/>
+                <a14:useLocalDpi xmlns:a14="http://schemas.microsoft.com/office/drawing/2010/main"/>
               </a:ext>
             </a:extLst>
           </a:blip>
@@ -7340,7 +10278,7 @@
           <a:blip r:embed="rId4">
             <a:extLst>
               <a:ext uri="{28A0092B-C50C-407E-A947-70E740481C1C}">
-                <a14:useLocalDpi xmlns:a14="http://schemas.microsoft.com/office/drawing/2010/main" val="0"/>
+                <a14:useLocalDpi xmlns:a14="http://schemas.microsoft.com/office/drawing/2010/main"/>
               </a:ext>
             </a:extLst>
           </a:blip>
@@ -7387,29 +10325,6 @@
           </a:sp3d>
         </p:spPr>
       </p:pic>
-      <p:sp>
-        <p:nvSpPr>
-          <p:cNvPr id="3" name="Date Placeholder 2"/>
-          <p:cNvSpPr>
-            <a:spLocks noGrp="1"/>
-          </p:cNvSpPr>
-          <p:nvPr>
-            <p:ph type="dt" sz="half" idx="10"/>
-          </p:nvPr>
-        </p:nvSpPr>
-        <p:spPr/>
-        <p:txBody>
-          <a:bodyPr/>
-          <a:lstStyle/>
-          <a:p>
-            <a:fld id="{E4F86504-1703-4974-ADDA-9F1116292BEA}" type="datetime1">
-              <a:rPr lang="en-US" smtClean="0"/>
-              <a:t>4/11/2016</a:t>
-            </a:fld>
-            <a:endParaRPr lang="en-US"/>
-          </a:p>
-        </p:txBody>
-      </p:sp>
     </p:spTree>
     <p:extLst>
       <p:ext uri="{BB962C8B-B14F-4D97-AF65-F5344CB8AC3E}">
@@ -7556,9 +10471,10 @@
           <a:lstStyle/>
           <a:p>
             <a:r>
-              <a:rPr lang="en-US"/>
-              <a:t>© EV3Lessons.com, 2015 Last Update:</a:t>
-            </a:r>
+              <a:rPr lang="de-DE" smtClean="0"/>
+              <a:t>© EV3Lessons.com, 2016 Last Update: (7/04/2016)</a:t>
+            </a:r>
+            <a:endParaRPr lang="en-US"/>
           </a:p>
         </p:txBody>
       </p:sp>
@@ -7594,8 +10510,14 @@
           <p:nvPr/>
         </p:nvPicPr>
         <p:blipFill rotWithShape="1">
-          <a:blip r:embed="rId2"/>
-          <a:srcRect l="49900" t="14030" r="2601" b="3466"/>
+          <a:blip r:embed="rId2" cstate="print">
+            <a:extLst>
+              <a:ext uri="{28A0092B-C50C-407E-A947-70E740481C1C}">
+                <a14:useLocalDpi xmlns:a14="http://schemas.microsoft.com/office/drawing/2010/main"/>
+              </a:ext>
+            </a:extLst>
+          </a:blip>
+          <a:srcRect/>
           <a:stretch/>
         </p:blipFill>
         <p:spPr>
@@ -7608,29 +10530,6 @@
           </a:prstGeom>
         </p:spPr>
       </p:pic>
-      <p:sp>
-        <p:nvSpPr>
-          <p:cNvPr id="10" name="Date Placeholder 9"/>
-          <p:cNvSpPr>
-            <a:spLocks noGrp="1"/>
-          </p:cNvSpPr>
-          <p:nvPr>
-            <p:ph type="dt" sz="half" idx="10"/>
-          </p:nvPr>
-        </p:nvSpPr>
-        <p:spPr/>
-        <p:txBody>
-          <a:bodyPr/>
-          <a:lstStyle/>
-          <a:p>
-            <a:fld id="{70E9F28C-3B7E-4220-BFEC-11294F8A6607}" type="datetime1">
-              <a:rPr lang="en-US" smtClean="0"/>
-              <a:t>4/11/2016</a:t>
-            </a:fld>
-            <a:endParaRPr lang="en-US"/>
-          </a:p>
-        </p:txBody>
-      </p:sp>
     </p:spTree>
     <p:extLst>
       <p:ext uri="{BB962C8B-B14F-4D97-AF65-F5344CB8AC3E}">
@@ -7704,9 +10603,10 @@
           <a:lstStyle/>
           <a:p>
             <a:r>
-              <a:rPr lang="en-US"/>
-              <a:t>© EV3Lessons.com, 2015 Last Update:</a:t>
-            </a:r>
+              <a:rPr lang="de-DE" smtClean="0"/>
+              <a:t>© EV3Lessons.com, 2016 Last Update: (7/04/2016)</a:t>
+            </a:r>
+            <a:endParaRPr lang="en-US"/>
           </a:p>
         </p:txBody>
       </p:sp>
@@ -7728,29 +10628,6 @@
             <a:fld id="{4DBC7FC8-25FB-FC45-8177-2B991DA6778C}" type="slidenum">
               <a:rPr lang="en-US" smtClean="0"/>
               <a:t>9</a:t>
-            </a:fld>
-            <a:endParaRPr lang="en-US"/>
-          </a:p>
-        </p:txBody>
-      </p:sp>
-      <p:sp>
-        <p:nvSpPr>
-          <p:cNvPr id="9" name="Date Placeholder 8"/>
-          <p:cNvSpPr>
-            <a:spLocks noGrp="1"/>
-          </p:cNvSpPr>
-          <p:nvPr>
-            <p:ph type="dt" sz="half" idx="10"/>
-          </p:nvPr>
-        </p:nvSpPr>
-        <p:spPr/>
-        <p:txBody>
-          <a:bodyPr/>
-          <a:lstStyle/>
-          <a:p>
-            <a:fld id="{36E3D3E1-7629-495D-8A67-D1C1C725A0EF}" type="datetime1">
-              <a:rPr lang="en-US" smtClean="0"/>
-              <a:t>4/11/2016</a:t>
             </a:fld>
             <a:endParaRPr lang="en-US"/>
           </a:p>
@@ -7765,7 +10642,7 @@
           <p:nvPr/>
         </p:nvPicPr>
         <p:blipFill>
-          <a:blip r:embed="rId2"/>
+          <a:blip r:embed="rId3"/>
           <a:stretch>
             <a:fillRect/>
           </a:stretch>
@@ -7794,7 +10671,7 @@
 </file>
 
 <file path=ppt/theme/theme1.xml><?xml version="1.0" encoding="utf-8"?>
-<a:theme xmlns:a="http://schemas.openxmlformats.org/drawingml/2006/main" name="Essential">
+<a:theme xmlns:a="http://schemas.openxmlformats.org/drawingml/2006/main" name="beginner">
   <a:themeElements>
     <a:clrScheme name="Essential">
       <a:dk1>
@@ -8043,11 +10920,16 @@
   </a:themeElements>
   <a:objectDefaults/>
   <a:extraClrSchemeLst/>
+  <a:extLst>
+    <a:ext uri="{05A4C25C-085E-4340-85A3-A5531E510DB2}">
+      <thm15:themeFamily xmlns:thm15="http://schemas.microsoft.com/office/thememl/2012/main" name="beginner" id="{AEF29D72-34CC-C448-A679-08550D2D21D1}" vid="{04B54D62-7BE5-DF47-9F85-5B9FEF4E3E09}"/>
+    </a:ext>
+  </a:extLst>
 </a:theme>
 </file>
 
 <file path=ppt/theme/theme2.xml><?xml version="1.0" encoding="utf-8"?>
-<a:theme xmlns:a="http://schemas.openxmlformats.org/drawingml/2006/main" name="Office Theme">
+<a:theme xmlns:a="http://schemas.openxmlformats.org/drawingml/2006/main" name="Custom Design">
   <a:themeElements>
     <a:clrScheme name="Office">
       <a:dk1>
@@ -8057,39 +10939,39 @@
         <a:sysClr val="window" lastClr="FFFFFF"/>
       </a:lt1>
       <a:dk2>
-        <a:srgbClr val="1F497D"/>
+        <a:srgbClr val="44546A"/>
       </a:dk2>
       <a:lt2>
-        <a:srgbClr val="EEECE1"/>
+        <a:srgbClr val="E7E6E6"/>
       </a:lt2>
       <a:accent1>
-        <a:srgbClr val="4F81BD"/>
+        <a:srgbClr val="5B9BD5"/>
       </a:accent1>
       <a:accent2>
-        <a:srgbClr val="C0504D"/>
+        <a:srgbClr val="ED7D31"/>
       </a:accent2>
       <a:accent3>
-        <a:srgbClr val="9BBB59"/>
+        <a:srgbClr val="A5A5A5"/>
       </a:accent3>
       <a:accent4>
-        <a:srgbClr val="8064A2"/>
+        <a:srgbClr val="FFC000"/>
       </a:accent4>
       <a:accent5>
-        <a:srgbClr val="4BACC6"/>
+        <a:srgbClr val="4472C4"/>
       </a:accent5>
       <a:accent6>
-        <a:srgbClr val="F79646"/>
+        <a:srgbClr val="70AD47"/>
       </a:accent6>
       <a:hlink>
-        <a:srgbClr val="0000FF"/>
+        <a:srgbClr val="0563C1"/>
       </a:hlink>
       <a:folHlink>
-        <a:srgbClr val="800080"/>
+        <a:srgbClr val="954F72"/>
       </a:folHlink>
     </a:clrScheme>
     <a:fontScheme name="Office">
       <a:majorFont>
-        <a:latin typeface="Calibri"/>
+        <a:latin typeface="Calibri Light"/>
         <a:ea typeface=""/>
         <a:cs typeface=""/>
         <a:font script="Jpan" typeface="ＭＳ Ｐゴシック"/>
@@ -8168,201 +11050,142 @@
           <a:gsLst>
             <a:gs pos="0">
               <a:schemeClr val="phClr">
-                <a:tint val="50000"/>
-                <a:satMod val="300000"/>
+                <a:lumMod val="110000"/>
+                <a:satMod val="105000"/>
+                <a:tint val="67000"/>
               </a:schemeClr>
             </a:gs>
-            <a:gs pos="35000">
+            <a:gs pos="50000">
               <a:schemeClr val="phClr">
-                <a:tint val="37000"/>
-                <a:satMod val="300000"/>
+                <a:lumMod val="105000"/>
+                <a:satMod val="103000"/>
+                <a:tint val="73000"/>
               </a:schemeClr>
             </a:gs>
             <a:gs pos="100000">
               <a:schemeClr val="phClr">
-                <a:tint val="15000"/>
-                <a:satMod val="350000"/>
+                <a:lumMod val="105000"/>
+                <a:satMod val="109000"/>
+                <a:tint val="81000"/>
               </a:schemeClr>
             </a:gs>
           </a:gsLst>
-          <a:lin ang="16200000" scaled="1"/>
+          <a:lin ang="5400000" scaled="0"/>
         </a:gradFill>
         <a:gradFill rotWithShape="1">
           <a:gsLst>
             <a:gs pos="0">
               <a:schemeClr val="phClr">
-                <a:tint val="100000"/>
+                <a:satMod val="103000"/>
+                <a:lumMod val="102000"/>
+                <a:tint val="94000"/>
+              </a:schemeClr>
+            </a:gs>
+            <a:gs pos="50000">
+              <a:schemeClr val="phClr">
+                <a:satMod val="110000"/>
+                <a:lumMod val="100000"/>
                 <a:shade val="100000"/>
-                <a:satMod val="130000"/>
               </a:schemeClr>
             </a:gs>
             <a:gs pos="100000">
               <a:schemeClr val="phClr">
-                <a:tint val="50000"/>
-                <a:shade val="100000"/>
-                <a:satMod val="350000"/>
+                <a:lumMod val="99000"/>
+                <a:satMod val="120000"/>
+                <a:shade val="78000"/>
               </a:schemeClr>
             </a:gs>
           </a:gsLst>
-          <a:lin ang="16200000" scaled="0"/>
+          <a:lin ang="5400000" scaled="0"/>
         </a:gradFill>
       </a:fillStyleLst>
       <a:lnStyleLst>
-        <a:ln w="9525" cap="flat" cmpd="sng" algn="ctr">
-          <a:solidFill>
-            <a:schemeClr val="phClr">
-              <a:shade val="95000"/>
-              <a:satMod val="105000"/>
-            </a:schemeClr>
-          </a:solidFill>
-          <a:prstDash val="solid"/>
-        </a:ln>
-        <a:ln w="25400" cap="flat" cmpd="sng" algn="ctr">
+        <a:ln w="6350" cap="flat" cmpd="sng" algn="ctr">
           <a:solidFill>
             <a:schemeClr val="phClr"/>
           </a:solidFill>
           <a:prstDash val="solid"/>
+          <a:miter lim="800000"/>
         </a:ln>
-        <a:ln w="38100" cap="flat" cmpd="sng" algn="ctr">
+        <a:ln w="12700" cap="flat" cmpd="sng" algn="ctr">
           <a:solidFill>
             <a:schemeClr val="phClr"/>
           </a:solidFill>
           <a:prstDash val="solid"/>
+          <a:miter lim="800000"/>
+        </a:ln>
+        <a:ln w="19050" cap="flat" cmpd="sng" algn="ctr">
+          <a:solidFill>
+            <a:schemeClr val="phClr"/>
+          </a:solidFill>
+          <a:prstDash val="solid"/>
+          <a:miter lim="800000"/>
         </a:ln>
       </a:lnStyleLst>
       <a:effectStyleLst>
         <a:effectStyle>
+          <a:effectLst/>
+        </a:effectStyle>
+        <a:effectStyle>
+          <a:effectLst/>
+        </a:effectStyle>
+        <a:effectStyle>
           <a:effectLst>
-            <a:outerShdw blurRad="40000" dist="20000" dir="5400000" rotWithShape="0">
+            <a:outerShdw blurRad="57150" dist="19050" dir="5400000" algn="ctr" rotWithShape="0">
               <a:srgbClr val="000000">
-                <a:alpha val="38000"/>
+                <a:alpha val="63000"/>
               </a:srgbClr>
             </a:outerShdw>
           </a:effectLst>
-        </a:effectStyle>
-        <a:effectStyle>
-          <a:effectLst>
-            <a:outerShdw blurRad="40000" dist="23000" dir="5400000" rotWithShape="0">
-              <a:srgbClr val="000000">
-                <a:alpha val="35000"/>
-              </a:srgbClr>
-            </a:outerShdw>
-          </a:effectLst>
-        </a:effectStyle>
-        <a:effectStyle>
-          <a:effectLst>
-            <a:outerShdw blurRad="40000" dist="23000" dir="5400000" rotWithShape="0">
-              <a:srgbClr val="000000">
-                <a:alpha val="35000"/>
-              </a:srgbClr>
-            </a:outerShdw>
-          </a:effectLst>
-          <a:scene3d>
-            <a:camera prst="orthographicFront">
-              <a:rot lat="0" lon="0" rev="0"/>
-            </a:camera>
-            <a:lightRig rig="threePt" dir="t">
-              <a:rot lat="0" lon="0" rev="1200000"/>
-            </a:lightRig>
-          </a:scene3d>
-          <a:sp3d>
-            <a:bevelT w="63500" h="25400"/>
-          </a:sp3d>
         </a:effectStyle>
       </a:effectStyleLst>
       <a:bgFillStyleLst>
         <a:solidFill>
           <a:schemeClr val="phClr"/>
         </a:solidFill>
+        <a:solidFill>
+          <a:schemeClr val="phClr">
+            <a:tint val="95000"/>
+            <a:satMod val="170000"/>
+          </a:schemeClr>
+        </a:solidFill>
         <a:gradFill rotWithShape="1">
           <a:gsLst>
             <a:gs pos="0">
               <a:schemeClr val="phClr">
-                <a:tint val="40000"/>
-                <a:satMod val="350000"/>
+                <a:tint val="93000"/>
+                <a:satMod val="150000"/>
+                <a:shade val="98000"/>
+                <a:lumMod val="102000"/>
               </a:schemeClr>
             </a:gs>
-            <a:gs pos="40000">
+            <a:gs pos="50000">
               <a:schemeClr val="phClr">
-                <a:tint val="45000"/>
-                <a:shade val="99000"/>
-                <a:satMod val="350000"/>
+                <a:tint val="98000"/>
+                <a:satMod val="130000"/>
+                <a:shade val="90000"/>
+                <a:lumMod val="103000"/>
               </a:schemeClr>
             </a:gs>
             <a:gs pos="100000">
               <a:schemeClr val="phClr">
-                <a:shade val="20000"/>
-                <a:satMod val="255000"/>
+                <a:shade val="63000"/>
+                <a:satMod val="120000"/>
               </a:schemeClr>
             </a:gs>
           </a:gsLst>
-          <a:path path="circle">
-            <a:fillToRect l="50000" t="-80000" r="50000" b="180000"/>
-          </a:path>
-        </a:gradFill>
-        <a:gradFill rotWithShape="1">
-          <a:gsLst>
-            <a:gs pos="0">
-              <a:schemeClr val="phClr">
-                <a:tint val="80000"/>
-                <a:satMod val="300000"/>
-              </a:schemeClr>
-            </a:gs>
-            <a:gs pos="100000">
-              <a:schemeClr val="phClr">
-                <a:shade val="30000"/>
-                <a:satMod val="200000"/>
-              </a:schemeClr>
-            </a:gs>
-          </a:gsLst>
-          <a:path path="circle">
-            <a:fillToRect l="50000" t="50000" r="50000" b="50000"/>
-          </a:path>
+          <a:lin ang="5400000" scaled="0"/>
         </a:gradFill>
       </a:bgFillStyleLst>
     </a:fmtScheme>
   </a:themeElements>
-  <a:objectDefaults>
-    <a:spDef>
-      <a:spPr/>
-      <a:bodyPr/>
-      <a:lstStyle/>
-      <a:style>
-        <a:lnRef idx="1">
-          <a:schemeClr val="accent1"/>
-        </a:lnRef>
-        <a:fillRef idx="3">
-          <a:schemeClr val="accent1"/>
-        </a:fillRef>
-        <a:effectRef idx="2">
-          <a:schemeClr val="accent1"/>
-        </a:effectRef>
-        <a:fontRef idx="minor">
-          <a:schemeClr val="lt1"/>
-        </a:fontRef>
-      </a:style>
-    </a:spDef>
-    <a:lnDef>
-      <a:spPr/>
-      <a:bodyPr/>
-      <a:lstStyle/>
-      <a:style>
-        <a:lnRef idx="2">
-          <a:schemeClr val="accent1"/>
-        </a:lnRef>
-        <a:fillRef idx="0">
-          <a:schemeClr val="accent1"/>
-        </a:fillRef>
-        <a:effectRef idx="1">
-          <a:schemeClr val="accent1"/>
-        </a:effectRef>
-        <a:fontRef idx="minor">
-          <a:schemeClr val="tx1"/>
-        </a:fontRef>
-      </a:style>
-    </a:lnDef>
-  </a:objectDefaults>
+  <a:objectDefaults/>
   <a:extraClrSchemeLst/>
+  <a:extLst>
+    <a:ext uri="{05A4C25C-085E-4340-85A3-A5531E510DB2}">
+      <thm15:themeFamily xmlns:thm15="http://schemas.microsoft.com/office/thememl/2012/main" name="Office Theme" id="{62F939B6-93AF-4DB8-9C6B-D6C7DFDC589F}" vid="{4A3C46E8-61CC-4603-A589-7422A47A8E4A}"/>
+    </a:ext>
+  </a:extLst>
 </a:theme>
 </file>
 
@@ -8684,4 +11507,324 @@
   </a:objectDefaults>
   <a:extraClrSchemeLst/>
 </a:theme>
+</file>
+
+<file path=ppt/theme/theme4.xml><?xml version="1.0" encoding="utf-8"?>
+<a:theme xmlns:a="http://schemas.openxmlformats.org/drawingml/2006/main" name="Office Theme">
+  <a:themeElements>
+    <a:clrScheme name="Office">
+      <a:dk1>
+        <a:sysClr val="windowText" lastClr="000000"/>
+      </a:dk1>
+      <a:lt1>
+        <a:sysClr val="window" lastClr="FFFFFF"/>
+      </a:lt1>
+      <a:dk2>
+        <a:srgbClr val="1F497D"/>
+      </a:dk2>
+      <a:lt2>
+        <a:srgbClr val="EEECE1"/>
+      </a:lt2>
+      <a:accent1>
+        <a:srgbClr val="4F81BD"/>
+      </a:accent1>
+      <a:accent2>
+        <a:srgbClr val="C0504D"/>
+      </a:accent2>
+      <a:accent3>
+        <a:srgbClr val="9BBB59"/>
+      </a:accent3>
+      <a:accent4>
+        <a:srgbClr val="8064A2"/>
+      </a:accent4>
+      <a:accent5>
+        <a:srgbClr val="4BACC6"/>
+      </a:accent5>
+      <a:accent6>
+        <a:srgbClr val="F79646"/>
+      </a:accent6>
+      <a:hlink>
+        <a:srgbClr val="0000FF"/>
+      </a:hlink>
+      <a:folHlink>
+        <a:srgbClr val="800080"/>
+      </a:folHlink>
+    </a:clrScheme>
+    <a:fontScheme name="Office">
+      <a:majorFont>
+        <a:latin typeface="Calibri"/>
+        <a:ea typeface=""/>
+        <a:cs typeface=""/>
+        <a:font script="Jpan" typeface="ＭＳ Ｐゴシック"/>
+        <a:font script="Hang" typeface="맑은 고딕"/>
+        <a:font script="Hans" typeface="宋体"/>
+        <a:font script="Hant" typeface="新細明體"/>
+        <a:font script="Arab" typeface="Times New Roman"/>
+        <a:font script="Hebr" typeface="Times New Roman"/>
+        <a:font script="Thai" typeface="Angsana New"/>
+        <a:font script="Ethi" typeface="Nyala"/>
+        <a:font script="Beng" typeface="Vrinda"/>
+        <a:font script="Gujr" typeface="Shruti"/>
+        <a:font script="Khmr" typeface="MoolBoran"/>
+        <a:font script="Knda" typeface="Tunga"/>
+        <a:font script="Guru" typeface="Raavi"/>
+        <a:font script="Cans" typeface="Euphemia"/>
+        <a:font script="Cher" typeface="Plantagenet Cherokee"/>
+        <a:font script="Yiii" typeface="Microsoft Yi Baiti"/>
+        <a:font script="Tibt" typeface="Microsoft Himalaya"/>
+        <a:font script="Thaa" typeface="MV Boli"/>
+        <a:font script="Deva" typeface="Mangal"/>
+        <a:font script="Telu" typeface="Gautami"/>
+        <a:font script="Taml" typeface="Latha"/>
+        <a:font script="Syrc" typeface="Estrangelo Edessa"/>
+        <a:font script="Orya" typeface="Kalinga"/>
+        <a:font script="Mlym" typeface="Kartika"/>
+        <a:font script="Laoo" typeface="DokChampa"/>
+        <a:font script="Sinh" typeface="Iskoola Pota"/>
+        <a:font script="Mong" typeface="Mongolian Baiti"/>
+        <a:font script="Viet" typeface="Times New Roman"/>
+        <a:font script="Uigh" typeface="Microsoft Uighur"/>
+        <a:font script="Geor" typeface="Sylfaen"/>
+      </a:majorFont>
+      <a:minorFont>
+        <a:latin typeface="Calibri"/>
+        <a:ea typeface=""/>
+        <a:cs typeface=""/>
+        <a:font script="Jpan" typeface="ＭＳ Ｐゴシック"/>
+        <a:font script="Hang" typeface="맑은 고딕"/>
+        <a:font script="Hans" typeface="宋体"/>
+        <a:font script="Hant" typeface="新細明體"/>
+        <a:font script="Arab" typeface="Arial"/>
+        <a:font script="Hebr" typeface="Arial"/>
+        <a:font script="Thai" typeface="Cordia New"/>
+        <a:font script="Ethi" typeface="Nyala"/>
+        <a:font script="Beng" typeface="Vrinda"/>
+        <a:font script="Gujr" typeface="Shruti"/>
+        <a:font script="Khmr" typeface="DaunPenh"/>
+        <a:font script="Knda" typeface="Tunga"/>
+        <a:font script="Guru" typeface="Raavi"/>
+        <a:font script="Cans" typeface="Euphemia"/>
+        <a:font script="Cher" typeface="Plantagenet Cherokee"/>
+        <a:font script="Yiii" typeface="Microsoft Yi Baiti"/>
+        <a:font script="Tibt" typeface="Microsoft Himalaya"/>
+        <a:font script="Thaa" typeface="MV Boli"/>
+        <a:font script="Deva" typeface="Mangal"/>
+        <a:font script="Telu" typeface="Gautami"/>
+        <a:font script="Taml" typeface="Latha"/>
+        <a:font script="Syrc" typeface="Estrangelo Edessa"/>
+        <a:font script="Orya" typeface="Kalinga"/>
+        <a:font script="Mlym" typeface="Kartika"/>
+        <a:font script="Laoo" typeface="DokChampa"/>
+        <a:font script="Sinh" typeface="Iskoola Pota"/>
+        <a:font script="Mong" typeface="Mongolian Baiti"/>
+        <a:font script="Viet" typeface="Arial"/>
+        <a:font script="Uigh" typeface="Microsoft Uighur"/>
+        <a:font script="Geor" typeface="Sylfaen"/>
+      </a:minorFont>
+    </a:fontScheme>
+    <a:fmtScheme name="Office">
+      <a:fillStyleLst>
+        <a:solidFill>
+          <a:schemeClr val="phClr"/>
+        </a:solidFill>
+        <a:gradFill rotWithShape="1">
+          <a:gsLst>
+            <a:gs pos="0">
+              <a:schemeClr val="phClr">
+                <a:tint val="50000"/>
+                <a:satMod val="300000"/>
+              </a:schemeClr>
+            </a:gs>
+            <a:gs pos="35000">
+              <a:schemeClr val="phClr">
+                <a:tint val="37000"/>
+                <a:satMod val="300000"/>
+              </a:schemeClr>
+            </a:gs>
+            <a:gs pos="100000">
+              <a:schemeClr val="phClr">
+                <a:tint val="15000"/>
+                <a:satMod val="350000"/>
+              </a:schemeClr>
+            </a:gs>
+          </a:gsLst>
+          <a:lin ang="16200000" scaled="1"/>
+        </a:gradFill>
+        <a:gradFill rotWithShape="1">
+          <a:gsLst>
+            <a:gs pos="0">
+              <a:schemeClr val="phClr">
+                <a:tint val="100000"/>
+                <a:shade val="100000"/>
+                <a:satMod val="130000"/>
+              </a:schemeClr>
+            </a:gs>
+            <a:gs pos="100000">
+              <a:schemeClr val="phClr">
+                <a:tint val="50000"/>
+                <a:shade val="100000"/>
+                <a:satMod val="350000"/>
+              </a:schemeClr>
+            </a:gs>
+          </a:gsLst>
+          <a:lin ang="16200000" scaled="0"/>
+        </a:gradFill>
+      </a:fillStyleLst>
+      <a:lnStyleLst>
+        <a:ln w="9525" cap="flat" cmpd="sng" algn="ctr">
+          <a:solidFill>
+            <a:schemeClr val="phClr">
+              <a:shade val="95000"/>
+              <a:satMod val="105000"/>
+            </a:schemeClr>
+          </a:solidFill>
+          <a:prstDash val="solid"/>
+        </a:ln>
+        <a:ln w="25400" cap="flat" cmpd="sng" algn="ctr">
+          <a:solidFill>
+            <a:schemeClr val="phClr"/>
+          </a:solidFill>
+          <a:prstDash val="solid"/>
+        </a:ln>
+        <a:ln w="38100" cap="flat" cmpd="sng" algn="ctr">
+          <a:solidFill>
+            <a:schemeClr val="phClr"/>
+          </a:solidFill>
+          <a:prstDash val="solid"/>
+        </a:ln>
+      </a:lnStyleLst>
+      <a:effectStyleLst>
+        <a:effectStyle>
+          <a:effectLst>
+            <a:outerShdw blurRad="40000" dist="20000" dir="5400000" rotWithShape="0">
+              <a:srgbClr val="000000">
+                <a:alpha val="38000"/>
+              </a:srgbClr>
+            </a:outerShdw>
+          </a:effectLst>
+        </a:effectStyle>
+        <a:effectStyle>
+          <a:effectLst>
+            <a:outerShdw blurRad="40000" dist="23000" dir="5400000" rotWithShape="0">
+              <a:srgbClr val="000000">
+                <a:alpha val="35000"/>
+              </a:srgbClr>
+            </a:outerShdw>
+          </a:effectLst>
+        </a:effectStyle>
+        <a:effectStyle>
+          <a:effectLst>
+            <a:outerShdw blurRad="40000" dist="23000" dir="5400000" rotWithShape="0">
+              <a:srgbClr val="000000">
+                <a:alpha val="35000"/>
+              </a:srgbClr>
+            </a:outerShdw>
+          </a:effectLst>
+          <a:scene3d>
+            <a:camera prst="orthographicFront">
+              <a:rot lat="0" lon="0" rev="0"/>
+            </a:camera>
+            <a:lightRig rig="threePt" dir="t">
+              <a:rot lat="0" lon="0" rev="1200000"/>
+            </a:lightRig>
+          </a:scene3d>
+          <a:sp3d>
+            <a:bevelT w="63500" h="25400"/>
+          </a:sp3d>
+        </a:effectStyle>
+      </a:effectStyleLst>
+      <a:bgFillStyleLst>
+        <a:solidFill>
+          <a:schemeClr val="phClr"/>
+        </a:solidFill>
+        <a:gradFill rotWithShape="1">
+          <a:gsLst>
+            <a:gs pos="0">
+              <a:schemeClr val="phClr">
+                <a:tint val="40000"/>
+                <a:satMod val="350000"/>
+              </a:schemeClr>
+            </a:gs>
+            <a:gs pos="40000">
+              <a:schemeClr val="phClr">
+                <a:tint val="45000"/>
+                <a:shade val="99000"/>
+                <a:satMod val="350000"/>
+              </a:schemeClr>
+            </a:gs>
+            <a:gs pos="100000">
+              <a:schemeClr val="phClr">
+                <a:shade val="20000"/>
+                <a:satMod val="255000"/>
+              </a:schemeClr>
+            </a:gs>
+          </a:gsLst>
+          <a:path path="circle">
+            <a:fillToRect l="50000" t="-80000" r="50000" b="180000"/>
+          </a:path>
+        </a:gradFill>
+        <a:gradFill rotWithShape="1">
+          <a:gsLst>
+            <a:gs pos="0">
+              <a:schemeClr val="phClr">
+                <a:tint val="80000"/>
+                <a:satMod val="300000"/>
+              </a:schemeClr>
+            </a:gs>
+            <a:gs pos="100000">
+              <a:schemeClr val="phClr">
+                <a:shade val="30000"/>
+                <a:satMod val="200000"/>
+              </a:schemeClr>
+            </a:gs>
+          </a:gsLst>
+          <a:path path="circle">
+            <a:fillToRect l="50000" t="50000" r="50000" b="50000"/>
+          </a:path>
+        </a:gradFill>
+      </a:bgFillStyleLst>
+    </a:fmtScheme>
+  </a:themeElements>
+  <a:objectDefaults>
+    <a:spDef>
+      <a:spPr/>
+      <a:bodyPr/>
+      <a:lstStyle/>
+      <a:style>
+        <a:lnRef idx="1">
+          <a:schemeClr val="accent1"/>
+        </a:lnRef>
+        <a:fillRef idx="3">
+          <a:schemeClr val="accent1"/>
+        </a:fillRef>
+        <a:effectRef idx="2">
+          <a:schemeClr val="accent1"/>
+        </a:effectRef>
+        <a:fontRef idx="minor">
+          <a:schemeClr val="lt1"/>
+        </a:fontRef>
+      </a:style>
+    </a:spDef>
+    <a:lnDef>
+      <a:spPr/>
+      <a:bodyPr/>
+      <a:lstStyle/>
+      <a:style>
+        <a:lnRef idx="2">
+          <a:schemeClr val="accent1"/>
+        </a:lnRef>
+        <a:fillRef idx="0">
+          <a:schemeClr val="accent1"/>
+        </a:fillRef>
+        <a:effectRef idx="1">
+          <a:schemeClr val="accent1"/>
+        </a:effectRef>
+        <a:fontRef idx="minor">
+          <a:schemeClr val="tx1"/>
+        </a:fontRef>
+      </a:style>
+    </a:lnDef>
+  </a:objectDefaults>
+  <a:extraClrSchemeLst/>
+</a:theme>
 </file>
--- a/translations/en-us/beginner/Ultrasonic.pptx
+++ b/translations/en-us/beginner/Ultrasonic.pptx
@@ -222,7 +222,7 @@
           <a:p>
             <a:fld id="{F8D9B3D7-15CB-9343-AA49-EFB5A8F33F18}" type="datetimeFigureOut">
               <a:rPr lang="en-US" smtClean="0"/>
-              <a:t>7/4/16</a:t>
+              <a:t>7/19/16</a:t>
             </a:fld>
             <a:endParaRPr lang="en-US"/>
           </a:p>
@@ -388,7 +388,7 @@
           <a:p>
             <a:fld id="{FD3EFF1E-85A1-6640-AFB9-C38833E80A84}" type="datetimeFigureOut">
               <a:rPr lang="en-US" smtClean="0"/>
-              <a:t>7/4/16</a:t>
+              <a:t>7/19/16</a:t>
             </a:fld>
             <a:endParaRPr lang="en-US"/>
           </a:p>
@@ -1340,7 +1340,7 @@
           <a:noFill/>
           <a:extLst>
             <a:ext uri="{909E8E84-426E-40dd-AFC4-6F175D3DCCD1}">
-              <a14:hiddenFill xmlns:a14="http://schemas.microsoft.com/office/drawing/2010/main" xmlns="">
+              <a14:hiddenFill xmlns="" xmlns:a14="http://schemas.microsoft.com/office/drawing/2010/main">
                 <a:solidFill>
                   <a:srgbClr val="FFFFFF"/>
                 </a:solidFill>
@@ -8078,6 +8078,35 @@
           </a:p>
         </p:txBody>
       </p:sp>
+      <p:pic>
+        <p:nvPicPr>
+          <p:cNvPr id="4" name="Picture 3"/>
+          <p:cNvPicPr>
+            <a:picLocks noChangeAspect="1"/>
+          </p:cNvPicPr>
+          <p:nvPr/>
+        </p:nvPicPr>
+        <p:blipFill rotWithShape="1">
+          <a:blip r:embed="rId2">
+            <a:extLst>
+              <a:ext uri="{28A0092B-C50C-407E-A947-70E740481C1C}">
+                <a14:useLocalDpi xmlns:a14="http://schemas.microsoft.com/office/drawing/2010/main" val="0"/>
+              </a:ext>
+            </a:extLst>
+          </a:blip>
+          <a:srcRect l="4523" t="17619" r="3095" b="25000"/>
+          <a:stretch/>
+        </p:blipFill>
+        <p:spPr>
+          <a:xfrm>
+            <a:off x="3711108" y="4592409"/>
+            <a:ext cx="1700816" cy="1056435"/>
+          </a:xfrm>
+          <a:prstGeom prst="rect">
+            <a:avLst/>
+          </a:prstGeom>
+        </p:spPr>
+      </p:pic>
     </p:spTree>
     <p:extLst>
       <p:ext uri="{BB962C8B-B14F-4D97-AF65-F5344CB8AC3E}">
@@ -8435,7 +8464,7 @@
           <a:effectLst/>
           <a:extLst>
             <a:ext uri="{91240B29-F687-4f45-9708-019B960494DF}">
-              <a14:hiddenLine xmlns:a14="http://schemas.microsoft.com/office/drawing/2010/main" xmlns="" w="9525">
+              <a14:hiddenLine xmlns="" xmlns:a14="http://schemas.microsoft.com/office/drawing/2010/main" w="9525">
                 <a:solidFill>
                   <a:schemeClr val="tx1"/>
                 </a:solidFill>
@@ -8445,7 +8474,7 @@
               </a14:hiddenLine>
             </a:ext>
             <a:ext uri="{AF507438-7753-43e0-B8FC-AC1667EBCBE1}">
-              <a14:hiddenEffects xmlns:a14="http://schemas.microsoft.com/office/drawing/2010/main" xmlns="">
+              <a14:hiddenEffects xmlns="" xmlns:a14="http://schemas.microsoft.com/office/drawing/2010/main">
                 <a:effectLst>
                   <a:outerShdw dist="35921" dir="2700000" algn="ctr" rotWithShape="0">
                     <a:schemeClr val="bg2"/>
@@ -8798,7 +8827,7 @@
           <a:noFill/>
           <a:extLst>
             <a:ext uri="{909E8E84-426E-40dd-AFC4-6F175D3DCCD1}">
-              <a14:hiddenFill xmlns:a14="http://schemas.microsoft.com/office/drawing/2010/main" xmlns="">
+              <a14:hiddenFill xmlns="" xmlns:a14="http://schemas.microsoft.com/office/drawing/2010/main">
                 <a:solidFill>
                   <a:srgbClr val="FFFFFF"/>
                 </a:solidFill>
@@ -9170,7 +9199,7 @@
           <a:noFill/>
           <a:extLst>
             <a:ext uri="{909E8E84-426E-40dd-AFC4-6F175D3DCCD1}">
-              <a14:hiddenFill xmlns:a14="http://schemas.microsoft.com/office/drawing/2010/main" xmlns="">
+              <a14:hiddenFill xmlns="" xmlns:a14="http://schemas.microsoft.com/office/drawing/2010/main">
                 <a:solidFill>
                   <a:srgbClr val="FFFFFF"/>
                 </a:solidFill>
